--- a/NeoBrain.pptx
+++ b/NeoBrain.pptx
@@ -127,7 +127,7 @@
   <p:extLst>
     <p:ext uri="{EFAFB233-063F-42B5-8137-9DF3F51BA10A}">
       <p15:sldGuideLst xmlns:p15="http://schemas.microsoft.com/office/powerpoint/2012/main">
-        <p15:guide id="1" orient="horz" pos="2069" userDrawn="1">
+        <p15:guide id="1" orient="horz" pos="2047" userDrawn="1">
           <p15:clr>
             <a:srgbClr val="A4A3A4"/>
           </p15:clr>
@@ -252,7 +252,7 @@
             <a:pPr rtl="0"/>
             <a:fld id="{84D28F2D-D4F3-4E2B-A0F3-7AAFDE0BC58B}" type="datetime1">
               <a:rPr lang="ru-RU" smtClean="0"/>
-              <a:t>14.03.2020</a:t>
+              <a:t>05.04.2020</a:t>
             </a:fld>
             <a:endParaRPr lang="ru-RU" dirty="0"/>
           </a:p>
@@ -433,7 +433,7 @@
             <a:fld id="{CA49951C-CA37-4221-943D-71E64EEEA549}" type="datetime1">
               <a:rPr lang="ru-RU" smtClean="0"/>
               <a:pPr/>
-              <a:t>14.03.2020</a:t>
+              <a:t>05.04.2020</a:t>
             </a:fld>
             <a:endParaRPr lang="ru-RU" dirty="0"/>
           </a:p>
@@ -2148,7 +2148,7 @@
             <a:pPr rtl="0"/>
             <a:fld id="{1BCB67F5-0266-4F57-BCC8-CAA9673E5902}" type="datetime1">
               <a:rPr lang="ru-RU" noProof="0" smtClean="0"/>
-              <a:t>14.03.2020</a:t>
+              <a:t>05.04.2020</a:t>
             </a:fld>
             <a:endParaRPr lang="ru-RU" noProof="0" dirty="0"/>
           </a:p>
@@ -2352,7 +2352,7 @@
             <a:pPr rtl="0"/>
             <a:fld id="{1B5ADB00-8AAA-4C20-B03B-A012746A2014}" type="datetime1">
               <a:rPr lang="ru-RU" noProof="0" smtClean="0"/>
-              <a:t>14.03.2020</a:t>
+              <a:t>05.04.2020</a:t>
             </a:fld>
             <a:endParaRPr lang="ru-RU" noProof="0" dirty="0"/>
           </a:p>
@@ -2566,7 +2566,7 @@
             <a:pPr rtl="0"/>
             <a:fld id="{7C0EA85A-0755-4D64-85AE-4D684CB44117}" type="datetime1">
               <a:rPr lang="ru-RU" noProof="0" smtClean="0"/>
-              <a:t>14.03.2020</a:t>
+              <a:t>05.04.2020</a:t>
             </a:fld>
             <a:endParaRPr lang="ru-RU" noProof="0" dirty="0"/>
           </a:p>
@@ -2770,7 +2770,7 @@
             <a:pPr rtl="0"/>
             <a:fld id="{82200F68-8153-43BD-9048-5E0203738055}" type="datetime1">
               <a:rPr lang="ru-RU" noProof="0" smtClean="0"/>
-              <a:t>14.03.2020</a:t>
+              <a:t>05.04.2020</a:t>
             </a:fld>
             <a:endParaRPr lang="ru-RU" noProof="0" dirty="0"/>
           </a:p>
@@ -3050,7 +3050,7 @@
             <a:pPr rtl="0"/>
             <a:fld id="{DEE6A3E5-DF0B-4BB4-83EC-7350AED6B333}" type="datetime1">
               <a:rPr lang="ru-RU" noProof="0" smtClean="0"/>
-              <a:t>14.03.2020</a:t>
+              <a:t>05.04.2020</a:t>
             </a:fld>
             <a:endParaRPr lang="ru-RU" noProof="0" dirty="0"/>
           </a:p>
@@ -3322,7 +3322,7 @@
             <a:pPr rtl="0"/>
             <a:fld id="{658B5BE7-11FF-4B74-A258-0B0852B1C612}" type="datetime1">
               <a:rPr lang="ru-RU" noProof="0" smtClean="0"/>
-              <a:t>14.03.2020</a:t>
+              <a:t>05.04.2020</a:t>
             </a:fld>
             <a:endParaRPr lang="ru-RU" noProof="0" dirty="0"/>
           </a:p>
@@ -3741,7 +3741,7 @@
             <a:pPr rtl="0"/>
             <a:fld id="{5153AEB0-DEE4-469A-ACA7-FCE298962CB8}" type="datetime1">
               <a:rPr lang="ru-RU" noProof="0" smtClean="0"/>
-              <a:t>14.03.2020</a:t>
+              <a:t>05.04.2020</a:t>
             </a:fld>
             <a:endParaRPr lang="ru-RU" noProof="0" dirty="0"/>
           </a:p>
@@ -3887,7 +3887,7 @@
             <a:pPr rtl="0"/>
             <a:fld id="{A7D850CA-FEA9-4ECA-92F5-9F1778664B8F}" type="datetime1">
               <a:rPr lang="ru-RU" noProof="0" smtClean="0"/>
-              <a:t>14.03.2020</a:t>
+              <a:t>05.04.2020</a:t>
             </a:fld>
             <a:endParaRPr lang="ru-RU" noProof="0" dirty="0"/>
           </a:p>
@@ -4003,7 +4003,7 @@
             <a:pPr rtl="0"/>
             <a:fld id="{BDD77D1A-AB3F-4195-91BD-ED29ADAC1B44}" type="datetime1">
               <a:rPr lang="ru-RU" noProof="0" smtClean="0"/>
-              <a:t>14.03.2020</a:t>
+              <a:t>05.04.2020</a:t>
             </a:fld>
             <a:endParaRPr lang="ru-RU" noProof="0" dirty="0"/>
           </a:p>
@@ -4320,7 +4320,7 @@
             <a:pPr rtl="0"/>
             <a:fld id="{376F1AFD-3CC9-4493-BC63-1C141B05CE5B}" type="datetime1">
               <a:rPr lang="ru-RU" noProof="0" smtClean="0"/>
-              <a:t>14.03.2020</a:t>
+              <a:t>05.04.2020</a:t>
             </a:fld>
             <a:endParaRPr lang="ru-RU" noProof="0" dirty="0"/>
           </a:p>
@@ -4618,7 +4618,7 @@
             <a:pPr rtl="0"/>
             <a:fld id="{6F578092-39FE-416A-9517-019E99EC9D0E}" type="datetime1">
               <a:rPr lang="ru-RU" noProof="0" smtClean="0"/>
-              <a:t>14.03.2020</a:t>
+              <a:t>05.04.2020</a:t>
             </a:fld>
             <a:endParaRPr lang="ru-RU" noProof="0" dirty="0"/>
           </a:p>
@@ -4863,7 +4863,7 @@
             <a:pPr rtl="0"/>
             <a:fld id="{368E1444-B5BA-4767-8208-964378902D11}" type="datetime1">
               <a:rPr lang="ru-RU" noProof="0" smtClean="0"/>
-              <a:t>14.03.2020</a:t>
+              <a:t>05.04.2020</a:t>
             </a:fld>
             <a:endParaRPr lang="ru-RU" noProof="0" dirty="0"/>
           </a:p>
@@ -5887,8 +5887,25 @@
                 <a:latin typeface="+mj-lt"/>
                 <a:cs typeface="Segoe UI" panose="020B0502040204020203" pitchFamily="34" charset="0"/>
               </a:rPr>
-              <a:t>Социальная сеть для саморазвития</a:t>
+              <a:t>Социальная сеть для </a:t>
             </a:r>
+            <a:r>
+              <a:rPr lang="ru-RU" sz="2400" i="1" dirty="0" smtClean="0">
+                <a:solidFill>
+                  <a:srgbClr val="002060"/>
+                </a:solidFill>
+                <a:latin typeface="+mj-lt"/>
+                <a:cs typeface="Segoe UI" panose="020B0502040204020203" pitchFamily="34" charset="0"/>
+              </a:rPr>
+              <a:t>развития</a:t>
+            </a:r>
+            <a:endParaRPr lang="ru-RU" sz="2400" i="1" dirty="0">
+              <a:solidFill>
+                <a:srgbClr val="002060"/>
+              </a:solidFill>
+              <a:latin typeface="+mj-lt"/>
+              <a:cs typeface="Segoe UI" panose="020B0502040204020203" pitchFamily="34" charset="0"/>
+            </a:endParaRPr>
           </a:p>
         </p:txBody>
       </p:sp>
@@ -8661,7 +8678,7 @@
                 <a16:creationId xmlns:a16="http://schemas.microsoft.com/office/drawing/2014/main" id="{C8431200-8E45-4A0C-B12B-CFA1B2C53C47}"/>
               </a:ext>
               <a:ext uri="{C183D7F6-B498-43B3-948B-1728B52AA6E4}">
-                <adec:decorative xmlns:adec="http://schemas.microsoft.com/office/drawing/2017/decorative" xmlns="" val="1"/>
+                <adec:decorative xmlns="" xmlns:adec="http://schemas.microsoft.com/office/drawing/2017/decorative" val="1"/>
               </a:ext>
             </a:extLst>
           </p:cNvPr>
@@ -8721,7 +8738,7 @@
                 <a16:creationId xmlns:a16="http://schemas.microsoft.com/office/drawing/2014/main" id="{241C7FC4-FEFA-4A96-9749-9068C68611EF}"/>
               </a:ext>
               <a:ext uri="{C183D7F6-B498-43B3-948B-1728B52AA6E4}">
-                <adec:decorative xmlns:adec="http://schemas.microsoft.com/office/drawing/2017/decorative" xmlns="" val="1"/>
+                <adec:decorative xmlns="" xmlns:adec="http://schemas.microsoft.com/office/drawing/2017/decorative" val="1"/>
               </a:ext>
             </a:extLst>
           </p:cNvPr>
@@ -8827,7 +8844,7 @@
                 <a16:creationId xmlns:a16="http://schemas.microsoft.com/office/drawing/2014/main" id="{294AEDC0-6B1D-4A3D-860D-83756CC387D3}"/>
               </a:ext>
               <a:ext uri="{C183D7F6-B498-43B3-948B-1728B52AA6E4}">
-                <adec:decorative xmlns:adec="http://schemas.microsoft.com/office/drawing/2017/decorative" xmlns="" val="1"/>
+                <adec:decorative xmlns="" xmlns:adec="http://schemas.microsoft.com/office/drawing/2017/decorative" val="1"/>
               </a:ext>
             </a:extLst>
           </p:cNvPr>
@@ -9569,7 +9586,7 @@
                 <a16:creationId xmlns:a16="http://schemas.microsoft.com/office/drawing/2014/main" id="{C8431200-8E45-4A0C-B12B-CFA1B2C53C47}"/>
               </a:ext>
               <a:ext uri="{C183D7F6-B498-43B3-948B-1728B52AA6E4}">
-                <adec:decorative xmlns:adec="http://schemas.microsoft.com/office/drawing/2017/decorative" xmlns="" val="1"/>
+                <adec:decorative xmlns="" xmlns:adec="http://schemas.microsoft.com/office/drawing/2017/decorative" val="1"/>
               </a:ext>
             </a:extLst>
           </p:cNvPr>
@@ -9629,7 +9646,7 @@
                 <a16:creationId xmlns:a16="http://schemas.microsoft.com/office/drawing/2014/main" id="{241C7FC4-FEFA-4A96-9749-9068C68611EF}"/>
               </a:ext>
               <a:ext uri="{C183D7F6-B498-43B3-948B-1728B52AA6E4}">
-                <adec:decorative xmlns:adec="http://schemas.microsoft.com/office/drawing/2017/decorative" xmlns="" val="1"/>
+                <adec:decorative xmlns="" xmlns:adec="http://schemas.microsoft.com/office/drawing/2017/decorative" val="1"/>
               </a:ext>
             </a:extLst>
           </p:cNvPr>
@@ -9745,7 +9762,7 @@
                 <a16:creationId xmlns:a16="http://schemas.microsoft.com/office/drawing/2014/main" id="{294AEDC0-6B1D-4A3D-860D-83756CC387D3}"/>
               </a:ext>
               <a:ext uri="{C183D7F6-B498-43B3-948B-1728B52AA6E4}">
-                <adec:decorative xmlns:adec="http://schemas.microsoft.com/office/drawing/2017/decorative" xmlns="" val="1"/>
+                <adec:decorative xmlns="" xmlns:adec="http://schemas.microsoft.com/office/drawing/2017/decorative" val="1"/>
               </a:ext>
             </a:extLst>
           </p:cNvPr>
@@ -10344,7 +10361,7 @@
                 <a16:creationId xmlns:a16="http://schemas.microsoft.com/office/drawing/2014/main" id="{D14F9816-D761-44CD-80AC-A13A6A2BF4F4}"/>
               </a:ext>
               <a:ext uri="{C183D7F6-B498-43B3-948B-1728B52AA6E4}">
-                <adec:decorative xmlns:adec="http://schemas.microsoft.com/office/drawing/2017/decorative" xmlns="" val="1"/>
+                <adec:decorative xmlns="" xmlns:adec="http://schemas.microsoft.com/office/drawing/2017/decorative" val="1"/>
               </a:ext>
             </a:extLst>
           </p:cNvPr>
@@ -11228,7 +11245,7 @@
                 <a16:creationId xmlns:a16="http://schemas.microsoft.com/office/drawing/2014/main" id="{E6D6E19C-DE46-4402-8CBF-17BB95458532}"/>
               </a:ext>
               <a:ext uri="{C183D7F6-B498-43B3-948B-1728B52AA6E4}">
-                <adec:decorative xmlns:adec="http://schemas.microsoft.com/office/drawing/2017/decorative" xmlns="" val="1"/>
+                <adec:decorative xmlns="" xmlns:adec="http://schemas.microsoft.com/office/drawing/2017/decorative" val="1"/>
               </a:ext>
             </a:extLst>
           </p:cNvPr>
@@ -11914,7 +11931,7 @@
                 <a16:creationId xmlns:a16="http://schemas.microsoft.com/office/drawing/2014/main" id="{3638C06D-F644-4B33-8858-D880F038FAC3}"/>
               </a:ext>
               <a:ext uri="{C183D7F6-B498-43B3-948B-1728B52AA6E4}">
-                <adec:decorative xmlns:adec="http://schemas.microsoft.com/office/drawing/2017/decorative" xmlns="" val="1"/>
+                <adec:decorative xmlns="" xmlns:adec="http://schemas.microsoft.com/office/drawing/2017/decorative" val="1"/>
               </a:ext>
             </a:extLst>
           </p:cNvPr>
@@ -13097,13 +13114,18 @@
             <a:p>
               <a:pPr algn="ctr" rtl="0"/>
               <a:r>
-                <a:rPr lang="ru-RU" sz="1200" dirty="0">
+                <a:rPr lang="ru-RU" sz="1200" dirty="0" smtClean="0">
                   <a:solidFill>
                     <a:schemeClr val="bg1"/>
                   </a:solidFill>
                 </a:rPr>
-                <a:t>МАРИНА</a:t>
+                <a:t>АННА</a:t>
               </a:r>
+              <a:endParaRPr lang="ru-RU" sz="1200" dirty="0">
+                <a:solidFill>
+                  <a:schemeClr val="bg1"/>
+                </a:solidFill>
+              </a:endParaRPr>
             </a:p>
           </p:txBody>
         </p:sp>
@@ -16186,6 +16208,16 @@
             <a:p>
               <a:pPr algn="ctr" rtl="0"/>
               <a:r>
+                <a:rPr lang="ru-RU" sz="1600" i="1" dirty="0" smtClean="0">
+                  <a:solidFill>
+                    <a:schemeClr val="bg1"/>
+                  </a:solidFill>
+                  <a:latin typeface="+mj-lt"/>
+                  <a:cs typeface="Segoe UI" panose="020B0502040204020203" pitchFamily="34" charset="0"/>
+                </a:rPr>
+                <a:t>Анна, </a:t>
+              </a:r>
+              <a:r>
                 <a:rPr lang="ru-RU" sz="1600" i="1" dirty="0">
                   <a:solidFill>
                     <a:schemeClr val="bg1"/>
@@ -16193,7 +16225,7 @@
                   <a:latin typeface="+mj-lt"/>
                   <a:cs typeface="Segoe UI" panose="020B0502040204020203" pitchFamily="34" charset="0"/>
                 </a:rPr>
-                <a:t>Марина, что там по уведомлениям?</a:t>
+                <a:t>что там по уведомлениям?</a:t>
               </a:r>
             </a:p>
           </p:txBody>
@@ -17006,6 +17038,16 @@
             <a:p>
               <a:pPr algn="ctr" rtl="0"/>
               <a:r>
+                <a:rPr lang="ru-RU" sz="1600" i="1" dirty="0" smtClean="0">
+                  <a:solidFill>
+                    <a:schemeClr val="bg1"/>
+                  </a:solidFill>
+                  <a:latin typeface="+mj-lt"/>
+                  <a:cs typeface="Segoe UI" panose="020B0502040204020203" pitchFamily="34" charset="0"/>
+                </a:rPr>
+                <a:t>Анют, </a:t>
+              </a:r>
+              <a:r>
                 <a:rPr lang="ru-RU" sz="1600" i="1" dirty="0">
                   <a:solidFill>
                     <a:schemeClr val="bg1"/>
@@ -17013,7 +17055,7 @@
                   <a:latin typeface="+mj-lt"/>
                   <a:cs typeface="Segoe UI" panose="020B0502040204020203" pitchFamily="34" charset="0"/>
                 </a:rPr>
-                <a:t>Марина, сколько моих подруг уже вышло замуж?</a:t>
+                <a:t>сколько моих подруг уже вышло замуж?</a:t>
               </a:r>
             </a:p>
           </p:txBody>
@@ -17047,6 +17089,16 @@
             <a:p>
               <a:pPr algn="ctr" rtl="0"/>
               <a:r>
+                <a:rPr lang="ru-RU" sz="1600" i="1" dirty="0" smtClean="0">
+                  <a:solidFill>
+                    <a:schemeClr val="bg1"/>
+                  </a:solidFill>
+                  <a:latin typeface="+mj-lt"/>
+                  <a:cs typeface="Segoe UI" panose="020B0502040204020203" pitchFamily="34" charset="0"/>
+                </a:rPr>
+                <a:t>Ань, </a:t>
+              </a:r>
+              <a:r>
                 <a:rPr lang="ru-RU" sz="1600" i="1" dirty="0">
                   <a:solidFill>
                     <a:schemeClr val="bg1"/>
@@ -17054,7 +17106,7 @@
                   <a:latin typeface="+mj-lt"/>
                   <a:cs typeface="Segoe UI" panose="020B0502040204020203" pitchFamily="34" charset="0"/>
                 </a:rPr>
-                <a:t>Марина, прочитай новые сообщения</a:t>
+                <a:t>прочитай новые сообщения</a:t>
               </a:r>
             </a:p>
           </p:txBody>
@@ -17114,7 +17166,7 @@
                 <a16:creationId xmlns:a16="http://schemas.microsoft.com/office/drawing/2014/main" id="{6D08E99A-0644-4757-9F3A-BBA1A4F39081}"/>
               </a:ext>
               <a:ext uri="{C183D7F6-B498-43B3-948B-1728B52AA6E4}">
-                <adec:decorative xmlns:adec="http://schemas.microsoft.com/office/drawing/2017/decorative" xmlns="" val="1"/>
+                <adec:decorative xmlns="" xmlns:adec="http://schemas.microsoft.com/office/drawing/2017/decorative" val="1"/>
               </a:ext>
             </a:extLst>
           </p:cNvPr>
@@ -17160,7 +17212,7 @@
                 <a16:creationId xmlns:a16="http://schemas.microsoft.com/office/drawing/2014/main" id="{A21B85DB-181D-46E7-A9DF-F92B1DF032FD}"/>
               </a:ext>
               <a:ext uri="{C183D7F6-B498-43B3-948B-1728B52AA6E4}">
-                <adec:decorative xmlns:adec="http://schemas.microsoft.com/office/drawing/2017/decorative" xmlns="" val="1"/>
+                <adec:decorative xmlns="" xmlns:adec="http://schemas.microsoft.com/office/drawing/2017/decorative" val="1"/>
               </a:ext>
             </a:extLst>
           </p:cNvPr>
@@ -17241,6 +17293,16 @@
           <a:p>
             <a:pPr rtl="0"/>
             <a:r>
+              <a:rPr lang="ru-RU" sz="1600" i="1" dirty="0" smtClean="0">
+                <a:solidFill>
+                  <a:srgbClr val="002060"/>
+                </a:solidFill>
+                <a:latin typeface="+mj-lt"/>
+                <a:cs typeface="Segoe UI" panose="020B0502040204020203" pitchFamily="34" charset="0"/>
+              </a:rPr>
+              <a:t>Анька, </a:t>
+            </a:r>
+            <a:r>
               <a:rPr lang="ru-RU" sz="1600" i="1" dirty="0">
                 <a:solidFill>
                   <a:srgbClr val="002060"/>
@@ -17248,7 +17310,7 @@
                 <a:latin typeface="+mj-lt"/>
                 <a:cs typeface="Segoe UI" panose="020B0502040204020203" pitchFamily="34" charset="0"/>
               </a:rPr>
-              <a:t>Марина, пора развиваться!</a:t>
+              <a:t>пора развиваться!</a:t>
             </a:r>
           </a:p>
         </p:txBody>
@@ -17261,7 +17323,7 @@
                 <a16:creationId xmlns:a16="http://schemas.microsoft.com/office/drawing/2014/main" id="{0B8C9A86-3574-4A2E-BC62-481A2BE7FBED}"/>
               </a:ext>
               <a:ext uri="{C183D7F6-B498-43B3-948B-1728B52AA6E4}">
-                <adec:decorative xmlns:adec="http://schemas.microsoft.com/office/drawing/2017/decorative" xmlns="" val="1"/>
+                <adec:decorative xmlns="" xmlns:adec="http://schemas.microsoft.com/office/drawing/2017/decorative" val="1"/>
               </a:ext>
             </a:extLst>
           </p:cNvPr>
@@ -17326,9 +17388,9 @@
         <p:grpSpPr>
           <a:xfrm>
             <a:off x="7319810" y="3566010"/>
-            <a:ext cx="3067397" cy="738664"/>
+            <a:ext cx="3067397" cy="492443"/>
             <a:chOff x="7999616" y="3566010"/>
-            <a:chExt cx="3067397" cy="738664"/>
+            <a:chExt cx="3067397" cy="492443"/>
           </a:xfrm>
         </p:grpSpPr>
         <p:sp>
@@ -17346,7 +17408,7 @@
           <p:spPr>
             <a:xfrm>
               <a:off x="8578718" y="3566010"/>
-              <a:ext cx="2488295" cy="738664"/>
+              <a:ext cx="2488295" cy="492443"/>
             </a:xfrm>
             <a:prstGeom prst="rect">
               <a:avLst/>
@@ -17360,6 +17422,16 @@
             <a:p>
               <a:pPr rtl="0"/>
               <a:r>
+                <a:rPr lang="ru-RU" sz="1600" i="1" dirty="0" smtClean="0">
+                  <a:solidFill>
+                    <a:srgbClr val="002060"/>
+                  </a:solidFill>
+                  <a:latin typeface="+mj-lt"/>
+                  <a:cs typeface="Segoe UI" panose="020B0502040204020203" pitchFamily="34" charset="0"/>
+                </a:rPr>
+                <a:t>Аня </a:t>
+              </a:r>
+              <a:r>
                 <a:rPr lang="ru-RU" sz="1600" i="1" dirty="0">
                   <a:solidFill>
                     <a:srgbClr val="002060"/>
@@ -17367,7 +17439,7 @@
                   <a:latin typeface="+mj-lt"/>
                   <a:cs typeface="Segoe UI" panose="020B0502040204020203" pitchFamily="34" charset="0"/>
                 </a:rPr>
-                <a:t>Марина поможет вам узнать, что там нового у людей</a:t>
+                <a:t>поможет вам узнать, что там нового у людей</a:t>
               </a:r>
             </a:p>
           </p:txBody>
@@ -19801,6 +19873,16 @@
             <a:p>
               <a:pPr rtl="0"/>
               <a:r>
+                <a:rPr lang="ru-RU" sz="1600" i="1" dirty="0" smtClean="0">
+                  <a:solidFill>
+                    <a:srgbClr val="002060"/>
+                  </a:solidFill>
+                  <a:latin typeface="+mj-lt"/>
+                  <a:cs typeface="Segoe UI" panose="020B0502040204020203" pitchFamily="34" charset="0"/>
+                </a:rPr>
+                <a:t>Аня </a:t>
+              </a:r>
+              <a:r>
                 <a:rPr lang="ru-RU" sz="1600" i="1" dirty="0">
                   <a:solidFill>
                     <a:srgbClr val="002060"/>
@@ -19808,7 +19890,7 @@
                   <a:latin typeface="+mj-lt"/>
                   <a:cs typeface="Segoe UI" panose="020B0502040204020203" pitchFamily="34" charset="0"/>
                 </a:rPr>
-                <a:t>Марина может прочитать и отправить сообщения</a:t>
+                <a:t>может прочитать и отправить сообщения</a:t>
               </a:r>
             </a:p>
           </p:txBody>
@@ -20674,6 +20756,16 @@
             <a:p>
               <a:pPr rtl="0"/>
               <a:r>
+                <a:rPr lang="ru-RU" sz="1600" i="1" dirty="0" smtClean="0">
+                  <a:solidFill>
+                    <a:srgbClr val="002060"/>
+                  </a:solidFill>
+                  <a:latin typeface="+mj-lt"/>
+                  <a:cs typeface="Segoe UI" panose="020B0502040204020203" pitchFamily="34" charset="0"/>
+                </a:rPr>
+                <a:t>Аня </a:t>
+              </a:r>
+              <a:r>
                 <a:rPr lang="ru-RU" sz="1600" i="1" dirty="0">
                   <a:solidFill>
                     <a:srgbClr val="002060"/>
@@ -20681,7 +20773,7 @@
                   <a:latin typeface="+mj-lt"/>
                   <a:cs typeface="Segoe UI" panose="020B0502040204020203" pitchFamily="34" charset="0"/>
                 </a:rPr>
-                <a:t>Марина анализирует ваши данные и выдаёт нужный ответ</a:t>
+                <a:t>анализирует ваши данные и выдаёт нужный ответ</a:t>
               </a:r>
             </a:p>
           </p:txBody>
@@ -20940,7 +21032,7 @@
                 <a16:creationId xmlns:a16="http://schemas.microsoft.com/office/drawing/2014/main" id="{2D732C95-5F88-4013-B13B-3A9F05760413}"/>
               </a:ext>
               <a:ext uri="{C183D7F6-B498-43B3-948B-1728B52AA6E4}">
-                <adec:decorative xmlns:adec="http://schemas.microsoft.com/office/drawing/2017/decorative" xmlns="" val="1"/>
+                <adec:decorative xmlns="" xmlns:adec="http://schemas.microsoft.com/office/drawing/2017/decorative" val="1"/>
               </a:ext>
             </a:extLst>
           </p:cNvPr>
@@ -21043,7 +21135,7 @@
                     <a16:creationId xmlns:a16="http://schemas.microsoft.com/office/drawing/2014/main" id="{F7F9128D-E30C-4733-AE4B-3863B632AE0A}"/>
                   </a:ext>
                   <a:ext uri="{C183D7F6-B498-43B3-948B-1728B52AA6E4}">
-                    <adec:decorative xmlns:adec="http://schemas.microsoft.com/office/drawing/2017/decorative" xmlns="" val="1"/>
+                    <adec:decorative xmlns="" xmlns:adec="http://schemas.microsoft.com/office/drawing/2017/decorative" val="1"/>
                   </a:ext>
                 </a:extLst>
               </p:cNvPr>
@@ -21195,7 +21287,7 @@
                     <a16:creationId xmlns:a16="http://schemas.microsoft.com/office/drawing/2014/main" id="{AD9B3B86-FE3B-4F92-A920-9858B368D411}"/>
                   </a:ext>
                   <a:ext uri="{C183D7F6-B498-43B3-948B-1728B52AA6E4}">
-                    <adec:decorative xmlns:adec="http://schemas.microsoft.com/office/drawing/2017/decorative" xmlns="" val="1"/>
+                    <adec:decorative xmlns="" xmlns:adec="http://schemas.microsoft.com/office/drawing/2017/decorative" val="1"/>
                   </a:ext>
                 </a:extLst>
               </p:cNvPr>
@@ -21347,7 +21439,7 @@
                     <a16:creationId xmlns:a16="http://schemas.microsoft.com/office/drawing/2014/main" id="{0DDE19D2-9433-4660-BEFC-0A90ABFBACB5}"/>
                   </a:ext>
                   <a:ext uri="{C183D7F6-B498-43B3-948B-1728B52AA6E4}">
-                    <adec:decorative xmlns:adec="http://schemas.microsoft.com/office/drawing/2017/decorative" xmlns="" val="1"/>
+                    <adec:decorative xmlns="" xmlns:adec="http://schemas.microsoft.com/office/drawing/2017/decorative" val="1"/>
                   </a:ext>
                 </a:extLst>
               </p:cNvPr>
@@ -28124,7 +28216,7 @@
                 <a16:creationId xmlns:a16="http://schemas.microsoft.com/office/drawing/2014/main" id="{D14F9816-D761-44CD-80AC-A13A6A2BF4F4}"/>
               </a:ext>
               <a:ext uri="{C183D7F6-B498-43B3-948B-1728B52AA6E4}">
-                <adec:decorative xmlns:adec="http://schemas.microsoft.com/office/drawing/2017/decorative" xmlns="" val="1"/>
+                <adec:decorative xmlns="" xmlns:adec="http://schemas.microsoft.com/office/drawing/2017/decorative" val="1"/>
               </a:ext>
             </a:extLst>
           </p:cNvPr>
@@ -29005,7 +29097,7 @@
         <p:spPr>
           <a:xfrm>
             <a:off x="6111140" y="3947621"/>
-            <a:ext cx="5318859" cy="1107996"/>
+            <a:ext cx="5318859" cy="1846659"/>
           </a:xfrm>
           <a:prstGeom prst="rect">
             <a:avLst/>
@@ -29025,11 +29117,76 @@
                 <a:latin typeface="+mj-lt"/>
                 <a:cs typeface="Segoe UI" panose="020B0502040204020203" pitchFamily="34" charset="0"/>
               </a:rPr>
-              <a:t>«Знаний недостаточно, ты должен применять их. Желаний недостаточно, ты должен делать» Брюс Ли</a:t>
+              <a:t>«</a:t>
             </a:r>
-            <a:endParaRPr lang="ru-RU" sz="2400" i="1" dirty="0">
+            <a:r>
+              <a:rPr lang="ru-RU" sz="2400" i="1" dirty="0" smtClean="0">
+                <a:solidFill>
+                  <a:srgbClr val="030553"/>
+                </a:solidFill>
+                <a:latin typeface="+mj-lt"/>
+              </a:rPr>
+              <a:t>Не</a:t>
+            </a:r>
+            <a:r>
+              <a:rPr lang="ru-RU" dirty="0" smtClean="0">
+                <a:solidFill>
+                  <a:srgbClr val="030553"/>
+                </a:solidFill>
+              </a:rPr>
+              <a:t> </a:t>
+            </a:r>
+            <a:r>
+              <a:rPr lang="ru-RU" sz="2400" i="1" dirty="0">
+                <a:solidFill>
+                  <a:srgbClr val="030553"/>
+                </a:solidFill>
+                <a:latin typeface="+mj-lt"/>
+              </a:rPr>
+              <a:t>нужно доказывать, что образование – самое великое благо для человека. Без образования люди и грубы, и бедны, и </a:t>
+            </a:r>
+            <a:r>
+              <a:rPr lang="ru-RU" sz="2400" i="1" dirty="0" smtClean="0">
+                <a:solidFill>
+                  <a:srgbClr val="030553"/>
+                </a:solidFill>
+                <a:latin typeface="+mj-lt"/>
+              </a:rPr>
+              <a:t>несчастны</a:t>
+            </a:r>
+            <a:r>
+              <a:rPr lang="ru-RU" sz="2400" i="1" dirty="0" smtClean="0">
+                <a:solidFill>
+                  <a:srgbClr val="002060"/>
+                </a:solidFill>
+                <a:latin typeface="+mj-lt"/>
+                <a:cs typeface="Segoe UI" panose="020B0502040204020203" pitchFamily="34" charset="0"/>
+              </a:rPr>
+              <a:t>»</a:t>
+            </a:r>
+          </a:p>
+          <a:p>
+            <a:r>
+              <a:rPr lang="ru-RU" sz="2400" i="1" u="sng" dirty="0" smtClean="0">
+                <a:solidFill>
+                  <a:srgbClr val="030553"/>
+                </a:solidFill>
+                <a:latin typeface="+mj-lt"/>
+              </a:rPr>
+              <a:t>Николай </a:t>
+            </a:r>
+            <a:r>
+              <a:rPr lang="ru-RU" sz="2400" i="1" u="sng" dirty="0">
+                <a:solidFill>
+                  <a:srgbClr val="030553"/>
+                </a:solidFill>
+                <a:latin typeface="+mj-lt"/>
+              </a:rPr>
+              <a:t>Чернышевский</a:t>
+            </a:r>
+            <a:endParaRPr lang="ru-RU" sz="3200" i="1" u="sng" dirty="0">
               <a:solidFill>
-                <a:srgbClr val="002060"/>
+                <a:srgbClr val="030553"/>
               </a:solidFill>
               <a:latin typeface="+mj-lt"/>
               <a:cs typeface="Segoe UI" panose="020B0502040204020203" pitchFamily="34" charset="0"/>
@@ -29082,7 +29239,7 @@
                 <a16:creationId xmlns:a16="http://schemas.microsoft.com/office/drawing/2014/main" id="{B38D4B56-7D6C-4345-912F-B3BA9A014E8B}"/>
               </a:ext>
               <a:ext uri="{C183D7F6-B498-43B3-948B-1728B52AA6E4}">
-                <adec:decorative xmlns:adec="http://schemas.microsoft.com/office/drawing/2017/decorative" xmlns="" val="1"/>
+                <adec:decorative xmlns="" xmlns:adec="http://schemas.microsoft.com/office/drawing/2017/decorative" val="1"/>
               </a:ext>
             </a:extLst>
           </p:cNvPr>
@@ -29128,7 +29285,7 @@
                 <a16:creationId xmlns:a16="http://schemas.microsoft.com/office/drawing/2014/main" id="{B457331C-2A24-4352-9B4C-1C1B326F404F}"/>
               </a:ext>
               <a:ext uri="{C183D7F6-B498-43B3-948B-1728B52AA6E4}">
-                <adec:decorative xmlns:adec="http://schemas.microsoft.com/office/drawing/2017/decorative" xmlns="" val="1"/>
+                <adec:decorative xmlns="" xmlns:adec="http://schemas.microsoft.com/office/drawing/2017/decorative" val="1"/>
               </a:ext>
             </a:extLst>
           </p:cNvPr>
@@ -29137,10 +29294,10 @@
         </p:nvGrpSpPr>
         <p:grpSpPr>
           <a:xfrm>
-            <a:off x="802096" y="1163885"/>
-            <a:ext cx="4251078" cy="3858691"/>
+            <a:off x="802096" y="1653543"/>
+            <a:ext cx="4251078" cy="3550915"/>
             <a:chOff x="518433" y="1757501"/>
-            <a:chExt cx="4251078" cy="3858691"/>
+            <a:chExt cx="4251078" cy="3550915"/>
           </a:xfrm>
         </p:grpSpPr>
         <p:grpSp>
@@ -29536,9 +29693,9 @@
           <p:grpSpPr>
             <a:xfrm>
               <a:off x="518433" y="5000639"/>
-              <a:ext cx="4251078" cy="615553"/>
+              <a:ext cx="4251078" cy="307777"/>
               <a:chOff x="518433" y="4536750"/>
-              <a:chExt cx="4251078" cy="615553"/>
+              <a:chExt cx="4251078" cy="307777"/>
             </a:xfrm>
           </p:grpSpPr>
           <p:sp>
@@ -29613,7 +29770,7 @@
             <p:spPr>
               <a:xfrm>
                 <a:off x="1233316" y="4536750"/>
-                <a:ext cx="3536195" cy="615553"/>
+                <a:ext cx="3536195" cy="307777"/>
               </a:xfrm>
               <a:prstGeom prst="rect">
                 <a:avLst/>
@@ -29625,24 +29782,15 @@
               </a:bodyPr>
               <a:lstStyle/>
               <a:p>
-                <a:pPr rtl="0"/>
                 <a:r>
-                  <a:rPr lang="ru-RU" sz="2000" i="1" dirty="0" smtClean="0">
+                  <a:rPr lang="ru-RU" sz="2000" i="1" dirty="0">
                     <a:solidFill>
                       <a:srgbClr val="002060"/>
                     </a:solidFill>
-                    <a:latin typeface="+mj-lt"/>
                     <a:cs typeface="Segoe UI" panose="020B0502040204020203" pitchFamily="34" charset="0"/>
                   </a:rPr>
-                  <a:t>Продукт с финансовой точки зрения</a:t>
+                  <a:t>В перспективное будущее</a:t>
                 </a:r>
-                <a:endParaRPr lang="ru-RU" sz="2000" i="1" dirty="0">
-                  <a:solidFill>
-                    <a:srgbClr val="002060"/>
-                  </a:solidFill>
-                  <a:latin typeface="+mj-lt"/>
-                  <a:cs typeface="Segoe UI" panose="020B0502040204020203" pitchFamily="34" charset="0"/>
-                </a:endParaRPr>
               </a:p>
             </p:txBody>
           </p:sp>
@@ -29656,7 +29804,7 @@
                 <a16:creationId xmlns:a16="http://schemas.microsoft.com/office/drawing/2014/main" id="{E7D1D117-BC5C-430A-9FEB-B231E691511F}"/>
               </a:ext>
               <a:ext uri="{C183D7F6-B498-43B3-948B-1728B52AA6E4}">
-                <adec:decorative xmlns:adec="http://schemas.microsoft.com/office/drawing/2017/decorative" xmlns="" val="1"/>
+                <adec:decorative xmlns="" xmlns:adec="http://schemas.microsoft.com/office/drawing/2017/decorative" val="1"/>
               </a:ext>
             </a:extLst>
           </p:cNvPr>
@@ -29714,7 +29862,7 @@
                 <a16:creationId xmlns:a16="http://schemas.microsoft.com/office/drawing/2014/main" id="{2577E8EA-5E95-41C5-8BE8-EE647DE2613A}"/>
               </a:ext>
               <a:ext uri="{C183D7F6-B498-43B3-948B-1728B52AA6E4}">
-                <adec:decorative xmlns:adec="http://schemas.microsoft.com/office/drawing/2017/decorative" xmlns="" val="1"/>
+                <adec:decorative xmlns="" xmlns:adec="http://schemas.microsoft.com/office/drawing/2017/decorative" val="1"/>
               </a:ext>
             </a:extLst>
           </p:cNvPr>
@@ -33597,111 +33745,6 @@
           </a:p>
         </p:txBody>
       </p:sp>
-      <p:sp>
-        <p:nvSpPr>
-          <p:cNvPr id="36" name="Прямоугольник: Скругленные углы 12">
-            <a:extLst>
-              <a:ext uri="{FF2B5EF4-FFF2-40B4-BE49-F238E27FC236}">
-                <a16:creationId xmlns:a16="http://schemas.microsoft.com/office/drawing/2014/main" id="{64E3D015-D1E6-40C0-B820-5D2B0144652D}"/>
-              </a:ext>
-            </a:extLst>
-          </p:cNvPr>
-          <p:cNvSpPr/>
-          <p:nvPr/>
-        </p:nvSpPr>
-        <p:spPr>
-          <a:xfrm>
-            <a:off x="766606" y="5555009"/>
-            <a:ext cx="443592" cy="232296"/>
-          </a:xfrm>
-          <a:prstGeom prst="roundRect">
-            <a:avLst>
-              <a:gd name="adj" fmla="val 50000"/>
-            </a:avLst>
-          </a:prstGeom>
-          <a:noFill/>
-          <a:ln>
-            <a:solidFill>
-              <a:schemeClr val="tx1">
-                <a:lumMod val="75000"/>
-                <a:lumOff val="25000"/>
-              </a:schemeClr>
-            </a:solidFill>
-          </a:ln>
-        </p:spPr>
-        <p:style>
-          <a:lnRef idx="2">
-            <a:schemeClr val="accent1">
-              <a:shade val="50000"/>
-            </a:schemeClr>
-          </a:lnRef>
-          <a:fillRef idx="1">
-            <a:schemeClr val="accent1"/>
-          </a:fillRef>
-          <a:effectRef idx="0">
-            <a:schemeClr val="accent1"/>
-          </a:effectRef>
-          <a:fontRef idx="minor">
-            <a:schemeClr val="lt1"/>
-          </a:fontRef>
-        </p:style>
-        <p:txBody>
-          <a:bodyPr rtlCol="0" anchor="ctr"/>
-          <a:lstStyle/>
-          <a:p>
-            <a:pPr algn="ctr" rtl="0"/>
-            <a:endParaRPr lang="ru-RU" dirty="0"/>
-          </a:p>
-        </p:txBody>
-      </p:sp>
-      <p:sp>
-        <p:nvSpPr>
-          <p:cNvPr id="37" name="Прямоугольник 36">
-            <a:extLst>
-              <a:ext uri="{FF2B5EF4-FFF2-40B4-BE49-F238E27FC236}">
-                <a16:creationId xmlns:a16="http://schemas.microsoft.com/office/drawing/2014/main" id="{9187696D-0387-46E9-A420-AD2392161D95}"/>
-              </a:ext>
-            </a:extLst>
-          </p:cNvPr>
-          <p:cNvSpPr/>
-          <p:nvPr/>
-        </p:nvSpPr>
-        <p:spPr>
-          <a:xfrm>
-            <a:off x="1481489" y="5483426"/>
-            <a:ext cx="3536195" cy="307777"/>
-          </a:xfrm>
-          <a:prstGeom prst="rect">
-            <a:avLst/>
-          </a:prstGeom>
-        </p:spPr>
-        <p:txBody>
-          <a:bodyPr wrap="square" lIns="0" tIns="0" rIns="0" bIns="0" rtlCol="0">
-            <a:spAutoFit/>
-          </a:bodyPr>
-          <a:lstStyle/>
-          <a:p>
-            <a:pPr rtl="0"/>
-            <a:r>
-              <a:rPr lang="ru-RU" sz="2000" i="1" dirty="0" smtClean="0">
-                <a:solidFill>
-                  <a:srgbClr val="002060"/>
-                </a:solidFill>
-                <a:latin typeface="+mj-lt"/>
-                <a:cs typeface="Segoe UI" panose="020B0502040204020203" pitchFamily="34" charset="0"/>
-              </a:rPr>
-              <a:t>В перспективное будущее</a:t>
-            </a:r>
-            <a:endParaRPr lang="ru-RU" sz="2000" i="1" dirty="0">
-              <a:solidFill>
-                <a:srgbClr val="002060"/>
-              </a:solidFill>
-              <a:latin typeface="+mj-lt"/>
-              <a:cs typeface="Segoe UI" panose="020B0502040204020203" pitchFamily="34" charset="0"/>
-            </a:endParaRPr>
-          </a:p>
-        </p:txBody>
-      </p:sp>
     </p:spTree>
     <p:extLst>
       <p:ext uri="{BB962C8B-B14F-4D97-AF65-F5344CB8AC3E}">
@@ -33741,13 +33784,13 @@
       </p:grpSpPr>
       <p:sp>
         <p:nvSpPr>
-          <p:cNvPr id="61" name="Полилиния 6">
+          <p:cNvPr id="43" name="Полилиния 6">
             <a:extLst>
               <a:ext uri="{FF2B5EF4-FFF2-40B4-BE49-F238E27FC236}">
-                <a16:creationId xmlns:a16="http://schemas.microsoft.com/office/drawing/2014/main" id="{D83BBA1A-1810-4171-BD9C-B27B7C26AF70}"/>
+                <a16:creationId xmlns:a16="http://schemas.microsoft.com/office/drawing/2014/main" id="{7F192ACD-9C75-481C-8934-C15F525ED96C}"/>
               </a:ext>
               <a:ext uri="{C183D7F6-B498-43B3-948B-1728B52AA6E4}">
-                <adec:decorative xmlns:adec="http://schemas.microsoft.com/office/drawing/2017/decorative" xmlns="" val="1"/>
+                <adec:decorative xmlns="" xmlns:adec="http://schemas.microsoft.com/office/drawing/2017/decorative" val="1"/>
               </a:ext>
             </a:extLst>
           </p:cNvPr>
@@ -33757,7 +33800,157 @@
           <p:nvPr/>
         </p:nvSpPr>
         <p:spPr bwMode="auto">
-          <a:xfrm>
+          <a:xfrm flipH="1">
+            <a:off x="935760" y="3327325"/>
+            <a:ext cx="1583456" cy="1740563"/>
+          </a:xfrm>
+          <a:custGeom>
+            <a:avLst/>
+            <a:gdLst>
+              <a:gd name="T0" fmla="*/ 223 w 322"/>
+              <a:gd name="T1" fmla="*/ 21 h 353"/>
+              <a:gd name="T2" fmla="*/ 113 w 322"/>
+              <a:gd name="T3" fmla="*/ 52 h 353"/>
+              <a:gd name="T4" fmla="*/ 14 w 322"/>
+              <a:gd name="T5" fmla="*/ 172 h 353"/>
+              <a:gd name="T6" fmla="*/ 119 w 322"/>
+              <a:gd name="T7" fmla="*/ 327 h 353"/>
+              <a:gd name="T8" fmla="*/ 320 w 322"/>
+              <a:gd name="T9" fmla="*/ 183 h 353"/>
+              <a:gd name="T10" fmla="*/ 287 w 322"/>
+              <a:gd name="T11" fmla="*/ 56 h 353"/>
+              <a:gd name="T12" fmla="*/ 223 w 322"/>
+              <a:gd name="T13" fmla="*/ 21 h 353"/>
+            </a:gdLst>
+            <a:ahLst/>
+            <a:cxnLst>
+              <a:cxn ang="0">
+                <a:pos x="T0" y="T1"/>
+              </a:cxn>
+              <a:cxn ang="0">
+                <a:pos x="T2" y="T3"/>
+              </a:cxn>
+              <a:cxn ang="0">
+                <a:pos x="T4" y="T5"/>
+              </a:cxn>
+              <a:cxn ang="0">
+                <a:pos x="T6" y="T7"/>
+              </a:cxn>
+              <a:cxn ang="0">
+                <a:pos x="T8" y="T9"/>
+              </a:cxn>
+              <a:cxn ang="0">
+                <a:pos x="T10" y="T11"/>
+              </a:cxn>
+              <a:cxn ang="0">
+                <a:pos x="T12" y="T13"/>
+              </a:cxn>
+            </a:cxnLst>
+            <a:rect l="0" t="0" r="r" b="b"/>
+            <a:pathLst>
+              <a:path w="322" h="353">
+                <a:moveTo>
+                  <a:pt x="223" y="21"/>
+                </a:moveTo>
+                <a:cubicBezTo>
+                  <a:pt x="198" y="35"/>
+                  <a:pt x="187" y="48"/>
+                  <a:pt x="113" y="52"/>
+                </a:cubicBezTo>
+                <a:cubicBezTo>
+                  <a:pt x="39" y="57"/>
+                  <a:pt x="0" y="118"/>
+                  <a:pt x="14" y="172"/>
+                </a:cubicBezTo>
+                <a:cubicBezTo>
+                  <a:pt x="28" y="226"/>
+                  <a:pt x="32" y="301"/>
+                  <a:pt x="119" y="327"/>
+                </a:cubicBezTo>
+                <a:cubicBezTo>
+                  <a:pt x="206" y="353"/>
+                  <a:pt x="316" y="282"/>
+                  <a:pt x="320" y="183"/>
+                </a:cubicBezTo>
+                <a:cubicBezTo>
+                  <a:pt x="322" y="124"/>
+                  <a:pt x="306" y="88"/>
+                  <a:pt x="287" y="56"/>
+                </a:cubicBezTo>
+                <a:cubicBezTo>
+                  <a:pt x="274" y="35"/>
+                  <a:pt x="259" y="0"/>
+                  <a:pt x="223" y="21"/>
+                </a:cubicBezTo>
+                <a:close/>
+              </a:path>
+            </a:pathLst>
+          </a:custGeom>
+          <a:gradFill>
+            <a:gsLst>
+              <a:gs pos="1000">
+                <a:srgbClr val="7CEFD8">
+                  <a:alpha val="79000"/>
+                </a:srgbClr>
+              </a:gs>
+              <a:gs pos="61000">
+                <a:srgbClr val="6672E4">
+                  <a:alpha val="84000"/>
+                </a:srgbClr>
+              </a:gs>
+              <a:gs pos="98000">
+                <a:srgbClr val="882BE5">
+                  <a:alpha val="66000"/>
+                </a:srgbClr>
+              </a:gs>
+            </a:gsLst>
+            <a:lin ang="5400000" scaled="1"/>
+          </a:gradFill>
+          <a:ln w="12700" cap="flat">
+            <a:noFill/>
+            <a:prstDash val="solid"/>
+            <a:miter lim="800000"/>
+            <a:headEnd/>
+            <a:tailEnd/>
+          </a:ln>
+        </p:spPr>
+        <p:txBody>
+          <a:bodyPr rot="0" spcFirstLastPara="0" vertOverflow="overflow" horzOverflow="overflow" vert="horz" wrap="square" lIns="91440" tIns="45720" rIns="91440" bIns="45720" numCol="1" spcCol="0" rtlCol="0" fromWordArt="0" anchor="t" anchorCtr="0" forceAA="0" compatLnSpc="1">
+            <a:prstTxWarp prst="textNoShape">
+              <a:avLst/>
+            </a:prstTxWarp>
+            <a:noAutofit/>
+          </a:bodyPr>
+          <a:lstStyle/>
+          <a:p>
+            <a:pPr rtl="0"/>
+            <a:endParaRPr lang="ru-RU" dirty="0">
+              <a:solidFill>
+                <a:schemeClr val="tx1"/>
+              </a:solidFill>
+            </a:endParaRPr>
+          </a:p>
+        </p:txBody>
+      </p:sp>
+      <p:sp>
+        <p:nvSpPr>
+          <p:cNvPr id="61" name="Полилиния 6">
+            <a:extLst>
+              <a:ext uri="{FF2B5EF4-FFF2-40B4-BE49-F238E27FC236}">
+                <a16:creationId xmlns:a16="http://schemas.microsoft.com/office/drawing/2014/main" id="{D83BBA1A-1810-4171-BD9C-B27B7C26AF70}"/>
+              </a:ext>
+              <a:ext uri="{C183D7F6-B498-43B3-948B-1728B52AA6E4}">
+                <adec:decorative xmlns="" xmlns:adec="http://schemas.microsoft.com/office/drawing/2017/decorative" val="1"/>
+              </a:ext>
+            </a:extLst>
+          </p:cNvPr>
+          <p:cNvSpPr>
+            <a:spLocks/>
+          </p:cNvSpPr>
+          <p:nvPr/>
+        </p:nvSpPr>
+        <p:spPr bwMode="auto">
+          <a:xfrm rot="5400000">
             <a:off x="7081393" y="3443407"/>
             <a:ext cx="1371600" cy="1508400"/>
           </a:xfrm>
@@ -33897,7 +34090,7 @@
                 <a16:creationId xmlns:a16="http://schemas.microsoft.com/office/drawing/2014/main" id="{2D409DD0-6B30-47E3-9886-F8F16D42AB79}"/>
               </a:ext>
               <a:ext uri="{C183D7F6-B498-43B3-948B-1728B52AA6E4}">
-                <adec:decorative xmlns:adec="http://schemas.microsoft.com/office/drawing/2017/decorative" xmlns="" val="1"/>
+                <adec:decorative xmlns="" xmlns:adec="http://schemas.microsoft.com/office/drawing/2017/decorative" val="1"/>
               </a:ext>
             </a:extLst>
           </p:cNvPr>
@@ -33907,7 +34100,7 @@
           <p:nvPr/>
         </p:nvSpPr>
         <p:spPr bwMode="auto">
-          <a:xfrm>
+          <a:xfrm rot="16200000">
             <a:off x="8937925" y="3447842"/>
             <a:ext cx="1371600" cy="1508400"/>
           </a:xfrm>
@@ -34047,7 +34240,7 @@
                 <a16:creationId xmlns:a16="http://schemas.microsoft.com/office/drawing/2014/main" id="{8B1A45F7-385D-4B67-98E4-489AB4E31714}"/>
               </a:ext>
               <a:ext uri="{C183D7F6-B498-43B3-948B-1728B52AA6E4}">
-                <adec:decorative xmlns:adec="http://schemas.microsoft.com/office/drawing/2017/decorative" xmlns="" val="1"/>
+                <adec:decorative xmlns="" xmlns:adec="http://schemas.microsoft.com/office/drawing/2017/decorative" val="1"/>
               </a:ext>
             </a:extLst>
           </p:cNvPr>
@@ -34197,7 +34390,7 @@
                 <a16:creationId xmlns:a16="http://schemas.microsoft.com/office/drawing/2014/main" id="{7F192ACD-9C75-481C-8934-C15F525ED96C}"/>
               </a:ext>
               <a:ext uri="{C183D7F6-B498-43B3-948B-1728B52AA6E4}">
-                <adec:decorative xmlns:adec="http://schemas.microsoft.com/office/drawing/2017/decorative" xmlns="" val="1"/>
+                <adec:decorative xmlns="" xmlns:adec="http://schemas.microsoft.com/office/drawing/2017/decorative" val="1"/>
               </a:ext>
             </a:extLst>
           </p:cNvPr>
@@ -34347,7 +34540,7 @@
                 <a16:creationId xmlns:a16="http://schemas.microsoft.com/office/drawing/2014/main" id="{5B7ACCD3-FC43-4E32-B7AA-E6D86BED1A32}"/>
               </a:ext>
               <a:ext uri="{C183D7F6-B498-43B3-948B-1728B52AA6E4}">
-                <adec:decorative xmlns:adec="http://schemas.microsoft.com/office/drawing/2017/decorative" xmlns="" val="1"/>
+                <adec:decorative xmlns="" xmlns:adec="http://schemas.microsoft.com/office/drawing/2017/decorative" val="1"/>
               </a:ext>
             </a:extLst>
           </p:cNvPr>
@@ -34467,12 +34660,25 @@
         </p:blipFill>
         <p:spPr>
           <a:xfrm>
-            <a:off x="1023680" y="3503969"/>
-            <a:ext cx="1392506" cy="1392506"/>
+            <a:off x="1155842" y="3661870"/>
+            <a:ext cx="1138457" cy="1138457"/>
           </a:xfrm>
-          <a:prstGeom prst="ellipse">
-            <a:avLst/>
+          <a:prstGeom prst="roundRect">
+            <a:avLst>
+              <a:gd name="adj" fmla="val 8594"/>
+            </a:avLst>
           </a:prstGeom>
+          <a:solidFill>
+            <a:srgbClr val="FFFFFF">
+              <a:shade val="85000"/>
+            </a:srgbClr>
+          </a:solidFill>
+          <a:ln>
+            <a:noFill/>
+          </a:ln>
+          <a:effectLst>
+            <a:reflection blurRad="12700" stA="38000" endPos="28000" dist="5000" dir="5400000" sy="-100000" algn="bl" rotWithShape="0"/>
+          </a:effectLst>
         </p:spPr>
       </p:pic>
       <p:sp>
@@ -34676,7 +34882,7 @@
                 <a16:creationId xmlns:a16="http://schemas.microsoft.com/office/drawing/2014/main" id="{E4AFE17F-D5F3-4088-A119-1B09AC60EA16}"/>
               </a:ext>
               <a:ext uri="{C183D7F6-B498-43B3-948B-1728B52AA6E4}">
-                <adec:decorative xmlns:adec="http://schemas.microsoft.com/office/drawing/2017/decorative" xmlns="" val="1"/>
+                <adec:decorative xmlns="" xmlns:adec="http://schemas.microsoft.com/office/drawing/2017/decorative" val="1"/>
               </a:ext>
             </a:extLst>
           </p:cNvPr>
@@ -34724,7 +34930,7 @@
                 <a16:creationId xmlns:a16="http://schemas.microsoft.com/office/drawing/2014/main" id="{B73380DA-31E8-4A4F-8316-F527A262BAB7}"/>
               </a:ext>
               <a:ext uri="{C183D7F6-B498-43B3-948B-1728B52AA6E4}">
-                <adec:decorative xmlns:adec="http://schemas.microsoft.com/office/drawing/2017/decorative" xmlns="" val="1"/>
+                <adec:decorative xmlns="" xmlns:adec="http://schemas.microsoft.com/office/drawing/2017/decorative" val="1"/>
               </a:ext>
             </a:extLst>
           </p:cNvPr>
@@ -34826,8 +35032,8 @@
         </p:blipFill>
         <p:spPr>
           <a:xfrm>
-            <a:off x="7402441" y="3752386"/>
-            <a:ext cx="720999" cy="1080000"/>
+            <a:off x="7379396" y="3680565"/>
+            <a:ext cx="761914" cy="1141287"/>
           </a:xfrm>
           <a:custGeom>
             <a:avLst/>
@@ -34901,7 +35107,7 @@
                 <a16:creationId xmlns:a16="http://schemas.microsoft.com/office/drawing/2014/main" id="{BB4E19F0-9268-49F1-864A-6AF530251A78}"/>
               </a:ext>
               <a:ext uri="{C183D7F6-B498-43B3-948B-1728B52AA6E4}">
-                <adec:decorative xmlns:adec="http://schemas.microsoft.com/office/drawing/2017/decorative" xmlns="" val="1"/>
+                <adec:decorative xmlns="" xmlns:adec="http://schemas.microsoft.com/office/drawing/2017/decorative" val="1"/>
               </a:ext>
             </a:extLst>
           </p:cNvPr>
@@ -34968,8 +35174,8 @@
         </p:blipFill>
         <p:spPr>
           <a:xfrm>
-            <a:off x="9212352" y="3752525"/>
-            <a:ext cx="822745" cy="1080000"/>
+            <a:off x="9188954" y="3658901"/>
+            <a:ext cx="869540" cy="1141426"/>
           </a:xfrm>
           <a:custGeom>
             <a:avLst/>
@@ -36006,7 +36212,7 @@
                 <a16:creationId xmlns:a16="http://schemas.microsoft.com/office/drawing/2014/main" id="{8B1A45F7-385D-4B67-98E4-489AB4E31714}"/>
               </a:ext>
               <a:ext uri="{C183D7F6-B498-43B3-948B-1728B52AA6E4}">
-                <adec:decorative xmlns:adec="http://schemas.microsoft.com/office/drawing/2017/decorative" xmlns="" val="1"/>
+                <adec:decorative xmlns="" xmlns:adec="http://schemas.microsoft.com/office/drawing/2017/decorative" val="1"/>
               </a:ext>
             </a:extLst>
           </p:cNvPr>
@@ -36016,7 +36222,7 @@
           <p:nvPr/>
         </p:nvSpPr>
         <p:spPr bwMode="auto">
-          <a:xfrm>
+          <a:xfrm flipH="1">
             <a:off x="3615167" y="3446172"/>
             <a:ext cx="1370997" cy="1508097"/>
           </a:xfrm>
@@ -36205,7 +36411,7 @@
                 <a16:creationId xmlns:a16="http://schemas.microsoft.com/office/drawing/2014/main" id="{E4AFE17F-D5F3-4088-A119-1B09AC60EA16}"/>
               </a:ext>
               <a:ext uri="{C183D7F6-B498-43B3-948B-1728B52AA6E4}">
-                <adec:decorative xmlns:adec="http://schemas.microsoft.com/office/drawing/2017/decorative" xmlns="" val="1"/>
+                <adec:decorative xmlns="" xmlns:adec="http://schemas.microsoft.com/office/drawing/2017/decorative" val="1"/>
               </a:ext>
             </a:extLst>
           </p:cNvPr>
@@ -36437,8 +36643,8 @@
         </p:nvGrpSpPr>
         <p:grpSpPr>
           <a:xfrm>
-            <a:off x="577510" y="1318790"/>
-            <a:ext cx="4430272" cy="6043606"/>
+            <a:off x="320836" y="2326105"/>
+            <a:ext cx="3644819" cy="4972122"/>
             <a:chOff x="117404" y="1951388"/>
             <a:chExt cx="3810340" cy="5197917"/>
           </a:xfrm>
@@ -39197,9 +39403,10 @@
           <a:p>
             <a:pPr rtl="0"/>
             <a:r>
-              <a:rPr lang="ru-RU" dirty="0"/>
-              <a:t>В современном мире люди всё больше и больше глупеют</a:t>
+              <a:rPr lang="ru-RU" dirty="0" smtClean="0"/>
+              <a:t>Пора бы это исправлять!</a:t>
             </a:r>
+            <a:endParaRPr lang="ru-RU" dirty="0"/>
           </a:p>
         </p:txBody>
       </p:sp>
@@ -39490,7 +39697,7 @@
                 <a16:creationId xmlns:a16="http://schemas.microsoft.com/office/drawing/2014/main" id="{C8431200-8E45-4A0C-B12B-CFA1B2C53C47}"/>
               </a:ext>
               <a:ext uri="{C183D7F6-B498-43B3-948B-1728B52AA6E4}">
-                <adec:decorative xmlns:adec="http://schemas.microsoft.com/office/drawing/2017/decorative" xmlns="" val="1"/>
+                <adec:decorative xmlns="" xmlns:adec="http://schemas.microsoft.com/office/drawing/2017/decorative" val="1"/>
               </a:ext>
             </a:extLst>
           </p:cNvPr>
@@ -39550,7 +39757,7 @@
                 <a16:creationId xmlns:a16="http://schemas.microsoft.com/office/drawing/2014/main" id="{241C7FC4-FEFA-4A96-9749-9068C68611EF}"/>
               </a:ext>
               <a:ext uri="{C183D7F6-B498-43B3-948B-1728B52AA6E4}">
-                <adec:decorative xmlns:adec="http://schemas.microsoft.com/office/drawing/2017/decorative" xmlns="" val="1"/>
+                <adec:decorative xmlns="" xmlns:adec="http://schemas.microsoft.com/office/drawing/2017/decorative" val="1"/>
               </a:ext>
             </a:extLst>
           </p:cNvPr>
@@ -39656,7 +39863,7 @@
                 <a16:creationId xmlns:a16="http://schemas.microsoft.com/office/drawing/2014/main" id="{294AEDC0-6B1D-4A3D-860D-83756CC387D3}"/>
               </a:ext>
               <a:ext uri="{C183D7F6-B498-43B3-948B-1728B52AA6E4}">
-                <adec:decorative xmlns:adec="http://schemas.microsoft.com/office/drawing/2017/decorative" xmlns="" val="1"/>
+                <adec:decorative xmlns="" xmlns:adec="http://schemas.microsoft.com/office/drawing/2017/decorative" val="1"/>
               </a:ext>
             </a:extLst>
           </p:cNvPr>
@@ -40415,7 +40622,7 @@
                 <a16:creationId xmlns:a16="http://schemas.microsoft.com/office/drawing/2014/main" id="{C8431200-8E45-4A0C-B12B-CFA1B2C53C47}"/>
               </a:ext>
               <a:ext uri="{C183D7F6-B498-43B3-948B-1728B52AA6E4}">
-                <adec:decorative xmlns:adec="http://schemas.microsoft.com/office/drawing/2017/decorative" xmlns="" val="1"/>
+                <adec:decorative xmlns="" xmlns:adec="http://schemas.microsoft.com/office/drawing/2017/decorative" val="1"/>
               </a:ext>
             </a:extLst>
           </p:cNvPr>
@@ -40475,7 +40682,7 @@
                 <a16:creationId xmlns:a16="http://schemas.microsoft.com/office/drawing/2014/main" id="{241C7FC4-FEFA-4A96-9749-9068C68611EF}"/>
               </a:ext>
               <a:ext uri="{C183D7F6-B498-43B3-948B-1728B52AA6E4}">
-                <adec:decorative xmlns:adec="http://schemas.microsoft.com/office/drawing/2017/decorative" xmlns="" val="1"/>
+                <adec:decorative xmlns="" xmlns:adec="http://schemas.microsoft.com/office/drawing/2017/decorative" val="1"/>
               </a:ext>
             </a:extLst>
           </p:cNvPr>
@@ -40591,7 +40798,7 @@
                 <a16:creationId xmlns:a16="http://schemas.microsoft.com/office/drawing/2014/main" id="{294AEDC0-6B1D-4A3D-860D-83756CC387D3}"/>
               </a:ext>
               <a:ext uri="{C183D7F6-B498-43B3-948B-1728B52AA6E4}">
-                <adec:decorative xmlns:adec="http://schemas.microsoft.com/office/drawing/2017/decorative" xmlns="" val="1"/>
+                <adec:decorative xmlns="" xmlns:adec="http://schemas.microsoft.com/office/drawing/2017/decorative" val="1"/>
               </a:ext>
             </a:extLst>
           </p:cNvPr>
@@ -41190,7 +41397,7 @@
                 <a16:creationId xmlns:a16="http://schemas.microsoft.com/office/drawing/2014/main" id="{D14F9816-D761-44CD-80AC-A13A6A2BF4F4}"/>
               </a:ext>
               <a:ext uri="{C183D7F6-B498-43B3-948B-1728B52AA6E4}">
-                <adec:decorative xmlns:adec="http://schemas.microsoft.com/office/drawing/2017/decorative" xmlns="" val="1"/>
+                <adec:decorative xmlns="" xmlns:adec="http://schemas.microsoft.com/office/drawing/2017/decorative" val="1"/>
               </a:ext>
             </a:extLst>
           </p:cNvPr>
@@ -42074,7 +42281,7 @@
                 <a16:creationId xmlns:a16="http://schemas.microsoft.com/office/drawing/2014/main" id="{E6D6E19C-DE46-4402-8CBF-17BB95458532}"/>
               </a:ext>
               <a:ext uri="{C183D7F6-B498-43B3-948B-1728B52AA6E4}">
-                <adec:decorative xmlns:adec="http://schemas.microsoft.com/office/drawing/2017/decorative" xmlns="" val="1"/>
+                <adec:decorative xmlns="" xmlns:adec="http://schemas.microsoft.com/office/drawing/2017/decorative" val="1"/>
               </a:ext>
             </a:extLst>
           </p:cNvPr>
@@ -42817,7 +43024,7 @@
                 <a16:creationId xmlns:a16="http://schemas.microsoft.com/office/drawing/2014/main" id="{C8431200-8E45-4A0C-B12B-CFA1B2C53C47}"/>
               </a:ext>
               <a:ext uri="{C183D7F6-B498-43B3-948B-1728B52AA6E4}">
-                <adec:decorative xmlns:adec="http://schemas.microsoft.com/office/drawing/2017/decorative" xmlns="" val="1"/>
+                <adec:decorative xmlns="" xmlns:adec="http://schemas.microsoft.com/office/drawing/2017/decorative" val="1"/>
               </a:ext>
             </a:extLst>
           </p:cNvPr>
@@ -42877,7 +43084,7 @@
                 <a16:creationId xmlns:a16="http://schemas.microsoft.com/office/drawing/2014/main" id="{241C7FC4-FEFA-4A96-9749-9068C68611EF}"/>
               </a:ext>
               <a:ext uri="{C183D7F6-B498-43B3-948B-1728B52AA6E4}">
-                <adec:decorative xmlns:adec="http://schemas.microsoft.com/office/drawing/2017/decorative" xmlns="" val="1"/>
+                <adec:decorative xmlns="" xmlns:adec="http://schemas.microsoft.com/office/drawing/2017/decorative" val="1"/>
               </a:ext>
             </a:extLst>
           </p:cNvPr>
@@ -42993,7 +43200,7 @@
                 <a16:creationId xmlns:a16="http://schemas.microsoft.com/office/drawing/2014/main" id="{294AEDC0-6B1D-4A3D-860D-83756CC387D3}"/>
               </a:ext>
               <a:ext uri="{C183D7F6-B498-43B3-948B-1728B52AA6E4}">
-                <adec:decorative xmlns:adec="http://schemas.microsoft.com/office/drawing/2017/decorative" xmlns="" val="1"/>
+                <adec:decorative xmlns="" xmlns:adec="http://schemas.microsoft.com/office/drawing/2017/decorative" val="1"/>
               </a:ext>
             </a:extLst>
           </p:cNvPr>

--- a/NeoBrain.pptx
+++ b/NeoBrain.pptx
@@ -20,10 +20,10 @@
     <p:sldId id="268" r:id="rId8"/>
     <p:sldId id="271" r:id="rId9"/>
     <p:sldId id="272" r:id="rId10"/>
-    <p:sldId id="269" r:id="rId11"/>
-    <p:sldId id="270" r:id="rId12"/>
-    <p:sldId id="273" r:id="rId13"/>
-    <p:sldId id="261" r:id="rId14"/>
+    <p:sldId id="270" r:id="rId11"/>
+    <p:sldId id="273" r:id="rId12"/>
+    <p:sldId id="261" r:id="rId13"/>
+    <p:sldId id="274" r:id="rId14"/>
     <p:sldId id="265" r:id="rId15"/>
     <p:sldId id="266" r:id="rId16"/>
   </p:sldIdLst>
@@ -156,6 +156,1113 @@
 </p:presentation>
 </file>
 
+<file path=ppt/charts/chart1.xml><?xml version="1.0" encoding="utf-8"?>
+<c:chartSpace xmlns:c="http://schemas.openxmlformats.org/drawingml/2006/chart" xmlns:a="http://schemas.openxmlformats.org/drawingml/2006/main" xmlns:r="http://schemas.openxmlformats.org/officeDocument/2006/relationships" xmlns:c16r2="http://schemas.microsoft.com/office/drawing/2015/06/chart">
+  <c:date1904 val="0"/>
+  <c:lang val="ru-RU"/>
+  <c:roundedCorners val="0"/>
+  <mc:AlternateContent xmlns:mc="http://schemas.openxmlformats.org/markup-compatibility/2006">
+    <mc:Choice xmlns:c14="http://schemas.microsoft.com/office/drawing/2007/8/2/chart" Requires="c14">
+      <c14:style val="102"/>
+    </mc:Choice>
+    <mc:Fallback>
+      <c:style val="2"/>
+    </mc:Fallback>
+  </mc:AlternateContent>
+  <c:chart>
+    <c:title>
+      <c:tx>
+        <c:rich>
+          <a:bodyPr rot="0" spcFirstLastPara="1" vertOverflow="ellipsis" vert="horz" wrap="square" anchor="ctr" anchorCtr="1"/>
+          <a:lstStyle/>
+          <a:p>
+            <a:pPr>
+              <a:defRPr sz="1862" b="0" i="0" u="none" strike="noStrike" kern="1200" spc="0" baseline="0">
+                <a:solidFill>
+                  <a:schemeClr val="tx1">
+                    <a:lumMod val="65000"/>
+                    <a:lumOff val="35000"/>
+                  </a:schemeClr>
+                </a:solidFill>
+                <a:latin typeface="+mn-lt"/>
+                <a:ea typeface="+mn-ea"/>
+                <a:cs typeface="+mn-cs"/>
+              </a:defRPr>
+            </a:pPr>
+            <a:r>
+              <a:rPr lang="ru-RU" dirty="0" smtClean="0"/>
+              <a:t>Глобальные</a:t>
+            </a:r>
+            <a:r>
+              <a:rPr lang="ru-RU" baseline="0" dirty="0" smtClean="0"/>
+              <a:t> проблемы</a:t>
+            </a:r>
+          </a:p>
+        </c:rich>
+      </c:tx>
+      <c:overlay val="0"/>
+      <c:spPr>
+        <a:noFill/>
+        <a:ln>
+          <a:noFill/>
+        </a:ln>
+        <a:effectLst/>
+      </c:spPr>
+      <c:txPr>
+        <a:bodyPr rot="0" spcFirstLastPara="1" vertOverflow="ellipsis" vert="horz" wrap="square" anchor="ctr" anchorCtr="1"/>
+        <a:lstStyle/>
+        <a:p>
+          <a:pPr>
+            <a:defRPr sz="1862" b="0" i="0" u="none" strike="noStrike" kern="1200" spc="0" baseline="0">
+              <a:solidFill>
+                <a:schemeClr val="tx1">
+                  <a:lumMod val="65000"/>
+                  <a:lumOff val="35000"/>
+                </a:schemeClr>
+              </a:solidFill>
+              <a:latin typeface="+mn-lt"/>
+              <a:ea typeface="+mn-ea"/>
+              <a:cs typeface="+mn-cs"/>
+            </a:defRPr>
+          </a:pPr>
+          <a:endParaRPr lang="ru-RU"/>
+        </a:p>
+      </c:txPr>
+    </c:title>
+    <c:autoTitleDeleted val="0"/>
+    <c:plotArea>
+      <c:layout/>
+      <c:barChart>
+        <c:barDir val="col"/>
+        <c:grouping val="clustered"/>
+        <c:varyColors val="0"/>
+        <c:ser>
+          <c:idx val="0"/>
+          <c:order val="0"/>
+          <c:tx>
+            <c:strRef>
+              <c:f>Лист1!$B$1</c:f>
+              <c:strCache>
+                <c:ptCount val="1"/>
+                <c:pt idx="0">
+                  <c:v>Образование</c:v>
+                </c:pt>
+              </c:strCache>
+            </c:strRef>
+          </c:tx>
+          <c:spPr>
+            <a:solidFill>
+              <a:srgbClr val="FFC000"/>
+            </a:solidFill>
+            <a:ln>
+              <a:solidFill>
+                <a:schemeClr val="bg1"/>
+              </a:solidFill>
+            </a:ln>
+            <a:effectLst/>
+          </c:spPr>
+          <c:invertIfNegative val="0"/>
+          <c:cat>
+            <c:strRef>
+              <c:f>Лист1!$A$2:$A$5</c:f>
+              <c:strCache>
+                <c:ptCount val="2"/>
+                <c:pt idx="0">
+                  <c:v>Весь мир</c:v>
+                </c:pt>
+                <c:pt idx="1">
+                  <c:v>Россия</c:v>
+                </c:pt>
+              </c:strCache>
+            </c:strRef>
+          </c:cat>
+          <c:val>
+            <c:numRef>
+              <c:f>Лист1!$B$2:$B$5</c:f>
+              <c:numCache>
+                <c:formatCode>General</c:formatCode>
+                <c:ptCount val="4"/>
+                <c:pt idx="0">
+                  <c:v>13</c:v>
+                </c:pt>
+                <c:pt idx="1">
+                  <c:v>7</c:v>
+                </c:pt>
+              </c:numCache>
+            </c:numRef>
+          </c:val>
+          <c:extLst>
+            <c:ext xmlns:c16="http://schemas.microsoft.com/office/drawing/2014/chart" uri="{C3380CC4-5D6E-409C-BE32-E72D297353CC}">
+              <c16:uniqueId val="{00000000-656E-4992-95F0-1DE4ED95A35C}"/>
+            </c:ext>
+          </c:extLst>
+        </c:ser>
+        <c:ser>
+          <c:idx val="1"/>
+          <c:order val="1"/>
+          <c:tx>
+            <c:strRef>
+              <c:f>Лист1!$C$1</c:f>
+              <c:strCache>
+                <c:ptCount val="1"/>
+                <c:pt idx="0">
+                  <c:v>Безработица</c:v>
+                </c:pt>
+              </c:strCache>
+            </c:strRef>
+          </c:tx>
+          <c:spPr>
+            <a:solidFill>
+              <a:schemeClr val="accent3"/>
+            </a:solidFill>
+            <a:ln>
+              <a:noFill/>
+            </a:ln>
+            <a:effectLst/>
+          </c:spPr>
+          <c:invertIfNegative val="0"/>
+          <c:cat>
+            <c:strRef>
+              <c:f>Лист1!$A$2:$A$5</c:f>
+              <c:strCache>
+                <c:ptCount val="2"/>
+                <c:pt idx="0">
+                  <c:v>Весь мир</c:v>
+                </c:pt>
+                <c:pt idx="1">
+                  <c:v>Россия</c:v>
+                </c:pt>
+              </c:strCache>
+            </c:strRef>
+          </c:cat>
+          <c:val>
+            <c:numRef>
+              <c:f>Лист1!$C$2:$C$5</c:f>
+              <c:numCache>
+                <c:formatCode>General</c:formatCode>
+                <c:ptCount val="4"/>
+                <c:pt idx="0">
+                  <c:v>30</c:v>
+                </c:pt>
+                <c:pt idx="1">
+                  <c:v>11</c:v>
+                </c:pt>
+              </c:numCache>
+            </c:numRef>
+          </c:val>
+          <c:extLst>
+            <c:ext xmlns:c16="http://schemas.microsoft.com/office/drawing/2014/chart" uri="{C3380CC4-5D6E-409C-BE32-E72D297353CC}">
+              <c16:uniqueId val="{00000001-656E-4992-95F0-1DE4ED95A35C}"/>
+            </c:ext>
+          </c:extLst>
+        </c:ser>
+        <c:ser>
+          <c:idx val="2"/>
+          <c:order val="2"/>
+          <c:tx>
+            <c:strRef>
+              <c:f>Лист1!$D$1</c:f>
+              <c:strCache>
+                <c:ptCount val="1"/>
+                <c:pt idx="0">
+                  <c:v>Здравоохранение</c:v>
+                </c:pt>
+              </c:strCache>
+            </c:strRef>
+          </c:tx>
+          <c:spPr>
+            <a:solidFill>
+              <a:schemeClr val="accent6"/>
+            </a:solidFill>
+            <a:ln>
+              <a:noFill/>
+            </a:ln>
+            <a:effectLst/>
+          </c:spPr>
+          <c:invertIfNegative val="0"/>
+          <c:cat>
+            <c:strRef>
+              <c:f>Лист1!$A$2:$A$5</c:f>
+              <c:strCache>
+                <c:ptCount val="2"/>
+                <c:pt idx="0">
+                  <c:v>Весь мир</c:v>
+                </c:pt>
+                <c:pt idx="1">
+                  <c:v>Россия</c:v>
+                </c:pt>
+              </c:strCache>
+            </c:strRef>
+          </c:cat>
+          <c:val>
+            <c:numRef>
+              <c:f>Лист1!$D$2:$D$5</c:f>
+              <c:numCache>
+                <c:formatCode>General</c:formatCode>
+                <c:ptCount val="4"/>
+                <c:pt idx="0">
+                  <c:v>17</c:v>
+                </c:pt>
+                <c:pt idx="1">
+                  <c:v>8</c:v>
+                </c:pt>
+              </c:numCache>
+            </c:numRef>
+          </c:val>
+          <c:extLst>
+            <c:ext xmlns:c16="http://schemas.microsoft.com/office/drawing/2014/chart" uri="{C3380CC4-5D6E-409C-BE32-E72D297353CC}">
+              <c16:uniqueId val="{00000002-656E-4992-95F0-1DE4ED95A35C}"/>
+            </c:ext>
+          </c:extLst>
+        </c:ser>
+        <c:ser>
+          <c:idx val="3"/>
+          <c:order val="3"/>
+          <c:tx>
+            <c:strRef>
+              <c:f>Лист1!$E$1</c:f>
+              <c:strCache>
+                <c:ptCount val="1"/>
+                <c:pt idx="0">
+                  <c:v>Политика</c:v>
+                </c:pt>
+              </c:strCache>
+            </c:strRef>
+          </c:tx>
+          <c:spPr>
+            <a:solidFill>
+              <a:srgbClr val="C00000"/>
+            </a:solidFill>
+            <a:ln>
+              <a:noFill/>
+            </a:ln>
+            <a:effectLst/>
+          </c:spPr>
+          <c:invertIfNegative val="0"/>
+          <c:cat>
+            <c:strRef>
+              <c:f>Лист1!$A$2:$A$5</c:f>
+              <c:strCache>
+                <c:ptCount val="2"/>
+                <c:pt idx="0">
+                  <c:v>Весь мир</c:v>
+                </c:pt>
+                <c:pt idx="1">
+                  <c:v>Россия</c:v>
+                </c:pt>
+              </c:strCache>
+            </c:strRef>
+          </c:cat>
+          <c:val>
+            <c:numRef>
+              <c:f>Лист1!$E$2:$E$5</c:f>
+              <c:numCache>
+                <c:formatCode>General</c:formatCode>
+                <c:ptCount val="4"/>
+                <c:pt idx="0">
+                  <c:v>12</c:v>
+                </c:pt>
+                <c:pt idx="1">
+                  <c:v>3</c:v>
+                </c:pt>
+              </c:numCache>
+            </c:numRef>
+          </c:val>
+          <c:extLst>
+            <c:ext xmlns:c16="http://schemas.microsoft.com/office/drawing/2014/chart" uri="{C3380CC4-5D6E-409C-BE32-E72D297353CC}">
+              <c16:uniqueId val="{00000003-656E-4992-95F0-1DE4ED95A35C}"/>
+            </c:ext>
+          </c:extLst>
+        </c:ser>
+        <c:ser>
+          <c:idx val="4"/>
+          <c:order val="4"/>
+          <c:tx>
+            <c:strRef>
+              <c:f>Лист1!$F$1</c:f>
+              <c:strCache>
+                <c:ptCount val="1"/>
+                <c:pt idx="0">
+                  <c:v>Коррупция</c:v>
+                </c:pt>
+              </c:strCache>
+            </c:strRef>
+          </c:tx>
+          <c:spPr>
+            <a:solidFill>
+              <a:schemeClr val="accent4">
+                <a:lumMod val="50000"/>
+              </a:schemeClr>
+            </a:solidFill>
+            <a:ln>
+              <a:noFill/>
+            </a:ln>
+            <a:effectLst/>
+          </c:spPr>
+          <c:invertIfNegative val="0"/>
+          <c:cat>
+            <c:strRef>
+              <c:f>Лист1!$A$2:$A$5</c:f>
+              <c:strCache>
+                <c:ptCount val="2"/>
+                <c:pt idx="0">
+                  <c:v>Весь мир</c:v>
+                </c:pt>
+                <c:pt idx="1">
+                  <c:v>Россия</c:v>
+                </c:pt>
+              </c:strCache>
+            </c:strRef>
+          </c:cat>
+          <c:val>
+            <c:numRef>
+              <c:f>Лист1!$F$2:$F$5</c:f>
+              <c:numCache>
+                <c:formatCode>General</c:formatCode>
+                <c:ptCount val="4"/>
+                <c:pt idx="0">
+                  <c:v>9</c:v>
+                </c:pt>
+                <c:pt idx="1">
+                  <c:v>6</c:v>
+                </c:pt>
+              </c:numCache>
+            </c:numRef>
+          </c:val>
+          <c:extLst>
+            <c:ext xmlns:c16="http://schemas.microsoft.com/office/drawing/2014/chart" uri="{C3380CC4-5D6E-409C-BE32-E72D297353CC}">
+              <c16:uniqueId val="{00000004-656E-4992-95F0-1DE4ED95A35C}"/>
+            </c:ext>
+          </c:extLst>
+        </c:ser>
+        <c:dLbls>
+          <c:showLegendKey val="0"/>
+          <c:showVal val="0"/>
+          <c:showCatName val="0"/>
+          <c:showSerName val="0"/>
+          <c:showPercent val="0"/>
+          <c:showBubbleSize val="0"/>
+        </c:dLbls>
+        <c:gapWidth val="219"/>
+        <c:overlap val="-27"/>
+        <c:axId val="394610104"/>
+        <c:axId val="394611416"/>
+      </c:barChart>
+      <c:catAx>
+        <c:axId val="394610104"/>
+        <c:scaling>
+          <c:orientation val="minMax"/>
+        </c:scaling>
+        <c:delete val="0"/>
+        <c:axPos val="b"/>
+        <c:numFmt formatCode="General" sourceLinked="1"/>
+        <c:majorTickMark val="none"/>
+        <c:minorTickMark val="none"/>
+        <c:tickLblPos val="nextTo"/>
+        <c:spPr>
+          <a:noFill/>
+          <a:ln w="9525" cap="flat" cmpd="sng" algn="ctr">
+            <a:solidFill>
+              <a:schemeClr val="tx1">
+                <a:lumMod val="15000"/>
+                <a:lumOff val="85000"/>
+              </a:schemeClr>
+            </a:solidFill>
+            <a:round/>
+          </a:ln>
+          <a:effectLst/>
+        </c:spPr>
+        <c:txPr>
+          <a:bodyPr rot="-60000000" spcFirstLastPara="1" vertOverflow="ellipsis" vert="horz" wrap="square" anchor="ctr" anchorCtr="1"/>
+          <a:lstStyle/>
+          <a:p>
+            <a:pPr>
+              <a:defRPr sz="1197" b="0" i="0" u="none" strike="noStrike" kern="1200" baseline="0">
+                <a:solidFill>
+                  <a:schemeClr val="tx1">
+                    <a:lumMod val="65000"/>
+                    <a:lumOff val="35000"/>
+                  </a:schemeClr>
+                </a:solidFill>
+                <a:latin typeface="+mn-lt"/>
+                <a:ea typeface="+mn-ea"/>
+                <a:cs typeface="+mn-cs"/>
+              </a:defRPr>
+            </a:pPr>
+            <a:endParaRPr lang="ru-RU"/>
+          </a:p>
+        </c:txPr>
+        <c:crossAx val="394611416"/>
+        <c:crosses val="autoZero"/>
+        <c:auto val="1"/>
+        <c:lblAlgn val="ctr"/>
+        <c:lblOffset val="100"/>
+        <c:noMultiLvlLbl val="0"/>
+      </c:catAx>
+      <c:valAx>
+        <c:axId val="394611416"/>
+        <c:scaling>
+          <c:orientation val="minMax"/>
+        </c:scaling>
+        <c:delete val="0"/>
+        <c:axPos val="l"/>
+        <c:majorGridlines>
+          <c:spPr>
+            <a:ln w="9525" cap="flat" cmpd="sng" algn="ctr">
+              <a:solidFill>
+                <a:schemeClr val="tx1">
+                  <a:lumMod val="15000"/>
+                  <a:lumOff val="85000"/>
+                </a:schemeClr>
+              </a:solidFill>
+              <a:round/>
+            </a:ln>
+            <a:effectLst/>
+          </c:spPr>
+        </c:majorGridlines>
+        <c:numFmt formatCode="General" sourceLinked="1"/>
+        <c:majorTickMark val="none"/>
+        <c:minorTickMark val="none"/>
+        <c:tickLblPos val="nextTo"/>
+        <c:spPr>
+          <a:noFill/>
+          <a:ln>
+            <a:noFill/>
+          </a:ln>
+          <a:effectLst/>
+        </c:spPr>
+        <c:txPr>
+          <a:bodyPr rot="-60000000" spcFirstLastPara="1" vertOverflow="ellipsis" vert="horz" wrap="square" anchor="ctr" anchorCtr="1"/>
+          <a:lstStyle/>
+          <a:p>
+            <a:pPr>
+              <a:defRPr sz="1197" b="0" i="0" u="none" strike="noStrike" kern="1200" baseline="0">
+                <a:solidFill>
+                  <a:schemeClr val="tx1">
+                    <a:lumMod val="65000"/>
+                    <a:lumOff val="35000"/>
+                  </a:schemeClr>
+                </a:solidFill>
+                <a:latin typeface="+mn-lt"/>
+                <a:ea typeface="+mn-ea"/>
+                <a:cs typeface="+mn-cs"/>
+              </a:defRPr>
+            </a:pPr>
+            <a:endParaRPr lang="ru-RU"/>
+          </a:p>
+        </c:txPr>
+        <c:crossAx val="394610104"/>
+        <c:crosses val="autoZero"/>
+        <c:crossBetween val="between"/>
+      </c:valAx>
+      <c:spPr>
+        <a:solidFill>
+          <a:schemeClr val="bg1"/>
+        </a:solidFill>
+        <a:ln>
+          <a:noFill/>
+        </a:ln>
+        <a:effectLst/>
+      </c:spPr>
+    </c:plotArea>
+    <c:legend>
+      <c:legendPos val="b"/>
+      <c:overlay val="0"/>
+      <c:spPr>
+        <a:noFill/>
+        <a:ln>
+          <a:noFill/>
+        </a:ln>
+        <a:effectLst/>
+      </c:spPr>
+      <c:txPr>
+        <a:bodyPr rot="0" spcFirstLastPara="1" vertOverflow="ellipsis" vert="horz" wrap="square" anchor="ctr" anchorCtr="1"/>
+        <a:lstStyle/>
+        <a:p>
+          <a:pPr>
+            <a:defRPr sz="1197" b="0" i="0" u="none" strike="noStrike" kern="1200" baseline="0">
+              <a:solidFill>
+                <a:schemeClr val="tx1">
+                  <a:lumMod val="65000"/>
+                  <a:lumOff val="35000"/>
+                </a:schemeClr>
+              </a:solidFill>
+              <a:latin typeface="+mn-lt"/>
+              <a:ea typeface="+mn-ea"/>
+              <a:cs typeface="+mn-cs"/>
+            </a:defRPr>
+          </a:pPr>
+          <a:endParaRPr lang="ru-RU"/>
+        </a:p>
+      </c:txPr>
+    </c:legend>
+    <c:plotVisOnly val="1"/>
+    <c:dispBlanksAs val="gap"/>
+    <c:showDLblsOverMax val="0"/>
+  </c:chart>
+  <c:spPr>
+    <a:noFill/>
+    <a:ln>
+      <a:noFill/>
+    </a:ln>
+    <a:effectLst/>
+  </c:spPr>
+  <c:txPr>
+    <a:bodyPr/>
+    <a:lstStyle/>
+    <a:p>
+      <a:pPr>
+        <a:defRPr/>
+      </a:pPr>
+      <a:endParaRPr lang="ru-RU"/>
+    </a:p>
+  </c:txPr>
+  <c:externalData r:id="rId3">
+    <c:autoUpdate val="0"/>
+  </c:externalData>
+</c:chartSpace>
+</file>
+
+<file path=ppt/charts/colors1.xml><?xml version="1.0" encoding="utf-8"?>
+<cs:colorStyle xmlns:cs="http://schemas.microsoft.com/office/drawing/2012/chartStyle" xmlns:a="http://schemas.openxmlformats.org/drawingml/2006/main" meth="cycle" id="11">
+  <a:schemeClr val="accent1"/>
+  <a:schemeClr val="accent3"/>
+  <a:schemeClr val="accent5"/>
+  <cs:variation/>
+  <cs:variation>
+    <a:lumMod val="60000"/>
+  </cs:variation>
+  <cs:variation>
+    <a:lumMod val="80000"/>
+    <a:lumOff val="20000"/>
+  </cs:variation>
+  <cs:variation>
+    <a:lumMod val="80000"/>
+  </cs:variation>
+  <cs:variation>
+    <a:lumMod val="60000"/>
+    <a:lumOff val="40000"/>
+  </cs:variation>
+  <cs:variation>
+    <a:lumMod val="50000"/>
+  </cs:variation>
+  <cs:variation>
+    <a:lumMod val="70000"/>
+    <a:lumOff val="30000"/>
+  </cs:variation>
+  <cs:variation>
+    <a:lumMod val="70000"/>
+  </cs:variation>
+  <cs:variation>
+    <a:lumMod val="50000"/>
+    <a:lumOff val="50000"/>
+  </cs:variation>
+</cs:colorStyle>
+</file>
+
+<file path=ppt/charts/style1.xml><?xml version="1.0" encoding="utf-8"?>
+<cs:chartStyle xmlns:cs="http://schemas.microsoft.com/office/drawing/2012/chartStyle" xmlns:a="http://schemas.openxmlformats.org/drawingml/2006/main" id="201">
+  <cs:axisTitle>
+    <cs:lnRef idx="0"/>
+    <cs:fillRef idx="0"/>
+    <cs:effectRef idx="0"/>
+    <cs:fontRef idx="minor">
+      <a:schemeClr val="tx1">
+        <a:lumMod val="65000"/>
+        <a:lumOff val="35000"/>
+      </a:schemeClr>
+    </cs:fontRef>
+    <cs:defRPr sz="1330" kern="1200"/>
+  </cs:axisTitle>
+  <cs:categoryAxis>
+    <cs:lnRef idx="0"/>
+    <cs:fillRef idx="0"/>
+    <cs:effectRef idx="0"/>
+    <cs:fontRef idx="minor">
+      <a:schemeClr val="tx1">
+        <a:lumMod val="65000"/>
+        <a:lumOff val="35000"/>
+      </a:schemeClr>
+    </cs:fontRef>
+    <cs:spPr>
+      <a:ln w="9525" cap="flat" cmpd="sng" algn="ctr">
+        <a:solidFill>
+          <a:schemeClr val="tx1">
+            <a:lumMod val="15000"/>
+            <a:lumOff val="85000"/>
+          </a:schemeClr>
+        </a:solidFill>
+        <a:round/>
+      </a:ln>
+    </cs:spPr>
+    <cs:defRPr sz="1197" kern="1200"/>
+  </cs:categoryAxis>
+  <cs:chartArea mods="allowNoFillOverride allowNoLineOverride">
+    <cs:lnRef idx="0"/>
+    <cs:fillRef idx="0"/>
+    <cs:effectRef idx="0"/>
+    <cs:fontRef idx="minor">
+      <a:schemeClr val="tx1"/>
+    </cs:fontRef>
+    <cs:spPr>
+      <a:solidFill>
+        <a:schemeClr val="bg1"/>
+      </a:solidFill>
+      <a:ln w="9525" cap="flat" cmpd="sng" algn="ctr">
+        <a:solidFill>
+          <a:schemeClr val="tx1">
+            <a:lumMod val="15000"/>
+            <a:lumOff val="85000"/>
+          </a:schemeClr>
+        </a:solidFill>
+        <a:round/>
+      </a:ln>
+    </cs:spPr>
+    <cs:defRPr sz="1330" kern="1200"/>
+  </cs:chartArea>
+  <cs:dataLabel>
+    <cs:lnRef idx="0"/>
+    <cs:fillRef idx="0"/>
+    <cs:effectRef idx="0"/>
+    <cs:fontRef idx="minor">
+      <a:schemeClr val="tx1">
+        <a:lumMod val="75000"/>
+        <a:lumOff val="25000"/>
+      </a:schemeClr>
+    </cs:fontRef>
+    <cs:defRPr sz="1197" kern="1200"/>
+  </cs:dataLabel>
+  <cs:dataLabelCallout>
+    <cs:lnRef idx="0"/>
+    <cs:fillRef idx="0"/>
+    <cs:effectRef idx="0"/>
+    <cs:fontRef idx="minor">
+      <a:schemeClr val="dk1">
+        <a:lumMod val="65000"/>
+        <a:lumOff val="35000"/>
+      </a:schemeClr>
+    </cs:fontRef>
+    <cs:spPr>
+      <a:solidFill>
+        <a:schemeClr val="lt1"/>
+      </a:solidFill>
+      <a:ln>
+        <a:solidFill>
+          <a:schemeClr val="dk1">
+            <a:lumMod val="25000"/>
+            <a:lumOff val="75000"/>
+          </a:schemeClr>
+        </a:solidFill>
+      </a:ln>
+    </cs:spPr>
+    <cs:defRPr sz="1197" kern="1200"/>
+    <cs:bodyPr rot="0" spcFirstLastPara="1" vertOverflow="clip" horzOverflow="clip" vert="horz" wrap="square" lIns="36576" tIns="18288" rIns="36576" bIns="18288" anchor="ctr" anchorCtr="1">
+      <a:spAutoFit/>
+    </cs:bodyPr>
+  </cs:dataLabelCallout>
+  <cs:dataPoint>
+    <cs:lnRef idx="0"/>
+    <cs:fillRef idx="1">
+      <cs:styleClr val="auto"/>
+    </cs:fillRef>
+    <cs:effectRef idx="0"/>
+    <cs:fontRef idx="minor">
+      <a:schemeClr val="tx1"/>
+    </cs:fontRef>
+  </cs:dataPoint>
+  <cs:dataPoint3D>
+    <cs:lnRef idx="0"/>
+    <cs:fillRef idx="1">
+      <cs:styleClr val="auto"/>
+    </cs:fillRef>
+    <cs:effectRef idx="0"/>
+    <cs:fontRef idx="minor">
+      <a:schemeClr val="tx1"/>
+    </cs:fontRef>
+  </cs:dataPoint3D>
+  <cs:dataPointLine>
+    <cs:lnRef idx="0">
+      <cs:styleClr val="auto"/>
+    </cs:lnRef>
+    <cs:fillRef idx="1"/>
+    <cs:effectRef idx="0"/>
+    <cs:fontRef idx="minor">
+      <a:schemeClr val="tx1"/>
+    </cs:fontRef>
+    <cs:spPr>
+      <a:ln w="28575" cap="rnd">
+        <a:solidFill>
+          <a:schemeClr val="phClr"/>
+        </a:solidFill>
+        <a:round/>
+      </a:ln>
+    </cs:spPr>
+  </cs:dataPointLine>
+  <cs:dataPointMarker>
+    <cs:lnRef idx="0">
+      <cs:styleClr val="auto"/>
+    </cs:lnRef>
+    <cs:fillRef idx="1">
+      <cs:styleClr val="auto"/>
+    </cs:fillRef>
+    <cs:effectRef idx="0"/>
+    <cs:fontRef idx="minor">
+      <a:schemeClr val="tx1"/>
+    </cs:fontRef>
+    <cs:spPr>
+      <a:ln w="9525">
+        <a:solidFill>
+          <a:schemeClr val="phClr"/>
+        </a:solidFill>
+      </a:ln>
+    </cs:spPr>
+  </cs:dataPointMarker>
+  <cs:dataPointMarkerLayout symbol="circle" size="5"/>
+  <cs:dataPointWireframe>
+    <cs:lnRef idx="0">
+      <cs:styleClr val="auto"/>
+    </cs:lnRef>
+    <cs:fillRef idx="1"/>
+    <cs:effectRef idx="0"/>
+    <cs:fontRef idx="minor">
+      <a:schemeClr val="tx1"/>
+    </cs:fontRef>
+    <cs:spPr>
+      <a:ln w="9525" cap="rnd">
+        <a:solidFill>
+          <a:schemeClr val="phClr"/>
+        </a:solidFill>
+        <a:round/>
+      </a:ln>
+    </cs:spPr>
+  </cs:dataPointWireframe>
+  <cs:dataTable>
+    <cs:lnRef idx="0"/>
+    <cs:fillRef idx="0"/>
+    <cs:effectRef idx="0"/>
+    <cs:fontRef idx="minor">
+      <a:schemeClr val="tx1">
+        <a:lumMod val="65000"/>
+        <a:lumOff val="35000"/>
+      </a:schemeClr>
+    </cs:fontRef>
+    <cs:spPr>
+      <a:noFill/>
+      <a:ln w="9525" cap="flat" cmpd="sng" algn="ctr">
+        <a:solidFill>
+          <a:schemeClr val="tx1">
+            <a:lumMod val="15000"/>
+            <a:lumOff val="85000"/>
+          </a:schemeClr>
+        </a:solidFill>
+        <a:round/>
+      </a:ln>
+    </cs:spPr>
+    <cs:defRPr sz="1197" kern="1200"/>
+  </cs:dataTable>
+  <cs:downBar>
+    <cs:lnRef idx="0"/>
+    <cs:fillRef idx="0"/>
+    <cs:effectRef idx="0"/>
+    <cs:fontRef idx="minor">
+      <a:schemeClr val="dk1"/>
+    </cs:fontRef>
+    <cs:spPr>
+      <a:solidFill>
+        <a:schemeClr val="dk1">
+          <a:lumMod val="65000"/>
+          <a:lumOff val="35000"/>
+        </a:schemeClr>
+      </a:solidFill>
+      <a:ln w="9525">
+        <a:solidFill>
+          <a:schemeClr val="tx1">
+            <a:lumMod val="65000"/>
+            <a:lumOff val="35000"/>
+          </a:schemeClr>
+        </a:solidFill>
+      </a:ln>
+    </cs:spPr>
+  </cs:downBar>
+  <cs:dropLine>
+    <cs:lnRef idx="0"/>
+    <cs:fillRef idx="0"/>
+    <cs:effectRef idx="0"/>
+    <cs:fontRef idx="minor">
+      <a:schemeClr val="tx1"/>
+    </cs:fontRef>
+    <cs:spPr>
+      <a:ln w="9525" cap="flat" cmpd="sng" algn="ctr">
+        <a:solidFill>
+          <a:schemeClr val="tx1">
+            <a:lumMod val="35000"/>
+            <a:lumOff val="65000"/>
+          </a:schemeClr>
+        </a:solidFill>
+        <a:round/>
+      </a:ln>
+    </cs:spPr>
+  </cs:dropLine>
+  <cs:errorBar>
+    <cs:lnRef idx="0"/>
+    <cs:fillRef idx="0"/>
+    <cs:effectRef idx="0"/>
+    <cs:fontRef idx="minor">
+      <a:schemeClr val="tx1"/>
+    </cs:fontRef>
+    <cs:spPr>
+      <a:ln w="9525" cap="flat" cmpd="sng" algn="ctr">
+        <a:solidFill>
+          <a:schemeClr val="tx1">
+            <a:lumMod val="65000"/>
+            <a:lumOff val="35000"/>
+          </a:schemeClr>
+        </a:solidFill>
+        <a:round/>
+      </a:ln>
+    </cs:spPr>
+  </cs:errorBar>
+  <cs:floor>
+    <cs:lnRef idx="0"/>
+    <cs:fillRef idx="0"/>
+    <cs:effectRef idx="0"/>
+    <cs:fontRef idx="minor">
+      <a:schemeClr val="tx1"/>
+    </cs:fontRef>
+    <cs:spPr>
+      <a:noFill/>
+      <a:ln>
+        <a:noFill/>
+      </a:ln>
+    </cs:spPr>
+  </cs:floor>
+  <cs:gridlineMajor>
+    <cs:lnRef idx="0"/>
+    <cs:fillRef idx="0"/>
+    <cs:effectRef idx="0"/>
+    <cs:fontRef idx="minor">
+      <a:schemeClr val="tx1"/>
+    </cs:fontRef>
+    <cs:spPr>
+      <a:ln w="9525" cap="flat" cmpd="sng" algn="ctr">
+        <a:solidFill>
+          <a:schemeClr val="tx1">
+            <a:lumMod val="15000"/>
+            <a:lumOff val="85000"/>
+          </a:schemeClr>
+        </a:solidFill>
+        <a:round/>
+      </a:ln>
+    </cs:spPr>
+  </cs:gridlineMajor>
+  <cs:gridlineMinor>
+    <cs:lnRef idx="0"/>
+    <cs:fillRef idx="0"/>
+    <cs:effectRef idx="0"/>
+    <cs:fontRef idx="minor">
+      <a:schemeClr val="tx1"/>
+    </cs:fontRef>
+    <cs:spPr>
+      <a:ln w="9525" cap="flat" cmpd="sng" algn="ctr">
+        <a:solidFill>
+          <a:schemeClr val="tx1">
+            <a:lumMod val="5000"/>
+            <a:lumOff val="95000"/>
+          </a:schemeClr>
+        </a:solidFill>
+        <a:round/>
+      </a:ln>
+    </cs:spPr>
+  </cs:gridlineMinor>
+  <cs:hiLoLine>
+    <cs:lnRef idx="0"/>
+    <cs:fillRef idx="0"/>
+    <cs:effectRef idx="0"/>
+    <cs:fontRef idx="minor">
+      <a:schemeClr val="tx1"/>
+    </cs:fontRef>
+    <cs:spPr>
+      <a:ln w="9525" cap="flat" cmpd="sng" algn="ctr">
+        <a:solidFill>
+          <a:schemeClr val="tx1">
+            <a:lumMod val="75000"/>
+            <a:lumOff val="25000"/>
+          </a:schemeClr>
+        </a:solidFill>
+        <a:round/>
+      </a:ln>
+    </cs:spPr>
+  </cs:hiLoLine>
+  <cs:leaderLine>
+    <cs:lnRef idx="0"/>
+    <cs:fillRef idx="0"/>
+    <cs:effectRef idx="0"/>
+    <cs:fontRef idx="minor">
+      <a:schemeClr val="tx1"/>
+    </cs:fontRef>
+    <cs:spPr>
+      <a:ln w="9525" cap="flat" cmpd="sng" algn="ctr">
+        <a:solidFill>
+          <a:schemeClr val="tx1">
+            <a:lumMod val="35000"/>
+            <a:lumOff val="65000"/>
+          </a:schemeClr>
+        </a:solidFill>
+        <a:round/>
+      </a:ln>
+    </cs:spPr>
+  </cs:leaderLine>
+  <cs:legend>
+    <cs:lnRef idx="0"/>
+    <cs:fillRef idx="0"/>
+    <cs:effectRef idx="0"/>
+    <cs:fontRef idx="minor">
+      <a:schemeClr val="tx1">
+        <a:lumMod val="65000"/>
+        <a:lumOff val="35000"/>
+      </a:schemeClr>
+    </cs:fontRef>
+    <cs:defRPr sz="1197" kern="1200"/>
+  </cs:legend>
+  <cs:plotArea mods="allowNoFillOverride allowNoLineOverride">
+    <cs:lnRef idx="0"/>
+    <cs:fillRef idx="0"/>
+    <cs:effectRef idx="0"/>
+    <cs:fontRef idx="minor">
+      <a:schemeClr val="tx1"/>
+    </cs:fontRef>
+  </cs:plotArea>
+  <cs:plotArea3D mods="allowNoFillOverride allowNoLineOverride">
+    <cs:lnRef idx="0"/>
+    <cs:fillRef idx="0"/>
+    <cs:effectRef idx="0"/>
+    <cs:fontRef idx="minor">
+      <a:schemeClr val="tx1"/>
+    </cs:fontRef>
+  </cs:plotArea3D>
+  <cs:seriesAxis>
+    <cs:lnRef idx="0"/>
+    <cs:fillRef idx="0"/>
+    <cs:effectRef idx="0"/>
+    <cs:fontRef idx="minor">
+      <a:schemeClr val="tx1">
+        <a:lumMod val="65000"/>
+        <a:lumOff val="35000"/>
+      </a:schemeClr>
+    </cs:fontRef>
+    <cs:defRPr sz="1197" kern="1200"/>
+  </cs:seriesAxis>
+  <cs:seriesLine>
+    <cs:lnRef idx="0"/>
+    <cs:fillRef idx="0"/>
+    <cs:effectRef idx="0"/>
+    <cs:fontRef idx="minor">
+      <a:schemeClr val="tx1"/>
+    </cs:fontRef>
+    <cs:spPr>
+      <a:ln w="9525" cap="flat" cmpd="sng" algn="ctr">
+        <a:solidFill>
+          <a:schemeClr val="tx1">
+            <a:lumMod val="35000"/>
+            <a:lumOff val="65000"/>
+          </a:schemeClr>
+        </a:solidFill>
+        <a:round/>
+      </a:ln>
+    </cs:spPr>
+  </cs:seriesLine>
+  <cs:title>
+    <cs:lnRef idx="0"/>
+    <cs:fillRef idx="0"/>
+    <cs:effectRef idx="0"/>
+    <cs:fontRef idx="minor">
+      <a:schemeClr val="tx1">
+        <a:lumMod val="65000"/>
+        <a:lumOff val="35000"/>
+      </a:schemeClr>
+    </cs:fontRef>
+    <cs:defRPr sz="1862" b="0" kern="1200" spc="0" baseline="0"/>
+  </cs:title>
+  <cs:trendline>
+    <cs:lnRef idx="0">
+      <cs:styleClr val="auto"/>
+    </cs:lnRef>
+    <cs:fillRef idx="0"/>
+    <cs:effectRef idx="0"/>
+    <cs:fontRef idx="minor">
+      <a:schemeClr val="tx1"/>
+    </cs:fontRef>
+    <cs:spPr>
+      <a:ln w="19050" cap="rnd">
+        <a:solidFill>
+          <a:schemeClr val="phClr"/>
+        </a:solidFill>
+        <a:prstDash val="sysDot"/>
+      </a:ln>
+    </cs:spPr>
+  </cs:trendline>
+  <cs:trendlineLabel>
+    <cs:lnRef idx="0"/>
+    <cs:fillRef idx="0"/>
+    <cs:effectRef idx="0"/>
+    <cs:fontRef idx="minor">
+      <a:schemeClr val="tx1">
+        <a:lumMod val="65000"/>
+        <a:lumOff val="35000"/>
+      </a:schemeClr>
+    </cs:fontRef>
+    <cs:defRPr sz="1197" kern="1200"/>
+  </cs:trendlineLabel>
+  <cs:upBar>
+    <cs:lnRef idx="0"/>
+    <cs:fillRef idx="0"/>
+    <cs:effectRef idx="0"/>
+    <cs:fontRef idx="minor">
+      <a:schemeClr val="dk1"/>
+    </cs:fontRef>
+    <cs:spPr>
+      <a:solidFill>
+        <a:schemeClr val="lt1"/>
+      </a:solidFill>
+      <a:ln w="9525">
+        <a:solidFill>
+          <a:schemeClr val="tx1">
+            <a:lumMod val="15000"/>
+            <a:lumOff val="85000"/>
+          </a:schemeClr>
+        </a:solidFill>
+      </a:ln>
+    </cs:spPr>
+  </cs:upBar>
+  <cs:valueAxis>
+    <cs:lnRef idx="0"/>
+    <cs:fillRef idx="0"/>
+    <cs:effectRef idx="0"/>
+    <cs:fontRef idx="minor">
+      <a:schemeClr val="tx1">
+        <a:lumMod val="65000"/>
+        <a:lumOff val="35000"/>
+      </a:schemeClr>
+    </cs:fontRef>
+    <cs:defRPr sz="1197" kern="1200"/>
+  </cs:valueAxis>
+  <cs:wall>
+    <cs:lnRef idx="0"/>
+    <cs:fillRef idx="0"/>
+    <cs:effectRef idx="0"/>
+    <cs:fontRef idx="minor">
+      <a:schemeClr val="tx1"/>
+    </cs:fontRef>
+    <cs:spPr>
+      <a:noFill/>
+      <a:ln>
+        <a:noFill/>
+      </a:ln>
+    </cs:spPr>
+  </cs:wall>
+</cs:chartStyle>
+</file>
+
 <file path=ppt/handoutMasters/handoutMaster1.xml><?xml version="1.0" encoding="utf-8"?>
 <p:handoutMaster xmlns:a="http://schemas.openxmlformats.org/drawingml/2006/main" xmlns:r="http://schemas.openxmlformats.org/officeDocument/2006/relationships" xmlns:p="http://schemas.openxmlformats.org/presentationml/2006/main">
   <p:cSld>
@@ -252,7 +1359,7 @@
             <a:pPr rtl="0"/>
             <a:fld id="{84D28F2D-D4F3-4E2B-A0F3-7AAFDE0BC58B}" type="datetime1">
               <a:rPr lang="ru-RU" smtClean="0"/>
-              <a:t>05.04.2020</a:t>
+              <a:t>12.04.2020</a:t>
             </a:fld>
             <a:endParaRPr lang="ru-RU" dirty="0"/>
           </a:p>
@@ -433,7 +1540,7 @@
             <a:fld id="{CA49951C-CA37-4221-943D-71E64EEEA549}" type="datetime1">
               <a:rPr lang="ru-RU" smtClean="0"/>
               <a:pPr/>
-              <a:t>05.04.2020</a:t>
+              <a:t>12.04.2020</a:t>
             </a:fld>
             <a:endParaRPr lang="ru-RU" dirty="0"/>
           </a:p>
@@ -865,7 +1972,7 @@
     </p:spTree>
     <p:extLst>
       <p:ext uri="{BB962C8B-B14F-4D97-AF65-F5344CB8AC3E}">
-        <p14:creationId xmlns:p14="http://schemas.microsoft.com/office/powerpoint/2010/main" val="1858021105"/>
+        <p14:creationId xmlns:p14="http://schemas.microsoft.com/office/powerpoint/2010/main" val="3789256377"/>
       </p:ext>
     </p:extLst>
   </p:cSld>
@@ -951,7 +2058,7 @@
     </p:spTree>
     <p:extLst>
       <p:ext uri="{BB962C8B-B14F-4D97-AF65-F5344CB8AC3E}">
-        <p14:creationId xmlns:p14="http://schemas.microsoft.com/office/powerpoint/2010/main" val="3789256377"/>
+        <p14:creationId xmlns:p14="http://schemas.microsoft.com/office/powerpoint/2010/main" val="716257294"/>
       </p:ext>
     </p:extLst>
   </p:cSld>
@@ -1037,7 +2144,7 @@
     </p:spTree>
     <p:extLst>
       <p:ext uri="{BB962C8B-B14F-4D97-AF65-F5344CB8AC3E}">
-        <p14:creationId xmlns:p14="http://schemas.microsoft.com/office/powerpoint/2010/main" val="716257294"/>
+        <p14:creationId xmlns:p14="http://schemas.microsoft.com/office/powerpoint/2010/main" val="828671797"/>
       </p:ext>
     </p:extLst>
   </p:cSld>
@@ -1123,7 +2230,7 @@
     </p:spTree>
     <p:extLst>
       <p:ext uri="{BB962C8B-B14F-4D97-AF65-F5344CB8AC3E}">
-        <p14:creationId xmlns:p14="http://schemas.microsoft.com/office/powerpoint/2010/main" val="828671797"/>
+        <p14:creationId xmlns:p14="http://schemas.microsoft.com/office/powerpoint/2010/main" val="3870320015"/>
       </p:ext>
     </p:extLst>
   </p:cSld>
@@ -2148,7 +3255,7 @@
             <a:pPr rtl="0"/>
             <a:fld id="{1BCB67F5-0266-4F57-BCC8-CAA9673E5902}" type="datetime1">
               <a:rPr lang="ru-RU" noProof="0" smtClean="0"/>
-              <a:t>05.04.2020</a:t>
+              <a:t>12.04.2020</a:t>
             </a:fld>
             <a:endParaRPr lang="ru-RU" noProof="0" dirty="0"/>
           </a:p>
@@ -2352,7 +3459,7 @@
             <a:pPr rtl="0"/>
             <a:fld id="{1B5ADB00-8AAA-4C20-B03B-A012746A2014}" type="datetime1">
               <a:rPr lang="ru-RU" noProof="0" smtClean="0"/>
-              <a:t>05.04.2020</a:t>
+              <a:t>12.04.2020</a:t>
             </a:fld>
             <a:endParaRPr lang="ru-RU" noProof="0" dirty="0"/>
           </a:p>
@@ -2566,7 +3673,7 @@
             <a:pPr rtl="0"/>
             <a:fld id="{7C0EA85A-0755-4D64-85AE-4D684CB44117}" type="datetime1">
               <a:rPr lang="ru-RU" noProof="0" smtClean="0"/>
-              <a:t>05.04.2020</a:t>
+              <a:t>12.04.2020</a:t>
             </a:fld>
             <a:endParaRPr lang="ru-RU" noProof="0" dirty="0"/>
           </a:p>
@@ -2770,7 +3877,7 @@
             <a:pPr rtl="0"/>
             <a:fld id="{82200F68-8153-43BD-9048-5E0203738055}" type="datetime1">
               <a:rPr lang="ru-RU" noProof="0" smtClean="0"/>
-              <a:t>05.04.2020</a:t>
+              <a:t>12.04.2020</a:t>
             </a:fld>
             <a:endParaRPr lang="ru-RU" noProof="0" dirty="0"/>
           </a:p>
@@ -3050,7 +4157,7 @@
             <a:pPr rtl="0"/>
             <a:fld id="{DEE6A3E5-DF0B-4BB4-83EC-7350AED6B333}" type="datetime1">
               <a:rPr lang="ru-RU" noProof="0" smtClean="0"/>
-              <a:t>05.04.2020</a:t>
+              <a:t>12.04.2020</a:t>
             </a:fld>
             <a:endParaRPr lang="ru-RU" noProof="0" dirty="0"/>
           </a:p>
@@ -3322,7 +4429,7 @@
             <a:pPr rtl="0"/>
             <a:fld id="{658B5BE7-11FF-4B74-A258-0B0852B1C612}" type="datetime1">
               <a:rPr lang="ru-RU" noProof="0" smtClean="0"/>
-              <a:t>05.04.2020</a:t>
+              <a:t>12.04.2020</a:t>
             </a:fld>
             <a:endParaRPr lang="ru-RU" noProof="0" dirty="0"/>
           </a:p>
@@ -3741,7 +4848,7 @@
             <a:pPr rtl="0"/>
             <a:fld id="{5153AEB0-DEE4-469A-ACA7-FCE298962CB8}" type="datetime1">
               <a:rPr lang="ru-RU" noProof="0" smtClean="0"/>
-              <a:t>05.04.2020</a:t>
+              <a:t>12.04.2020</a:t>
             </a:fld>
             <a:endParaRPr lang="ru-RU" noProof="0" dirty="0"/>
           </a:p>
@@ -3887,7 +4994,7 @@
             <a:pPr rtl="0"/>
             <a:fld id="{A7D850CA-FEA9-4ECA-92F5-9F1778664B8F}" type="datetime1">
               <a:rPr lang="ru-RU" noProof="0" smtClean="0"/>
-              <a:t>05.04.2020</a:t>
+              <a:t>12.04.2020</a:t>
             </a:fld>
             <a:endParaRPr lang="ru-RU" noProof="0" dirty="0"/>
           </a:p>
@@ -4003,7 +5110,7 @@
             <a:pPr rtl="0"/>
             <a:fld id="{BDD77D1A-AB3F-4195-91BD-ED29ADAC1B44}" type="datetime1">
               <a:rPr lang="ru-RU" noProof="0" smtClean="0"/>
-              <a:t>05.04.2020</a:t>
+              <a:t>12.04.2020</a:t>
             </a:fld>
             <a:endParaRPr lang="ru-RU" noProof="0" dirty="0"/>
           </a:p>
@@ -4320,7 +5427,7 @@
             <a:pPr rtl="0"/>
             <a:fld id="{376F1AFD-3CC9-4493-BC63-1C141B05CE5B}" type="datetime1">
               <a:rPr lang="ru-RU" noProof="0" smtClean="0"/>
-              <a:t>05.04.2020</a:t>
+              <a:t>12.04.2020</a:t>
             </a:fld>
             <a:endParaRPr lang="ru-RU" noProof="0" dirty="0"/>
           </a:p>
@@ -4618,7 +5725,7 @@
             <a:pPr rtl="0"/>
             <a:fld id="{6F578092-39FE-416A-9517-019E99EC9D0E}" type="datetime1">
               <a:rPr lang="ru-RU" noProof="0" smtClean="0"/>
-              <a:t>05.04.2020</a:t>
+              <a:t>12.04.2020</a:t>
             </a:fld>
             <a:endParaRPr lang="ru-RU" noProof="0" dirty="0"/>
           </a:p>
@@ -4863,7 +5970,7 @@
             <a:pPr rtl="0"/>
             <a:fld id="{368E1444-B5BA-4767-8208-964378902D11}" type="datetime1">
               <a:rPr lang="ru-RU" noProof="0" smtClean="0"/>
-              <a:t>05.04.2020</a:t>
+              <a:t>12.04.2020</a:t>
             </a:fld>
             <a:endParaRPr lang="ru-RU" noProof="0" dirty="0"/>
           </a:p>
@@ -8511,914 +9618,6 @@
 </file>
 
 <file path=ppt/slides/slide10.xml><?xml version="1.0" encoding="utf-8"?>
-<p:sld xmlns:a="http://schemas.openxmlformats.org/drawingml/2006/main" xmlns:r="http://schemas.openxmlformats.org/officeDocument/2006/relationships" xmlns:p="http://schemas.openxmlformats.org/presentationml/2006/main">
-  <p:cSld>
-    <p:spTree>
-      <p:nvGrpSpPr>
-        <p:cNvPr id="1" name=""/>
-        <p:cNvGrpSpPr/>
-        <p:nvPr/>
-      </p:nvGrpSpPr>
-      <p:grpSpPr>
-        <a:xfrm>
-          <a:off x="0" y="0"/>
-          <a:ext cx="0" cy="0"/>
-          <a:chOff x="0" y="0"/>
-          <a:chExt cx="0" cy="0"/>
-        </a:xfrm>
-      </p:grpSpPr>
-      <p:sp>
-        <p:nvSpPr>
-          <p:cNvPr id="2" name="Надпись 1">
-            <a:extLst>
-              <a:ext uri="{FF2B5EF4-FFF2-40B4-BE49-F238E27FC236}">
-                <a16:creationId xmlns:a16="http://schemas.microsoft.com/office/drawing/2014/main" id="{62AEF5FE-6C45-4BF6-9676-571742C3CDD7}"/>
-              </a:ext>
-            </a:extLst>
-          </p:cNvPr>
-          <p:cNvSpPr txBox="1"/>
-          <p:nvPr/>
-        </p:nvSpPr>
-        <p:spPr>
-          <a:xfrm>
-            <a:off x="689985" y="3615601"/>
-            <a:ext cx="3603287" cy="512961"/>
-          </a:xfrm>
-          <a:prstGeom prst="rect">
-            <a:avLst/>
-          </a:prstGeom>
-          <a:noFill/>
-        </p:spPr>
-        <p:txBody>
-          <a:bodyPr wrap="square" lIns="0" tIns="0" rIns="0" bIns="0" rtlCol="0">
-            <a:spAutoFit/>
-          </a:bodyPr>
-          <a:lstStyle/>
-          <a:p>
-            <a:pPr rtl="0">
-              <a:lnSpc>
-                <a:spcPts val="4000"/>
-              </a:lnSpc>
-            </a:pPr>
-            <a:r>
-              <a:rPr lang="en-US" sz="4400" b="1" dirty="0">
-                <a:solidFill>
-                  <a:srgbClr val="002060"/>
-                </a:solidFill>
-                <a:latin typeface="Segoe UI" panose="020B0502040204020203" pitchFamily="34" charset="0"/>
-                <a:cs typeface="Segoe UI" panose="020B0502040204020203" pitchFamily="34" charset="0"/>
-              </a:rPr>
-              <a:t>WEB</a:t>
-            </a:r>
-            <a:endParaRPr lang="ru-RU" sz="4400" b="1" dirty="0">
-              <a:solidFill>
-                <a:srgbClr val="002060"/>
-              </a:solidFill>
-              <a:latin typeface="Segoe UI" panose="020B0502040204020203" pitchFamily="34" charset="0"/>
-              <a:cs typeface="Segoe UI" panose="020B0502040204020203" pitchFamily="34" charset="0"/>
-            </a:endParaRPr>
-          </a:p>
-        </p:txBody>
-      </p:sp>
-      <p:sp>
-        <p:nvSpPr>
-          <p:cNvPr id="3" name="Прямоугольник 2">
-            <a:extLst>
-              <a:ext uri="{FF2B5EF4-FFF2-40B4-BE49-F238E27FC236}">
-                <a16:creationId xmlns:a16="http://schemas.microsoft.com/office/drawing/2014/main" id="{A74D15AA-4B45-41B5-A81C-97FCBF019951}"/>
-              </a:ext>
-            </a:extLst>
-          </p:cNvPr>
-          <p:cNvSpPr/>
-          <p:nvPr/>
-        </p:nvSpPr>
-        <p:spPr>
-          <a:xfrm>
-            <a:off x="768158" y="5372393"/>
-            <a:ext cx="2879127" cy="492443"/>
-          </a:xfrm>
-          <a:prstGeom prst="rect">
-            <a:avLst/>
-          </a:prstGeom>
-        </p:spPr>
-        <p:txBody>
-          <a:bodyPr wrap="square" lIns="0" tIns="0" rIns="0" bIns="0" rtlCol="0">
-            <a:spAutoFit/>
-          </a:bodyPr>
-          <a:lstStyle/>
-          <a:p>
-            <a:pPr rtl="0"/>
-            <a:r>
-              <a:rPr lang="ru-RU" sz="1600" i="1" dirty="0">
-                <a:solidFill>
-                  <a:srgbClr val="002060"/>
-                </a:solidFill>
-                <a:latin typeface="+mj-lt"/>
-                <a:cs typeface="Segoe UI" panose="020B0502040204020203" pitchFamily="34" charset="0"/>
-              </a:rPr>
-              <a:t>Наше социальная сеть в браузере</a:t>
-            </a:r>
-          </a:p>
-        </p:txBody>
-      </p:sp>
-      <p:sp>
-        <p:nvSpPr>
-          <p:cNvPr id="5" name="Надпись 4">
-            <a:extLst>
-              <a:ext uri="{FF2B5EF4-FFF2-40B4-BE49-F238E27FC236}">
-                <a16:creationId xmlns:a16="http://schemas.microsoft.com/office/drawing/2014/main" id="{BAD3DD8E-0492-4A48-B06C-F87FA5CFE3C0}"/>
-              </a:ext>
-            </a:extLst>
-          </p:cNvPr>
-          <p:cNvSpPr txBox="1"/>
-          <p:nvPr/>
-        </p:nvSpPr>
-        <p:spPr>
-          <a:xfrm>
-            <a:off x="689985" y="2242036"/>
-            <a:ext cx="2378308" cy="1231106"/>
-          </a:xfrm>
-          <a:prstGeom prst="rect">
-            <a:avLst/>
-          </a:prstGeom>
-          <a:noFill/>
-        </p:spPr>
-        <p:txBody>
-          <a:bodyPr wrap="square" lIns="0" tIns="0" rIns="0" bIns="0" rtlCol="0">
-            <a:spAutoFit/>
-          </a:bodyPr>
-          <a:lstStyle/>
-          <a:p>
-            <a:pPr rtl="0"/>
-            <a:r>
-              <a:rPr lang="en-US" sz="8000" dirty="0">
-                <a:solidFill>
-                  <a:srgbClr val="002060"/>
-                </a:solidFill>
-                <a:latin typeface="Segoe UI" panose="020B0502040204020203" pitchFamily="34" charset="0"/>
-                <a:cs typeface="Segoe UI" panose="020B0502040204020203" pitchFamily="34" charset="0"/>
-              </a:rPr>
-              <a:t>Neo</a:t>
-            </a:r>
-            <a:endParaRPr lang="ru-RU" sz="8000" dirty="0">
-              <a:solidFill>
-                <a:srgbClr val="002060"/>
-              </a:solidFill>
-              <a:latin typeface="Segoe UI" panose="020B0502040204020203" pitchFamily="34" charset="0"/>
-              <a:cs typeface="Segoe UI" panose="020B0502040204020203" pitchFamily="34" charset="0"/>
-            </a:endParaRPr>
-          </a:p>
-        </p:txBody>
-      </p:sp>
-      <p:sp>
-        <p:nvSpPr>
-          <p:cNvPr id="6" name="Прямоугольник: Скругленные углы 5">
-            <a:extLst>
-              <a:ext uri="{FF2B5EF4-FFF2-40B4-BE49-F238E27FC236}">
-                <a16:creationId xmlns:a16="http://schemas.microsoft.com/office/drawing/2014/main" id="{C8431200-8E45-4A0C-B12B-CFA1B2C53C47}"/>
-              </a:ext>
-              <a:ext uri="{C183D7F6-B498-43B3-948B-1728B52AA6E4}">
-                <adec:decorative xmlns="" xmlns:adec="http://schemas.microsoft.com/office/drawing/2017/decorative" val="1"/>
-              </a:ext>
-            </a:extLst>
-          </p:cNvPr>
-          <p:cNvSpPr/>
-          <p:nvPr/>
-        </p:nvSpPr>
-        <p:spPr>
-          <a:xfrm>
-            <a:off x="242096" y="5502466"/>
-            <a:ext cx="443592" cy="232296"/>
-          </a:xfrm>
-          <a:prstGeom prst="roundRect">
-            <a:avLst>
-              <a:gd name="adj" fmla="val 50000"/>
-            </a:avLst>
-          </a:prstGeom>
-          <a:noFill/>
-          <a:ln>
-            <a:solidFill>
-              <a:schemeClr val="tx1">
-                <a:lumMod val="75000"/>
-                <a:lumOff val="25000"/>
-              </a:schemeClr>
-            </a:solidFill>
-          </a:ln>
-        </p:spPr>
-        <p:style>
-          <a:lnRef idx="2">
-            <a:schemeClr val="accent1">
-              <a:shade val="50000"/>
-            </a:schemeClr>
-          </a:lnRef>
-          <a:fillRef idx="1">
-            <a:schemeClr val="accent1"/>
-          </a:fillRef>
-          <a:effectRef idx="0">
-            <a:schemeClr val="accent1"/>
-          </a:effectRef>
-          <a:fontRef idx="minor">
-            <a:schemeClr val="lt1"/>
-          </a:fontRef>
-        </p:style>
-        <p:txBody>
-          <a:bodyPr rtlCol="0" anchor="ctr"/>
-          <a:lstStyle/>
-          <a:p>
-            <a:pPr algn="ctr" rtl="0"/>
-            <a:endParaRPr lang="ru-RU" dirty="0"/>
-          </a:p>
-        </p:txBody>
-      </p:sp>
-      <p:sp>
-        <p:nvSpPr>
-          <p:cNvPr id="4" name="Параллелограмм 3">
-            <a:extLst>
-              <a:ext uri="{FF2B5EF4-FFF2-40B4-BE49-F238E27FC236}">
-                <a16:creationId xmlns:a16="http://schemas.microsoft.com/office/drawing/2014/main" id="{241C7FC4-FEFA-4A96-9749-9068C68611EF}"/>
-              </a:ext>
-              <a:ext uri="{C183D7F6-B498-43B3-948B-1728B52AA6E4}">
-                <adec:decorative xmlns="" xmlns:adec="http://schemas.microsoft.com/office/drawing/2017/decorative" val="1"/>
-              </a:ext>
-            </a:extLst>
-          </p:cNvPr>
-          <p:cNvSpPr/>
-          <p:nvPr/>
-        </p:nvSpPr>
-        <p:spPr>
-          <a:xfrm>
-            <a:off x="4115474" y="2"/>
-            <a:ext cx="3961053" cy="6857998"/>
-          </a:xfrm>
-          <a:prstGeom prst="parallelogram">
-            <a:avLst>
-              <a:gd name="adj" fmla="val 0"/>
-            </a:avLst>
-          </a:prstGeom>
-          <a:gradFill>
-            <a:gsLst>
-              <a:gs pos="0">
-                <a:srgbClr val="7CEFD8"/>
-              </a:gs>
-              <a:gs pos="71000">
-                <a:srgbClr val="6672E4"/>
-              </a:gs>
-              <a:gs pos="100000">
-                <a:srgbClr val="882BE5"/>
-              </a:gs>
-            </a:gsLst>
-            <a:lin ang="5400000" scaled="1"/>
-          </a:gradFill>
-          <a:ln w="12700" cap="flat">
-            <a:noFill/>
-            <a:prstDash val="solid"/>
-            <a:miter lim="800000"/>
-            <a:headEnd/>
-            <a:tailEnd/>
-          </a:ln>
-        </p:spPr>
-        <p:txBody>
-          <a:bodyPr vert="horz" wrap="square" lIns="91440" tIns="45720" rIns="91440" bIns="45720" numCol="1" rtlCol="0" anchor="t" anchorCtr="0" compatLnSpc="1">
-            <a:prstTxWarp prst="textNoShape">
-              <a:avLst/>
-            </a:prstTxWarp>
-          </a:bodyPr>
-          <a:lstStyle/>
-          <a:p>
-            <a:pPr rtl="0"/>
-            <a:endParaRPr lang="ru-RU" dirty="0">
-              <a:solidFill>
-                <a:schemeClr val="tx1"/>
-              </a:solidFill>
-            </a:endParaRPr>
-          </a:p>
-        </p:txBody>
-      </p:sp>
-      <p:sp>
-        <p:nvSpPr>
-          <p:cNvPr id="14" name="Надпись 13">
-            <a:extLst>
-              <a:ext uri="{FF2B5EF4-FFF2-40B4-BE49-F238E27FC236}">
-                <a16:creationId xmlns:a16="http://schemas.microsoft.com/office/drawing/2014/main" id="{A5704BA3-593E-4519-9139-4E1D86366677}"/>
-              </a:ext>
-            </a:extLst>
-          </p:cNvPr>
-          <p:cNvSpPr txBox="1"/>
-          <p:nvPr/>
-        </p:nvSpPr>
-        <p:spPr>
-          <a:xfrm>
-            <a:off x="4882014" y="319428"/>
-            <a:ext cx="2427971" cy="615553"/>
-          </a:xfrm>
-          <a:prstGeom prst="rect">
-            <a:avLst/>
-          </a:prstGeom>
-          <a:noFill/>
-        </p:spPr>
-        <p:txBody>
-          <a:bodyPr wrap="square" lIns="0" tIns="0" rIns="0" bIns="0" rtlCol="0">
-            <a:spAutoFit/>
-          </a:bodyPr>
-          <a:lstStyle/>
-          <a:p>
-            <a:pPr algn="ctr" rtl="0"/>
-            <a:r>
-              <a:rPr lang="ru-RU" sz="2000" b="1" dirty="0">
-                <a:solidFill>
-                  <a:schemeClr val="bg1"/>
-                </a:solidFill>
-                <a:latin typeface="Segoe UI" panose="020B0502040204020203" pitchFamily="34" charset="0"/>
-                <a:cs typeface="Segoe UI" panose="020B0502040204020203" pitchFamily="34" charset="0"/>
-              </a:rPr>
-              <a:t>Временный стек технологий</a:t>
-            </a:r>
-          </a:p>
-        </p:txBody>
-      </p:sp>
-      <p:grpSp>
-        <p:nvGrpSpPr>
-          <p:cNvPr id="93" name="Группа 92">
-            <a:extLst>
-              <a:ext uri="{FF2B5EF4-FFF2-40B4-BE49-F238E27FC236}">
-                <a16:creationId xmlns:a16="http://schemas.microsoft.com/office/drawing/2014/main" id="{294AEDC0-6B1D-4A3D-860D-83756CC387D3}"/>
-              </a:ext>
-              <a:ext uri="{C183D7F6-B498-43B3-948B-1728B52AA6E4}">
-                <adec:decorative xmlns="" xmlns:adec="http://schemas.microsoft.com/office/drawing/2017/decorative" val="1"/>
-              </a:ext>
-            </a:extLst>
-          </p:cNvPr>
-          <p:cNvGrpSpPr/>
-          <p:nvPr/>
-        </p:nvGrpSpPr>
-        <p:grpSpPr>
-          <a:xfrm>
-            <a:off x="8446733" y="1269931"/>
-            <a:ext cx="3047138" cy="4318138"/>
-            <a:chOff x="8462691" y="1300476"/>
-            <a:chExt cx="3047138" cy="4318138"/>
-          </a:xfrm>
-        </p:grpSpPr>
-        <p:sp>
-          <p:nvSpPr>
-            <p:cNvPr id="101" name="Надпись 100">
-              <a:extLst>
-                <a:ext uri="{FF2B5EF4-FFF2-40B4-BE49-F238E27FC236}">
-                  <a16:creationId xmlns:a16="http://schemas.microsoft.com/office/drawing/2014/main" id="{CAECCF3F-B2FA-4F0A-96EE-B54207D66547}"/>
-                </a:ext>
-              </a:extLst>
-            </p:cNvPr>
-            <p:cNvSpPr txBox="1"/>
-            <p:nvPr/>
-          </p:nvSpPr>
-          <p:spPr>
-            <a:xfrm>
-              <a:off x="8462691" y="1300476"/>
-              <a:ext cx="3047138" cy="246221"/>
-            </a:xfrm>
-            <a:prstGeom prst="rect">
-              <a:avLst/>
-            </a:prstGeom>
-            <a:noFill/>
-          </p:spPr>
-          <p:txBody>
-            <a:bodyPr wrap="square" lIns="0" tIns="0" rIns="0" bIns="0" rtlCol="0">
-              <a:spAutoFit/>
-            </a:bodyPr>
-            <a:lstStyle/>
-            <a:p>
-              <a:pPr rtl="0"/>
-              <a:r>
-                <a:rPr lang="ru-RU" sz="1600" b="1" dirty="0">
-                  <a:solidFill>
-                    <a:srgbClr val="002060"/>
-                  </a:solidFill>
-                  <a:latin typeface="Segoe UI" panose="020B0502040204020203" pitchFamily="34" charset="0"/>
-                  <a:cs typeface="Segoe UI" panose="020B0502040204020203" pitchFamily="34" charset="0"/>
-                </a:rPr>
-                <a:t>Сервер</a:t>
-              </a:r>
-            </a:p>
-          </p:txBody>
-        </p:sp>
-        <p:sp>
-          <p:nvSpPr>
-            <p:cNvPr id="103" name="Прямоугольник 102">
-              <a:extLst>
-                <a:ext uri="{FF2B5EF4-FFF2-40B4-BE49-F238E27FC236}">
-                  <a16:creationId xmlns:a16="http://schemas.microsoft.com/office/drawing/2014/main" id="{CDAD2E5F-3DBB-47BA-B90E-DDB45972B6AF}"/>
-                </a:ext>
-              </a:extLst>
-            </p:cNvPr>
-            <p:cNvSpPr/>
-            <p:nvPr/>
-          </p:nvSpPr>
-          <p:spPr>
-            <a:xfrm>
-              <a:off x="8483139" y="2034038"/>
-              <a:ext cx="2975669" cy="246221"/>
-            </a:xfrm>
-            <a:prstGeom prst="rect">
-              <a:avLst/>
-            </a:prstGeom>
-          </p:spPr>
-          <p:txBody>
-            <a:bodyPr wrap="square" lIns="0" tIns="0" rIns="0" bIns="0" rtlCol="0">
-              <a:spAutoFit/>
-            </a:bodyPr>
-            <a:lstStyle/>
-            <a:p>
-              <a:pPr rtl="0"/>
-              <a:r>
-                <a:rPr lang="en-US" sz="1600" i="1" dirty="0">
-                  <a:solidFill>
-                    <a:srgbClr val="002060"/>
-                  </a:solidFill>
-                  <a:latin typeface="+mj-lt"/>
-                  <a:cs typeface="Segoe UI" panose="020B0502040204020203" pitchFamily="34" charset="0"/>
-                </a:rPr>
-                <a:t>Python. Flask</a:t>
-              </a:r>
-              <a:endParaRPr lang="ru-RU" sz="1600" i="1" dirty="0">
-                <a:solidFill>
-                  <a:srgbClr val="002060"/>
-                </a:solidFill>
-                <a:latin typeface="+mj-lt"/>
-                <a:cs typeface="Segoe UI" panose="020B0502040204020203" pitchFamily="34" charset="0"/>
-              </a:endParaRPr>
-            </a:p>
-          </p:txBody>
-        </p:sp>
-        <p:sp>
-          <p:nvSpPr>
-            <p:cNvPr id="104" name="Надпись 103">
-              <a:extLst>
-                <a:ext uri="{FF2B5EF4-FFF2-40B4-BE49-F238E27FC236}">
-                  <a16:creationId xmlns:a16="http://schemas.microsoft.com/office/drawing/2014/main" id="{36650A66-75C3-4933-AFC0-6AB58DFE89D9}"/>
-                </a:ext>
-              </a:extLst>
-            </p:cNvPr>
-            <p:cNvSpPr txBox="1"/>
-            <p:nvPr/>
-          </p:nvSpPr>
-          <p:spPr>
-            <a:xfrm>
-              <a:off x="8462691" y="2899706"/>
-              <a:ext cx="3047138" cy="246221"/>
-            </a:xfrm>
-            <a:prstGeom prst="rect">
-              <a:avLst/>
-            </a:prstGeom>
-            <a:noFill/>
-          </p:spPr>
-          <p:txBody>
-            <a:bodyPr wrap="square" lIns="0" tIns="0" rIns="0" bIns="0" rtlCol="0">
-              <a:spAutoFit/>
-            </a:bodyPr>
-            <a:lstStyle/>
-            <a:p>
-              <a:pPr rtl="0"/>
-              <a:r>
-                <a:rPr lang="ru-RU" sz="1600" b="1" dirty="0">
-                  <a:solidFill>
-                    <a:srgbClr val="002060"/>
-                  </a:solidFill>
-                  <a:latin typeface="Segoe UI" panose="020B0502040204020203" pitchFamily="34" charset="0"/>
-                  <a:cs typeface="Segoe UI" panose="020B0502040204020203" pitchFamily="34" charset="0"/>
-                </a:rPr>
-                <a:t>Клиент</a:t>
-              </a:r>
-            </a:p>
-          </p:txBody>
-        </p:sp>
-        <p:sp>
-          <p:nvSpPr>
-            <p:cNvPr id="105" name="Прямоугольник 104">
-              <a:extLst>
-                <a:ext uri="{FF2B5EF4-FFF2-40B4-BE49-F238E27FC236}">
-                  <a16:creationId xmlns:a16="http://schemas.microsoft.com/office/drawing/2014/main" id="{AD1F5E0B-9D11-43FF-9946-9B61EF9D6E88}"/>
-                </a:ext>
-              </a:extLst>
-            </p:cNvPr>
-            <p:cNvSpPr/>
-            <p:nvPr/>
-          </p:nvSpPr>
-          <p:spPr>
-            <a:xfrm>
-              <a:off x="8483139" y="3633268"/>
-              <a:ext cx="2975669" cy="246221"/>
-            </a:xfrm>
-            <a:prstGeom prst="rect">
-              <a:avLst/>
-            </a:prstGeom>
-          </p:spPr>
-          <p:txBody>
-            <a:bodyPr wrap="square" lIns="0" tIns="0" rIns="0" bIns="0" rtlCol="0">
-              <a:spAutoFit/>
-            </a:bodyPr>
-            <a:lstStyle/>
-            <a:p>
-              <a:pPr rtl="0"/>
-              <a:r>
-                <a:rPr lang="en-US" sz="1600" i="1" dirty="0">
-                  <a:solidFill>
-                    <a:srgbClr val="002060"/>
-                  </a:solidFill>
-                  <a:latin typeface="+mj-lt"/>
-                  <a:cs typeface="Segoe UI" panose="020B0502040204020203" pitchFamily="34" charset="0"/>
-                </a:rPr>
-                <a:t>HTML/CSS/JavaScript</a:t>
-              </a:r>
-              <a:endParaRPr lang="ru-RU" sz="1600" i="1" dirty="0">
-                <a:solidFill>
-                  <a:srgbClr val="002060"/>
-                </a:solidFill>
-                <a:latin typeface="+mj-lt"/>
-                <a:cs typeface="Segoe UI" panose="020B0502040204020203" pitchFamily="34" charset="0"/>
-              </a:endParaRPr>
-            </a:p>
-          </p:txBody>
-        </p:sp>
-        <p:sp>
-          <p:nvSpPr>
-            <p:cNvPr id="106" name="Надпись 105">
-              <a:extLst>
-                <a:ext uri="{FF2B5EF4-FFF2-40B4-BE49-F238E27FC236}">
-                  <a16:creationId xmlns:a16="http://schemas.microsoft.com/office/drawing/2014/main" id="{2BACDD99-66AF-423B-B714-10B1BD09EBE4}"/>
-                </a:ext>
-              </a:extLst>
-            </p:cNvPr>
-            <p:cNvSpPr txBox="1"/>
-            <p:nvPr/>
-          </p:nvSpPr>
-          <p:spPr>
-            <a:xfrm>
-              <a:off x="8462691" y="4638831"/>
-              <a:ext cx="3047138" cy="246221"/>
-            </a:xfrm>
-            <a:prstGeom prst="rect">
-              <a:avLst/>
-            </a:prstGeom>
-            <a:noFill/>
-          </p:spPr>
-          <p:txBody>
-            <a:bodyPr wrap="square" lIns="0" tIns="0" rIns="0" bIns="0" rtlCol="0">
-              <a:spAutoFit/>
-            </a:bodyPr>
-            <a:lstStyle/>
-            <a:p>
-              <a:pPr rtl="0"/>
-              <a:r>
-                <a:rPr lang="ru-RU" sz="1600" b="1" dirty="0">
-                  <a:solidFill>
-                    <a:srgbClr val="002060"/>
-                  </a:solidFill>
-                  <a:latin typeface="Segoe UI" panose="020B0502040204020203" pitchFamily="34" charset="0"/>
-                  <a:cs typeface="Segoe UI" panose="020B0502040204020203" pitchFamily="34" charset="0"/>
-                </a:rPr>
-                <a:t>База данных</a:t>
-              </a:r>
-            </a:p>
-          </p:txBody>
-        </p:sp>
-        <p:sp>
-          <p:nvSpPr>
-            <p:cNvPr id="107" name="Прямоугольник 106">
-              <a:extLst>
-                <a:ext uri="{FF2B5EF4-FFF2-40B4-BE49-F238E27FC236}">
-                  <a16:creationId xmlns:a16="http://schemas.microsoft.com/office/drawing/2014/main" id="{D6D9691D-4606-4981-97A5-3BEAC7F0804E}"/>
-                </a:ext>
-              </a:extLst>
-            </p:cNvPr>
-            <p:cNvSpPr/>
-            <p:nvPr/>
-          </p:nvSpPr>
-          <p:spPr>
-            <a:xfrm>
-              <a:off x="8483139" y="5372393"/>
-              <a:ext cx="2975669" cy="246221"/>
-            </a:xfrm>
-            <a:prstGeom prst="rect">
-              <a:avLst/>
-            </a:prstGeom>
-          </p:spPr>
-          <p:txBody>
-            <a:bodyPr wrap="square" lIns="0" tIns="0" rIns="0" bIns="0" rtlCol="0">
-              <a:spAutoFit/>
-            </a:bodyPr>
-            <a:lstStyle/>
-            <a:p>
-              <a:pPr rtl="0"/>
-              <a:r>
-                <a:rPr lang="en-US" sz="1600" i="1" dirty="0">
-                  <a:solidFill>
-                    <a:srgbClr val="002060"/>
-                  </a:solidFill>
-                  <a:latin typeface="+mj-lt"/>
-                  <a:cs typeface="Segoe UI" panose="020B0502040204020203" pitchFamily="34" charset="0"/>
-                </a:rPr>
-                <a:t>SQLite</a:t>
-              </a:r>
-              <a:endParaRPr lang="ru-RU" sz="1600" i="1" dirty="0">
-                <a:solidFill>
-                  <a:srgbClr val="002060"/>
-                </a:solidFill>
-                <a:latin typeface="+mj-lt"/>
-                <a:cs typeface="Segoe UI" panose="020B0502040204020203" pitchFamily="34" charset="0"/>
-              </a:endParaRPr>
-            </a:p>
-          </p:txBody>
-        </p:sp>
-        <p:cxnSp>
-          <p:nvCxnSpPr>
-            <p:cNvPr id="72" name="Прямая соединительная линия 71">
-              <a:extLst>
-                <a:ext uri="{FF2B5EF4-FFF2-40B4-BE49-F238E27FC236}">
-                  <a16:creationId xmlns:a16="http://schemas.microsoft.com/office/drawing/2014/main" id="{281FF210-334C-43FA-80C2-0E1E9F3F51C4}"/>
-                </a:ext>
-              </a:extLst>
-            </p:cNvPr>
-            <p:cNvCxnSpPr>
-              <a:cxnSpLocks/>
-            </p:cNvCxnSpPr>
-            <p:nvPr/>
-          </p:nvCxnSpPr>
-          <p:spPr>
-            <a:xfrm>
-              <a:off x="8462691" y="4385043"/>
-              <a:ext cx="2996117" cy="0"/>
-            </a:xfrm>
-            <a:prstGeom prst="line">
-              <a:avLst/>
-            </a:prstGeom>
-            <a:ln>
-              <a:solidFill>
-                <a:schemeClr val="bg1">
-                  <a:lumMod val="75000"/>
-                </a:schemeClr>
-              </a:solidFill>
-            </a:ln>
-          </p:spPr>
-          <p:style>
-            <a:lnRef idx="1">
-              <a:schemeClr val="accent1"/>
-            </a:lnRef>
-            <a:fillRef idx="0">
-              <a:schemeClr val="accent1"/>
-            </a:fillRef>
-            <a:effectRef idx="0">
-              <a:schemeClr val="accent1"/>
-            </a:effectRef>
-            <a:fontRef idx="minor">
-              <a:schemeClr val="tx1"/>
-            </a:fontRef>
-          </p:style>
-        </p:cxnSp>
-        <p:cxnSp>
-          <p:nvCxnSpPr>
-            <p:cNvPr id="108" name="Прямая соединительная линия 107">
-              <a:extLst>
-                <a:ext uri="{FF2B5EF4-FFF2-40B4-BE49-F238E27FC236}">
-                  <a16:creationId xmlns:a16="http://schemas.microsoft.com/office/drawing/2014/main" id="{8F599308-2B51-4D9D-9F9B-2C2E81CA918F}"/>
-                </a:ext>
-              </a:extLst>
-            </p:cNvPr>
-            <p:cNvCxnSpPr>
-              <a:cxnSpLocks/>
-            </p:cNvCxnSpPr>
-            <p:nvPr/>
-          </p:nvCxnSpPr>
-          <p:spPr>
-            <a:xfrm>
-              <a:off x="8462691" y="2651992"/>
-              <a:ext cx="2996117" cy="0"/>
-            </a:xfrm>
-            <a:prstGeom prst="line">
-              <a:avLst/>
-            </a:prstGeom>
-            <a:ln>
-              <a:solidFill>
-                <a:schemeClr val="bg1">
-                  <a:lumMod val="75000"/>
-                </a:schemeClr>
-              </a:solidFill>
-            </a:ln>
-          </p:spPr>
-          <p:style>
-            <a:lnRef idx="1">
-              <a:schemeClr val="accent1"/>
-            </a:lnRef>
-            <a:fillRef idx="0">
-              <a:schemeClr val="accent1"/>
-            </a:fillRef>
-            <a:effectRef idx="0">
-              <a:schemeClr val="accent1"/>
-            </a:effectRef>
-            <a:fontRef idx="minor">
-              <a:schemeClr val="tx1"/>
-            </a:fontRef>
-          </p:style>
-        </p:cxnSp>
-      </p:grpSp>
-      <p:sp>
-        <p:nvSpPr>
-          <p:cNvPr id="68" name="Заголовок 67" hidden="1">
-            <a:extLst>
-              <a:ext uri="{FF2B5EF4-FFF2-40B4-BE49-F238E27FC236}">
-                <a16:creationId xmlns:a16="http://schemas.microsoft.com/office/drawing/2014/main" id="{3D46526D-118F-4F6F-BAE0-066F422EBD1E}"/>
-              </a:ext>
-            </a:extLst>
-          </p:cNvPr>
-          <p:cNvSpPr>
-            <a:spLocks noGrp="1"/>
-          </p:cNvSpPr>
-          <p:nvPr>
-            <p:ph type="title"/>
-          </p:nvPr>
-        </p:nvSpPr>
-        <p:spPr/>
-        <p:txBody>
-          <a:bodyPr rtlCol="0"/>
-          <a:lstStyle/>
-          <a:p>
-            <a:r>
-              <a:rPr lang="ru-RU" dirty="0"/>
-              <a:t>Слайд </a:t>
-            </a:r>
-            <a:r>
-              <a:rPr lang="en-US" dirty="0"/>
-              <a:t>3</a:t>
-            </a:r>
-            <a:r>
-              <a:rPr lang="ru-RU" dirty="0"/>
-              <a:t> с информацией о кадрах</a:t>
-            </a:r>
-            <a:endParaRPr lang="ru" dirty="0"/>
-          </a:p>
-        </p:txBody>
-      </p:sp>
-      <p:pic>
-        <p:nvPicPr>
-          <p:cNvPr id="2050" name="Picture 2">
-            <a:extLst>
-              <a:ext uri="{FF2B5EF4-FFF2-40B4-BE49-F238E27FC236}">
-                <a16:creationId xmlns:a16="http://schemas.microsoft.com/office/drawing/2014/main" id="{336FE3CF-0203-4421-9498-C570D63133AF}"/>
-              </a:ext>
-            </a:extLst>
-          </p:cNvPr>
-          <p:cNvPicPr>
-            <a:picLocks noChangeAspect="1" noChangeArrowheads="1"/>
-          </p:cNvPicPr>
-          <p:nvPr/>
-        </p:nvPicPr>
-        <p:blipFill>
-          <a:blip r:embed="rId3" cstate="hqprint">
-            <a:extLst>
-              <a:ext uri="{28A0092B-C50C-407E-A947-70E740481C1C}">
-                <a14:useLocalDpi xmlns:a14="http://schemas.microsoft.com/office/drawing/2010/main" val="0"/>
-              </a:ext>
-            </a:extLst>
-          </a:blip>
-          <a:srcRect/>
-          <a:stretch>
-            <a:fillRect/>
-          </a:stretch>
-        </p:blipFill>
-        <p:spPr bwMode="auto">
-          <a:xfrm>
-            <a:off x="5369109" y="1057046"/>
-            <a:ext cx="1453781" cy="1453781"/>
-          </a:xfrm>
-          <a:prstGeom prst="rect">
-            <a:avLst/>
-          </a:prstGeom>
-          <a:noFill/>
-          <a:extLst>
-            <a:ext uri="{909E8E84-426E-40DD-AFC4-6F175D3DCCD1}">
-              <a14:hiddenFill xmlns:a14="http://schemas.microsoft.com/office/drawing/2010/main">
-                <a:solidFill>
-                  <a:srgbClr val="FFFFFF"/>
-                </a:solidFill>
-              </a14:hiddenFill>
-            </a:ext>
-          </a:extLst>
-        </p:spPr>
-      </p:pic>
-      <p:pic>
-        <p:nvPicPr>
-          <p:cNvPr id="2060" name="Picture 12">
-            <a:extLst>
-              <a:ext uri="{FF2B5EF4-FFF2-40B4-BE49-F238E27FC236}">
-                <a16:creationId xmlns:a16="http://schemas.microsoft.com/office/drawing/2014/main" id="{AA8DB2D0-7EED-449B-A9CC-3BC20AABA0D3}"/>
-              </a:ext>
-            </a:extLst>
-          </p:cNvPr>
-          <p:cNvPicPr>
-            <a:picLocks noChangeAspect="1" noChangeArrowheads="1"/>
-          </p:cNvPicPr>
-          <p:nvPr/>
-        </p:nvPicPr>
-        <p:blipFill>
-          <a:blip r:embed="rId4">
-            <a:extLst>
-              <a:ext uri="{28A0092B-C50C-407E-A947-70E740481C1C}">
-                <a14:useLocalDpi xmlns:a14="http://schemas.microsoft.com/office/drawing/2010/main" val="0"/>
-              </a:ext>
-            </a:extLst>
-          </a:blip>
-          <a:srcRect/>
-          <a:stretch>
-            <a:fillRect/>
-          </a:stretch>
-        </p:blipFill>
-        <p:spPr bwMode="auto">
-          <a:xfrm>
-            <a:off x="4115474" y="4921863"/>
-            <a:ext cx="3961053" cy="1740697"/>
-          </a:xfrm>
-          <a:prstGeom prst="rect">
-            <a:avLst/>
-          </a:prstGeom>
-          <a:noFill/>
-          <a:extLst>
-            <a:ext uri="{909E8E84-426E-40DD-AFC4-6F175D3DCCD1}">
-              <a14:hiddenFill xmlns:a14="http://schemas.microsoft.com/office/drawing/2010/main">
-                <a:solidFill>
-                  <a:srgbClr val="FFFFFF"/>
-                </a:solidFill>
-              </a14:hiddenFill>
-            </a:ext>
-          </a:extLst>
-        </p:spPr>
-      </p:pic>
-      <p:pic>
-        <p:nvPicPr>
-          <p:cNvPr id="4098" name="Picture 2">
-            <a:extLst>
-              <a:ext uri="{FF2B5EF4-FFF2-40B4-BE49-F238E27FC236}">
-                <a16:creationId xmlns:a16="http://schemas.microsoft.com/office/drawing/2014/main" id="{C55058A4-E456-492F-9A01-FF9DB8422A56}"/>
-              </a:ext>
-            </a:extLst>
-          </p:cNvPr>
-          <p:cNvPicPr>
-            <a:picLocks noChangeAspect="1" noChangeArrowheads="1"/>
-          </p:cNvPicPr>
-          <p:nvPr/>
-        </p:nvPicPr>
-        <p:blipFill>
-          <a:blip r:embed="rId5">
-            <a:extLst>
-              <a:ext uri="{28A0092B-C50C-407E-A947-70E740481C1C}">
-                <a14:useLocalDpi xmlns:a14="http://schemas.microsoft.com/office/drawing/2010/main" val="0"/>
-              </a:ext>
-            </a:extLst>
-          </a:blip>
-          <a:srcRect/>
-          <a:stretch>
-            <a:fillRect/>
-          </a:stretch>
-        </p:blipFill>
-        <p:spPr bwMode="auto">
-          <a:xfrm>
-            <a:off x="5120159" y="2840051"/>
-            <a:ext cx="1951681" cy="1752587"/>
-          </a:xfrm>
-          <a:prstGeom prst="rect">
-            <a:avLst/>
-          </a:prstGeom>
-          <a:noFill/>
-          <a:extLst>
-            <a:ext uri="{909E8E84-426E-40DD-AFC4-6F175D3DCCD1}">
-              <a14:hiddenFill xmlns:a14="http://schemas.microsoft.com/office/drawing/2010/main">
-                <a:solidFill>
-                  <a:srgbClr val="FFFFFF"/>
-                </a:solidFill>
-              </a14:hiddenFill>
-            </a:ext>
-          </a:extLst>
-        </p:spPr>
-      </p:pic>
-    </p:spTree>
-    <p:extLst>
-      <p:ext uri="{BB962C8B-B14F-4D97-AF65-F5344CB8AC3E}">
-        <p14:creationId xmlns:p14="http://schemas.microsoft.com/office/powerpoint/2010/main" val="3677838685"/>
-      </p:ext>
-    </p:extLst>
-  </p:cSld>
-  <p:clrMapOvr>
-    <a:masterClrMapping/>
-  </p:clrMapOvr>
-  <p:timing>
-    <p:tnLst>
-      <p:par>
-        <p:cTn id="1" dur="indefinite" restart="never" nodeType="tmRoot"/>
-      </p:par>
-    </p:tnLst>
-  </p:timing>
-</p:sld>
-</file>
-
-<file path=ppt/slides/slide11.xml><?xml version="1.0" encoding="utf-8"?>
 <p:sld xmlns:a="http://schemas.openxmlformats.org/drawingml/2006/main" xmlns:r="http://schemas.openxmlformats.org/officeDocument/2006/relationships" xmlns:p="http://schemas.openxmlformats.org/presentationml/2006/main">
   <p:cSld>
     <p:spTree>
@@ -10336,7 +10535,7 @@
 </p:sld>
 </file>
 
-<file path=ppt/slides/slide12.xml><?xml version="1.0" encoding="utf-8"?>
+<file path=ppt/slides/slide11.xml><?xml version="1.0" encoding="utf-8"?>
 <p:sld xmlns:a="http://schemas.openxmlformats.org/drawingml/2006/main" xmlns:r="http://schemas.openxmlformats.org/officeDocument/2006/relationships" xmlns:p="http://schemas.openxmlformats.org/presentationml/2006/main">
   <p:cSld>
     <p:spTree>
@@ -11605,15 +11804,8 @@
                 <a:latin typeface="Segoe UI" panose="020B0502040204020203" pitchFamily="34" charset="0"/>
                 <a:cs typeface="Segoe UI" panose="020B0502040204020203" pitchFamily="34" charset="0"/>
               </a:rPr>
-              <a:t>requests</a:t>
+              <a:t>Alembic</a:t>
             </a:r>
-            <a:endParaRPr lang="ru-RU" sz="1600" b="1" dirty="0">
-              <a:solidFill>
-                <a:srgbClr val="002060"/>
-              </a:solidFill>
-              <a:latin typeface="Segoe UI" panose="020B0502040204020203" pitchFamily="34" charset="0"/>
-              <a:cs typeface="Segoe UI" panose="020B0502040204020203" pitchFamily="34" charset="0"/>
-            </a:endParaRPr>
           </a:p>
         </p:txBody>
       </p:sp>
@@ -11906,7 +12098,7 @@
 </p:sld>
 </file>
 
-<file path=ppt/slides/slide13.xml><?xml version="1.0" encoding="utf-8"?>
+<file path=ppt/slides/slide12.xml><?xml version="1.0" encoding="utf-8"?>
 <p:sld xmlns:a="http://schemas.openxmlformats.org/drawingml/2006/main" xmlns:r="http://schemas.openxmlformats.org/officeDocument/2006/relationships" xmlns:p="http://schemas.openxmlformats.org/presentationml/2006/main">
   <p:cSld>
     <p:spTree>
@@ -13099,7 +13291,7 @@
           <p:spPr>
             <a:xfrm>
               <a:off x="3128505" y="3909005"/>
-              <a:ext cx="598818" cy="184666"/>
+              <a:ext cx="598818" cy="276999"/>
             </a:xfrm>
             <a:prstGeom prst="rect">
               <a:avLst/>
@@ -13114,7 +13306,7 @@
             <a:p>
               <a:pPr algn="ctr" rtl="0"/>
               <a:r>
-                <a:rPr lang="ru-RU" sz="1200" dirty="0" smtClean="0">
+                <a:rPr lang="ru-RU" dirty="0" smtClean="0">
                   <a:solidFill>
                     <a:schemeClr val="bg1"/>
                   </a:solidFill>
@@ -20836,6 +21028,1289 @@
 </p:sld>
 </file>
 
+<file path=ppt/slides/slide13.xml><?xml version="1.0" encoding="utf-8"?>
+<p:sld xmlns:a="http://schemas.openxmlformats.org/drawingml/2006/main" xmlns:r="http://schemas.openxmlformats.org/officeDocument/2006/relationships" xmlns:p="http://schemas.openxmlformats.org/presentationml/2006/main">
+  <p:cSld>
+    <p:spTree>
+      <p:nvGrpSpPr>
+        <p:cNvPr id="1" name=""/>
+        <p:cNvGrpSpPr/>
+        <p:nvPr/>
+      </p:nvGrpSpPr>
+      <p:grpSpPr>
+        <a:xfrm>
+          <a:off x="0" y="0"/>
+          <a:ext cx="0" cy="0"/>
+          <a:chOff x="0" y="0"/>
+          <a:chExt cx="0" cy="0"/>
+        </a:xfrm>
+      </p:grpSpPr>
+      <p:sp>
+        <p:nvSpPr>
+          <p:cNvPr id="67" name="Надпись 66">
+            <a:extLst>
+              <a:ext uri="{FF2B5EF4-FFF2-40B4-BE49-F238E27FC236}">
+                <a16:creationId xmlns:a16="http://schemas.microsoft.com/office/drawing/2014/main" id="{EFA5AF66-F428-4EBE-A3A8-9F827101F023}"/>
+              </a:ext>
+            </a:extLst>
+          </p:cNvPr>
+          <p:cNvSpPr txBox="1"/>
+          <p:nvPr/>
+        </p:nvSpPr>
+        <p:spPr>
+          <a:xfrm>
+            <a:off x="726781" y="273553"/>
+            <a:ext cx="6393866" cy="512961"/>
+          </a:xfrm>
+          <a:prstGeom prst="rect">
+            <a:avLst/>
+          </a:prstGeom>
+          <a:noFill/>
+        </p:spPr>
+        <p:txBody>
+          <a:bodyPr wrap="square" lIns="0" tIns="0" rIns="0" bIns="0" rtlCol="0">
+            <a:noAutofit/>
+          </a:bodyPr>
+          <a:lstStyle>
+            <a:defPPr>
+              <a:defRPr lang="en-US"/>
+            </a:defPPr>
+            <a:lvl1pPr>
+              <a:lnSpc>
+                <a:spcPts val="4000"/>
+              </a:lnSpc>
+              <a:defRPr sz="3600" b="1">
+                <a:solidFill>
+                  <a:srgbClr val="002060"/>
+                </a:solidFill>
+                <a:latin typeface="Segoe UI" panose="020B0502040204020203" pitchFamily="34" charset="0"/>
+                <a:cs typeface="Segoe UI" panose="020B0502040204020203" pitchFamily="34" charset="0"/>
+              </a:defRPr>
+            </a:lvl1pPr>
+          </a:lstStyle>
+          <a:p>
+            <a:pPr rtl="0"/>
+            <a:r>
+              <a:rPr lang="en-US" dirty="0" err="1" smtClean="0"/>
+              <a:t>NeoFeatures</a:t>
+            </a:r>
+            <a:endParaRPr lang="ru-RU" dirty="0"/>
+          </a:p>
+        </p:txBody>
+      </p:sp>
+      <p:grpSp>
+        <p:nvGrpSpPr>
+          <p:cNvPr id="94" name="Группа 93" descr="Это изображение содержит абстрактную форму. ">
+            <a:extLst>
+              <a:ext uri="{FF2B5EF4-FFF2-40B4-BE49-F238E27FC236}">
+                <a16:creationId xmlns:a16="http://schemas.microsoft.com/office/drawing/2014/main" id="{06C5D049-85D7-4673-9E2C-A2DF6A4D5048}"/>
+              </a:ext>
+            </a:extLst>
+          </p:cNvPr>
+          <p:cNvGrpSpPr/>
+          <p:nvPr/>
+        </p:nvGrpSpPr>
+        <p:grpSpPr>
+          <a:xfrm rot="20321068">
+            <a:off x="-413618" y="388051"/>
+            <a:ext cx="5969881" cy="8075322"/>
+            <a:chOff x="4855953" y="-2833465"/>
+            <a:chExt cx="8948964" cy="12105059"/>
+          </a:xfrm>
+        </p:grpSpPr>
+        <p:sp>
+          <p:nvSpPr>
+            <p:cNvPr id="95" name="Полилиния 10">
+              <a:extLst>
+                <a:ext uri="{FF2B5EF4-FFF2-40B4-BE49-F238E27FC236}">
+                  <a16:creationId xmlns:a16="http://schemas.microsoft.com/office/drawing/2014/main" id="{495773B3-D6CE-453B-96D1-E95DF6122C37}"/>
+                </a:ext>
+              </a:extLst>
+            </p:cNvPr>
+            <p:cNvSpPr>
+              <a:spLocks/>
+            </p:cNvSpPr>
+            <p:nvPr/>
+          </p:nvSpPr>
+          <p:spPr bwMode="auto">
+            <a:xfrm rot="9420272">
+              <a:off x="4855953" y="-2246936"/>
+              <a:ext cx="8673602" cy="11518530"/>
+            </a:xfrm>
+            <a:custGeom>
+              <a:avLst/>
+              <a:gdLst>
+                <a:gd name="T0" fmla="*/ 1166 w 2492"/>
+                <a:gd name="T1" fmla="*/ 2419 h 3315"/>
+                <a:gd name="T2" fmla="*/ 243 w 2492"/>
+                <a:gd name="T3" fmla="*/ 912 h 3315"/>
+                <a:gd name="T4" fmla="*/ 449 w 2492"/>
+                <a:gd name="T5" fmla="*/ 15 h 3315"/>
+                <a:gd name="T6" fmla="*/ 766 w 2492"/>
+                <a:gd name="T7" fmla="*/ 302 h 3315"/>
+                <a:gd name="T8" fmla="*/ 1651 w 2492"/>
+                <a:gd name="T9" fmla="*/ 481 h 3315"/>
+                <a:gd name="T10" fmla="*/ 2239 w 2492"/>
+                <a:gd name="T11" fmla="*/ 1238 h 3315"/>
+                <a:gd name="T12" fmla="*/ 2186 w 2492"/>
+                <a:gd name="T13" fmla="*/ 2201 h 3315"/>
+                <a:gd name="T14" fmla="*/ 2165 w 2492"/>
+                <a:gd name="T15" fmla="*/ 2928 h 3315"/>
+                <a:gd name="T16" fmla="*/ 1400 w 2492"/>
+                <a:gd name="T17" fmla="*/ 3100 h 3315"/>
+                <a:gd name="T18" fmla="*/ 1166 w 2492"/>
+                <a:gd name="T19" fmla="*/ 2419 h 3315"/>
+              </a:gdLst>
+              <a:ahLst/>
+              <a:cxnLst>
+                <a:cxn ang="0">
+                  <a:pos x="T0" y="T1"/>
+                </a:cxn>
+                <a:cxn ang="0">
+                  <a:pos x="T2" y="T3"/>
+                </a:cxn>
+                <a:cxn ang="0">
+                  <a:pos x="T4" y="T5"/>
+                </a:cxn>
+                <a:cxn ang="0">
+                  <a:pos x="T6" y="T7"/>
+                </a:cxn>
+                <a:cxn ang="0">
+                  <a:pos x="T8" y="T9"/>
+                </a:cxn>
+                <a:cxn ang="0">
+                  <a:pos x="T10" y="T11"/>
+                </a:cxn>
+                <a:cxn ang="0">
+                  <a:pos x="T12" y="T13"/>
+                </a:cxn>
+                <a:cxn ang="0">
+                  <a:pos x="T14" y="T15"/>
+                </a:cxn>
+                <a:cxn ang="0">
+                  <a:pos x="T16" y="T17"/>
+                </a:cxn>
+                <a:cxn ang="0">
+                  <a:pos x="T18" y="T19"/>
+                </a:cxn>
+              </a:cxnLst>
+              <a:rect l="0" t="0" r="r" b="b"/>
+              <a:pathLst>
+                <a:path w="2492" h="3315">
+                  <a:moveTo>
+                    <a:pt x="1166" y="2419"/>
+                  </a:moveTo>
+                  <a:cubicBezTo>
+                    <a:pt x="1505" y="1277"/>
+                    <a:pt x="486" y="1533"/>
+                    <a:pt x="243" y="912"/>
+                  </a:cubicBezTo>
+                  <a:cubicBezTo>
+                    <a:pt x="0" y="292"/>
+                    <a:pt x="291" y="31"/>
+                    <a:pt x="449" y="15"/>
+                  </a:cubicBezTo>
+                  <a:cubicBezTo>
+                    <a:pt x="607" y="0"/>
+                    <a:pt x="716" y="54"/>
+                    <a:pt x="766" y="302"/>
+                  </a:cubicBezTo>
+                  <a:cubicBezTo>
+                    <a:pt x="817" y="551"/>
+                    <a:pt x="1312" y="508"/>
+                    <a:pt x="1651" y="481"/>
+                  </a:cubicBezTo>
+                  <a:cubicBezTo>
+                    <a:pt x="1989" y="454"/>
+                    <a:pt x="2492" y="733"/>
+                    <a:pt x="2239" y="1238"/>
+                  </a:cubicBezTo>
+                  <a:cubicBezTo>
+                    <a:pt x="1986" y="1743"/>
+                    <a:pt x="2000" y="1716"/>
+                    <a:pt x="2186" y="2201"/>
+                  </a:cubicBezTo>
+                  <a:cubicBezTo>
+                    <a:pt x="2372" y="2685"/>
+                    <a:pt x="2165" y="2928"/>
+                    <a:pt x="2165" y="2928"/>
+                  </a:cubicBezTo>
+                  <a:cubicBezTo>
+                    <a:pt x="2165" y="2928"/>
+                    <a:pt x="1791" y="3315"/>
+                    <a:pt x="1400" y="3100"/>
+                  </a:cubicBezTo>
+                  <a:cubicBezTo>
+                    <a:pt x="1008" y="2885"/>
+                    <a:pt x="1166" y="2419"/>
+                    <a:pt x="1166" y="2419"/>
+                  </a:cubicBezTo>
+                  <a:close/>
+                </a:path>
+              </a:pathLst>
+            </a:custGeom>
+            <a:gradFill>
+              <a:gsLst>
+                <a:gs pos="0">
+                  <a:srgbClr val="80DEDE"/>
+                </a:gs>
+                <a:gs pos="53500">
+                  <a:srgbClr val="85C1E7"/>
+                </a:gs>
+                <a:gs pos="100000">
+                  <a:srgbClr val="878CFF"/>
+                </a:gs>
+              </a:gsLst>
+              <a:lin ang="5400000" scaled="1"/>
+            </a:gradFill>
+            <a:ln w="12700" cap="flat">
+              <a:noFill/>
+              <a:prstDash val="solid"/>
+              <a:miter lim="800000"/>
+              <a:headEnd/>
+              <a:tailEnd/>
+            </a:ln>
+          </p:spPr>
+          <p:txBody>
+            <a:bodyPr vert="horz" wrap="square" lIns="91440" tIns="45720" rIns="91440" bIns="45720" numCol="1" rtlCol="0" anchor="t" anchorCtr="0" compatLnSpc="1">
+              <a:prstTxWarp prst="textNoShape">
+                <a:avLst/>
+              </a:prstTxWarp>
+            </a:bodyPr>
+            <a:lstStyle/>
+            <a:p>
+              <a:pPr rtl="0"/>
+              <a:endParaRPr lang="ru-RU" dirty="0"/>
+            </a:p>
+          </p:txBody>
+        </p:sp>
+        <p:sp>
+          <p:nvSpPr>
+            <p:cNvPr id="96" name="Полилиния 11">
+              <a:extLst>
+                <a:ext uri="{FF2B5EF4-FFF2-40B4-BE49-F238E27FC236}">
+                  <a16:creationId xmlns:a16="http://schemas.microsoft.com/office/drawing/2014/main" id="{49D9CCDB-CAB7-4554-8B96-AF649D96074D}"/>
+                </a:ext>
+              </a:extLst>
+            </p:cNvPr>
+            <p:cNvSpPr>
+              <a:spLocks/>
+            </p:cNvSpPr>
+            <p:nvPr/>
+          </p:nvSpPr>
+          <p:spPr bwMode="auto">
+            <a:xfrm rot="9420272">
+              <a:off x="5048022" y="-2833465"/>
+              <a:ext cx="8756895" cy="10755934"/>
+            </a:xfrm>
+            <a:custGeom>
+              <a:avLst/>
+              <a:gdLst>
+                <a:gd name="T0" fmla="*/ 1504 w 2516"/>
+                <a:gd name="T1" fmla="*/ 2980 h 3095"/>
+                <a:gd name="T2" fmla="*/ 2237 w 2516"/>
+                <a:gd name="T3" fmla="*/ 2283 h 3095"/>
+                <a:gd name="T4" fmla="*/ 1468 w 2516"/>
+                <a:gd name="T5" fmla="*/ 1052 h 3095"/>
+                <a:gd name="T6" fmla="*/ 979 w 2516"/>
+                <a:gd name="T7" fmla="*/ 648 h 3095"/>
+                <a:gd name="T8" fmla="*/ 411 w 2516"/>
+                <a:gd name="T9" fmla="*/ 195 h 3095"/>
+                <a:gd name="T10" fmla="*/ 397 w 2516"/>
+                <a:gd name="T11" fmla="*/ 1117 h 3095"/>
+                <a:gd name="T12" fmla="*/ 194 w 2516"/>
+                <a:gd name="T13" fmla="*/ 1767 h 3095"/>
+                <a:gd name="T14" fmla="*/ 866 w 2516"/>
+                <a:gd name="T15" fmla="*/ 2349 h 3095"/>
+                <a:gd name="T16" fmla="*/ 1275 w 2516"/>
+                <a:gd name="T17" fmla="*/ 2766 h 3095"/>
+                <a:gd name="T18" fmla="*/ 1504 w 2516"/>
+                <a:gd name="T19" fmla="*/ 2980 h 3095"/>
+              </a:gdLst>
+              <a:ahLst/>
+              <a:cxnLst>
+                <a:cxn ang="0">
+                  <a:pos x="T0" y="T1"/>
+                </a:cxn>
+                <a:cxn ang="0">
+                  <a:pos x="T2" y="T3"/>
+                </a:cxn>
+                <a:cxn ang="0">
+                  <a:pos x="T4" y="T5"/>
+                </a:cxn>
+                <a:cxn ang="0">
+                  <a:pos x="T6" y="T7"/>
+                </a:cxn>
+                <a:cxn ang="0">
+                  <a:pos x="T8" y="T9"/>
+                </a:cxn>
+                <a:cxn ang="0">
+                  <a:pos x="T10" y="T11"/>
+                </a:cxn>
+                <a:cxn ang="0">
+                  <a:pos x="T12" y="T13"/>
+                </a:cxn>
+                <a:cxn ang="0">
+                  <a:pos x="T14" y="T15"/>
+                </a:cxn>
+                <a:cxn ang="0">
+                  <a:pos x="T16" y="T17"/>
+                </a:cxn>
+                <a:cxn ang="0">
+                  <a:pos x="T18" y="T19"/>
+                </a:cxn>
+              </a:cxnLst>
+              <a:rect l="0" t="0" r="r" b="b"/>
+              <a:pathLst>
+                <a:path w="2516" h="3095">
+                  <a:moveTo>
+                    <a:pt x="1504" y="2980"/>
+                  </a:moveTo>
+                  <a:cubicBezTo>
+                    <a:pt x="1504" y="2980"/>
+                    <a:pt x="1958" y="3095"/>
+                    <a:pt x="2237" y="2283"/>
+                  </a:cubicBezTo>
+                  <a:cubicBezTo>
+                    <a:pt x="2516" y="1472"/>
+                    <a:pt x="1745" y="1159"/>
+                    <a:pt x="1468" y="1052"/>
+                  </a:cubicBezTo>
+                  <a:cubicBezTo>
+                    <a:pt x="1191" y="945"/>
+                    <a:pt x="1126" y="907"/>
+                    <a:pt x="979" y="648"/>
+                  </a:cubicBezTo>
+                  <a:cubicBezTo>
+                    <a:pt x="832" y="389"/>
+                    <a:pt x="822" y="0"/>
+                    <a:pt x="411" y="195"/>
+                  </a:cubicBezTo>
+                  <a:cubicBezTo>
+                    <a:pt x="0" y="391"/>
+                    <a:pt x="384" y="948"/>
+                    <a:pt x="397" y="1117"/>
+                  </a:cubicBezTo>
+                  <a:cubicBezTo>
+                    <a:pt x="411" y="1286"/>
+                    <a:pt x="128" y="1580"/>
+                    <a:pt x="194" y="1767"/>
+                  </a:cubicBezTo>
+                  <a:cubicBezTo>
+                    <a:pt x="259" y="1954"/>
+                    <a:pt x="273" y="2154"/>
+                    <a:pt x="866" y="2349"/>
+                  </a:cubicBezTo>
+                  <a:cubicBezTo>
+                    <a:pt x="866" y="2349"/>
+                    <a:pt x="1186" y="2374"/>
+                    <a:pt x="1275" y="2766"/>
+                  </a:cubicBezTo>
+                  <a:cubicBezTo>
+                    <a:pt x="1275" y="2766"/>
+                    <a:pt x="1340" y="2988"/>
+                    <a:pt x="1504" y="2980"/>
+                  </a:cubicBezTo>
+                  <a:close/>
+                </a:path>
+              </a:pathLst>
+            </a:custGeom>
+            <a:gradFill>
+              <a:gsLst>
+                <a:gs pos="0">
+                  <a:srgbClr val="7CEFD8"/>
+                </a:gs>
+                <a:gs pos="51000">
+                  <a:srgbClr val="6672E4"/>
+                </a:gs>
+                <a:gs pos="100000">
+                  <a:srgbClr val="882BE5"/>
+                </a:gs>
+              </a:gsLst>
+              <a:lin ang="5400000" scaled="1"/>
+            </a:gradFill>
+            <a:ln w="12700" cap="flat">
+              <a:noFill/>
+              <a:prstDash val="solid"/>
+              <a:miter lim="800000"/>
+              <a:headEnd/>
+              <a:tailEnd/>
+            </a:ln>
+          </p:spPr>
+          <p:txBody>
+            <a:bodyPr vert="horz" wrap="square" lIns="91440" tIns="45720" rIns="91440" bIns="45720" numCol="1" rtlCol="0" anchor="t" anchorCtr="0" compatLnSpc="1">
+              <a:prstTxWarp prst="textNoShape">
+                <a:avLst/>
+              </a:prstTxWarp>
+            </a:bodyPr>
+            <a:lstStyle/>
+            <a:p>
+              <a:pPr rtl="0"/>
+              <a:endParaRPr lang="ru-RU" dirty="0"/>
+            </a:p>
+          </p:txBody>
+        </p:sp>
+        <p:sp>
+          <p:nvSpPr>
+            <p:cNvPr id="97" name="Полилиния 12">
+              <a:extLst>
+                <a:ext uri="{FF2B5EF4-FFF2-40B4-BE49-F238E27FC236}">
+                  <a16:creationId xmlns:a16="http://schemas.microsoft.com/office/drawing/2014/main" id="{15844E15-7463-4C39-9A45-B2A35B7FD5CD}"/>
+                </a:ext>
+              </a:extLst>
+            </p:cNvPr>
+            <p:cNvSpPr>
+              <a:spLocks/>
+            </p:cNvSpPr>
+            <p:nvPr/>
+          </p:nvSpPr>
+          <p:spPr bwMode="auto">
+            <a:xfrm rot="9420272">
+              <a:off x="5218811" y="-1993836"/>
+              <a:ext cx="7570428" cy="10122905"/>
+            </a:xfrm>
+            <a:custGeom>
+              <a:avLst/>
+              <a:gdLst>
+                <a:gd name="T0" fmla="*/ 1896 w 2175"/>
+                <a:gd name="T1" fmla="*/ 2283 h 2913"/>
+                <a:gd name="T2" fmla="*/ 1467 w 2175"/>
+                <a:gd name="T3" fmla="*/ 2913 h 2913"/>
+                <a:gd name="T4" fmla="*/ 1250 w 2175"/>
+                <a:gd name="T5" fmla="*/ 2849 h 2913"/>
+                <a:gd name="T6" fmla="*/ 1016 w 2175"/>
+                <a:gd name="T7" fmla="*/ 2168 h 2913"/>
+                <a:gd name="T8" fmla="*/ 93 w 2175"/>
+                <a:gd name="T9" fmla="*/ 661 h 2913"/>
+                <a:gd name="T10" fmla="*/ 0 w 2175"/>
+                <a:gd name="T11" fmla="*/ 238 h 2913"/>
+                <a:gd name="T12" fmla="*/ 70 w 2175"/>
+                <a:gd name="T13" fmla="*/ 195 h 2913"/>
+                <a:gd name="T14" fmla="*/ 638 w 2175"/>
+                <a:gd name="T15" fmla="*/ 648 h 2913"/>
+                <a:gd name="T16" fmla="*/ 1127 w 2175"/>
+                <a:gd name="T17" fmla="*/ 1052 h 2913"/>
+                <a:gd name="T18" fmla="*/ 1896 w 2175"/>
+                <a:gd name="T19" fmla="*/ 2283 h 2913"/>
+              </a:gdLst>
+              <a:ahLst/>
+              <a:cxnLst>
+                <a:cxn ang="0">
+                  <a:pos x="T0" y="T1"/>
+                </a:cxn>
+                <a:cxn ang="0">
+                  <a:pos x="T2" y="T3"/>
+                </a:cxn>
+                <a:cxn ang="0">
+                  <a:pos x="T4" y="T5"/>
+                </a:cxn>
+                <a:cxn ang="0">
+                  <a:pos x="T6" y="T7"/>
+                </a:cxn>
+                <a:cxn ang="0">
+                  <a:pos x="T8" y="T9"/>
+                </a:cxn>
+                <a:cxn ang="0">
+                  <a:pos x="T10" y="T11"/>
+                </a:cxn>
+                <a:cxn ang="0">
+                  <a:pos x="T12" y="T13"/>
+                </a:cxn>
+                <a:cxn ang="0">
+                  <a:pos x="T14" y="T15"/>
+                </a:cxn>
+                <a:cxn ang="0">
+                  <a:pos x="T16" y="T17"/>
+                </a:cxn>
+                <a:cxn ang="0">
+                  <a:pos x="T18" y="T19"/>
+                </a:cxn>
+              </a:cxnLst>
+              <a:rect l="0" t="0" r="r" b="b"/>
+              <a:pathLst>
+                <a:path w="2175" h="2913">
+                  <a:moveTo>
+                    <a:pt x="1896" y="2283"/>
+                  </a:moveTo>
+                  <a:cubicBezTo>
+                    <a:pt x="1770" y="2651"/>
+                    <a:pt x="1607" y="2829"/>
+                    <a:pt x="1467" y="2913"/>
+                  </a:cubicBezTo>
+                  <a:cubicBezTo>
+                    <a:pt x="1397" y="2909"/>
+                    <a:pt x="1324" y="2889"/>
+                    <a:pt x="1250" y="2849"/>
+                  </a:cubicBezTo>
+                  <a:cubicBezTo>
+                    <a:pt x="858" y="2634"/>
+                    <a:pt x="1016" y="2168"/>
+                    <a:pt x="1016" y="2168"/>
+                  </a:cubicBezTo>
+                  <a:cubicBezTo>
+                    <a:pt x="1354" y="1026"/>
+                    <a:pt x="336" y="1282"/>
+                    <a:pt x="93" y="661"/>
+                  </a:cubicBezTo>
+                  <a:cubicBezTo>
+                    <a:pt x="28" y="495"/>
+                    <a:pt x="1" y="354"/>
+                    <a:pt x="0" y="238"/>
+                  </a:cubicBezTo>
+                  <a:cubicBezTo>
+                    <a:pt x="20" y="222"/>
+                    <a:pt x="44" y="208"/>
+                    <a:pt x="70" y="195"/>
+                  </a:cubicBezTo>
+                  <a:cubicBezTo>
+                    <a:pt x="481" y="0"/>
+                    <a:pt x="491" y="389"/>
+                    <a:pt x="638" y="648"/>
+                  </a:cubicBezTo>
+                  <a:cubicBezTo>
+                    <a:pt x="785" y="907"/>
+                    <a:pt x="850" y="945"/>
+                    <a:pt x="1127" y="1052"/>
+                  </a:cubicBezTo>
+                  <a:cubicBezTo>
+                    <a:pt x="1404" y="1159"/>
+                    <a:pt x="2175" y="1472"/>
+                    <a:pt x="1896" y="2283"/>
+                  </a:cubicBezTo>
+                  <a:close/>
+                </a:path>
+              </a:pathLst>
+            </a:custGeom>
+            <a:gradFill>
+              <a:gsLst>
+                <a:gs pos="100000">
+                  <a:srgbClr val="7CEFD8"/>
+                </a:gs>
+                <a:gs pos="19000">
+                  <a:srgbClr val="6672E4"/>
+                </a:gs>
+                <a:gs pos="0">
+                  <a:srgbClr val="882BE5"/>
+                </a:gs>
+              </a:gsLst>
+              <a:lin ang="10200000" scaled="0"/>
+            </a:gradFill>
+            <a:ln w="12700" cap="flat">
+              <a:noFill/>
+              <a:prstDash val="solid"/>
+              <a:miter lim="800000"/>
+              <a:headEnd/>
+              <a:tailEnd/>
+            </a:ln>
+          </p:spPr>
+          <p:txBody>
+            <a:bodyPr vert="horz" wrap="square" lIns="91440" tIns="45720" rIns="91440" bIns="45720" numCol="1" rtlCol="0" anchor="t" anchorCtr="0" compatLnSpc="1">
+              <a:prstTxWarp prst="textNoShape">
+                <a:avLst/>
+              </a:prstTxWarp>
+            </a:bodyPr>
+            <a:lstStyle/>
+            <a:p>
+              <a:pPr rtl="0"/>
+              <a:endParaRPr lang="ru-RU" dirty="0"/>
+            </a:p>
+          </p:txBody>
+        </p:sp>
+      </p:grpSp>
+      <p:sp>
+        <p:nvSpPr>
+          <p:cNvPr id="98" name="Заголовок 97" hidden="1">
+            <a:extLst>
+              <a:ext uri="{FF2B5EF4-FFF2-40B4-BE49-F238E27FC236}">
+                <a16:creationId xmlns:a16="http://schemas.microsoft.com/office/drawing/2014/main" id="{D69146DD-53CC-4FD6-9456-3F49560FC114}"/>
+              </a:ext>
+            </a:extLst>
+          </p:cNvPr>
+          <p:cNvSpPr>
+            <a:spLocks noGrp="1"/>
+          </p:cNvSpPr>
+          <p:nvPr>
+            <p:ph type="title"/>
+          </p:nvPr>
+        </p:nvSpPr>
+        <p:spPr/>
+        <p:txBody>
+          <a:bodyPr rtlCol="0"/>
+          <a:lstStyle/>
+          <a:p>
+            <a:r>
+              <a:rPr lang="ru-RU" dirty="0"/>
+              <a:t>Слайд </a:t>
+            </a:r>
+            <a:r>
+              <a:rPr lang="en-US" dirty="0"/>
+              <a:t>9</a:t>
+            </a:r>
+            <a:r>
+              <a:rPr lang="ru-RU" dirty="0"/>
+              <a:t> с информацией о кадрах</a:t>
+            </a:r>
+          </a:p>
+        </p:txBody>
+      </p:sp>
+      <p:grpSp>
+        <p:nvGrpSpPr>
+          <p:cNvPr id="44" name="Группа 43" descr="Это изображение содержит абстрактную форму. ">
+            <a:extLst>
+              <a:ext uri="{FF2B5EF4-FFF2-40B4-BE49-F238E27FC236}">
+                <a16:creationId xmlns:a16="http://schemas.microsoft.com/office/drawing/2014/main" id="{06C5D049-85D7-4673-9E2C-A2DF6A4D5048}"/>
+              </a:ext>
+            </a:extLst>
+          </p:cNvPr>
+          <p:cNvGrpSpPr/>
+          <p:nvPr/>
+        </p:nvGrpSpPr>
+        <p:grpSpPr>
+          <a:xfrm rot="7771703">
+            <a:off x="6243542" y="-1681113"/>
+            <a:ext cx="5813863" cy="7864280"/>
+            <a:chOff x="4855953" y="-2833465"/>
+            <a:chExt cx="8948964" cy="12105059"/>
+          </a:xfrm>
+        </p:grpSpPr>
+        <p:sp>
+          <p:nvSpPr>
+            <p:cNvPr id="45" name="Полилиния 10">
+              <a:extLst>
+                <a:ext uri="{FF2B5EF4-FFF2-40B4-BE49-F238E27FC236}">
+                  <a16:creationId xmlns:a16="http://schemas.microsoft.com/office/drawing/2014/main" id="{495773B3-D6CE-453B-96D1-E95DF6122C37}"/>
+                </a:ext>
+              </a:extLst>
+            </p:cNvPr>
+            <p:cNvSpPr>
+              <a:spLocks/>
+            </p:cNvSpPr>
+            <p:nvPr/>
+          </p:nvSpPr>
+          <p:spPr bwMode="auto">
+            <a:xfrm rot="9420272">
+              <a:off x="4855953" y="-2246936"/>
+              <a:ext cx="8673602" cy="11518530"/>
+            </a:xfrm>
+            <a:custGeom>
+              <a:avLst/>
+              <a:gdLst>
+                <a:gd name="T0" fmla="*/ 1166 w 2492"/>
+                <a:gd name="T1" fmla="*/ 2419 h 3315"/>
+                <a:gd name="T2" fmla="*/ 243 w 2492"/>
+                <a:gd name="T3" fmla="*/ 912 h 3315"/>
+                <a:gd name="T4" fmla="*/ 449 w 2492"/>
+                <a:gd name="T5" fmla="*/ 15 h 3315"/>
+                <a:gd name="T6" fmla="*/ 766 w 2492"/>
+                <a:gd name="T7" fmla="*/ 302 h 3315"/>
+                <a:gd name="T8" fmla="*/ 1651 w 2492"/>
+                <a:gd name="T9" fmla="*/ 481 h 3315"/>
+                <a:gd name="T10" fmla="*/ 2239 w 2492"/>
+                <a:gd name="T11" fmla="*/ 1238 h 3315"/>
+                <a:gd name="T12" fmla="*/ 2186 w 2492"/>
+                <a:gd name="T13" fmla="*/ 2201 h 3315"/>
+                <a:gd name="T14" fmla="*/ 2165 w 2492"/>
+                <a:gd name="T15" fmla="*/ 2928 h 3315"/>
+                <a:gd name="T16" fmla="*/ 1400 w 2492"/>
+                <a:gd name="T17" fmla="*/ 3100 h 3315"/>
+                <a:gd name="T18" fmla="*/ 1166 w 2492"/>
+                <a:gd name="T19" fmla="*/ 2419 h 3315"/>
+              </a:gdLst>
+              <a:ahLst/>
+              <a:cxnLst>
+                <a:cxn ang="0">
+                  <a:pos x="T0" y="T1"/>
+                </a:cxn>
+                <a:cxn ang="0">
+                  <a:pos x="T2" y="T3"/>
+                </a:cxn>
+                <a:cxn ang="0">
+                  <a:pos x="T4" y="T5"/>
+                </a:cxn>
+                <a:cxn ang="0">
+                  <a:pos x="T6" y="T7"/>
+                </a:cxn>
+                <a:cxn ang="0">
+                  <a:pos x="T8" y="T9"/>
+                </a:cxn>
+                <a:cxn ang="0">
+                  <a:pos x="T10" y="T11"/>
+                </a:cxn>
+                <a:cxn ang="0">
+                  <a:pos x="T12" y="T13"/>
+                </a:cxn>
+                <a:cxn ang="0">
+                  <a:pos x="T14" y="T15"/>
+                </a:cxn>
+                <a:cxn ang="0">
+                  <a:pos x="T16" y="T17"/>
+                </a:cxn>
+                <a:cxn ang="0">
+                  <a:pos x="T18" y="T19"/>
+                </a:cxn>
+              </a:cxnLst>
+              <a:rect l="0" t="0" r="r" b="b"/>
+              <a:pathLst>
+                <a:path w="2492" h="3315">
+                  <a:moveTo>
+                    <a:pt x="1166" y="2419"/>
+                  </a:moveTo>
+                  <a:cubicBezTo>
+                    <a:pt x="1505" y="1277"/>
+                    <a:pt x="486" y="1533"/>
+                    <a:pt x="243" y="912"/>
+                  </a:cubicBezTo>
+                  <a:cubicBezTo>
+                    <a:pt x="0" y="292"/>
+                    <a:pt x="291" y="31"/>
+                    <a:pt x="449" y="15"/>
+                  </a:cubicBezTo>
+                  <a:cubicBezTo>
+                    <a:pt x="607" y="0"/>
+                    <a:pt x="716" y="54"/>
+                    <a:pt x="766" y="302"/>
+                  </a:cubicBezTo>
+                  <a:cubicBezTo>
+                    <a:pt x="817" y="551"/>
+                    <a:pt x="1312" y="508"/>
+                    <a:pt x="1651" y="481"/>
+                  </a:cubicBezTo>
+                  <a:cubicBezTo>
+                    <a:pt x="1989" y="454"/>
+                    <a:pt x="2492" y="733"/>
+                    <a:pt x="2239" y="1238"/>
+                  </a:cubicBezTo>
+                  <a:cubicBezTo>
+                    <a:pt x="1986" y="1743"/>
+                    <a:pt x="2000" y="1716"/>
+                    <a:pt x="2186" y="2201"/>
+                  </a:cubicBezTo>
+                  <a:cubicBezTo>
+                    <a:pt x="2372" y="2685"/>
+                    <a:pt x="2165" y="2928"/>
+                    <a:pt x="2165" y="2928"/>
+                  </a:cubicBezTo>
+                  <a:cubicBezTo>
+                    <a:pt x="2165" y="2928"/>
+                    <a:pt x="1791" y="3315"/>
+                    <a:pt x="1400" y="3100"/>
+                  </a:cubicBezTo>
+                  <a:cubicBezTo>
+                    <a:pt x="1008" y="2885"/>
+                    <a:pt x="1166" y="2419"/>
+                    <a:pt x="1166" y="2419"/>
+                  </a:cubicBezTo>
+                  <a:close/>
+                </a:path>
+              </a:pathLst>
+            </a:custGeom>
+            <a:gradFill>
+              <a:gsLst>
+                <a:gs pos="0">
+                  <a:srgbClr val="80DEDE"/>
+                </a:gs>
+                <a:gs pos="53500">
+                  <a:srgbClr val="85C1E7"/>
+                </a:gs>
+                <a:gs pos="100000">
+                  <a:srgbClr val="878CFF"/>
+                </a:gs>
+              </a:gsLst>
+              <a:lin ang="5400000" scaled="1"/>
+            </a:gradFill>
+            <a:ln w="12700" cap="flat">
+              <a:noFill/>
+              <a:prstDash val="solid"/>
+              <a:miter lim="800000"/>
+              <a:headEnd/>
+              <a:tailEnd/>
+            </a:ln>
+          </p:spPr>
+          <p:txBody>
+            <a:bodyPr vert="horz" wrap="square" lIns="91440" tIns="45720" rIns="91440" bIns="45720" numCol="1" rtlCol="0" anchor="t" anchorCtr="0" compatLnSpc="1">
+              <a:prstTxWarp prst="textNoShape">
+                <a:avLst/>
+              </a:prstTxWarp>
+            </a:bodyPr>
+            <a:lstStyle/>
+            <a:p>
+              <a:pPr rtl="0"/>
+              <a:endParaRPr lang="ru-RU" dirty="0"/>
+            </a:p>
+          </p:txBody>
+        </p:sp>
+        <p:sp>
+          <p:nvSpPr>
+            <p:cNvPr id="46" name="Полилиния 11">
+              <a:extLst>
+                <a:ext uri="{FF2B5EF4-FFF2-40B4-BE49-F238E27FC236}">
+                  <a16:creationId xmlns:a16="http://schemas.microsoft.com/office/drawing/2014/main" id="{49D9CCDB-CAB7-4554-8B96-AF649D96074D}"/>
+                </a:ext>
+              </a:extLst>
+            </p:cNvPr>
+            <p:cNvSpPr>
+              <a:spLocks/>
+            </p:cNvSpPr>
+            <p:nvPr/>
+          </p:nvSpPr>
+          <p:spPr bwMode="auto">
+            <a:xfrm rot="9420272">
+              <a:off x="5048022" y="-2833465"/>
+              <a:ext cx="8756895" cy="10755934"/>
+            </a:xfrm>
+            <a:custGeom>
+              <a:avLst/>
+              <a:gdLst>
+                <a:gd name="T0" fmla="*/ 1504 w 2516"/>
+                <a:gd name="T1" fmla="*/ 2980 h 3095"/>
+                <a:gd name="T2" fmla="*/ 2237 w 2516"/>
+                <a:gd name="T3" fmla="*/ 2283 h 3095"/>
+                <a:gd name="T4" fmla="*/ 1468 w 2516"/>
+                <a:gd name="T5" fmla="*/ 1052 h 3095"/>
+                <a:gd name="T6" fmla="*/ 979 w 2516"/>
+                <a:gd name="T7" fmla="*/ 648 h 3095"/>
+                <a:gd name="T8" fmla="*/ 411 w 2516"/>
+                <a:gd name="T9" fmla="*/ 195 h 3095"/>
+                <a:gd name="T10" fmla="*/ 397 w 2516"/>
+                <a:gd name="T11" fmla="*/ 1117 h 3095"/>
+                <a:gd name="T12" fmla="*/ 194 w 2516"/>
+                <a:gd name="T13" fmla="*/ 1767 h 3095"/>
+                <a:gd name="T14" fmla="*/ 866 w 2516"/>
+                <a:gd name="T15" fmla="*/ 2349 h 3095"/>
+                <a:gd name="T16" fmla="*/ 1275 w 2516"/>
+                <a:gd name="T17" fmla="*/ 2766 h 3095"/>
+                <a:gd name="T18" fmla="*/ 1504 w 2516"/>
+                <a:gd name="T19" fmla="*/ 2980 h 3095"/>
+              </a:gdLst>
+              <a:ahLst/>
+              <a:cxnLst>
+                <a:cxn ang="0">
+                  <a:pos x="T0" y="T1"/>
+                </a:cxn>
+                <a:cxn ang="0">
+                  <a:pos x="T2" y="T3"/>
+                </a:cxn>
+                <a:cxn ang="0">
+                  <a:pos x="T4" y="T5"/>
+                </a:cxn>
+                <a:cxn ang="0">
+                  <a:pos x="T6" y="T7"/>
+                </a:cxn>
+                <a:cxn ang="0">
+                  <a:pos x="T8" y="T9"/>
+                </a:cxn>
+                <a:cxn ang="0">
+                  <a:pos x="T10" y="T11"/>
+                </a:cxn>
+                <a:cxn ang="0">
+                  <a:pos x="T12" y="T13"/>
+                </a:cxn>
+                <a:cxn ang="0">
+                  <a:pos x="T14" y="T15"/>
+                </a:cxn>
+                <a:cxn ang="0">
+                  <a:pos x="T16" y="T17"/>
+                </a:cxn>
+                <a:cxn ang="0">
+                  <a:pos x="T18" y="T19"/>
+                </a:cxn>
+              </a:cxnLst>
+              <a:rect l="0" t="0" r="r" b="b"/>
+              <a:pathLst>
+                <a:path w="2516" h="3095">
+                  <a:moveTo>
+                    <a:pt x="1504" y="2980"/>
+                  </a:moveTo>
+                  <a:cubicBezTo>
+                    <a:pt x="1504" y="2980"/>
+                    <a:pt x="1958" y="3095"/>
+                    <a:pt x="2237" y="2283"/>
+                  </a:cubicBezTo>
+                  <a:cubicBezTo>
+                    <a:pt x="2516" y="1472"/>
+                    <a:pt x="1745" y="1159"/>
+                    <a:pt x="1468" y="1052"/>
+                  </a:cubicBezTo>
+                  <a:cubicBezTo>
+                    <a:pt x="1191" y="945"/>
+                    <a:pt x="1126" y="907"/>
+                    <a:pt x="979" y="648"/>
+                  </a:cubicBezTo>
+                  <a:cubicBezTo>
+                    <a:pt x="832" y="389"/>
+                    <a:pt x="822" y="0"/>
+                    <a:pt x="411" y="195"/>
+                  </a:cubicBezTo>
+                  <a:cubicBezTo>
+                    <a:pt x="0" y="391"/>
+                    <a:pt x="384" y="948"/>
+                    <a:pt x="397" y="1117"/>
+                  </a:cubicBezTo>
+                  <a:cubicBezTo>
+                    <a:pt x="411" y="1286"/>
+                    <a:pt x="128" y="1580"/>
+                    <a:pt x="194" y="1767"/>
+                  </a:cubicBezTo>
+                  <a:cubicBezTo>
+                    <a:pt x="259" y="1954"/>
+                    <a:pt x="273" y="2154"/>
+                    <a:pt x="866" y="2349"/>
+                  </a:cubicBezTo>
+                  <a:cubicBezTo>
+                    <a:pt x="866" y="2349"/>
+                    <a:pt x="1186" y="2374"/>
+                    <a:pt x="1275" y="2766"/>
+                  </a:cubicBezTo>
+                  <a:cubicBezTo>
+                    <a:pt x="1275" y="2766"/>
+                    <a:pt x="1340" y="2988"/>
+                    <a:pt x="1504" y="2980"/>
+                  </a:cubicBezTo>
+                  <a:close/>
+                </a:path>
+              </a:pathLst>
+            </a:custGeom>
+            <a:gradFill>
+              <a:gsLst>
+                <a:gs pos="0">
+                  <a:srgbClr val="7CEFD8"/>
+                </a:gs>
+                <a:gs pos="51000">
+                  <a:srgbClr val="6672E4"/>
+                </a:gs>
+                <a:gs pos="100000">
+                  <a:srgbClr val="882BE5"/>
+                </a:gs>
+              </a:gsLst>
+              <a:lin ang="5400000" scaled="1"/>
+            </a:gradFill>
+            <a:ln w="12700" cap="flat">
+              <a:noFill/>
+              <a:prstDash val="solid"/>
+              <a:miter lim="800000"/>
+              <a:headEnd/>
+              <a:tailEnd/>
+            </a:ln>
+          </p:spPr>
+          <p:txBody>
+            <a:bodyPr vert="horz" wrap="square" lIns="91440" tIns="45720" rIns="91440" bIns="45720" numCol="1" rtlCol="0" anchor="t" anchorCtr="0" compatLnSpc="1">
+              <a:prstTxWarp prst="textNoShape">
+                <a:avLst/>
+              </a:prstTxWarp>
+            </a:bodyPr>
+            <a:lstStyle/>
+            <a:p>
+              <a:pPr rtl="0"/>
+              <a:endParaRPr lang="ru-RU" dirty="0"/>
+            </a:p>
+          </p:txBody>
+        </p:sp>
+        <p:sp>
+          <p:nvSpPr>
+            <p:cNvPr id="47" name="Полилиния 12">
+              <a:extLst>
+                <a:ext uri="{FF2B5EF4-FFF2-40B4-BE49-F238E27FC236}">
+                  <a16:creationId xmlns:a16="http://schemas.microsoft.com/office/drawing/2014/main" id="{15844E15-7463-4C39-9A45-B2A35B7FD5CD}"/>
+                </a:ext>
+              </a:extLst>
+            </p:cNvPr>
+            <p:cNvSpPr>
+              <a:spLocks/>
+            </p:cNvSpPr>
+            <p:nvPr/>
+          </p:nvSpPr>
+          <p:spPr bwMode="auto">
+            <a:xfrm rot="9420272">
+              <a:off x="5218811" y="-1993836"/>
+              <a:ext cx="7570428" cy="10122905"/>
+            </a:xfrm>
+            <a:custGeom>
+              <a:avLst/>
+              <a:gdLst>
+                <a:gd name="T0" fmla="*/ 1896 w 2175"/>
+                <a:gd name="T1" fmla="*/ 2283 h 2913"/>
+                <a:gd name="T2" fmla="*/ 1467 w 2175"/>
+                <a:gd name="T3" fmla="*/ 2913 h 2913"/>
+                <a:gd name="T4" fmla="*/ 1250 w 2175"/>
+                <a:gd name="T5" fmla="*/ 2849 h 2913"/>
+                <a:gd name="T6" fmla="*/ 1016 w 2175"/>
+                <a:gd name="T7" fmla="*/ 2168 h 2913"/>
+                <a:gd name="T8" fmla="*/ 93 w 2175"/>
+                <a:gd name="T9" fmla="*/ 661 h 2913"/>
+                <a:gd name="T10" fmla="*/ 0 w 2175"/>
+                <a:gd name="T11" fmla="*/ 238 h 2913"/>
+                <a:gd name="T12" fmla="*/ 70 w 2175"/>
+                <a:gd name="T13" fmla="*/ 195 h 2913"/>
+                <a:gd name="T14" fmla="*/ 638 w 2175"/>
+                <a:gd name="T15" fmla="*/ 648 h 2913"/>
+                <a:gd name="T16" fmla="*/ 1127 w 2175"/>
+                <a:gd name="T17" fmla="*/ 1052 h 2913"/>
+                <a:gd name="T18" fmla="*/ 1896 w 2175"/>
+                <a:gd name="T19" fmla="*/ 2283 h 2913"/>
+              </a:gdLst>
+              <a:ahLst/>
+              <a:cxnLst>
+                <a:cxn ang="0">
+                  <a:pos x="T0" y="T1"/>
+                </a:cxn>
+                <a:cxn ang="0">
+                  <a:pos x="T2" y="T3"/>
+                </a:cxn>
+                <a:cxn ang="0">
+                  <a:pos x="T4" y="T5"/>
+                </a:cxn>
+                <a:cxn ang="0">
+                  <a:pos x="T6" y="T7"/>
+                </a:cxn>
+                <a:cxn ang="0">
+                  <a:pos x="T8" y="T9"/>
+                </a:cxn>
+                <a:cxn ang="0">
+                  <a:pos x="T10" y="T11"/>
+                </a:cxn>
+                <a:cxn ang="0">
+                  <a:pos x="T12" y="T13"/>
+                </a:cxn>
+                <a:cxn ang="0">
+                  <a:pos x="T14" y="T15"/>
+                </a:cxn>
+                <a:cxn ang="0">
+                  <a:pos x="T16" y="T17"/>
+                </a:cxn>
+                <a:cxn ang="0">
+                  <a:pos x="T18" y="T19"/>
+                </a:cxn>
+              </a:cxnLst>
+              <a:rect l="0" t="0" r="r" b="b"/>
+              <a:pathLst>
+                <a:path w="2175" h="2913">
+                  <a:moveTo>
+                    <a:pt x="1896" y="2283"/>
+                  </a:moveTo>
+                  <a:cubicBezTo>
+                    <a:pt x="1770" y="2651"/>
+                    <a:pt x="1607" y="2829"/>
+                    <a:pt x="1467" y="2913"/>
+                  </a:cubicBezTo>
+                  <a:cubicBezTo>
+                    <a:pt x="1397" y="2909"/>
+                    <a:pt x="1324" y="2889"/>
+                    <a:pt x="1250" y="2849"/>
+                  </a:cubicBezTo>
+                  <a:cubicBezTo>
+                    <a:pt x="858" y="2634"/>
+                    <a:pt x="1016" y="2168"/>
+                    <a:pt x="1016" y="2168"/>
+                  </a:cubicBezTo>
+                  <a:cubicBezTo>
+                    <a:pt x="1354" y="1026"/>
+                    <a:pt x="336" y="1282"/>
+                    <a:pt x="93" y="661"/>
+                  </a:cubicBezTo>
+                  <a:cubicBezTo>
+                    <a:pt x="28" y="495"/>
+                    <a:pt x="1" y="354"/>
+                    <a:pt x="0" y="238"/>
+                  </a:cubicBezTo>
+                  <a:cubicBezTo>
+                    <a:pt x="20" y="222"/>
+                    <a:pt x="44" y="208"/>
+                    <a:pt x="70" y="195"/>
+                  </a:cubicBezTo>
+                  <a:cubicBezTo>
+                    <a:pt x="481" y="0"/>
+                    <a:pt x="491" y="389"/>
+                    <a:pt x="638" y="648"/>
+                  </a:cubicBezTo>
+                  <a:cubicBezTo>
+                    <a:pt x="785" y="907"/>
+                    <a:pt x="850" y="945"/>
+                    <a:pt x="1127" y="1052"/>
+                  </a:cubicBezTo>
+                  <a:cubicBezTo>
+                    <a:pt x="1404" y="1159"/>
+                    <a:pt x="2175" y="1472"/>
+                    <a:pt x="1896" y="2283"/>
+                  </a:cubicBezTo>
+                  <a:close/>
+                </a:path>
+              </a:pathLst>
+            </a:custGeom>
+            <a:gradFill>
+              <a:gsLst>
+                <a:gs pos="100000">
+                  <a:srgbClr val="7CEFD8"/>
+                </a:gs>
+                <a:gs pos="19000">
+                  <a:srgbClr val="6672E4"/>
+                </a:gs>
+                <a:gs pos="0">
+                  <a:srgbClr val="882BE5"/>
+                </a:gs>
+              </a:gsLst>
+              <a:lin ang="10200000" scaled="0"/>
+            </a:gradFill>
+            <a:ln w="12700" cap="flat">
+              <a:noFill/>
+              <a:prstDash val="solid"/>
+              <a:miter lim="800000"/>
+              <a:headEnd/>
+              <a:tailEnd/>
+            </a:ln>
+          </p:spPr>
+          <p:txBody>
+            <a:bodyPr vert="horz" wrap="square" lIns="91440" tIns="45720" rIns="91440" bIns="45720" numCol="1" rtlCol="0" anchor="t" anchorCtr="0" compatLnSpc="1">
+              <a:prstTxWarp prst="textNoShape">
+                <a:avLst/>
+              </a:prstTxWarp>
+            </a:bodyPr>
+            <a:lstStyle/>
+            <a:p>
+              <a:pPr rtl="0"/>
+              <a:endParaRPr lang="ru-RU" dirty="0"/>
+            </a:p>
+          </p:txBody>
+        </p:sp>
+      </p:grpSp>
+      <p:pic>
+        <p:nvPicPr>
+          <p:cNvPr id="2" name="Рисунок 1"/>
+          <p:cNvPicPr>
+            <a:picLocks noChangeAspect="1"/>
+          </p:cNvPicPr>
+          <p:nvPr/>
+        </p:nvPicPr>
+        <p:blipFill>
+          <a:blip r:embed="rId3"/>
+          <a:stretch>
+            <a:fillRect/>
+          </a:stretch>
+        </p:blipFill>
+        <p:spPr>
+          <a:xfrm>
+            <a:off x="1525657" y="2251027"/>
+            <a:ext cx="2464641" cy="4349366"/>
+          </a:xfrm>
+          <a:prstGeom prst="rect">
+            <a:avLst/>
+          </a:prstGeom>
+          <a:effectLst>
+            <a:softEdge rad="31750"/>
+          </a:effectLst>
+        </p:spPr>
+      </p:pic>
+      <p:pic>
+        <p:nvPicPr>
+          <p:cNvPr id="3" name="Рисунок 2"/>
+          <p:cNvPicPr>
+            <a:picLocks noChangeAspect="1"/>
+          </p:cNvPicPr>
+          <p:nvPr/>
+        </p:nvPicPr>
+        <p:blipFill>
+          <a:blip r:embed="rId4"/>
+          <a:stretch>
+            <a:fillRect/>
+          </a:stretch>
+        </p:blipFill>
+        <p:spPr>
+          <a:xfrm>
+            <a:off x="6497291" y="570141"/>
+            <a:ext cx="4911152" cy="3159889"/>
+          </a:xfrm>
+          <a:prstGeom prst="rect">
+            <a:avLst/>
+          </a:prstGeom>
+          <a:effectLst>
+            <a:softEdge rad="31750"/>
+          </a:effectLst>
+        </p:spPr>
+      </p:pic>
+      <p:sp>
+        <p:nvSpPr>
+          <p:cNvPr id="49" name="Надпись 3">
+            <a:extLst>
+              <a:ext uri="{FF2B5EF4-FFF2-40B4-BE49-F238E27FC236}">
+                <a16:creationId xmlns:a16="http://schemas.microsoft.com/office/drawing/2014/main" id="{171A55DA-183A-4D18-85CD-0F3BC09D5269}"/>
+              </a:ext>
+            </a:extLst>
+          </p:cNvPr>
+          <p:cNvSpPr txBox="1"/>
+          <p:nvPr/>
+        </p:nvSpPr>
+        <p:spPr>
+          <a:xfrm>
+            <a:off x="7573252" y="5588243"/>
+            <a:ext cx="3572845" cy="553998"/>
+          </a:xfrm>
+          <a:prstGeom prst="rect">
+            <a:avLst/>
+          </a:prstGeom>
+        </p:spPr>
+        <p:txBody>
+          <a:bodyPr wrap="square" lIns="0" tIns="0" rIns="0" bIns="0" rtlCol="0">
+            <a:spAutoFit/>
+          </a:bodyPr>
+          <a:lstStyle>
+            <a:defPPr>
+              <a:defRPr lang="en-US"/>
+            </a:defPPr>
+            <a:lvl1pPr>
+              <a:defRPr sz="1600" i="1">
+                <a:solidFill>
+                  <a:srgbClr val="002060"/>
+                </a:solidFill>
+                <a:latin typeface="+mj-lt"/>
+                <a:cs typeface="Segoe UI" panose="020B0502040204020203" pitchFamily="34" charset="0"/>
+              </a:defRPr>
+            </a:lvl1pPr>
+          </a:lstStyle>
+          <a:p>
+            <a:pPr rtl="0"/>
+            <a:r>
+              <a:rPr lang="ru-RU" sz="1800" b="1" dirty="0" smtClean="0">
+                <a:latin typeface="Segoe UI" panose="020B0502040204020203" pitchFamily="34" charset="0"/>
+              </a:rPr>
+              <a:t>Чем больше </a:t>
+            </a:r>
+            <a:r>
+              <a:rPr lang="ru-RU" sz="1800" b="1" dirty="0" err="1" smtClean="0">
+                <a:latin typeface="Segoe UI" panose="020B0502040204020203" pitchFamily="34" charset="0"/>
+              </a:rPr>
+              <a:t>фич</a:t>
+            </a:r>
+            <a:r>
+              <a:rPr lang="ru-RU" sz="1800" b="1" dirty="0" smtClean="0">
+                <a:latin typeface="Segoe UI" panose="020B0502040204020203" pitchFamily="34" charset="0"/>
+              </a:rPr>
+              <a:t> – тем лучше пользователю</a:t>
+            </a:r>
+            <a:endParaRPr lang="ru-RU" sz="1800" b="1" dirty="0">
+              <a:latin typeface="Segoe UI" panose="020B0502040204020203" pitchFamily="34" charset="0"/>
+            </a:endParaRPr>
+          </a:p>
+        </p:txBody>
+      </p:sp>
+    </p:spTree>
+    <p:extLst>
+      <p:ext uri="{BB962C8B-B14F-4D97-AF65-F5344CB8AC3E}">
+        <p14:creationId xmlns:p14="http://schemas.microsoft.com/office/powerpoint/2010/main" val="4141899095"/>
+      </p:ext>
+    </p:extLst>
+  </p:cSld>
+  <p:clrMapOvr>
+    <a:masterClrMapping/>
+  </p:clrMapOvr>
+  <p:timing>
+    <p:tnLst>
+      <p:par>
+        <p:cTn id="1" dur="indefinite" restart="never" nodeType="tmRoot"/>
+      </p:par>
+    </p:tnLst>
+  </p:timing>
+</p:sld>
+</file>
+
 <file path=ppt/slides/slide14.xml><?xml version="1.0" encoding="utf-8"?>
 <p:sld xmlns:a="http://schemas.openxmlformats.org/drawingml/2006/main" xmlns:r="http://schemas.openxmlformats.org/officeDocument/2006/relationships" xmlns:p="http://schemas.openxmlformats.org/presentationml/2006/main">
   <p:cSld>
@@ -20867,7 +22342,7 @@
         </p:nvSpPr>
         <p:spPr>
           <a:xfrm>
-            <a:off x="726780" y="1389667"/>
+            <a:off x="723900" y="843275"/>
             <a:ext cx="6224717" cy="246221"/>
           </a:xfrm>
           <a:prstGeom prst="rect">
@@ -20968,542 +22443,13 @@
           <a:p>
             <a:pPr rtl="0"/>
             <a:r>
-              <a:rPr lang="ru-RU" sz="3200" dirty="0"/>
-              <a:t>Мы рассчитываем на сотрудничество</a:t>
+              <a:rPr lang="ru-RU" sz="3200" dirty="0" smtClean="0"/>
+              <a:t>Благодарности</a:t>
             </a:r>
+            <a:endParaRPr lang="ru-RU" sz="3200" dirty="0"/>
           </a:p>
         </p:txBody>
       </p:sp>
-      <p:sp>
-        <p:nvSpPr>
-          <p:cNvPr id="4" name="Надпись 3">
-            <a:extLst>
-              <a:ext uri="{FF2B5EF4-FFF2-40B4-BE49-F238E27FC236}">
-                <a16:creationId xmlns:a16="http://schemas.microsoft.com/office/drawing/2014/main" id="{171A55DA-183A-4D18-85CD-0F3BC09D5269}"/>
-              </a:ext>
-            </a:extLst>
-          </p:cNvPr>
-          <p:cNvSpPr txBox="1"/>
-          <p:nvPr/>
-        </p:nvSpPr>
-        <p:spPr>
-          <a:xfrm>
-            <a:off x="726780" y="2054546"/>
-            <a:ext cx="3572845" cy="492443"/>
-          </a:xfrm>
-          <a:prstGeom prst="rect">
-            <a:avLst/>
-          </a:prstGeom>
-        </p:spPr>
-        <p:txBody>
-          <a:bodyPr wrap="square" lIns="0" tIns="0" rIns="0" bIns="0" rtlCol="0">
-            <a:spAutoFit/>
-          </a:bodyPr>
-          <a:lstStyle>
-            <a:defPPr>
-              <a:defRPr lang="en-US"/>
-            </a:defPPr>
-            <a:lvl1pPr>
-              <a:defRPr sz="1600" i="1">
-                <a:solidFill>
-                  <a:srgbClr val="002060"/>
-                </a:solidFill>
-                <a:latin typeface="+mj-lt"/>
-                <a:cs typeface="Segoe UI" panose="020B0502040204020203" pitchFamily="34" charset="0"/>
-              </a:defRPr>
-            </a:lvl1pPr>
-          </a:lstStyle>
-          <a:p>
-            <a:pPr rtl="0"/>
-            <a:r>
-              <a:rPr lang="ru-RU" b="1" dirty="0">
-                <a:latin typeface="Segoe UI" panose="020B0502040204020203" pitchFamily="34" charset="0"/>
-              </a:rPr>
-              <a:t>Только вместе мы сможем изменить мир в лучшую сторону</a:t>
-            </a:r>
-          </a:p>
-        </p:txBody>
-      </p:sp>
-      <p:grpSp>
-        <p:nvGrpSpPr>
-          <p:cNvPr id="95" name="Группа 94">
-            <a:extLst>
-              <a:ext uri="{FF2B5EF4-FFF2-40B4-BE49-F238E27FC236}">
-                <a16:creationId xmlns:a16="http://schemas.microsoft.com/office/drawing/2014/main" id="{2D732C95-5F88-4013-B13B-3A9F05760413}"/>
-              </a:ext>
-              <a:ext uri="{C183D7F6-B498-43B3-948B-1728B52AA6E4}">
-                <adec:decorative xmlns="" xmlns:adec="http://schemas.microsoft.com/office/drawing/2017/decorative" val="1"/>
-              </a:ext>
-            </a:extLst>
-          </p:cNvPr>
-          <p:cNvGrpSpPr/>
-          <p:nvPr/>
-        </p:nvGrpSpPr>
-        <p:grpSpPr>
-          <a:xfrm>
-            <a:off x="2015579" y="3650525"/>
-            <a:ext cx="3908243" cy="2016077"/>
-            <a:chOff x="1636214" y="3489300"/>
-            <a:chExt cx="3908243" cy="2016077"/>
-          </a:xfrm>
-        </p:grpSpPr>
-        <p:grpSp>
-          <p:nvGrpSpPr>
-            <p:cNvPr id="85" name="Группа 84">
-              <a:extLst>
-                <a:ext uri="{FF2B5EF4-FFF2-40B4-BE49-F238E27FC236}">
-                  <a16:creationId xmlns:a16="http://schemas.microsoft.com/office/drawing/2014/main" id="{72F7507E-84C4-43E3-8F05-07666B4AA53B}"/>
-                </a:ext>
-              </a:extLst>
-            </p:cNvPr>
-            <p:cNvGrpSpPr/>
-            <p:nvPr/>
-          </p:nvGrpSpPr>
-          <p:grpSpPr>
-            <a:xfrm>
-              <a:off x="1636214" y="3489300"/>
-              <a:ext cx="3908243" cy="198582"/>
-              <a:chOff x="1636214" y="3195950"/>
-              <a:chExt cx="2421165" cy="88596"/>
-            </a:xfrm>
-          </p:grpSpPr>
-          <p:sp>
-            <p:nvSpPr>
-              <p:cNvPr id="82" name="Прямоугольник: Скругленные углы 81">
-                <a:extLst>
-                  <a:ext uri="{FF2B5EF4-FFF2-40B4-BE49-F238E27FC236}">
-                    <a16:creationId xmlns:a16="http://schemas.microsoft.com/office/drawing/2014/main" id="{BCEB1F2F-367D-41AE-A066-F8669215D8F2}"/>
-                  </a:ext>
-                </a:extLst>
-              </p:cNvPr>
-              <p:cNvSpPr/>
-              <p:nvPr/>
-            </p:nvSpPr>
-            <p:spPr>
-              <a:xfrm>
-                <a:off x="1636214" y="3195964"/>
-                <a:ext cx="2421165" cy="88582"/>
-              </a:xfrm>
-              <a:prstGeom prst="roundRect">
-                <a:avLst>
-                  <a:gd name="adj" fmla="val 50000"/>
-                </a:avLst>
-              </a:prstGeom>
-              <a:solidFill>
-                <a:srgbClr val="7BEBD8">
-                  <a:alpha val="29000"/>
-                </a:srgbClr>
-              </a:solidFill>
-              <a:ln w="12700" cap="flat">
-                <a:noFill/>
-                <a:prstDash val="solid"/>
-                <a:miter lim="800000"/>
-                <a:headEnd/>
-                <a:tailEnd/>
-              </a:ln>
-              <a:effectLst>
-                <a:innerShdw blurRad="114300">
-                  <a:prstClr val="black">
-                    <a:alpha val="47000"/>
-                  </a:prstClr>
-                </a:innerShdw>
-              </a:effectLst>
-            </p:spPr>
-            <p:txBody>
-              <a:bodyPr rot="0" spcFirstLastPara="0" vertOverflow="overflow" horzOverflow="overflow" vert="horz" wrap="square" lIns="91440" tIns="45720" rIns="91440" bIns="45720" numCol="1" spcCol="0" rtlCol="0" fromWordArt="0" anchor="t" anchorCtr="0" forceAA="0" compatLnSpc="1">
-                <a:prstTxWarp prst="textNoShape">
-                  <a:avLst/>
-                </a:prstTxWarp>
-                <a:noAutofit/>
-              </a:bodyPr>
-              <a:lstStyle/>
-              <a:p>
-                <a:pPr rtl="0"/>
-                <a:endParaRPr lang="ru-RU" dirty="0">
-                  <a:solidFill>
-                    <a:schemeClr val="tx1"/>
-                  </a:solidFill>
-                </a:endParaRPr>
-              </a:p>
-            </p:txBody>
-          </p:sp>
-          <p:sp>
-            <p:nvSpPr>
-              <p:cNvPr id="83" name="Прямоугольник: Скругленные углы 82">
-                <a:extLst>
-                  <a:ext uri="{FF2B5EF4-FFF2-40B4-BE49-F238E27FC236}">
-                    <a16:creationId xmlns:a16="http://schemas.microsoft.com/office/drawing/2014/main" id="{F7F9128D-E30C-4733-AE4B-3863B632AE0A}"/>
-                  </a:ext>
-                  <a:ext uri="{C183D7F6-B498-43B3-948B-1728B52AA6E4}">
-                    <adec:decorative xmlns="" xmlns:adec="http://schemas.microsoft.com/office/drawing/2017/decorative" val="1"/>
-                  </a:ext>
-                </a:extLst>
-              </p:cNvPr>
-              <p:cNvSpPr/>
-              <p:nvPr/>
-            </p:nvSpPr>
-            <p:spPr>
-              <a:xfrm>
-                <a:off x="1636215" y="3195950"/>
-                <a:ext cx="2309668" cy="88582"/>
-              </a:xfrm>
-              <a:prstGeom prst="roundRect">
-                <a:avLst>
-                  <a:gd name="adj" fmla="val 50000"/>
-                </a:avLst>
-              </a:prstGeom>
-              <a:gradFill>
-                <a:gsLst>
-                  <a:gs pos="1000">
-                    <a:srgbClr val="7CEFD8">
-                      <a:alpha val="79000"/>
-                    </a:srgbClr>
-                  </a:gs>
-                  <a:gs pos="61000">
-                    <a:srgbClr val="6672E4">
-                      <a:alpha val="84000"/>
-                    </a:srgbClr>
-                  </a:gs>
-                  <a:gs pos="98000">
-                    <a:srgbClr val="882BE5">
-                      <a:alpha val="66000"/>
-                    </a:srgbClr>
-                  </a:gs>
-                </a:gsLst>
-                <a:lin ang="7200000" scaled="0"/>
-              </a:gradFill>
-              <a:ln w="12700" cap="flat">
-                <a:noFill/>
-                <a:prstDash val="solid"/>
-                <a:miter lim="800000"/>
-                <a:headEnd/>
-                <a:tailEnd/>
-              </a:ln>
-            </p:spPr>
-            <p:txBody>
-              <a:bodyPr rot="0" spcFirstLastPara="0" vertOverflow="overflow" horzOverflow="overflow" vert="horz" wrap="square" lIns="91440" tIns="45720" rIns="91440" bIns="45720" numCol="1" spcCol="0" rtlCol="0" fromWordArt="0" anchor="t" anchorCtr="0" forceAA="0" compatLnSpc="1">
-                <a:prstTxWarp prst="textNoShape">
-                  <a:avLst/>
-                </a:prstTxWarp>
-                <a:noAutofit/>
-              </a:bodyPr>
-              <a:lstStyle/>
-              <a:p>
-                <a:pPr rtl="0"/>
-                <a:endParaRPr lang="ru-RU" dirty="0">
-                  <a:solidFill>
-                    <a:schemeClr val="tx1"/>
-                  </a:solidFill>
-                </a:endParaRPr>
-              </a:p>
-            </p:txBody>
-          </p:sp>
-        </p:grpSp>
-        <p:grpSp>
-          <p:nvGrpSpPr>
-            <p:cNvPr id="86" name="Группа 85">
-              <a:extLst>
-                <a:ext uri="{FF2B5EF4-FFF2-40B4-BE49-F238E27FC236}">
-                  <a16:creationId xmlns:a16="http://schemas.microsoft.com/office/drawing/2014/main" id="{C0891A01-8A14-486D-93D7-756C1B0A9EF0}"/>
-                </a:ext>
-              </a:extLst>
-            </p:cNvPr>
-            <p:cNvGrpSpPr/>
-            <p:nvPr/>
-          </p:nvGrpSpPr>
-          <p:grpSpPr>
-            <a:xfrm>
-              <a:off x="1636214" y="4422278"/>
-              <a:ext cx="3908243" cy="198582"/>
-              <a:chOff x="1636214" y="3195950"/>
-              <a:chExt cx="2421165" cy="88596"/>
-            </a:xfrm>
-          </p:grpSpPr>
-          <p:sp>
-            <p:nvSpPr>
-              <p:cNvPr id="87" name="Прямоугольник: Скругленные углы 86">
-                <a:extLst>
-                  <a:ext uri="{FF2B5EF4-FFF2-40B4-BE49-F238E27FC236}">
-                    <a16:creationId xmlns:a16="http://schemas.microsoft.com/office/drawing/2014/main" id="{BEC06DD3-CCF5-4FA9-B6A5-88C2AD698D60}"/>
-                  </a:ext>
-                </a:extLst>
-              </p:cNvPr>
-              <p:cNvSpPr/>
-              <p:nvPr/>
-            </p:nvSpPr>
-            <p:spPr>
-              <a:xfrm>
-                <a:off x="1636214" y="3195964"/>
-                <a:ext cx="2421165" cy="88582"/>
-              </a:xfrm>
-              <a:prstGeom prst="roundRect">
-                <a:avLst>
-                  <a:gd name="adj" fmla="val 50000"/>
-                </a:avLst>
-              </a:prstGeom>
-              <a:solidFill>
-                <a:srgbClr val="7BEBD8">
-                  <a:alpha val="29000"/>
-                </a:srgbClr>
-              </a:solidFill>
-              <a:ln w="12700" cap="flat">
-                <a:noFill/>
-                <a:prstDash val="solid"/>
-                <a:miter lim="800000"/>
-                <a:headEnd/>
-                <a:tailEnd/>
-              </a:ln>
-              <a:effectLst>
-                <a:innerShdw blurRad="114300">
-                  <a:prstClr val="black">
-                    <a:alpha val="47000"/>
-                  </a:prstClr>
-                </a:innerShdw>
-              </a:effectLst>
-            </p:spPr>
-            <p:txBody>
-              <a:bodyPr rot="0" spcFirstLastPara="0" vertOverflow="overflow" horzOverflow="overflow" vert="horz" wrap="square" lIns="91440" tIns="45720" rIns="91440" bIns="45720" numCol="1" spcCol="0" rtlCol="0" fromWordArt="0" anchor="t" anchorCtr="0" forceAA="0" compatLnSpc="1">
-                <a:prstTxWarp prst="textNoShape">
-                  <a:avLst/>
-                </a:prstTxWarp>
-                <a:noAutofit/>
-              </a:bodyPr>
-              <a:lstStyle/>
-              <a:p>
-                <a:pPr rtl="0"/>
-                <a:endParaRPr lang="ru-RU" dirty="0">
-                  <a:solidFill>
-                    <a:schemeClr val="tx1"/>
-                  </a:solidFill>
-                </a:endParaRPr>
-              </a:p>
-            </p:txBody>
-          </p:sp>
-          <p:sp>
-            <p:nvSpPr>
-              <p:cNvPr id="88" name="Прямоугольник: Скругленные углы 87">
-                <a:extLst>
-                  <a:ext uri="{FF2B5EF4-FFF2-40B4-BE49-F238E27FC236}">
-                    <a16:creationId xmlns:a16="http://schemas.microsoft.com/office/drawing/2014/main" id="{AD9B3B86-FE3B-4F92-A920-9858B368D411}"/>
-                  </a:ext>
-                  <a:ext uri="{C183D7F6-B498-43B3-948B-1728B52AA6E4}">
-                    <adec:decorative xmlns="" xmlns:adec="http://schemas.microsoft.com/office/drawing/2017/decorative" val="1"/>
-                  </a:ext>
-                </a:extLst>
-              </p:cNvPr>
-              <p:cNvSpPr/>
-              <p:nvPr/>
-            </p:nvSpPr>
-            <p:spPr>
-              <a:xfrm>
-                <a:off x="1636215" y="3195950"/>
-                <a:ext cx="2309668" cy="88582"/>
-              </a:xfrm>
-              <a:prstGeom prst="roundRect">
-                <a:avLst>
-                  <a:gd name="adj" fmla="val 50000"/>
-                </a:avLst>
-              </a:prstGeom>
-              <a:gradFill>
-                <a:gsLst>
-                  <a:gs pos="1000">
-                    <a:srgbClr val="7CEFD8">
-                      <a:alpha val="79000"/>
-                    </a:srgbClr>
-                  </a:gs>
-                  <a:gs pos="61000">
-                    <a:srgbClr val="6672E4">
-                      <a:alpha val="84000"/>
-                    </a:srgbClr>
-                  </a:gs>
-                  <a:gs pos="98000">
-                    <a:srgbClr val="882BE5">
-                      <a:alpha val="66000"/>
-                    </a:srgbClr>
-                  </a:gs>
-                </a:gsLst>
-                <a:lin ang="7200000" scaled="0"/>
-              </a:gradFill>
-              <a:ln w="12700" cap="flat">
-                <a:noFill/>
-                <a:prstDash val="solid"/>
-                <a:miter lim="800000"/>
-                <a:headEnd/>
-                <a:tailEnd/>
-              </a:ln>
-            </p:spPr>
-            <p:txBody>
-              <a:bodyPr rot="0" spcFirstLastPara="0" vertOverflow="overflow" horzOverflow="overflow" vert="horz" wrap="square" lIns="91440" tIns="45720" rIns="91440" bIns="45720" numCol="1" spcCol="0" rtlCol="0" fromWordArt="0" anchor="t" anchorCtr="0" forceAA="0" compatLnSpc="1">
-                <a:prstTxWarp prst="textNoShape">
-                  <a:avLst/>
-                </a:prstTxWarp>
-                <a:noAutofit/>
-              </a:bodyPr>
-              <a:lstStyle/>
-              <a:p>
-                <a:pPr rtl="0"/>
-                <a:endParaRPr lang="ru-RU" dirty="0">
-                  <a:solidFill>
-                    <a:schemeClr val="tx1"/>
-                  </a:solidFill>
-                </a:endParaRPr>
-              </a:p>
-            </p:txBody>
-          </p:sp>
-        </p:grpSp>
-        <p:grpSp>
-          <p:nvGrpSpPr>
-            <p:cNvPr id="89" name="Группа 88">
-              <a:extLst>
-                <a:ext uri="{FF2B5EF4-FFF2-40B4-BE49-F238E27FC236}">
-                  <a16:creationId xmlns:a16="http://schemas.microsoft.com/office/drawing/2014/main" id="{DCB2CD80-A7D2-4E5E-8A6D-4BC684DF7BE1}"/>
-                </a:ext>
-              </a:extLst>
-            </p:cNvPr>
-            <p:cNvGrpSpPr/>
-            <p:nvPr/>
-          </p:nvGrpSpPr>
-          <p:grpSpPr>
-            <a:xfrm>
-              <a:off x="1636214" y="5306795"/>
-              <a:ext cx="3908243" cy="198582"/>
-              <a:chOff x="1636214" y="3195950"/>
-              <a:chExt cx="2421165" cy="88596"/>
-            </a:xfrm>
-          </p:grpSpPr>
-          <p:sp>
-            <p:nvSpPr>
-              <p:cNvPr id="90" name="Прямоугольник: Скругленные углы 89">
-                <a:extLst>
-                  <a:ext uri="{FF2B5EF4-FFF2-40B4-BE49-F238E27FC236}">
-                    <a16:creationId xmlns:a16="http://schemas.microsoft.com/office/drawing/2014/main" id="{5819435B-AB91-4456-82A2-4B47BC037ACD}"/>
-                  </a:ext>
-                </a:extLst>
-              </p:cNvPr>
-              <p:cNvSpPr/>
-              <p:nvPr/>
-            </p:nvSpPr>
-            <p:spPr>
-              <a:xfrm>
-                <a:off x="1636214" y="3195964"/>
-                <a:ext cx="2421165" cy="88582"/>
-              </a:xfrm>
-              <a:prstGeom prst="roundRect">
-                <a:avLst>
-                  <a:gd name="adj" fmla="val 50000"/>
-                </a:avLst>
-              </a:prstGeom>
-              <a:solidFill>
-                <a:srgbClr val="7BEBD8">
-                  <a:alpha val="29000"/>
-                </a:srgbClr>
-              </a:solidFill>
-              <a:ln w="12700" cap="flat">
-                <a:noFill/>
-                <a:prstDash val="solid"/>
-                <a:miter lim="800000"/>
-                <a:headEnd/>
-                <a:tailEnd/>
-              </a:ln>
-              <a:effectLst>
-                <a:innerShdw blurRad="114300">
-                  <a:prstClr val="black">
-                    <a:alpha val="47000"/>
-                  </a:prstClr>
-                </a:innerShdw>
-              </a:effectLst>
-            </p:spPr>
-            <p:txBody>
-              <a:bodyPr rot="0" spcFirstLastPara="0" vertOverflow="overflow" horzOverflow="overflow" vert="horz" wrap="square" lIns="91440" tIns="45720" rIns="91440" bIns="45720" numCol="1" spcCol="0" rtlCol="0" fromWordArt="0" anchor="t" anchorCtr="0" forceAA="0" compatLnSpc="1">
-                <a:prstTxWarp prst="textNoShape">
-                  <a:avLst/>
-                </a:prstTxWarp>
-                <a:noAutofit/>
-              </a:bodyPr>
-              <a:lstStyle/>
-              <a:p>
-                <a:pPr rtl="0"/>
-                <a:endParaRPr lang="ru-RU" dirty="0">
-                  <a:solidFill>
-                    <a:schemeClr val="tx1"/>
-                  </a:solidFill>
-                </a:endParaRPr>
-              </a:p>
-            </p:txBody>
-          </p:sp>
-          <p:sp>
-            <p:nvSpPr>
-              <p:cNvPr id="91" name="Прямоугольник: Скругленные углы 90">
-                <a:extLst>
-                  <a:ext uri="{FF2B5EF4-FFF2-40B4-BE49-F238E27FC236}">
-                    <a16:creationId xmlns:a16="http://schemas.microsoft.com/office/drawing/2014/main" id="{0DDE19D2-9433-4660-BEFC-0A90ABFBACB5}"/>
-                  </a:ext>
-                  <a:ext uri="{C183D7F6-B498-43B3-948B-1728B52AA6E4}">
-                    <adec:decorative xmlns="" xmlns:adec="http://schemas.microsoft.com/office/drawing/2017/decorative" val="1"/>
-                  </a:ext>
-                </a:extLst>
-              </p:cNvPr>
-              <p:cNvSpPr/>
-              <p:nvPr/>
-            </p:nvSpPr>
-            <p:spPr>
-              <a:xfrm>
-                <a:off x="1636216" y="3195950"/>
-                <a:ext cx="1993725" cy="88582"/>
-              </a:xfrm>
-              <a:prstGeom prst="roundRect">
-                <a:avLst>
-                  <a:gd name="adj" fmla="val 50000"/>
-                </a:avLst>
-              </a:prstGeom>
-              <a:gradFill>
-                <a:gsLst>
-                  <a:gs pos="1000">
-                    <a:srgbClr val="7CEFD8">
-                      <a:alpha val="79000"/>
-                    </a:srgbClr>
-                  </a:gs>
-                  <a:gs pos="61000">
-                    <a:srgbClr val="6672E4">
-                      <a:alpha val="84000"/>
-                    </a:srgbClr>
-                  </a:gs>
-                  <a:gs pos="98000">
-                    <a:srgbClr val="882BE5">
-                      <a:alpha val="66000"/>
-                    </a:srgbClr>
-                  </a:gs>
-                </a:gsLst>
-                <a:lin ang="7200000" scaled="0"/>
-              </a:gradFill>
-              <a:ln w="12700" cap="flat">
-                <a:noFill/>
-                <a:prstDash val="solid"/>
-                <a:miter lim="800000"/>
-                <a:headEnd/>
-                <a:tailEnd/>
-              </a:ln>
-            </p:spPr>
-            <p:txBody>
-              <a:bodyPr rot="0" spcFirstLastPara="0" vertOverflow="overflow" horzOverflow="overflow" vert="horz" wrap="square" lIns="91440" tIns="45720" rIns="91440" bIns="45720" numCol="1" spcCol="0" rtlCol="0" fromWordArt="0" anchor="t" anchorCtr="0" forceAA="0" compatLnSpc="1">
-                <a:prstTxWarp prst="textNoShape">
-                  <a:avLst/>
-                </a:prstTxWarp>
-                <a:noAutofit/>
-              </a:bodyPr>
-              <a:lstStyle/>
-              <a:p>
-                <a:pPr rtl="0"/>
-                <a:endParaRPr lang="ru-RU" dirty="0">
-                  <a:solidFill>
-                    <a:schemeClr val="tx1"/>
-                  </a:solidFill>
-                </a:endParaRPr>
-              </a:p>
-            </p:txBody>
-          </p:sp>
-        </p:grpSp>
-      </p:grpSp>
       <p:pic>
         <p:nvPicPr>
           <p:cNvPr id="163" name="Рисунок 162" descr="Это изображение двух пар рук, собирающих вместе кусочки головоломки. ">
@@ -21598,7 +22544,7 @@
         </p:blipFill>
         <p:spPr bwMode="auto">
           <a:xfrm>
-            <a:off x="723900" y="3173465"/>
+            <a:off x="1020410" y="1104939"/>
             <a:ext cx="1080000" cy="1080000"/>
           </a:xfrm>
           <a:prstGeom prst="rect">
@@ -21645,7 +22591,7 @@
         </p:blipFill>
         <p:spPr bwMode="auto">
           <a:xfrm>
-            <a:off x="903900" y="4322778"/>
+            <a:off x="4851600" y="1284939"/>
             <a:ext cx="720000" cy="720000"/>
           </a:xfrm>
           <a:prstGeom prst="rect">
@@ -21692,7 +22638,7 @@
         </p:blipFill>
         <p:spPr bwMode="auto">
           <a:xfrm>
-            <a:off x="871029" y="5207295"/>
+            <a:off x="2916121" y="2576698"/>
             <a:ext cx="932871" cy="720000"/>
           </a:xfrm>
           <a:prstGeom prst="rect">
@@ -21710,6 +22656,1191 @@
           </a:extLst>
         </p:spPr>
       </p:pic>
+      <p:sp>
+        <p:nvSpPr>
+          <p:cNvPr id="20" name="Полилиния 6">
+            <a:extLst>
+              <a:ext uri="{FF2B5EF4-FFF2-40B4-BE49-F238E27FC236}">
+                <a16:creationId xmlns:a16="http://schemas.microsoft.com/office/drawing/2014/main" id="{7F192ACD-9C75-481C-8934-C15F525ED96C}"/>
+              </a:ext>
+              <a:ext uri="{C183D7F6-B498-43B3-948B-1728B52AA6E4}">
+                <adec:decorative xmlns="" xmlns:adec="http://schemas.microsoft.com/office/drawing/2017/decorative" val="1"/>
+              </a:ext>
+            </a:extLst>
+          </p:cNvPr>
+          <p:cNvSpPr>
+            <a:spLocks/>
+          </p:cNvSpPr>
+          <p:nvPr/>
+        </p:nvSpPr>
+        <p:spPr bwMode="auto">
+          <a:xfrm>
+            <a:off x="749236" y="2760568"/>
+            <a:ext cx="1583456" cy="1740563"/>
+          </a:xfrm>
+          <a:custGeom>
+            <a:avLst/>
+            <a:gdLst>
+              <a:gd name="T0" fmla="*/ 223 w 322"/>
+              <a:gd name="T1" fmla="*/ 21 h 353"/>
+              <a:gd name="T2" fmla="*/ 113 w 322"/>
+              <a:gd name="T3" fmla="*/ 52 h 353"/>
+              <a:gd name="T4" fmla="*/ 14 w 322"/>
+              <a:gd name="T5" fmla="*/ 172 h 353"/>
+              <a:gd name="T6" fmla="*/ 119 w 322"/>
+              <a:gd name="T7" fmla="*/ 327 h 353"/>
+              <a:gd name="T8" fmla="*/ 320 w 322"/>
+              <a:gd name="T9" fmla="*/ 183 h 353"/>
+              <a:gd name="T10" fmla="*/ 287 w 322"/>
+              <a:gd name="T11" fmla="*/ 56 h 353"/>
+              <a:gd name="T12" fmla="*/ 223 w 322"/>
+              <a:gd name="T13" fmla="*/ 21 h 353"/>
+            </a:gdLst>
+            <a:ahLst/>
+            <a:cxnLst>
+              <a:cxn ang="0">
+                <a:pos x="T0" y="T1"/>
+              </a:cxn>
+              <a:cxn ang="0">
+                <a:pos x="T2" y="T3"/>
+              </a:cxn>
+              <a:cxn ang="0">
+                <a:pos x="T4" y="T5"/>
+              </a:cxn>
+              <a:cxn ang="0">
+                <a:pos x="T6" y="T7"/>
+              </a:cxn>
+              <a:cxn ang="0">
+                <a:pos x="T8" y="T9"/>
+              </a:cxn>
+              <a:cxn ang="0">
+                <a:pos x="T10" y="T11"/>
+              </a:cxn>
+              <a:cxn ang="0">
+                <a:pos x="T12" y="T13"/>
+              </a:cxn>
+            </a:cxnLst>
+            <a:rect l="0" t="0" r="r" b="b"/>
+            <a:pathLst>
+              <a:path w="322" h="353">
+                <a:moveTo>
+                  <a:pt x="223" y="21"/>
+                </a:moveTo>
+                <a:cubicBezTo>
+                  <a:pt x="198" y="35"/>
+                  <a:pt x="187" y="48"/>
+                  <a:pt x="113" y="52"/>
+                </a:cubicBezTo>
+                <a:cubicBezTo>
+                  <a:pt x="39" y="57"/>
+                  <a:pt x="0" y="118"/>
+                  <a:pt x="14" y="172"/>
+                </a:cubicBezTo>
+                <a:cubicBezTo>
+                  <a:pt x="28" y="226"/>
+                  <a:pt x="32" y="301"/>
+                  <a:pt x="119" y="327"/>
+                </a:cubicBezTo>
+                <a:cubicBezTo>
+                  <a:pt x="206" y="353"/>
+                  <a:pt x="316" y="282"/>
+                  <a:pt x="320" y="183"/>
+                </a:cubicBezTo>
+                <a:cubicBezTo>
+                  <a:pt x="322" y="124"/>
+                  <a:pt x="306" y="88"/>
+                  <a:pt x="287" y="56"/>
+                </a:cubicBezTo>
+                <a:cubicBezTo>
+                  <a:pt x="274" y="35"/>
+                  <a:pt x="259" y="0"/>
+                  <a:pt x="223" y="21"/>
+                </a:cubicBezTo>
+                <a:close/>
+              </a:path>
+            </a:pathLst>
+          </a:custGeom>
+          <a:gradFill>
+            <a:gsLst>
+              <a:gs pos="1000">
+                <a:srgbClr val="7CEFD8">
+                  <a:alpha val="79000"/>
+                </a:srgbClr>
+              </a:gs>
+              <a:gs pos="61000">
+                <a:srgbClr val="6672E4">
+                  <a:alpha val="84000"/>
+                </a:srgbClr>
+              </a:gs>
+              <a:gs pos="98000">
+                <a:srgbClr val="882BE5">
+                  <a:alpha val="66000"/>
+                </a:srgbClr>
+              </a:gs>
+            </a:gsLst>
+            <a:lin ang="5400000" scaled="1"/>
+          </a:gradFill>
+          <a:ln w="12700" cap="flat">
+            <a:noFill/>
+            <a:prstDash val="solid"/>
+            <a:miter lim="800000"/>
+            <a:headEnd/>
+            <a:tailEnd/>
+          </a:ln>
+        </p:spPr>
+        <p:txBody>
+          <a:bodyPr rot="0" spcFirstLastPara="0" vertOverflow="overflow" horzOverflow="overflow" vert="horz" wrap="square" lIns="91440" tIns="45720" rIns="91440" bIns="45720" numCol="1" spcCol="0" rtlCol="0" fromWordArt="0" anchor="t" anchorCtr="0" forceAA="0" compatLnSpc="1">
+            <a:prstTxWarp prst="textNoShape">
+              <a:avLst/>
+            </a:prstTxWarp>
+            <a:noAutofit/>
+          </a:bodyPr>
+          <a:lstStyle/>
+          <a:p>
+            <a:pPr rtl="0"/>
+            <a:endParaRPr lang="ru-RU" dirty="0">
+              <a:solidFill>
+                <a:schemeClr val="tx1"/>
+              </a:solidFill>
+            </a:endParaRPr>
+          </a:p>
+        </p:txBody>
+      </p:sp>
+      <p:cxnSp>
+        <p:nvCxnSpPr>
+          <p:cNvPr id="21" name="Прямая соединительная линия 20">
+            <a:extLst>
+              <a:ext uri="{FF2B5EF4-FFF2-40B4-BE49-F238E27FC236}">
+                <a16:creationId xmlns:a16="http://schemas.microsoft.com/office/drawing/2014/main" id="{5B7ACCD3-FC43-4E32-B7AA-E6D86BED1A32}"/>
+              </a:ext>
+              <a:ext uri="{C183D7F6-B498-43B3-948B-1728B52AA6E4}">
+                <adec:decorative xmlns="" xmlns:adec="http://schemas.microsoft.com/office/drawing/2017/decorative" val="1"/>
+              </a:ext>
+            </a:extLst>
+          </p:cNvPr>
+          <p:cNvCxnSpPr/>
+          <p:nvPr/>
+        </p:nvCxnSpPr>
+        <p:spPr>
+          <a:xfrm flipV="1">
+            <a:off x="1541405" y="1878809"/>
+            <a:ext cx="0" cy="2087011"/>
+          </a:xfrm>
+          <a:prstGeom prst="line">
+            <a:avLst/>
+          </a:prstGeom>
+          <a:ln w="9525">
+            <a:solidFill>
+              <a:schemeClr val="bg1">
+                <a:lumMod val="50000"/>
+              </a:schemeClr>
+            </a:solidFill>
+            <a:headEnd w="sm" len="sm"/>
+            <a:tailEnd type="oval" w="sm" len="sm"/>
+          </a:ln>
+        </p:spPr>
+        <p:style>
+          <a:lnRef idx="1">
+            <a:schemeClr val="accent1"/>
+          </a:lnRef>
+          <a:fillRef idx="0">
+            <a:schemeClr val="accent1"/>
+          </a:fillRef>
+          <a:effectRef idx="0">
+            <a:schemeClr val="accent1"/>
+          </a:effectRef>
+          <a:fontRef idx="minor">
+            <a:schemeClr val="tx1"/>
+          </a:fontRef>
+        </p:style>
+      </p:cxnSp>
+      <p:pic>
+        <p:nvPicPr>
+          <p:cNvPr id="22" name="Рисунок 21">
+            <a:extLst>
+              <a:ext uri="{FF2B5EF4-FFF2-40B4-BE49-F238E27FC236}">
+                <a16:creationId xmlns:a16="http://schemas.microsoft.com/office/drawing/2014/main" id="{F50EC33F-8894-4BEA-B710-42C21395D6D7}"/>
+              </a:ext>
+            </a:extLst>
+          </p:cNvPr>
+          <p:cNvPicPr>
+            <a:picLocks noChangeAspect="1"/>
+          </p:cNvPicPr>
+          <p:nvPr/>
+        </p:nvPicPr>
+        <p:blipFill>
+          <a:blip r:embed="rId8" cstate="hqprint">
+            <a:extLst>
+              <a:ext uri="{28A0092B-C50C-407E-A947-70E740481C1C}">
+                <a14:useLocalDpi xmlns:a14="http://schemas.microsoft.com/office/drawing/2010/main" val="0"/>
+              </a:ext>
+            </a:extLst>
+          </a:blip>
+          <a:srcRect/>
+          <a:stretch/>
+        </p:blipFill>
+        <p:spPr>
+          <a:xfrm>
+            <a:off x="1031249" y="3152178"/>
+            <a:ext cx="1018089" cy="1018089"/>
+          </a:xfrm>
+          <a:prstGeom prst="roundRect">
+            <a:avLst>
+              <a:gd name="adj" fmla="val 8594"/>
+            </a:avLst>
+          </a:prstGeom>
+          <a:solidFill>
+            <a:srgbClr val="FFFFFF">
+              <a:shade val="85000"/>
+            </a:srgbClr>
+          </a:solidFill>
+          <a:ln>
+            <a:noFill/>
+          </a:ln>
+          <a:effectLst>
+            <a:reflection blurRad="12700" stA="38000" endPos="28000" dist="5000" dir="5400000" sy="-100000" algn="bl" rotWithShape="0"/>
+          </a:effectLst>
+        </p:spPr>
+      </p:pic>
+      <p:sp>
+        <p:nvSpPr>
+          <p:cNvPr id="23" name="Надпись 71">
+            <a:extLst>
+              <a:ext uri="{FF2B5EF4-FFF2-40B4-BE49-F238E27FC236}">
+                <a16:creationId xmlns:a16="http://schemas.microsoft.com/office/drawing/2014/main" id="{80237CDA-91C7-49E9-BAFC-0776846C7C3C}"/>
+              </a:ext>
+            </a:extLst>
+          </p:cNvPr>
+          <p:cNvSpPr txBox="1"/>
+          <p:nvPr/>
+        </p:nvSpPr>
+        <p:spPr>
+          <a:xfrm>
+            <a:off x="1166662" y="4501131"/>
+            <a:ext cx="748603" cy="307777"/>
+          </a:xfrm>
+          <a:prstGeom prst="rect">
+            <a:avLst/>
+          </a:prstGeom>
+        </p:spPr>
+        <p:txBody>
+          <a:bodyPr wrap="square" lIns="0" tIns="0" rIns="0" bIns="0" rtlCol="0">
+            <a:spAutoFit/>
+          </a:bodyPr>
+          <a:lstStyle>
+            <a:defPPr>
+              <a:defRPr lang="en-US"/>
+            </a:defPPr>
+            <a:lvl1pPr>
+              <a:defRPr sz="1600" i="1">
+                <a:solidFill>
+                  <a:srgbClr val="002060"/>
+                </a:solidFill>
+                <a:latin typeface="+mj-lt"/>
+                <a:cs typeface="Segoe UI" panose="020B0502040204020203" pitchFamily="34" charset="0"/>
+              </a:defRPr>
+            </a:lvl1pPr>
+          </a:lstStyle>
+          <a:p>
+            <a:pPr algn="ctr" rtl="0"/>
+            <a:r>
+              <a:rPr lang="ru-RU" sz="2000" dirty="0" smtClean="0"/>
+              <a:t>Павел</a:t>
+            </a:r>
+            <a:endParaRPr lang="ru-RU" sz="2000" dirty="0"/>
+          </a:p>
+        </p:txBody>
+      </p:sp>
+      <p:sp>
+        <p:nvSpPr>
+          <p:cNvPr id="24" name="Надпись 82">
+            <a:extLst>
+              <a:ext uri="{FF2B5EF4-FFF2-40B4-BE49-F238E27FC236}">
+                <a16:creationId xmlns:a16="http://schemas.microsoft.com/office/drawing/2014/main" id="{F8C08D76-A3A7-451C-B0C3-B5D7AA140249}"/>
+              </a:ext>
+            </a:extLst>
+          </p:cNvPr>
+          <p:cNvSpPr txBox="1"/>
+          <p:nvPr/>
+        </p:nvSpPr>
+        <p:spPr>
+          <a:xfrm>
+            <a:off x="929264" y="4753642"/>
+            <a:ext cx="1262293" cy="307777"/>
+          </a:xfrm>
+          <a:prstGeom prst="rect">
+            <a:avLst/>
+          </a:prstGeom>
+        </p:spPr>
+        <p:txBody>
+          <a:bodyPr wrap="square" lIns="0" tIns="0" rIns="0" bIns="0" rtlCol="0">
+            <a:spAutoFit/>
+          </a:bodyPr>
+          <a:lstStyle>
+            <a:defPPr>
+              <a:defRPr lang="en-US"/>
+            </a:defPPr>
+            <a:lvl1pPr>
+              <a:defRPr sz="1600" i="1">
+                <a:solidFill>
+                  <a:srgbClr val="002060"/>
+                </a:solidFill>
+                <a:latin typeface="+mj-lt"/>
+                <a:cs typeface="Segoe UI" panose="020B0502040204020203" pitchFamily="34" charset="0"/>
+              </a:defRPr>
+            </a:lvl1pPr>
+          </a:lstStyle>
+          <a:p>
+            <a:pPr algn="ctr" rtl="0"/>
+            <a:r>
+              <a:rPr lang="ru-RU" sz="2000" dirty="0" smtClean="0"/>
+              <a:t>Валерьевич</a:t>
+            </a:r>
+            <a:endParaRPr lang="ru-RU" sz="2000" dirty="0"/>
+          </a:p>
+        </p:txBody>
+      </p:sp>
+      <p:sp>
+        <p:nvSpPr>
+          <p:cNvPr id="27" name="Полилиния 6">
+            <a:extLst>
+              <a:ext uri="{FF2B5EF4-FFF2-40B4-BE49-F238E27FC236}">
+                <a16:creationId xmlns:a16="http://schemas.microsoft.com/office/drawing/2014/main" id="{7F192ACD-9C75-481C-8934-C15F525ED96C}"/>
+              </a:ext>
+              <a:ext uri="{C183D7F6-B498-43B3-948B-1728B52AA6E4}">
+                <adec:decorative xmlns="" xmlns:adec="http://schemas.microsoft.com/office/drawing/2017/decorative" val="1"/>
+              </a:ext>
+            </a:extLst>
+          </p:cNvPr>
+          <p:cNvSpPr>
+            <a:spLocks/>
+          </p:cNvSpPr>
+          <p:nvPr/>
+        </p:nvSpPr>
+        <p:spPr bwMode="auto">
+          <a:xfrm flipH="1">
+            <a:off x="4432422" y="2788318"/>
+            <a:ext cx="1583456" cy="1740563"/>
+          </a:xfrm>
+          <a:custGeom>
+            <a:avLst/>
+            <a:gdLst>
+              <a:gd name="T0" fmla="*/ 223 w 322"/>
+              <a:gd name="T1" fmla="*/ 21 h 353"/>
+              <a:gd name="T2" fmla="*/ 113 w 322"/>
+              <a:gd name="T3" fmla="*/ 52 h 353"/>
+              <a:gd name="T4" fmla="*/ 14 w 322"/>
+              <a:gd name="T5" fmla="*/ 172 h 353"/>
+              <a:gd name="T6" fmla="*/ 119 w 322"/>
+              <a:gd name="T7" fmla="*/ 327 h 353"/>
+              <a:gd name="T8" fmla="*/ 320 w 322"/>
+              <a:gd name="T9" fmla="*/ 183 h 353"/>
+              <a:gd name="T10" fmla="*/ 287 w 322"/>
+              <a:gd name="T11" fmla="*/ 56 h 353"/>
+              <a:gd name="T12" fmla="*/ 223 w 322"/>
+              <a:gd name="T13" fmla="*/ 21 h 353"/>
+            </a:gdLst>
+            <a:ahLst/>
+            <a:cxnLst>
+              <a:cxn ang="0">
+                <a:pos x="T0" y="T1"/>
+              </a:cxn>
+              <a:cxn ang="0">
+                <a:pos x="T2" y="T3"/>
+              </a:cxn>
+              <a:cxn ang="0">
+                <a:pos x="T4" y="T5"/>
+              </a:cxn>
+              <a:cxn ang="0">
+                <a:pos x="T6" y="T7"/>
+              </a:cxn>
+              <a:cxn ang="0">
+                <a:pos x="T8" y="T9"/>
+              </a:cxn>
+              <a:cxn ang="0">
+                <a:pos x="T10" y="T11"/>
+              </a:cxn>
+              <a:cxn ang="0">
+                <a:pos x="T12" y="T13"/>
+              </a:cxn>
+            </a:cxnLst>
+            <a:rect l="0" t="0" r="r" b="b"/>
+            <a:pathLst>
+              <a:path w="322" h="353">
+                <a:moveTo>
+                  <a:pt x="223" y="21"/>
+                </a:moveTo>
+                <a:cubicBezTo>
+                  <a:pt x="198" y="35"/>
+                  <a:pt x="187" y="48"/>
+                  <a:pt x="113" y="52"/>
+                </a:cubicBezTo>
+                <a:cubicBezTo>
+                  <a:pt x="39" y="57"/>
+                  <a:pt x="0" y="118"/>
+                  <a:pt x="14" y="172"/>
+                </a:cubicBezTo>
+                <a:cubicBezTo>
+                  <a:pt x="28" y="226"/>
+                  <a:pt x="32" y="301"/>
+                  <a:pt x="119" y="327"/>
+                </a:cubicBezTo>
+                <a:cubicBezTo>
+                  <a:pt x="206" y="353"/>
+                  <a:pt x="316" y="282"/>
+                  <a:pt x="320" y="183"/>
+                </a:cubicBezTo>
+                <a:cubicBezTo>
+                  <a:pt x="322" y="124"/>
+                  <a:pt x="306" y="88"/>
+                  <a:pt x="287" y="56"/>
+                </a:cubicBezTo>
+                <a:cubicBezTo>
+                  <a:pt x="274" y="35"/>
+                  <a:pt x="259" y="0"/>
+                  <a:pt x="223" y="21"/>
+                </a:cubicBezTo>
+                <a:close/>
+              </a:path>
+            </a:pathLst>
+          </a:custGeom>
+          <a:gradFill>
+            <a:gsLst>
+              <a:gs pos="1000">
+                <a:srgbClr val="7CEFD8">
+                  <a:alpha val="79000"/>
+                </a:srgbClr>
+              </a:gs>
+              <a:gs pos="61000">
+                <a:srgbClr val="6672E4">
+                  <a:alpha val="84000"/>
+                </a:srgbClr>
+              </a:gs>
+              <a:gs pos="98000">
+                <a:srgbClr val="882BE5">
+                  <a:alpha val="66000"/>
+                </a:srgbClr>
+              </a:gs>
+            </a:gsLst>
+            <a:lin ang="5400000" scaled="1"/>
+          </a:gradFill>
+          <a:ln w="12700" cap="flat">
+            <a:noFill/>
+            <a:prstDash val="solid"/>
+            <a:miter lim="800000"/>
+            <a:headEnd/>
+            <a:tailEnd/>
+          </a:ln>
+        </p:spPr>
+        <p:txBody>
+          <a:bodyPr rot="0" spcFirstLastPara="0" vertOverflow="overflow" horzOverflow="overflow" vert="horz" wrap="square" lIns="91440" tIns="45720" rIns="91440" bIns="45720" numCol="1" spcCol="0" rtlCol="0" fromWordArt="0" anchor="t" anchorCtr="0" forceAA="0" compatLnSpc="1">
+            <a:prstTxWarp prst="textNoShape">
+              <a:avLst/>
+            </a:prstTxWarp>
+            <a:noAutofit/>
+          </a:bodyPr>
+          <a:lstStyle/>
+          <a:p>
+            <a:pPr rtl="0"/>
+            <a:endParaRPr lang="ru-RU" dirty="0">
+              <a:solidFill>
+                <a:schemeClr val="tx1"/>
+              </a:solidFill>
+            </a:endParaRPr>
+          </a:p>
+        </p:txBody>
+      </p:sp>
+      <p:cxnSp>
+        <p:nvCxnSpPr>
+          <p:cNvPr id="29" name="Прямая соединительная линия 28">
+            <a:extLst>
+              <a:ext uri="{FF2B5EF4-FFF2-40B4-BE49-F238E27FC236}">
+                <a16:creationId xmlns:a16="http://schemas.microsoft.com/office/drawing/2014/main" id="{5B7ACCD3-FC43-4E32-B7AA-E6D86BED1A32}"/>
+              </a:ext>
+              <a:ext uri="{C183D7F6-B498-43B3-948B-1728B52AA6E4}">
+                <adec:decorative xmlns="" xmlns:adec="http://schemas.microsoft.com/office/drawing/2017/decorative" val="1"/>
+              </a:ext>
+            </a:extLst>
+          </p:cNvPr>
+          <p:cNvCxnSpPr>
+            <a:endCxn id="5124" idx="2"/>
+          </p:cNvCxnSpPr>
+          <p:nvPr/>
+        </p:nvCxnSpPr>
+        <p:spPr>
+          <a:xfrm flipV="1">
+            <a:off x="5198842" y="2004939"/>
+            <a:ext cx="12758" cy="1960882"/>
+          </a:xfrm>
+          <a:prstGeom prst="line">
+            <a:avLst/>
+          </a:prstGeom>
+          <a:ln w="9525">
+            <a:solidFill>
+              <a:schemeClr val="bg1">
+                <a:lumMod val="50000"/>
+              </a:schemeClr>
+            </a:solidFill>
+            <a:headEnd w="sm" len="sm"/>
+            <a:tailEnd type="oval" w="sm" len="sm"/>
+          </a:ln>
+        </p:spPr>
+        <p:style>
+          <a:lnRef idx="1">
+            <a:schemeClr val="accent1"/>
+          </a:lnRef>
+          <a:fillRef idx="0">
+            <a:schemeClr val="accent1"/>
+          </a:fillRef>
+          <a:effectRef idx="0">
+            <a:schemeClr val="accent1"/>
+          </a:effectRef>
+          <a:fontRef idx="minor">
+            <a:schemeClr val="tx1"/>
+          </a:fontRef>
+        </p:style>
+      </p:cxnSp>
+      <p:pic>
+        <p:nvPicPr>
+          <p:cNvPr id="30" name="Рисунок 29">
+            <a:extLst>
+              <a:ext uri="{FF2B5EF4-FFF2-40B4-BE49-F238E27FC236}">
+                <a16:creationId xmlns:a16="http://schemas.microsoft.com/office/drawing/2014/main" id="{F50EC33F-8894-4BEA-B710-42C21395D6D7}"/>
+              </a:ext>
+            </a:extLst>
+          </p:cNvPr>
+          <p:cNvPicPr>
+            <a:picLocks noChangeAspect="1"/>
+          </p:cNvPicPr>
+          <p:nvPr/>
+        </p:nvPicPr>
+        <p:blipFill>
+          <a:blip r:embed="rId9">
+            <a:extLst>
+              <a:ext uri="{28A0092B-C50C-407E-A947-70E740481C1C}">
+                <a14:useLocalDpi xmlns:a14="http://schemas.microsoft.com/office/drawing/2010/main" val="0"/>
+              </a:ext>
+            </a:extLst>
+          </a:blip>
+          <a:stretch>
+            <a:fillRect/>
+          </a:stretch>
+        </p:blipFill>
+        <p:spPr>
+          <a:xfrm>
+            <a:off x="4688686" y="3152178"/>
+            <a:ext cx="1018089" cy="1018089"/>
+          </a:xfrm>
+          <a:prstGeom prst="roundRect">
+            <a:avLst>
+              <a:gd name="adj" fmla="val 8594"/>
+            </a:avLst>
+          </a:prstGeom>
+          <a:solidFill>
+            <a:srgbClr val="FFFFFF">
+              <a:shade val="85000"/>
+            </a:srgbClr>
+          </a:solidFill>
+          <a:ln>
+            <a:noFill/>
+          </a:ln>
+          <a:effectLst>
+            <a:reflection blurRad="12700" stA="38000" endPos="28000" dist="5000" dir="5400000" sy="-100000" algn="bl" rotWithShape="0"/>
+          </a:effectLst>
+        </p:spPr>
+      </p:pic>
+      <p:sp>
+        <p:nvSpPr>
+          <p:cNvPr id="31" name="Надпись 71">
+            <a:extLst>
+              <a:ext uri="{FF2B5EF4-FFF2-40B4-BE49-F238E27FC236}">
+                <a16:creationId xmlns:a16="http://schemas.microsoft.com/office/drawing/2014/main" id="{80237CDA-91C7-49E9-BAFC-0776846C7C3C}"/>
+              </a:ext>
+            </a:extLst>
+          </p:cNvPr>
+          <p:cNvSpPr txBox="1"/>
+          <p:nvPr/>
+        </p:nvSpPr>
+        <p:spPr>
+          <a:xfrm>
+            <a:off x="4702425" y="4501131"/>
+            <a:ext cx="1024895" cy="307777"/>
+          </a:xfrm>
+          <a:prstGeom prst="rect">
+            <a:avLst/>
+          </a:prstGeom>
+        </p:spPr>
+        <p:txBody>
+          <a:bodyPr wrap="square" lIns="0" tIns="0" rIns="0" bIns="0" rtlCol="0">
+            <a:spAutoFit/>
+          </a:bodyPr>
+          <a:lstStyle>
+            <a:defPPr>
+              <a:defRPr lang="en-US"/>
+            </a:defPPr>
+            <a:lvl1pPr>
+              <a:defRPr sz="1600" i="1">
+                <a:solidFill>
+                  <a:srgbClr val="002060"/>
+                </a:solidFill>
+                <a:latin typeface="+mj-lt"/>
+                <a:cs typeface="Segoe UI" panose="020B0502040204020203" pitchFamily="34" charset="0"/>
+              </a:defRPr>
+            </a:lvl1pPr>
+          </a:lstStyle>
+          <a:p>
+            <a:pPr algn="ctr" rtl="0"/>
+            <a:r>
+              <a:rPr lang="ru-RU" sz="2000" dirty="0" smtClean="0"/>
+              <a:t>Надежда</a:t>
+            </a:r>
+            <a:endParaRPr lang="ru-RU" sz="2000" dirty="0"/>
+          </a:p>
+        </p:txBody>
+      </p:sp>
+      <p:sp>
+        <p:nvSpPr>
+          <p:cNvPr id="32" name="Надпись 82">
+            <a:extLst>
+              <a:ext uri="{FF2B5EF4-FFF2-40B4-BE49-F238E27FC236}">
+                <a16:creationId xmlns:a16="http://schemas.microsoft.com/office/drawing/2014/main" id="{F8C08D76-A3A7-451C-B0C3-B5D7AA140249}"/>
+              </a:ext>
+            </a:extLst>
+          </p:cNvPr>
+          <p:cNvSpPr txBox="1"/>
+          <p:nvPr/>
+        </p:nvSpPr>
+        <p:spPr>
+          <a:xfrm>
+            <a:off x="4402322" y="4759641"/>
+            <a:ext cx="1592426" cy="307777"/>
+          </a:xfrm>
+          <a:prstGeom prst="rect">
+            <a:avLst/>
+          </a:prstGeom>
+        </p:spPr>
+        <p:txBody>
+          <a:bodyPr wrap="square" lIns="0" tIns="0" rIns="0" bIns="0" rtlCol="0">
+            <a:spAutoFit/>
+          </a:bodyPr>
+          <a:lstStyle>
+            <a:defPPr>
+              <a:defRPr lang="en-US"/>
+            </a:defPPr>
+            <a:lvl1pPr>
+              <a:defRPr sz="1600" i="1">
+                <a:solidFill>
+                  <a:srgbClr val="002060"/>
+                </a:solidFill>
+                <a:latin typeface="+mj-lt"/>
+                <a:cs typeface="Segoe UI" panose="020B0502040204020203" pitchFamily="34" charset="0"/>
+              </a:defRPr>
+            </a:lvl1pPr>
+          </a:lstStyle>
+          <a:p>
+            <a:pPr algn="ctr" rtl="0"/>
+            <a:r>
+              <a:rPr lang="ru-RU" sz="2000" dirty="0" smtClean="0"/>
+              <a:t>Владимировна</a:t>
+            </a:r>
+            <a:endParaRPr lang="ru-RU" sz="2000" dirty="0"/>
+          </a:p>
+        </p:txBody>
+      </p:sp>
+      <p:sp>
+        <p:nvSpPr>
+          <p:cNvPr id="34" name="Полилиния 6">
+            <a:extLst>
+              <a:ext uri="{FF2B5EF4-FFF2-40B4-BE49-F238E27FC236}">
+                <a16:creationId xmlns:a16="http://schemas.microsoft.com/office/drawing/2014/main" id="{7F192ACD-9C75-481C-8934-C15F525ED96C}"/>
+              </a:ext>
+              <a:ext uri="{C183D7F6-B498-43B3-948B-1728B52AA6E4}">
+                <adec:decorative xmlns="" xmlns:adec="http://schemas.microsoft.com/office/drawing/2017/decorative" val="1"/>
+              </a:ext>
+            </a:extLst>
+          </p:cNvPr>
+          <p:cNvSpPr>
+            <a:spLocks/>
+          </p:cNvSpPr>
+          <p:nvPr/>
+        </p:nvSpPr>
+        <p:spPr bwMode="auto">
+          <a:xfrm flipH="1">
+            <a:off x="2605485" y="4248646"/>
+            <a:ext cx="1583456" cy="1740563"/>
+          </a:xfrm>
+          <a:custGeom>
+            <a:avLst/>
+            <a:gdLst>
+              <a:gd name="T0" fmla="*/ 223 w 322"/>
+              <a:gd name="T1" fmla="*/ 21 h 353"/>
+              <a:gd name="T2" fmla="*/ 113 w 322"/>
+              <a:gd name="T3" fmla="*/ 52 h 353"/>
+              <a:gd name="T4" fmla="*/ 14 w 322"/>
+              <a:gd name="T5" fmla="*/ 172 h 353"/>
+              <a:gd name="T6" fmla="*/ 119 w 322"/>
+              <a:gd name="T7" fmla="*/ 327 h 353"/>
+              <a:gd name="T8" fmla="*/ 320 w 322"/>
+              <a:gd name="T9" fmla="*/ 183 h 353"/>
+              <a:gd name="T10" fmla="*/ 287 w 322"/>
+              <a:gd name="T11" fmla="*/ 56 h 353"/>
+              <a:gd name="T12" fmla="*/ 223 w 322"/>
+              <a:gd name="T13" fmla="*/ 21 h 353"/>
+            </a:gdLst>
+            <a:ahLst/>
+            <a:cxnLst>
+              <a:cxn ang="0">
+                <a:pos x="T0" y="T1"/>
+              </a:cxn>
+              <a:cxn ang="0">
+                <a:pos x="T2" y="T3"/>
+              </a:cxn>
+              <a:cxn ang="0">
+                <a:pos x="T4" y="T5"/>
+              </a:cxn>
+              <a:cxn ang="0">
+                <a:pos x="T6" y="T7"/>
+              </a:cxn>
+              <a:cxn ang="0">
+                <a:pos x="T8" y="T9"/>
+              </a:cxn>
+              <a:cxn ang="0">
+                <a:pos x="T10" y="T11"/>
+              </a:cxn>
+              <a:cxn ang="0">
+                <a:pos x="T12" y="T13"/>
+              </a:cxn>
+            </a:cxnLst>
+            <a:rect l="0" t="0" r="r" b="b"/>
+            <a:pathLst>
+              <a:path w="322" h="353">
+                <a:moveTo>
+                  <a:pt x="223" y="21"/>
+                </a:moveTo>
+                <a:cubicBezTo>
+                  <a:pt x="198" y="35"/>
+                  <a:pt x="187" y="48"/>
+                  <a:pt x="113" y="52"/>
+                </a:cubicBezTo>
+                <a:cubicBezTo>
+                  <a:pt x="39" y="57"/>
+                  <a:pt x="0" y="118"/>
+                  <a:pt x="14" y="172"/>
+                </a:cubicBezTo>
+                <a:cubicBezTo>
+                  <a:pt x="28" y="226"/>
+                  <a:pt x="32" y="301"/>
+                  <a:pt x="119" y="327"/>
+                </a:cubicBezTo>
+                <a:cubicBezTo>
+                  <a:pt x="206" y="353"/>
+                  <a:pt x="316" y="282"/>
+                  <a:pt x="320" y="183"/>
+                </a:cubicBezTo>
+                <a:cubicBezTo>
+                  <a:pt x="322" y="124"/>
+                  <a:pt x="306" y="88"/>
+                  <a:pt x="287" y="56"/>
+                </a:cubicBezTo>
+                <a:cubicBezTo>
+                  <a:pt x="274" y="35"/>
+                  <a:pt x="259" y="0"/>
+                  <a:pt x="223" y="21"/>
+                </a:cubicBezTo>
+                <a:close/>
+              </a:path>
+            </a:pathLst>
+          </a:custGeom>
+          <a:gradFill>
+            <a:gsLst>
+              <a:gs pos="1000">
+                <a:srgbClr val="7CEFD8">
+                  <a:alpha val="79000"/>
+                </a:srgbClr>
+              </a:gs>
+              <a:gs pos="61000">
+                <a:srgbClr val="6672E4">
+                  <a:alpha val="84000"/>
+                </a:srgbClr>
+              </a:gs>
+              <a:gs pos="98000">
+                <a:srgbClr val="882BE5">
+                  <a:alpha val="66000"/>
+                </a:srgbClr>
+              </a:gs>
+            </a:gsLst>
+            <a:lin ang="5400000" scaled="1"/>
+          </a:gradFill>
+          <a:ln w="12700" cap="flat">
+            <a:noFill/>
+            <a:prstDash val="solid"/>
+            <a:miter lim="800000"/>
+            <a:headEnd/>
+            <a:tailEnd/>
+          </a:ln>
+        </p:spPr>
+        <p:txBody>
+          <a:bodyPr rot="0" spcFirstLastPara="0" vertOverflow="overflow" horzOverflow="overflow" vert="horz" wrap="square" lIns="91440" tIns="45720" rIns="91440" bIns="45720" numCol="1" spcCol="0" rtlCol="0" fromWordArt="0" anchor="t" anchorCtr="0" forceAA="0" compatLnSpc="1">
+            <a:prstTxWarp prst="textNoShape">
+              <a:avLst/>
+            </a:prstTxWarp>
+            <a:noAutofit/>
+          </a:bodyPr>
+          <a:lstStyle/>
+          <a:p>
+            <a:pPr rtl="0"/>
+            <a:endParaRPr lang="ru-RU" dirty="0">
+              <a:solidFill>
+                <a:schemeClr val="tx1"/>
+              </a:solidFill>
+            </a:endParaRPr>
+          </a:p>
+        </p:txBody>
+      </p:sp>
+      <p:sp>
+        <p:nvSpPr>
+          <p:cNvPr id="35" name="Полилиния 6">
+            <a:extLst>
+              <a:ext uri="{FF2B5EF4-FFF2-40B4-BE49-F238E27FC236}">
+                <a16:creationId xmlns:a16="http://schemas.microsoft.com/office/drawing/2014/main" id="{7F192ACD-9C75-481C-8934-C15F525ED96C}"/>
+              </a:ext>
+              <a:ext uri="{C183D7F6-B498-43B3-948B-1728B52AA6E4}">
+                <adec:decorative xmlns="" xmlns:adec="http://schemas.microsoft.com/office/drawing/2017/decorative" val="1"/>
+              </a:ext>
+            </a:extLst>
+          </p:cNvPr>
+          <p:cNvSpPr>
+            <a:spLocks/>
+          </p:cNvSpPr>
+          <p:nvPr/>
+        </p:nvSpPr>
+        <p:spPr bwMode="auto">
+          <a:xfrm>
+            <a:off x="2579736" y="4220896"/>
+            <a:ext cx="1583456" cy="1740563"/>
+          </a:xfrm>
+          <a:custGeom>
+            <a:avLst/>
+            <a:gdLst>
+              <a:gd name="T0" fmla="*/ 223 w 322"/>
+              <a:gd name="T1" fmla="*/ 21 h 353"/>
+              <a:gd name="T2" fmla="*/ 113 w 322"/>
+              <a:gd name="T3" fmla="*/ 52 h 353"/>
+              <a:gd name="T4" fmla="*/ 14 w 322"/>
+              <a:gd name="T5" fmla="*/ 172 h 353"/>
+              <a:gd name="T6" fmla="*/ 119 w 322"/>
+              <a:gd name="T7" fmla="*/ 327 h 353"/>
+              <a:gd name="T8" fmla="*/ 320 w 322"/>
+              <a:gd name="T9" fmla="*/ 183 h 353"/>
+              <a:gd name="T10" fmla="*/ 287 w 322"/>
+              <a:gd name="T11" fmla="*/ 56 h 353"/>
+              <a:gd name="T12" fmla="*/ 223 w 322"/>
+              <a:gd name="T13" fmla="*/ 21 h 353"/>
+            </a:gdLst>
+            <a:ahLst/>
+            <a:cxnLst>
+              <a:cxn ang="0">
+                <a:pos x="T0" y="T1"/>
+              </a:cxn>
+              <a:cxn ang="0">
+                <a:pos x="T2" y="T3"/>
+              </a:cxn>
+              <a:cxn ang="0">
+                <a:pos x="T4" y="T5"/>
+              </a:cxn>
+              <a:cxn ang="0">
+                <a:pos x="T6" y="T7"/>
+              </a:cxn>
+              <a:cxn ang="0">
+                <a:pos x="T8" y="T9"/>
+              </a:cxn>
+              <a:cxn ang="0">
+                <a:pos x="T10" y="T11"/>
+              </a:cxn>
+              <a:cxn ang="0">
+                <a:pos x="T12" y="T13"/>
+              </a:cxn>
+            </a:cxnLst>
+            <a:rect l="0" t="0" r="r" b="b"/>
+            <a:pathLst>
+              <a:path w="322" h="353">
+                <a:moveTo>
+                  <a:pt x="223" y="21"/>
+                </a:moveTo>
+                <a:cubicBezTo>
+                  <a:pt x="198" y="35"/>
+                  <a:pt x="187" y="48"/>
+                  <a:pt x="113" y="52"/>
+                </a:cubicBezTo>
+                <a:cubicBezTo>
+                  <a:pt x="39" y="57"/>
+                  <a:pt x="0" y="118"/>
+                  <a:pt x="14" y="172"/>
+                </a:cubicBezTo>
+                <a:cubicBezTo>
+                  <a:pt x="28" y="226"/>
+                  <a:pt x="32" y="301"/>
+                  <a:pt x="119" y="327"/>
+                </a:cubicBezTo>
+                <a:cubicBezTo>
+                  <a:pt x="206" y="353"/>
+                  <a:pt x="316" y="282"/>
+                  <a:pt x="320" y="183"/>
+                </a:cubicBezTo>
+                <a:cubicBezTo>
+                  <a:pt x="322" y="124"/>
+                  <a:pt x="306" y="88"/>
+                  <a:pt x="287" y="56"/>
+                </a:cubicBezTo>
+                <a:cubicBezTo>
+                  <a:pt x="274" y="35"/>
+                  <a:pt x="259" y="0"/>
+                  <a:pt x="223" y="21"/>
+                </a:cubicBezTo>
+                <a:close/>
+              </a:path>
+            </a:pathLst>
+          </a:custGeom>
+          <a:gradFill>
+            <a:gsLst>
+              <a:gs pos="1000">
+                <a:srgbClr val="7CEFD8">
+                  <a:alpha val="79000"/>
+                </a:srgbClr>
+              </a:gs>
+              <a:gs pos="61000">
+                <a:srgbClr val="6672E4">
+                  <a:alpha val="84000"/>
+                </a:srgbClr>
+              </a:gs>
+              <a:gs pos="98000">
+                <a:srgbClr val="882BE5">
+                  <a:alpha val="66000"/>
+                </a:srgbClr>
+              </a:gs>
+            </a:gsLst>
+            <a:lin ang="5400000" scaled="1"/>
+          </a:gradFill>
+          <a:ln w="12700" cap="flat">
+            <a:noFill/>
+            <a:prstDash val="solid"/>
+            <a:miter lim="800000"/>
+            <a:headEnd/>
+            <a:tailEnd/>
+          </a:ln>
+        </p:spPr>
+        <p:txBody>
+          <a:bodyPr rot="0" spcFirstLastPara="0" vertOverflow="overflow" horzOverflow="overflow" vert="horz" wrap="square" lIns="91440" tIns="45720" rIns="91440" bIns="45720" numCol="1" spcCol="0" rtlCol="0" fromWordArt="0" anchor="t" anchorCtr="0" forceAA="0" compatLnSpc="1">
+            <a:prstTxWarp prst="textNoShape">
+              <a:avLst/>
+            </a:prstTxWarp>
+            <a:noAutofit/>
+          </a:bodyPr>
+          <a:lstStyle/>
+          <a:p>
+            <a:pPr rtl="0"/>
+            <a:endParaRPr lang="ru-RU" dirty="0">
+              <a:solidFill>
+                <a:schemeClr val="tx1"/>
+              </a:solidFill>
+            </a:endParaRPr>
+          </a:p>
+        </p:txBody>
+      </p:sp>
+      <p:cxnSp>
+        <p:nvCxnSpPr>
+          <p:cNvPr id="36" name="Прямая соединительная линия 35">
+            <a:extLst>
+              <a:ext uri="{FF2B5EF4-FFF2-40B4-BE49-F238E27FC236}">
+                <a16:creationId xmlns:a16="http://schemas.microsoft.com/office/drawing/2014/main" id="{5B7ACCD3-FC43-4E32-B7AA-E6D86BED1A32}"/>
+              </a:ext>
+              <a:ext uri="{C183D7F6-B498-43B3-948B-1728B52AA6E4}">
+                <adec:decorative xmlns="" xmlns:adec="http://schemas.microsoft.com/office/drawing/2017/decorative" val="1"/>
+              </a:ext>
+            </a:extLst>
+          </p:cNvPr>
+          <p:cNvCxnSpPr/>
+          <p:nvPr/>
+        </p:nvCxnSpPr>
+        <p:spPr>
+          <a:xfrm flipV="1">
+            <a:off x="3371905" y="3339137"/>
+            <a:ext cx="0" cy="2087011"/>
+          </a:xfrm>
+          <a:prstGeom prst="line">
+            <a:avLst/>
+          </a:prstGeom>
+          <a:ln w="9525">
+            <a:solidFill>
+              <a:schemeClr val="bg1">
+                <a:lumMod val="50000"/>
+              </a:schemeClr>
+            </a:solidFill>
+            <a:headEnd w="sm" len="sm"/>
+            <a:tailEnd type="oval" w="sm" len="sm"/>
+          </a:ln>
+        </p:spPr>
+        <p:style>
+          <a:lnRef idx="1">
+            <a:schemeClr val="accent1"/>
+          </a:lnRef>
+          <a:fillRef idx="0">
+            <a:schemeClr val="accent1"/>
+          </a:fillRef>
+          <a:effectRef idx="0">
+            <a:schemeClr val="accent1"/>
+          </a:effectRef>
+          <a:fontRef idx="minor">
+            <a:schemeClr val="tx1"/>
+          </a:fontRef>
+        </p:style>
+      </p:cxnSp>
+      <p:pic>
+        <p:nvPicPr>
+          <p:cNvPr id="37" name="Рисунок 36">
+            <a:extLst>
+              <a:ext uri="{FF2B5EF4-FFF2-40B4-BE49-F238E27FC236}">
+                <a16:creationId xmlns:a16="http://schemas.microsoft.com/office/drawing/2014/main" id="{F50EC33F-8894-4BEA-B710-42C21395D6D7}"/>
+              </a:ext>
+            </a:extLst>
+          </p:cNvPr>
+          <p:cNvPicPr>
+            <a:picLocks noChangeAspect="1"/>
+          </p:cNvPicPr>
+          <p:nvPr/>
+        </p:nvPicPr>
+        <p:blipFill rotWithShape="1">
+          <a:blip r:embed="rId10" cstate="hqprint">
+            <a:extLst>
+              <a:ext uri="{28A0092B-C50C-407E-A947-70E740481C1C}">
+                <a14:useLocalDpi xmlns:a14="http://schemas.microsoft.com/office/drawing/2010/main" val="0"/>
+              </a:ext>
+            </a:extLst>
+          </a:blip>
+          <a:srcRect l="25944" t="35016" r="10027" b="7144"/>
+          <a:stretch/>
+        </p:blipFill>
+        <p:spPr>
+          <a:xfrm>
+            <a:off x="2900281" y="4489899"/>
+            <a:ext cx="964955" cy="1232226"/>
+          </a:xfrm>
+          <a:prstGeom prst="roundRect">
+            <a:avLst>
+              <a:gd name="adj" fmla="val 8594"/>
+            </a:avLst>
+          </a:prstGeom>
+          <a:solidFill>
+            <a:srgbClr val="FFFFFF">
+              <a:shade val="85000"/>
+            </a:srgbClr>
+          </a:solidFill>
+          <a:ln>
+            <a:noFill/>
+          </a:ln>
+          <a:effectLst>
+            <a:reflection blurRad="12700" stA="38000" endPos="28000" dist="5000" dir="5400000" sy="-100000" algn="bl" rotWithShape="0"/>
+          </a:effectLst>
+        </p:spPr>
+      </p:pic>
+      <p:sp>
+        <p:nvSpPr>
+          <p:cNvPr id="38" name="Надпись 71">
+            <a:extLst>
+              <a:ext uri="{FF2B5EF4-FFF2-40B4-BE49-F238E27FC236}">
+                <a16:creationId xmlns:a16="http://schemas.microsoft.com/office/drawing/2014/main" id="{80237CDA-91C7-49E9-BAFC-0776846C7C3C}"/>
+              </a:ext>
+            </a:extLst>
+          </p:cNvPr>
+          <p:cNvSpPr txBox="1"/>
+          <p:nvPr/>
+        </p:nvSpPr>
+        <p:spPr>
+          <a:xfrm>
+            <a:off x="2870108" y="5961459"/>
+            <a:ext cx="1024895" cy="307777"/>
+          </a:xfrm>
+          <a:prstGeom prst="rect">
+            <a:avLst/>
+          </a:prstGeom>
+        </p:spPr>
+        <p:txBody>
+          <a:bodyPr wrap="square" lIns="0" tIns="0" rIns="0" bIns="0" rtlCol="0">
+            <a:spAutoFit/>
+          </a:bodyPr>
+          <a:lstStyle>
+            <a:defPPr>
+              <a:defRPr lang="en-US"/>
+            </a:defPPr>
+            <a:lvl1pPr>
+              <a:defRPr sz="1600" i="1">
+                <a:solidFill>
+                  <a:srgbClr val="002060"/>
+                </a:solidFill>
+                <a:latin typeface="+mj-lt"/>
+                <a:cs typeface="Segoe UI" panose="020B0502040204020203" pitchFamily="34" charset="0"/>
+              </a:defRPr>
+            </a:lvl1pPr>
+          </a:lstStyle>
+          <a:p>
+            <a:pPr algn="ctr" rtl="0"/>
+            <a:r>
+              <a:rPr lang="ru-RU" sz="2000" dirty="0" smtClean="0"/>
+              <a:t>Виталий</a:t>
+            </a:r>
+            <a:endParaRPr lang="ru-RU" sz="2000" dirty="0"/>
+          </a:p>
+        </p:txBody>
+      </p:sp>
+      <p:sp>
+        <p:nvSpPr>
+          <p:cNvPr id="39" name="Надпись 82">
+            <a:extLst>
+              <a:ext uri="{FF2B5EF4-FFF2-40B4-BE49-F238E27FC236}">
+                <a16:creationId xmlns:a16="http://schemas.microsoft.com/office/drawing/2014/main" id="{F8C08D76-A3A7-451C-B0C3-B5D7AA140249}"/>
+              </a:ext>
+            </a:extLst>
+          </p:cNvPr>
+          <p:cNvSpPr txBox="1"/>
+          <p:nvPr/>
+        </p:nvSpPr>
+        <p:spPr>
+          <a:xfrm>
+            <a:off x="2704820" y="6228543"/>
+            <a:ext cx="1331945" cy="307777"/>
+          </a:xfrm>
+          <a:prstGeom prst="rect">
+            <a:avLst/>
+          </a:prstGeom>
+        </p:spPr>
+        <p:txBody>
+          <a:bodyPr wrap="square" lIns="0" tIns="0" rIns="0" bIns="0" rtlCol="0">
+            <a:spAutoFit/>
+          </a:bodyPr>
+          <a:lstStyle>
+            <a:defPPr>
+              <a:defRPr lang="en-US"/>
+            </a:defPPr>
+            <a:lvl1pPr>
+              <a:defRPr sz="1600" i="1">
+                <a:solidFill>
+                  <a:srgbClr val="002060"/>
+                </a:solidFill>
+                <a:latin typeface="+mj-lt"/>
+                <a:cs typeface="Segoe UI" panose="020B0502040204020203" pitchFamily="34" charset="0"/>
+              </a:defRPr>
+            </a:lvl1pPr>
+          </a:lstStyle>
+          <a:p>
+            <a:pPr algn="ctr" rtl="0"/>
+            <a:r>
+              <a:rPr lang="ru-RU" sz="2000" dirty="0" smtClean="0"/>
+              <a:t>Викторович</a:t>
+            </a:r>
+            <a:endParaRPr lang="ru-RU" sz="2000" dirty="0"/>
+          </a:p>
+        </p:txBody>
+      </p:sp>
     </p:spTree>
     <p:extLst>
       <p:ext uri="{BB962C8B-B14F-4D97-AF65-F5344CB8AC3E}">
@@ -24439,6 +26570,56 @@
           </a:prstGeom>
         </p:spPr>
       </p:pic>
+      <p:sp>
+        <p:nvSpPr>
+          <p:cNvPr id="19" name="Надпись 3">
+            <a:extLst>
+              <a:ext uri="{FF2B5EF4-FFF2-40B4-BE49-F238E27FC236}">
+                <a16:creationId xmlns:a16="http://schemas.microsoft.com/office/drawing/2014/main" id="{171A55DA-183A-4D18-85CD-0F3BC09D5269}"/>
+              </a:ext>
+            </a:extLst>
+          </p:cNvPr>
+          <p:cNvSpPr txBox="1"/>
+          <p:nvPr/>
+        </p:nvSpPr>
+        <p:spPr>
+          <a:xfrm>
+            <a:off x="754952" y="5356234"/>
+            <a:ext cx="3572845" cy="492443"/>
+          </a:xfrm>
+          <a:prstGeom prst="rect">
+            <a:avLst/>
+          </a:prstGeom>
+        </p:spPr>
+        <p:txBody>
+          <a:bodyPr wrap="square" lIns="0" tIns="0" rIns="0" bIns="0" rtlCol="0">
+            <a:spAutoFit/>
+          </a:bodyPr>
+          <a:lstStyle>
+            <a:defPPr>
+              <a:defRPr lang="en-US"/>
+            </a:defPPr>
+            <a:lvl1pPr>
+              <a:defRPr sz="1600" i="1">
+                <a:solidFill>
+                  <a:srgbClr val="002060"/>
+                </a:solidFill>
+                <a:latin typeface="+mj-lt"/>
+                <a:cs typeface="Segoe UI" panose="020B0502040204020203" pitchFamily="34" charset="0"/>
+              </a:defRPr>
+            </a:lvl1pPr>
+          </a:lstStyle>
+          <a:p>
+            <a:pPr rtl="0"/>
+            <a:r>
+              <a:rPr lang="ru-RU" dirty="0">
+                <a:latin typeface="Segoe UI" panose="020B0502040204020203" pitchFamily="34" charset="0"/>
+              </a:rPr>
+              <a:t>Только вместе мы сможем изменить мир в лучшую сторону</a:t>
+            </a:r>
+          </a:p>
+        </p:txBody>
+      </p:sp>
     </p:spTree>
     <p:extLst>
       <p:ext uri="{BB962C8B-B14F-4D97-AF65-F5344CB8AC3E}">
@@ -34660,8 +36841,8 @@
         </p:blipFill>
         <p:spPr>
           <a:xfrm>
-            <a:off x="1155842" y="3661870"/>
-            <a:ext cx="1138457" cy="1138457"/>
+            <a:off x="1210219" y="3721550"/>
+            <a:ext cx="1018089" cy="1018089"/>
           </a:xfrm>
           <a:prstGeom prst="roundRect">
             <a:avLst>
@@ -34997,7 +37178,7 @@
         </p:blipFill>
         <p:spPr>
           <a:xfrm>
-            <a:off x="5539043" y="3691099"/>
+            <a:off x="5569090" y="3691099"/>
             <a:ext cx="1076666" cy="1080000"/>
           </a:xfrm>
           <a:prstGeom prst="ellipse">
@@ -35032,8 +37213,8 @@
         </p:blipFill>
         <p:spPr>
           <a:xfrm>
-            <a:off x="7379396" y="3680565"/>
-            <a:ext cx="761914" cy="1141287"/>
+            <a:off x="7344364" y="3593934"/>
+            <a:ext cx="842510" cy="1262013"/>
           </a:xfrm>
           <a:custGeom>
             <a:avLst/>
@@ -35174,8 +37355,8 @@
         </p:blipFill>
         <p:spPr>
           <a:xfrm>
-            <a:off x="9188954" y="3658901"/>
-            <a:ext cx="869540" cy="1141426"/>
+            <a:off x="9161833" y="3588771"/>
+            <a:ext cx="923782" cy="1212628"/>
           </a:xfrm>
           <a:custGeom>
             <a:avLst/>
@@ -36479,7 +38660,7 @@
         </p:blipFill>
         <p:spPr>
           <a:xfrm>
-            <a:off x="3786477" y="3691099"/>
+            <a:off x="3787428" y="3691099"/>
             <a:ext cx="1080000" cy="1080000"/>
           </a:xfrm>
           <a:prstGeom prst="ellipse">
@@ -39447,51 +41628,28 @@
           </a:p>
         </p:txBody>
       </p:sp>
-      <p:pic>
-        <p:nvPicPr>
-          <p:cNvPr id="1026" name="Picture 2">
-            <a:extLst>
-              <a:ext uri="{FF2B5EF4-FFF2-40B4-BE49-F238E27FC236}">
-                <a16:creationId xmlns:a16="http://schemas.microsoft.com/office/drawing/2014/main" id="{C42CCDD4-2AA2-40DD-91E5-5C72E09C6EB0}"/>
-              </a:ext>
-            </a:extLst>
-          </p:cNvPr>
-          <p:cNvPicPr>
-            <a:picLocks noChangeAspect="1" noChangeArrowheads="1"/>
-          </p:cNvPicPr>
-          <p:nvPr/>
-        </p:nvPicPr>
-        <p:blipFill rotWithShape="1">
-          <a:blip r:embed="rId3">
-            <a:extLst>
-              <a:ext uri="{28A0092B-C50C-407E-A947-70E740481C1C}">
-                <a14:useLocalDpi xmlns:a14="http://schemas.microsoft.com/office/drawing/2010/main" val="0"/>
-              </a:ext>
-            </a:extLst>
-          </a:blip>
-          <a:srcRect b="37353"/>
-          <a:stretch/>
-        </p:blipFill>
-        <p:spPr bwMode="auto">
-          <a:xfrm>
-            <a:off x="5853971" y="1413109"/>
-            <a:ext cx="4414078" cy="5444891"/>
-          </a:xfrm>
-          <a:prstGeom prst="rect">
-            <a:avLst/>
-          </a:prstGeom>
-          <a:noFill/>
-          <a:extLst>
-            <a:ext uri="{909E8E84-426E-40DD-AFC4-6F175D3DCCD1}">
-              <a14:hiddenFill xmlns:a14="http://schemas.microsoft.com/office/drawing/2010/main">
-                <a:solidFill>
-                  <a:srgbClr val="FFFFFF"/>
-                </a:solidFill>
-              </a14:hiddenFill>
-            </a:ext>
-          </a:extLst>
-        </p:spPr>
-      </p:pic>
+      <p:graphicFrame>
+        <p:nvGraphicFramePr>
+          <p:cNvPr id="4" name="Диаграмма 3"/>
+          <p:cNvGraphicFramePr/>
+          <p:nvPr>
+            <p:extLst>
+              <p:ext uri="{D42A27DB-BD31-4B8C-83A1-F6EECF244321}">
+                <p14:modId xmlns:p14="http://schemas.microsoft.com/office/powerpoint/2010/main" val="3330789899"/>
+              </p:ext>
+            </p:extLst>
+          </p:nvPr>
+        </p:nvGraphicFramePr>
+        <p:xfrm>
+          <a:off x="4014420" y="1353774"/>
+          <a:ext cx="8128000" cy="5418667"/>
+        </p:xfrm>
+        <a:graphic>
+          <a:graphicData uri="http://schemas.openxmlformats.org/drawingml/2006/chart">
+            <c:chart xmlns:c="http://schemas.openxmlformats.org/drawingml/2006/chart" xmlns:r="http://schemas.openxmlformats.org/officeDocument/2006/relationships" r:id="rId3"/>
+          </a:graphicData>
+        </a:graphic>
+      </p:graphicFrame>
     </p:spTree>
     <p:extLst>
       <p:ext uri="{BB962C8B-B14F-4D97-AF65-F5344CB8AC3E}">
@@ -42641,7 +44799,7 @@
                 <a:latin typeface="Segoe UI" panose="020B0502040204020203" pitchFamily="34" charset="0"/>
                 <a:cs typeface="Segoe UI" panose="020B0502040204020203" pitchFamily="34" charset="0"/>
               </a:rPr>
-              <a:t>Recycler view</a:t>
+              <a:t>Material design</a:t>
             </a:r>
             <a:endParaRPr lang="ru-RU" sz="1600" b="1" dirty="0">
               <a:solidFill>

--- a/NeoBrain.pptx
+++ b/NeoBrain.pptx
@@ -200,6 +200,7 @@
           </a:p>
         </c:rich>
       </c:tx>
+      <c:layout/>
       <c:overlay val="0"/>
       <c:spPr>
         <a:noFill/>
@@ -667,6 +668,7 @@
     </c:plotArea>
     <c:legend>
       <c:legendPos val="b"/>
+      <c:layout/>
       <c:overlay val="0"/>
       <c:spPr>
         <a:noFill/>
@@ -1359,7 +1361,7 @@
             <a:pPr rtl="0"/>
             <a:fld id="{84D28F2D-D4F3-4E2B-A0F3-7AAFDE0BC58B}" type="datetime1">
               <a:rPr lang="ru-RU" smtClean="0"/>
-              <a:t>12.04.2020</a:t>
+              <a:t>13.04.2020</a:t>
             </a:fld>
             <a:endParaRPr lang="ru-RU" dirty="0"/>
           </a:p>
@@ -1540,7 +1542,7 @@
             <a:fld id="{CA49951C-CA37-4221-943D-71E64EEEA549}" type="datetime1">
               <a:rPr lang="ru-RU" smtClean="0"/>
               <a:pPr/>
-              <a:t>12.04.2020</a:t>
+              <a:t>13.04.2020</a:t>
             </a:fld>
             <a:endParaRPr lang="ru-RU" dirty="0"/>
           </a:p>
@@ -3255,7 +3257,7 @@
             <a:pPr rtl="0"/>
             <a:fld id="{1BCB67F5-0266-4F57-BCC8-CAA9673E5902}" type="datetime1">
               <a:rPr lang="ru-RU" noProof="0" smtClean="0"/>
-              <a:t>12.04.2020</a:t>
+              <a:t>13.04.2020</a:t>
             </a:fld>
             <a:endParaRPr lang="ru-RU" noProof="0" dirty="0"/>
           </a:p>
@@ -3459,7 +3461,7 @@
             <a:pPr rtl="0"/>
             <a:fld id="{1B5ADB00-8AAA-4C20-B03B-A012746A2014}" type="datetime1">
               <a:rPr lang="ru-RU" noProof="0" smtClean="0"/>
-              <a:t>12.04.2020</a:t>
+              <a:t>13.04.2020</a:t>
             </a:fld>
             <a:endParaRPr lang="ru-RU" noProof="0" dirty="0"/>
           </a:p>
@@ -3673,7 +3675,7 @@
             <a:pPr rtl="0"/>
             <a:fld id="{7C0EA85A-0755-4D64-85AE-4D684CB44117}" type="datetime1">
               <a:rPr lang="ru-RU" noProof="0" smtClean="0"/>
-              <a:t>12.04.2020</a:t>
+              <a:t>13.04.2020</a:t>
             </a:fld>
             <a:endParaRPr lang="ru-RU" noProof="0" dirty="0"/>
           </a:p>
@@ -3877,7 +3879,7 @@
             <a:pPr rtl="0"/>
             <a:fld id="{82200F68-8153-43BD-9048-5E0203738055}" type="datetime1">
               <a:rPr lang="ru-RU" noProof="0" smtClean="0"/>
-              <a:t>12.04.2020</a:t>
+              <a:t>13.04.2020</a:t>
             </a:fld>
             <a:endParaRPr lang="ru-RU" noProof="0" dirty="0"/>
           </a:p>
@@ -4157,7 +4159,7 @@
             <a:pPr rtl="0"/>
             <a:fld id="{DEE6A3E5-DF0B-4BB4-83EC-7350AED6B333}" type="datetime1">
               <a:rPr lang="ru-RU" noProof="0" smtClean="0"/>
-              <a:t>12.04.2020</a:t>
+              <a:t>13.04.2020</a:t>
             </a:fld>
             <a:endParaRPr lang="ru-RU" noProof="0" dirty="0"/>
           </a:p>
@@ -4429,7 +4431,7 @@
             <a:pPr rtl="0"/>
             <a:fld id="{658B5BE7-11FF-4B74-A258-0B0852B1C612}" type="datetime1">
               <a:rPr lang="ru-RU" noProof="0" smtClean="0"/>
-              <a:t>12.04.2020</a:t>
+              <a:t>13.04.2020</a:t>
             </a:fld>
             <a:endParaRPr lang="ru-RU" noProof="0" dirty="0"/>
           </a:p>
@@ -4848,7 +4850,7 @@
             <a:pPr rtl="0"/>
             <a:fld id="{5153AEB0-DEE4-469A-ACA7-FCE298962CB8}" type="datetime1">
               <a:rPr lang="ru-RU" noProof="0" smtClean="0"/>
-              <a:t>12.04.2020</a:t>
+              <a:t>13.04.2020</a:t>
             </a:fld>
             <a:endParaRPr lang="ru-RU" noProof="0" dirty="0"/>
           </a:p>
@@ -4994,7 +4996,7 @@
             <a:pPr rtl="0"/>
             <a:fld id="{A7D850CA-FEA9-4ECA-92F5-9F1778664B8F}" type="datetime1">
               <a:rPr lang="ru-RU" noProof="0" smtClean="0"/>
-              <a:t>12.04.2020</a:t>
+              <a:t>13.04.2020</a:t>
             </a:fld>
             <a:endParaRPr lang="ru-RU" noProof="0" dirty="0"/>
           </a:p>
@@ -5110,7 +5112,7 @@
             <a:pPr rtl="0"/>
             <a:fld id="{BDD77D1A-AB3F-4195-91BD-ED29ADAC1B44}" type="datetime1">
               <a:rPr lang="ru-RU" noProof="0" smtClean="0"/>
-              <a:t>12.04.2020</a:t>
+              <a:t>13.04.2020</a:t>
             </a:fld>
             <a:endParaRPr lang="ru-RU" noProof="0" dirty="0"/>
           </a:p>
@@ -5427,7 +5429,7 @@
             <a:pPr rtl="0"/>
             <a:fld id="{376F1AFD-3CC9-4493-BC63-1C141B05CE5B}" type="datetime1">
               <a:rPr lang="ru-RU" noProof="0" smtClean="0"/>
-              <a:t>12.04.2020</a:t>
+              <a:t>13.04.2020</a:t>
             </a:fld>
             <a:endParaRPr lang="ru-RU" noProof="0" dirty="0"/>
           </a:p>
@@ -5725,7 +5727,7 @@
             <a:pPr rtl="0"/>
             <a:fld id="{6F578092-39FE-416A-9517-019E99EC9D0E}" type="datetime1">
               <a:rPr lang="ru-RU" noProof="0" smtClean="0"/>
-              <a:t>12.04.2020</a:t>
+              <a:t>13.04.2020</a:t>
             </a:fld>
             <a:endParaRPr lang="ru-RU" noProof="0" dirty="0"/>
           </a:p>
@@ -5970,7 +5972,7 @@
             <a:pPr rtl="0"/>
             <a:fld id="{368E1444-B5BA-4767-8208-964378902D11}" type="datetime1">
               <a:rPr lang="ru-RU" noProof="0" smtClean="0"/>
-              <a:t>12.04.2020</a:t>
+              <a:t>13.04.2020</a:t>
             </a:fld>
             <a:endParaRPr lang="ru-RU" noProof="0" dirty="0"/>
           </a:p>
@@ -9785,7 +9787,7 @@
                 <a16:creationId xmlns:a16="http://schemas.microsoft.com/office/drawing/2014/main" id="{C8431200-8E45-4A0C-B12B-CFA1B2C53C47}"/>
               </a:ext>
               <a:ext uri="{C183D7F6-B498-43B3-948B-1728B52AA6E4}">
-                <adec:decorative xmlns="" xmlns:adec="http://schemas.microsoft.com/office/drawing/2017/decorative" val="1"/>
+                <adec:decorative xmlns:adec="http://schemas.microsoft.com/office/drawing/2017/decorative" xmlns="" val="1"/>
               </a:ext>
             </a:extLst>
           </p:cNvPr>
@@ -9845,7 +9847,7 @@
                 <a16:creationId xmlns:a16="http://schemas.microsoft.com/office/drawing/2014/main" id="{241C7FC4-FEFA-4A96-9749-9068C68611EF}"/>
               </a:ext>
               <a:ext uri="{C183D7F6-B498-43B3-948B-1728B52AA6E4}">
-                <adec:decorative xmlns="" xmlns:adec="http://schemas.microsoft.com/office/drawing/2017/decorative" val="1"/>
+                <adec:decorative xmlns:adec="http://schemas.microsoft.com/office/drawing/2017/decorative" xmlns="" val="1"/>
               </a:ext>
             </a:extLst>
           </p:cNvPr>
@@ -9961,7 +9963,7 @@
                 <a16:creationId xmlns:a16="http://schemas.microsoft.com/office/drawing/2014/main" id="{294AEDC0-6B1D-4A3D-860D-83756CC387D3}"/>
               </a:ext>
               <a:ext uri="{C183D7F6-B498-43B3-948B-1728B52AA6E4}">
-                <adec:decorative xmlns="" xmlns:adec="http://schemas.microsoft.com/office/drawing/2017/decorative" val="1"/>
+                <adec:decorative xmlns:adec="http://schemas.microsoft.com/office/drawing/2017/decorative" xmlns="" val="1"/>
               </a:ext>
             </a:extLst>
           </p:cNvPr>
@@ -10560,7 +10562,7 @@
                 <a16:creationId xmlns:a16="http://schemas.microsoft.com/office/drawing/2014/main" id="{D14F9816-D761-44CD-80AC-A13A6A2BF4F4}"/>
               </a:ext>
               <a:ext uri="{C183D7F6-B498-43B3-948B-1728B52AA6E4}">
-                <adec:decorative xmlns="" xmlns:adec="http://schemas.microsoft.com/office/drawing/2017/decorative" val="1"/>
+                <adec:decorative xmlns:adec="http://schemas.microsoft.com/office/drawing/2017/decorative" xmlns="" val="1"/>
               </a:ext>
             </a:extLst>
           </p:cNvPr>
@@ -11444,7 +11446,7 @@
                 <a16:creationId xmlns:a16="http://schemas.microsoft.com/office/drawing/2014/main" id="{E6D6E19C-DE46-4402-8CBF-17BB95458532}"/>
               </a:ext>
               <a:ext uri="{C183D7F6-B498-43B3-948B-1728B52AA6E4}">
-                <adec:decorative xmlns="" xmlns:adec="http://schemas.microsoft.com/office/drawing/2017/decorative" val="1"/>
+                <adec:decorative xmlns:adec="http://schemas.microsoft.com/office/drawing/2017/decorative" xmlns="" val="1"/>
               </a:ext>
             </a:extLst>
           </p:cNvPr>
@@ -12123,7 +12125,7 @@
                 <a16:creationId xmlns:a16="http://schemas.microsoft.com/office/drawing/2014/main" id="{3638C06D-F644-4B33-8858-D880F038FAC3}"/>
               </a:ext>
               <a:ext uri="{C183D7F6-B498-43B3-948B-1728B52AA6E4}">
-                <adec:decorative xmlns="" xmlns:adec="http://schemas.microsoft.com/office/drawing/2017/decorative" val="1"/>
+                <adec:decorative xmlns:adec="http://schemas.microsoft.com/office/drawing/2017/decorative" xmlns="" val="1"/>
               </a:ext>
             </a:extLst>
           </p:cNvPr>
@@ -17358,7 +17360,7 @@
                 <a16:creationId xmlns:a16="http://schemas.microsoft.com/office/drawing/2014/main" id="{6D08E99A-0644-4757-9F3A-BBA1A4F39081}"/>
               </a:ext>
               <a:ext uri="{C183D7F6-B498-43B3-948B-1728B52AA6E4}">
-                <adec:decorative xmlns="" xmlns:adec="http://schemas.microsoft.com/office/drawing/2017/decorative" val="1"/>
+                <adec:decorative xmlns:adec="http://schemas.microsoft.com/office/drawing/2017/decorative" xmlns="" val="1"/>
               </a:ext>
             </a:extLst>
           </p:cNvPr>
@@ -17404,7 +17406,7 @@
                 <a16:creationId xmlns:a16="http://schemas.microsoft.com/office/drawing/2014/main" id="{A21B85DB-181D-46E7-A9DF-F92B1DF032FD}"/>
               </a:ext>
               <a:ext uri="{C183D7F6-B498-43B3-948B-1728B52AA6E4}">
-                <adec:decorative xmlns="" xmlns:adec="http://schemas.microsoft.com/office/drawing/2017/decorative" val="1"/>
+                <adec:decorative xmlns:adec="http://schemas.microsoft.com/office/drawing/2017/decorative" xmlns="" val="1"/>
               </a:ext>
             </a:extLst>
           </p:cNvPr>
@@ -17515,7 +17517,7 @@
                 <a16:creationId xmlns:a16="http://schemas.microsoft.com/office/drawing/2014/main" id="{0B8C9A86-3574-4A2E-BC62-481A2BE7FBED}"/>
               </a:ext>
               <a:ext uri="{C183D7F6-B498-43B3-948B-1728B52AA6E4}">
-                <adec:decorative xmlns="" xmlns:adec="http://schemas.microsoft.com/office/drawing/2017/decorative" val="1"/>
+                <adec:decorative xmlns:adec="http://schemas.microsoft.com/office/drawing/2017/decorative" xmlns="" val="1"/>
               </a:ext>
             </a:extLst>
           </p:cNvPr>
@@ -22664,7 +22666,7 @@
                 <a16:creationId xmlns:a16="http://schemas.microsoft.com/office/drawing/2014/main" id="{7F192ACD-9C75-481C-8934-C15F525ED96C}"/>
               </a:ext>
               <a:ext uri="{C183D7F6-B498-43B3-948B-1728B52AA6E4}">
-                <adec:decorative xmlns="" xmlns:adec="http://schemas.microsoft.com/office/drawing/2017/decorative" val="1"/>
+                <adec:decorative xmlns:adec="http://schemas.microsoft.com/office/drawing/2017/decorative" xmlns="" val="1"/>
               </a:ext>
             </a:extLst>
           </p:cNvPr>
@@ -22814,7 +22816,7 @@
                 <a16:creationId xmlns:a16="http://schemas.microsoft.com/office/drawing/2014/main" id="{5B7ACCD3-FC43-4E32-B7AA-E6D86BED1A32}"/>
               </a:ext>
               <a:ext uri="{C183D7F6-B498-43B3-948B-1728B52AA6E4}">
-                <adec:decorative xmlns="" xmlns:adec="http://schemas.microsoft.com/office/drawing/2017/decorative" val="1"/>
+                <adec:decorative xmlns:adec="http://schemas.microsoft.com/office/drawing/2017/decorative" xmlns="" val="1"/>
               </a:ext>
             </a:extLst>
           </p:cNvPr>
@@ -22876,13 +22878,14 @@
               </a:ext>
             </a:extLst>
           </a:blip>
-          <a:srcRect/>
-          <a:stretch/>
+          <a:stretch>
+            <a:fillRect/>
+          </a:stretch>
         </p:blipFill>
         <p:spPr>
           <a:xfrm>
-            <a:off x="1031249" y="3152178"/>
-            <a:ext cx="1018089" cy="1018089"/>
+            <a:off x="1065079" y="3042349"/>
+            <a:ext cx="952652" cy="1206271"/>
           </a:xfrm>
           <a:prstGeom prst="roundRect">
             <a:avLst>
@@ -23008,7 +23011,7 @@
                 <a16:creationId xmlns:a16="http://schemas.microsoft.com/office/drawing/2014/main" id="{7F192ACD-9C75-481C-8934-C15F525ED96C}"/>
               </a:ext>
               <a:ext uri="{C183D7F6-B498-43B3-948B-1728B52AA6E4}">
-                <adec:decorative xmlns="" xmlns:adec="http://schemas.microsoft.com/office/drawing/2017/decorative" val="1"/>
+                <adec:decorative xmlns:adec="http://schemas.microsoft.com/office/drawing/2017/decorative" xmlns="" val="1"/>
               </a:ext>
             </a:extLst>
           </p:cNvPr>
@@ -23158,7 +23161,7 @@
                 <a16:creationId xmlns:a16="http://schemas.microsoft.com/office/drawing/2014/main" id="{5B7ACCD3-FC43-4E32-B7AA-E6D86BED1A32}"/>
               </a:ext>
               <a:ext uri="{C183D7F6-B498-43B3-948B-1728B52AA6E4}">
-                <adec:decorative xmlns="" xmlns:adec="http://schemas.microsoft.com/office/drawing/2017/decorative" val="1"/>
+                <adec:decorative xmlns:adec="http://schemas.microsoft.com/office/drawing/2017/decorative" xmlns="" val="1"/>
               </a:ext>
             </a:extLst>
           </p:cNvPr>
@@ -23355,7 +23358,7 @@
                 <a16:creationId xmlns:a16="http://schemas.microsoft.com/office/drawing/2014/main" id="{7F192ACD-9C75-481C-8934-C15F525ED96C}"/>
               </a:ext>
               <a:ext uri="{C183D7F6-B498-43B3-948B-1728B52AA6E4}">
-                <adec:decorative xmlns="" xmlns:adec="http://schemas.microsoft.com/office/drawing/2017/decorative" val="1"/>
+                <adec:decorative xmlns:adec="http://schemas.microsoft.com/office/drawing/2017/decorative" xmlns="" val="1"/>
               </a:ext>
             </a:extLst>
           </p:cNvPr>
@@ -23505,7 +23508,7 @@
                 <a16:creationId xmlns:a16="http://schemas.microsoft.com/office/drawing/2014/main" id="{7F192ACD-9C75-481C-8934-C15F525ED96C}"/>
               </a:ext>
               <a:ext uri="{C183D7F6-B498-43B3-948B-1728B52AA6E4}">
-                <adec:decorative xmlns="" xmlns:adec="http://schemas.microsoft.com/office/drawing/2017/decorative" val="1"/>
+                <adec:decorative xmlns:adec="http://schemas.microsoft.com/office/drawing/2017/decorative" xmlns="" val="1"/>
               </a:ext>
             </a:extLst>
           </p:cNvPr>
@@ -23655,7 +23658,7 @@
                 <a16:creationId xmlns:a16="http://schemas.microsoft.com/office/drawing/2014/main" id="{5B7ACCD3-FC43-4E32-B7AA-E6D86BED1A32}"/>
               </a:ext>
               <a:ext uri="{C183D7F6-B498-43B3-948B-1728B52AA6E4}">
-                <adec:decorative xmlns="" xmlns:adec="http://schemas.microsoft.com/office/drawing/2017/decorative" val="1"/>
+                <adec:decorative xmlns:adec="http://schemas.microsoft.com/office/drawing/2017/decorative" xmlns="" val="1"/>
               </a:ext>
             </a:extLst>
           </p:cNvPr>
@@ -30397,7 +30400,7 @@
                 <a16:creationId xmlns:a16="http://schemas.microsoft.com/office/drawing/2014/main" id="{D14F9816-D761-44CD-80AC-A13A6A2BF4F4}"/>
               </a:ext>
               <a:ext uri="{C183D7F6-B498-43B3-948B-1728B52AA6E4}">
-                <adec:decorative xmlns="" xmlns:adec="http://schemas.microsoft.com/office/drawing/2017/decorative" val="1"/>
+                <adec:decorative xmlns:adec="http://schemas.microsoft.com/office/drawing/2017/decorative" xmlns="" val="1"/>
               </a:ext>
             </a:extLst>
           </p:cNvPr>
@@ -31420,7 +31423,7 @@
                 <a16:creationId xmlns:a16="http://schemas.microsoft.com/office/drawing/2014/main" id="{B38D4B56-7D6C-4345-912F-B3BA9A014E8B}"/>
               </a:ext>
               <a:ext uri="{C183D7F6-B498-43B3-948B-1728B52AA6E4}">
-                <adec:decorative xmlns="" xmlns:adec="http://schemas.microsoft.com/office/drawing/2017/decorative" val="1"/>
+                <adec:decorative xmlns:adec="http://schemas.microsoft.com/office/drawing/2017/decorative" xmlns="" val="1"/>
               </a:ext>
             </a:extLst>
           </p:cNvPr>
@@ -31466,7 +31469,7 @@
                 <a16:creationId xmlns:a16="http://schemas.microsoft.com/office/drawing/2014/main" id="{B457331C-2A24-4352-9B4C-1C1B326F404F}"/>
               </a:ext>
               <a:ext uri="{C183D7F6-B498-43B3-948B-1728B52AA6E4}">
-                <adec:decorative xmlns="" xmlns:adec="http://schemas.microsoft.com/office/drawing/2017/decorative" val="1"/>
+                <adec:decorative xmlns:adec="http://schemas.microsoft.com/office/drawing/2017/decorative" xmlns="" val="1"/>
               </a:ext>
             </a:extLst>
           </p:cNvPr>
@@ -31985,7 +31988,7 @@
                 <a16:creationId xmlns:a16="http://schemas.microsoft.com/office/drawing/2014/main" id="{E7D1D117-BC5C-430A-9FEB-B231E691511F}"/>
               </a:ext>
               <a:ext uri="{C183D7F6-B498-43B3-948B-1728B52AA6E4}">
-                <adec:decorative xmlns="" xmlns:adec="http://schemas.microsoft.com/office/drawing/2017/decorative" val="1"/>
+                <adec:decorative xmlns:adec="http://schemas.microsoft.com/office/drawing/2017/decorative" xmlns="" val="1"/>
               </a:ext>
             </a:extLst>
           </p:cNvPr>
@@ -32043,7 +32046,7 @@
                 <a16:creationId xmlns:a16="http://schemas.microsoft.com/office/drawing/2014/main" id="{2577E8EA-5E95-41C5-8BE8-EE647DE2613A}"/>
               </a:ext>
               <a:ext uri="{C183D7F6-B498-43B3-948B-1728B52AA6E4}">
-                <adec:decorative xmlns="" xmlns:adec="http://schemas.microsoft.com/office/drawing/2017/decorative" val="1"/>
+                <adec:decorative xmlns:adec="http://schemas.microsoft.com/office/drawing/2017/decorative" xmlns="" val="1"/>
               </a:ext>
             </a:extLst>
           </p:cNvPr>
@@ -35971,7 +35974,7 @@
                 <a16:creationId xmlns:a16="http://schemas.microsoft.com/office/drawing/2014/main" id="{7F192ACD-9C75-481C-8934-C15F525ED96C}"/>
               </a:ext>
               <a:ext uri="{C183D7F6-B498-43B3-948B-1728B52AA6E4}">
-                <adec:decorative xmlns="" xmlns:adec="http://schemas.microsoft.com/office/drawing/2017/decorative" val="1"/>
+                <adec:decorative xmlns:adec="http://schemas.microsoft.com/office/drawing/2017/decorative" xmlns="" val="1"/>
               </a:ext>
             </a:extLst>
           </p:cNvPr>
@@ -36121,7 +36124,7 @@
                 <a16:creationId xmlns:a16="http://schemas.microsoft.com/office/drawing/2014/main" id="{D83BBA1A-1810-4171-BD9C-B27B7C26AF70}"/>
               </a:ext>
               <a:ext uri="{C183D7F6-B498-43B3-948B-1728B52AA6E4}">
-                <adec:decorative xmlns="" xmlns:adec="http://schemas.microsoft.com/office/drawing/2017/decorative" val="1"/>
+                <adec:decorative xmlns:adec="http://schemas.microsoft.com/office/drawing/2017/decorative" xmlns="" val="1"/>
               </a:ext>
             </a:extLst>
           </p:cNvPr>
@@ -36271,7 +36274,7 @@
                 <a16:creationId xmlns:a16="http://schemas.microsoft.com/office/drawing/2014/main" id="{2D409DD0-6B30-47E3-9886-F8F16D42AB79}"/>
               </a:ext>
               <a:ext uri="{C183D7F6-B498-43B3-948B-1728B52AA6E4}">
-                <adec:decorative xmlns="" xmlns:adec="http://schemas.microsoft.com/office/drawing/2017/decorative" val="1"/>
+                <adec:decorative xmlns:adec="http://schemas.microsoft.com/office/drawing/2017/decorative" xmlns="" val="1"/>
               </a:ext>
             </a:extLst>
           </p:cNvPr>
@@ -36421,7 +36424,7 @@
                 <a16:creationId xmlns:a16="http://schemas.microsoft.com/office/drawing/2014/main" id="{8B1A45F7-385D-4B67-98E4-489AB4E31714}"/>
               </a:ext>
               <a:ext uri="{C183D7F6-B498-43B3-948B-1728B52AA6E4}">
-                <adec:decorative xmlns="" xmlns:adec="http://schemas.microsoft.com/office/drawing/2017/decorative" val="1"/>
+                <adec:decorative xmlns:adec="http://schemas.microsoft.com/office/drawing/2017/decorative" xmlns="" val="1"/>
               </a:ext>
             </a:extLst>
           </p:cNvPr>
@@ -36571,7 +36574,7 @@
                 <a16:creationId xmlns:a16="http://schemas.microsoft.com/office/drawing/2014/main" id="{7F192ACD-9C75-481C-8934-C15F525ED96C}"/>
               </a:ext>
               <a:ext uri="{C183D7F6-B498-43B3-948B-1728B52AA6E4}">
-                <adec:decorative xmlns="" xmlns:adec="http://schemas.microsoft.com/office/drawing/2017/decorative" val="1"/>
+                <adec:decorative xmlns:adec="http://schemas.microsoft.com/office/drawing/2017/decorative" xmlns="" val="1"/>
               </a:ext>
             </a:extLst>
           </p:cNvPr>
@@ -36721,7 +36724,7 @@
                 <a16:creationId xmlns:a16="http://schemas.microsoft.com/office/drawing/2014/main" id="{5B7ACCD3-FC43-4E32-B7AA-E6D86BED1A32}"/>
               </a:ext>
               <a:ext uri="{C183D7F6-B498-43B3-948B-1728B52AA6E4}">
-                <adec:decorative xmlns="" xmlns:adec="http://schemas.microsoft.com/office/drawing/2017/decorative" val="1"/>
+                <adec:decorative xmlns:adec="http://schemas.microsoft.com/office/drawing/2017/decorative" xmlns="" val="1"/>
               </a:ext>
             </a:extLst>
           </p:cNvPr>
@@ -37063,7 +37066,7 @@
                 <a16:creationId xmlns:a16="http://schemas.microsoft.com/office/drawing/2014/main" id="{E4AFE17F-D5F3-4088-A119-1B09AC60EA16}"/>
               </a:ext>
               <a:ext uri="{C183D7F6-B498-43B3-948B-1728B52AA6E4}">
-                <adec:decorative xmlns="" xmlns:adec="http://schemas.microsoft.com/office/drawing/2017/decorative" val="1"/>
+                <adec:decorative xmlns:adec="http://schemas.microsoft.com/office/drawing/2017/decorative" xmlns="" val="1"/>
               </a:ext>
             </a:extLst>
           </p:cNvPr>
@@ -37111,7 +37114,7 @@
                 <a16:creationId xmlns:a16="http://schemas.microsoft.com/office/drawing/2014/main" id="{B73380DA-31E8-4A4F-8316-F527A262BAB7}"/>
               </a:ext>
               <a:ext uri="{C183D7F6-B498-43B3-948B-1728B52AA6E4}">
-                <adec:decorative xmlns="" xmlns:adec="http://schemas.microsoft.com/office/drawing/2017/decorative" val="1"/>
+                <adec:decorative xmlns:adec="http://schemas.microsoft.com/office/drawing/2017/decorative" xmlns="" val="1"/>
               </a:ext>
             </a:extLst>
           </p:cNvPr>
@@ -37288,7 +37291,7 @@
                 <a16:creationId xmlns:a16="http://schemas.microsoft.com/office/drawing/2014/main" id="{BB4E19F0-9268-49F1-864A-6AF530251A78}"/>
               </a:ext>
               <a:ext uri="{C183D7F6-B498-43B3-948B-1728B52AA6E4}">
-                <adec:decorative xmlns="" xmlns:adec="http://schemas.microsoft.com/office/drawing/2017/decorative" val="1"/>
+                <adec:decorative xmlns:adec="http://schemas.microsoft.com/office/drawing/2017/decorative" xmlns="" val="1"/>
               </a:ext>
             </a:extLst>
           </p:cNvPr>
@@ -38393,7 +38396,7 @@
                 <a16:creationId xmlns:a16="http://schemas.microsoft.com/office/drawing/2014/main" id="{8B1A45F7-385D-4B67-98E4-489AB4E31714}"/>
               </a:ext>
               <a:ext uri="{C183D7F6-B498-43B3-948B-1728B52AA6E4}">
-                <adec:decorative xmlns="" xmlns:adec="http://schemas.microsoft.com/office/drawing/2017/decorative" val="1"/>
+                <adec:decorative xmlns:adec="http://schemas.microsoft.com/office/drawing/2017/decorative" xmlns="" val="1"/>
               </a:ext>
             </a:extLst>
           </p:cNvPr>
@@ -38592,7 +38595,7 @@
                 <a16:creationId xmlns:a16="http://schemas.microsoft.com/office/drawing/2014/main" id="{E4AFE17F-D5F3-4088-A119-1B09AC60EA16}"/>
               </a:ext>
               <a:ext uri="{C183D7F6-B498-43B3-948B-1728B52AA6E4}">
-                <adec:decorative xmlns="" xmlns:adec="http://schemas.microsoft.com/office/drawing/2017/decorative" val="1"/>
+                <adec:decorative xmlns:adec="http://schemas.microsoft.com/office/drawing/2017/decorative" xmlns="" val="1"/>
               </a:ext>
             </a:extLst>
           </p:cNvPr>
@@ -41855,7 +41858,7 @@
                 <a16:creationId xmlns:a16="http://schemas.microsoft.com/office/drawing/2014/main" id="{C8431200-8E45-4A0C-B12B-CFA1B2C53C47}"/>
               </a:ext>
               <a:ext uri="{C183D7F6-B498-43B3-948B-1728B52AA6E4}">
-                <adec:decorative xmlns="" xmlns:adec="http://schemas.microsoft.com/office/drawing/2017/decorative" val="1"/>
+                <adec:decorative xmlns:adec="http://schemas.microsoft.com/office/drawing/2017/decorative" xmlns="" val="1"/>
               </a:ext>
             </a:extLst>
           </p:cNvPr>
@@ -41915,7 +41918,7 @@
                 <a16:creationId xmlns:a16="http://schemas.microsoft.com/office/drawing/2014/main" id="{241C7FC4-FEFA-4A96-9749-9068C68611EF}"/>
               </a:ext>
               <a:ext uri="{C183D7F6-B498-43B3-948B-1728B52AA6E4}">
-                <adec:decorative xmlns="" xmlns:adec="http://schemas.microsoft.com/office/drawing/2017/decorative" val="1"/>
+                <adec:decorative xmlns:adec="http://schemas.microsoft.com/office/drawing/2017/decorative" xmlns="" val="1"/>
               </a:ext>
             </a:extLst>
           </p:cNvPr>
@@ -42021,7 +42024,7 @@
                 <a16:creationId xmlns:a16="http://schemas.microsoft.com/office/drawing/2014/main" id="{294AEDC0-6B1D-4A3D-860D-83756CC387D3}"/>
               </a:ext>
               <a:ext uri="{C183D7F6-B498-43B3-948B-1728B52AA6E4}">
-                <adec:decorative xmlns="" xmlns:adec="http://schemas.microsoft.com/office/drawing/2017/decorative" val="1"/>
+                <adec:decorative xmlns:adec="http://schemas.microsoft.com/office/drawing/2017/decorative" xmlns="" val="1"/>
               </a:ext>
             </a:extLst>
           </p:cNvPr>
@@ -42780,7 +42783,7 @@
                 <a16:creationId xmlns:a16="http://schemas.microsoft.com/office/drawing/2014/main" id="{C8431200-8E45-4A0C-B12B-CFA1B2C53C47}"/>
               </a:ext>
               <a:ext uri="{C183D7F6-B498-43B3-948B-1728B52AA6E4}">
-                <adec:decorative xmlns="" xmlns:adec="http://schemas.microsoft.com/office/drawing/2017/decorative" val="1"/>
+                <adec:decorative xmlns:adec="http://schemas.microsoft.com/office/drawing/2017/decorative" xmlns="" val="1"/>
               </a:ext>
             </a:extLst>
           </p:cNvPr>
@@ -42840,7 +42843,7 @@
                 <a16:creationId xmlns:a16="http://schemas.microsoft.com/office/drawing/2014/main" id="{241C7FC4-FEFA-4A96-9749-9068C68611EF}"/>
               </a:ext>
               <a:ext uri="{C183D7F6-B498-43B3-948B-1728B52AA6E4}">
-                <adec:decorative xmlns="" xmlns:adec="http://schemas.microsoft.com/office/drawing/2017/decorative" val="1"/>
+                <adec:decorative xmlns:adec="http://schemas.microsoft.com/office/drawing/2017/decorative" xmlns="" val="1"/>
               </a:ext>
             </a:extLst>
           </p:cNvPr>
@@ -42956,7 +42959,7 @@
                 <a16:creationId xmlns:a16="http://schemas.microsoft.com/office/drawing/2014/main" id="{294AEDC0-6B1D-4A3D-860D-83756CC387D3}"/>
               </a:ext>
               <a:ext uri="{C183D7F6-B498-43B3-948B-1728B52AA6E4}">
-                <adec:decorative xmlns="" xmlns:adec="http://schemas.microsoft.com/office/drawing/2017/decorative" val="1"/>
+                <adec:decorative xmlns:adec="http://schemas.microsoft.com/office/drawing/2017/decorative" xmlns="" val="1"/>
               </a:ext>
             </a:extLst>
           </p:cNvPr>
@@ -43555,7 +43558,7 @@
                 <a16:creationId xmlns:a16="http://schemas.microsoft.com/office/drawing/2014/main" id="{D14F9816-D761-44CD-80AC-A13A6A2BF4F4}"/>
               </a:ext>
               <a:ext uri="{C183D7F6-B498-43B3-948B-1728B52AA6E4}">
-                <adec:decorative xmlns="" xmlns:adec="http://schemas.microsoft.com/office/drawing/2017/decorative" val="1"/>
+                <adec:decorative xmlns:adec="http://schemas.microsoft.com/office/drawing/2017/decorative" xmlns="" val="1"/>
               </a:ext>
             </a:extLst>
           </p:cNvPr>
@@ -44439,7 +44442,7 @@
                 <a16:creationId xmlns:a16="http://schemas.microsoft.com/office/drawing/2014/main" id="{E6D6E19C-DE46-4402-8CBF-17BB95458532}"/>
               </a:ext>
               <a:ext uri="{C183D7F6-B498-43B3-948B-1728B52AA6E4}">
-                <adec:decorative xmlns="" xmlns:adec="http://schemas.microsoft.com/office/drawing/2017/decorative" val="1"/>
+                <adec:decorative xmlns:adec="http://schemas.microsoft.com/office/drawing/2017/decorative" xmlns="" val="1"/>
               </a:ext>
             </a:extLst>
           </p:cNvPr>
@@ -45182,7 +45185,7 @@
                 <a16:creationId xmlns:a16="http://schemas.microsoft.com/office/drawing/2014/main" id="{C8431200-8E45-4A0C-B12B-CFA1B2C53C47}"/>
               </a:ext>
               <a:ext uri="{C183D7F6-B498-43B3-948B-1728B52AA6E4}">
-                <adec:decorative xmlns="" xmlns:adec="http://schemas.microsoft.com/office/drawing/2017/decorative" val="1"/>
+                <adec:decorative xmlns:adec="http://schemas.microsoft.com/office/drawing/2017/decorative" xmlns="" val="1"/>
               </a:ext>
             </a:extLst>
           </p:cNvPr>
@@ -45242,7 +45245,7 @@
                 <a16:creationId xmlns:a16="http://schemas.microsoft.com/office/drawing/2014/main" id="{241C7FC4-FEFA-4A96-9749-9068C68611EF}"/>
               </a:ext>
               <a:ext uri="{C183D7F6-B498-43B3-948B-1728B52AA6E4}">
-                <adec:decorative xmlns="" xmlns:adec="http://schemas.microsoft.com/office/drawing/2017/decorative" val="1"/>
+                <adec:decorative xmlns:adec="http://schemas.microsoft.com/office/drawing/2017/decorative" xmlns="" val="1"/>
               </a:ext>
             </a:extLst>
           </p:cNvPr>
@@ -45358,7 +45361,7 @@
                 <a16:creationId xmlns:a16="http://schemas.microsoft.com/office/drawing/2014/main" id="{294AEDC0-6B1D-4A3D-860D-83756CC387D3}"/>
               </a:ext>
               <a:ext uri="{C183D7F6-B498-43B3-948B-1728B52AA6E4}">
-                <adec:decorative xmlns="" xmlns:adec="http://schemas.microsoft.com/office/drawing/2017/decorative" val="1"/>
+                <adec:decorative xmlns:adec="http://schemas.microsoft.com/office/drawing/2017/decorative" xmlns="" val="1"/>
               </a:ext>
             </a:extLst>
           </p:cNvPr>

--- a/NeoBrain.pptx
+++ b/NeoBrain.pptx
@@ -1361,7 +1361,7 @@
             <a:pPr rtl="0"/>
             <a:fld id="{84D28F2D-D4F3-4E2B-A0F3-7AAFDE0BC58B}" type="datetime1">
               <a:rPr lang="ru-RU" smtClean="0"/>
-              <a:t>13.04.2020</a:t>
+              <a:t>14.05.2020</a:t>
             </a:fld>
             <a:endParaRPr lang="ru-RU" dirty="0"/>
           </a:p>
@@ -1542,7 +1542,7 @@
             <a:fld id="{CA49951C-CA37-4221-943D-71E64EEEA549}" type="datetime1">
               <a:rPr lang="ru-RU" smtClean="0"/>
               <a:pPr/>
-              <a:t>13.04.2020</a:t>
+              <a:t>14.05.2020</a:t>
             </a:fld>
             <a:endParaRPr lang="ru-RU" dirty="0"/>
           </a:p>
@@ -3257,7 +3257,7 @@
             <a:pPr rtl="0"/>
             <a:fld id="{1BCB67F5-0266-4F57-BCC8-CAA9673E5902}" type="datetime1">
               <a:rPr lang="ru-RU" noProof="0" smtClean="0"/>
-              <a:t>13.04.2020</a:t>
+              <a:t>14.05.2020</a:t>
             </a:fld>
             <a:endParaRPr lang="ru-RU" noProof="0" dirty="0"/>
           </a:p>
@@ -3461,7 +3461,7 @@
             <a:pPr rtl="0"/>
             <a:fld id="{1B5ADB00-8AAA-4C20-B03B-A012746A2014}" type="datetime1">
               <a:rPr lang="ru-RU" noProof="0" smtClean="0"/>
-              <a:t>13.04.2020</a:t>
+              <a:t>14.05.2020</a:t>
             </a:fld>
             <a:endParaRPr lang="ru-RU" noProof="0" dirty="0"/>
           </a:p>
@@ -3675,7 +3675,7 @@
             <a:pPr rtl="0"/>
             <a:fld id="{7C0EA85A-0755-4D64-85AE-4D684CB44117}" type="datetime1">
               <a:rPr lang="ru-RU" noProof="0" smtClean="0"/>
-              <a:t>13.04.2020</a:t>
+              <a:t>14.05.2020</a:t>
             </a:fld>
             <a:endParaRPr lang="ru-RU" noProof="0" dirty="0"/>
           </a:p>
@@ -3879,7 +3879,7 @@
             <a:pPr rtl="0"/>
             <a:fld id="{82200F68-8153-43BD-9048-5E0203738055}" type="datetime1">
               <a:rPr lang="ru-RU" noProof="0" smtClean="0"/>
-              <a:t>13.04.2020</a:t>
+              <a:t>14.05.2020</a:t>
             </a:fld>
             <a:endParaRPr lang="ru-RU" noProof="0" dirty="0"/>
           </a:p>
@@ -4159,7 +4159,7 @@
             <a:pPr rtl="0"/>
             <a:fld id="{DEE6A3E5-DF0B-4BB4-83EC-7350AED6B333}" type="datetime1">
               <a:rPr lang="ru-RU" noProof="0" smtClean="0"/>
-              <a:t>13.04.2020</a:t>
+              <a:t>14.05.2020</a:t>
             </a:fld>
             <a:endParaRPr lang="ru-RU" noProof="0" dirty="0"/>
           </a:p>
@@ -4431,7 +4431,7 @@
             <a:pPr rtl="0"/>
             <a:fld id="{658B5BE7-11FF-4B74-A258-0B0852B1C612}" type="datetime1">
               <a:rPr lang="ru-RU" noProof="0" smtClean="0"/>
-              <a:t>13.04.2020</a:t>
+              <a:t>14.05.2020</a:t>
             </a:fld>
             <a:endParaRPr lang="ru-RU" noProof="0" dirty="0"/>
           </a:p>
@@ -4850,7 +4850,7 @@
             <a:pPr rtl="0"/>
             <a:fld id="{5153AEB0-DEE4-469A-ACA7-FCE298962CB8}" type="datetime1">
               <a:rPr lang="ru-RU" noProof="0" smtClean="0"/>
-              <a:t>13.04.2020</a:t>
+              <a:t>14.05.2020</a:t>
             </a:fld>
             <a:endParaRPr lang="ru-RU" noProof="0" dirty="0"/>
           </a:p>
@@ -4996,7 +4996,7 @@
             <a:pPr rtl="0"/>
             <a:fld id="{A7D850CA-FEA9-4ECA-92F5-9F1778664B8F}" type="datetime1">
               <a:rPr lang="ru-RU" noProof="0" smtClean="0"/>
-              <a:t>13.04.2020</a:t>
+              <a:t>14.05.2020</a:t>
             </a:fld>
             <a:endParaRPr lang="ru-RU" noProof="0" dirty="0"/>
           </a:p>
@@ -5112,7 +5112,7 @@
             <a:pPr rtl="0"/>
             <a:fld id="{BDD77D1A-AB3F-4195-91BD-ED29ADAC1B44}" type="datetime1">
               <a:rPr lang="ru-RU" noProof="0" smtClean="0"/>
-              <a:t>13.04.2020</a:t>
+              <a:t>14.05.2020</a:t>
             </a:fld>
             <a:endParaRPr lang="ru-RU" noProof="0" dirty="0"/>
           </a:p>
@@ -5429,7 +5429,7 @@
             <a:pPr rtl="0"/>
             <a:fld id="{376F1AFD-3CC9-4493-BC63-1C141B05CE5B}" type="datetime1">
               <a:rPr lang="ru-RU" noProof="0" smtClean="0"/>
-              <a:t>13.04.2020</a:t>
+              <a:t>14.05.2020</a:t>
             </a:fld>
             <a:endParaRPr lang="ru-RU" noProof="0" dirty="0"/>
           </a:p>
@@ -5727,7 +5727,7 @@
             <a:pPr rtl="0"/>
             <a:fld id="{6F578092-39FE-416A-9517-019E99EC9D0E}" type="datetime1">
               <a:rPr lang="ru-RU" noProof="0" smtClean="0"/>
-              <a:t>13.04.2020</a:t>
+              <a:t>14.05.2020</a:t>
             </a:fld>
             <a:endParaRPr lang="ru-RU" noProof="0" dirty="0"/>
           </a:p>
@@ -5972,7 +5972,7 @@
             <a:pPr rtl="0"/>
             <a:fld id="{368E1444-B5BA-4767-8208-964378902D11}" type="datetime1">
               <a:rPr lang="ru-RU" noProof="0" smtClean="0"/>
-              <a:t>13.04.2020</a:t>
+              <a:t>14.05.2020</a:t>
             </a:fld>
             <a:endParaRPr lang="ru-RU" noProof="0" dirty="0"/>
           </a:p>
@@ -9100,20 +9100,55 @@
       </p:sp>
       <p:pic>
         <p:nvPicPr>
-          <p:cNvPr id="5" name="Рисунок 4">
+          <p:cNvPr id="21" name="Picture 2" descr="https://myitschool.ru/is/Temp/6de8160f1fd025b6fa336272db8d42b4/SAMSUNG_IT_Academy_Logo_RU.png"/>
+          <p:cNvPicPr>
+            <a:picLocks noChangeAspect="1" noChangeArrowheads="1"/>
+          </p:cNvPicPr>
+          <p:nvPr/>
+        </p:nvPicPr>
+        <p:blipFill>
+          <a:blip r:embed="rId3" cstate="hqprint">
             <a:extLst>
-              <a:ext uri="{FF2B5EF4-FFF2-40B4-BE49-F238E27FC236}">
-                <a16:creationId xmlns:a16="http://schemas.microsoft.com/office/drawing/2014/main" id="{58EB85A8-65F5-4BC7-9B1A-67A6C855DE82}"/>
+              <a:ext uri="{28A0092B-C50C-407E-A947-70E740481C1C}">
+                <a14:useLocalDpi xmlns:a14="http://schemas.microsoft.com/office/drawing/2010/main" val="0"/>
               </a:ext>
             </a:extLst>
-          </p:cNvPr>
+          </a:blip>
+          <a:srcRect/>
+          <a:stretch>
+            <a:fillRect/>
+          </a:stretch>
+        </p:blipFill>
+        <p:spPr bwMode="auto">
+          <a:xfrm>
+            <a:off x="1842578" y="478302"/>
+            <a:ext cx="2101990" cy="738537"/>
+          </a:xfrm>
+          <a:prstGeom prst="rect">
+            <a:avLst/>
+          </a:prstGeom>
+          <a:noFill/>
+          <a:extLst>
+            <a:ext uri="{909E8E84-426E-40DD-AFC4-6F175D3DCCD1}">
+              <a14:hiddenFill xmlns:a14="http://schemas.microsoft.com/office/drawing/2010/main">
+                <a:solidFill>
+                  <a:srgbClr val="FFFFFF"/>
+                </a:solidFill>
+              </a14:hiddenFill>
+            </a:ext>
+          </a:extLst>
+        </p:spPr>
+      </p:pic>
+      <p:pic>
+        <p:nvPicPr>
+          <p:cNvPr id="4" name="Рисунок 3"/>
           <p:cNvPicPr>
             <a:picLocks noChangeAspect="1"/>
           </p:cNvPicPr>
           <p:nvPr/>
         </p:nvPicPr>
         <p:blipFill>
-          <a:blip r:embed="rId3">
+          <a:blip r:embed="rId4" cstate="hqprint">
             <a:extLst>
               <a:ext uri="{28A0092B-C50C-407E-A947-70E740481C1C}">
                 <a14:useLocalDpi xmlns:a14="http://schemas.microsoft.com/office/drawing/2010/main" val="0"/>
@@ -9126,8 +9161,8 @@
         </p:blipFill>
         <p:spPr>
           <a:xfrm>
-            <a:off x="736270" y="454867"/>
-            <a:ext cx="761972" cy="761972"/>
+            <a:off x="1060907" y="514645"/>
+            <a:ext cx="702194" cy="702194"/>
           </a:xfrm>
           <a:prstGeom prst="rect">
             <a:avLst/>
@@ -9193,7 +9228,7 @@
                                           </p:stCondLst>
                                         </p:cTn>
                                         <p:tgtEl>
-                                          <p:spTgt spid="2"/>
+                                          <p:spTgt spid="4"/>
                                         </p:tgtEl>
                                         <p:attrNameLst>
                                           <p:attrName>style.visibility</p:attrName>
@@ -9207,13 +9242,175 @@
                                       <p:cBhvr>
                                         <p:cTn id="7" dur="1000"/>
                                         <p:tgtEl>
+                                          <p:spTgt spid="4"/>
+                                        </p:tgtEl>
+                                      </p:cBhvr>
+                                    </p:animEffect>
+                                    <p:anim calcmode="lin" valueType="num">
+                                      <p:cBhvr>
+                                        <p:cTn id="8" dur="1000" fill="hold"/>
+                                        <p:tgtEl>
+                                          <p:spTgt spid="4"/>
+                                        </p:tgtEl>
+                                        <p:attrNameLst>
+                                          <p:attrName>ppt_x</p:attrName>
+                                        </p:attrNameLst>
+                                      </p:cBhvr>
+                                      <p:tavLst>
+                                        <p:tav tm="0">
+                                          <p:val>
+                                            <p:strVal val="#ppt_x"/>
+                                          </p:val>
+                                        </p:tav>
+                                        <p:tav tm="100000">
+                                          <p:val>
+                                            <p:strVal val="#ppt_x"/>
+                                          </p:val>
+                                        </p:tav>
+                                      </p:tavLst>
+                                    </p:anim>
+                                    <p:anim calcmode="lin" valueType="num">
+                                      <p:cBhvr>
+                                        <p:cTn id="9" dur="1000" fill="hold"/>
+                                        <p:tgtEl>
+                                          <p:spTgt spid="4"/>
+                                        </p:tgtEl>
+                                        <p:attrNameLst>
+                                          <p:attrName>ppt_y</p:attrName>
+                                        </p:attrNameLst>
+                                      </p:cBhvr>
+                                      <p:tavLst>
+                                        <p:tav tm="0">
+                                          <p:val>
+                                            <p:strVal val="#ppt_y+.1"/>
+                                          </p:val>
+                                        </p:tav>
+                                        <p:tav tm="100000">
+                                          <p:val>
+                                            <p:strVal val="#ppt_y"/>
+                                          </p:val>
+                                        </p:tav>
+                                      </p:tavLst>
+                                    </p:anim>
+                                  </p:childTnLst>
+                                </p:cTn>
+                              </p:par>
+                              <p:par>
+                                <p:cTn id="10" presetID="42" presetClass="entr" presetSubtype="0" fill="hold" nodeType="withEffect">
+                                  <p:stCondLst>
+                                    <p:cond delay="0"/>
+                                  </p:stCondLst>
+                                  <p:childTnLst>
+                                    <p:set>
+                                      <p:cBhvr>
+                                        <p:cTn id="11" dur="1" fill="hold">
+                                          <p:stCondLst>
+                                            <p:cond delay="0"/>
+                                          </p:stCondLst>
+                                        </p:cTn>
+                                        <p:tgtEl>
+                                          <p:spTgt spid="21"/>
+                                        </p:tgtEl>
+                                        <p:attrNameLst>
+                                          <p:attrName>style.visibility</p:attrName>
+                                        </p:attrNameLst>
+                                      </p:cBhvr>
+                                      <p:to>
+                                        <p:strVal val="visible"/>
+                                      </p:to>
+                                    </p:set>
+                                    <p:animEffect transition="in" filter="fade">
+                                      <p:cBhvr>
+                                        <p:cTn id="12" dur="1000"/>
+                                        <p:tgtEl>
+                                          <p:spTgt spid="21"/>
+                                        </p:tgtEl>
+                                      </p:cBhvr>
+                                    </p:animEffect>
+                                    <p:anim calcmode="lin" valueType="num">
+                                      <p:cBhvr>
+                                        <p:cTn id="13" dur="1000" fill="hold"/>
+                                        <p:tgtEl>
+                                          <p:spTgt spid="21"/>
+                                        </p:tgtEl>
+                                        <p:attrNameLst>
+                                          <p:attrName>ppt_x</p:attrName>
+                                        </p:attrNameLst>
+                                      </p:cBhvr>
+                                      <p:tavLst>
+                                        <p:tav tm="0">
+                                          <p:val>
+                                            <p:strVal val="#ppt_x"/>
+                                          </p:val>
+                                        </p:tav>
+                                        <p:tav tm="100000">
+                                          <p:val>
+                                            <p:strVal val="#ppt_x"/>
+                                          </p:val>
+                                        </p:tav>
+                                      </p:tavLst>
+                                    </p:anim>
+                                    <p:anim calcmode="lin" valueType="num">
+                                      <p:cBhvr>
+                                        <p:cTn id="14" dur="1000" fill="hold"/>
+                                        <p:tgtEl>
+                                          <p:spTgt spid="21"/>
+                                        </p:tgtEl>
+                                        <p:attrNameLst>
+                                          <p:attrName>ppt_y</p:attrName>
+                                        </p:attrNameLst>
+                                      </p:cBhvr>
+                                      <p:tavLst>
+                                        <p:tav tm="0">
+                                          <p:val>
+                                            <p:strVal val="#ppt_y+.1"/>
+                                          </p:val>
+                                        </p:tav>
+                                        <p:tav tm="100000">
+                                          <p:val>
+                                            <p:strVal val="#ppt_y"/>
+                                          </p:val>
+                                        </p:tav>
+                                      </p:tavLst>
+                                    </p:anim>
+                                  </p:childTnLst>
+                                </p:cTn>
+                              </p:par>
+                              <p:par>
+                                <p:cTn id="15" presetID="42" presetClass="entr" presetSubtype="0" fill="hold" nodeType="withEffect">
+                                  <p:stCondLst>
+                                    <p:cond delay="0"/>
+                                  </p:stCondLst>
+                                  <p:childTnLst>
+                                    <p:set>
+                                      <p:cBhvr>
+                                        <p:cTn id="16" dur="1" fill="hold">
+                                          <p:stCondLst>
+                                            <p:cond delay="0"/>
+                                          </p:stCondLst>
+                                        </p:cTn>
+                                        <p:tgtEl>
+                                          <p:spTgt spid="2"/>
+                                        </p:tgtEl>
+                                        <p:attrNameLst>
+                                          <p:attrName>style.visibility</p:attrName>
+                                        </p:attrNameLst>
+                                      </p:cBhvr>
+                                      <p:to>
+                                        <p:strVal val="visible"/>
+                                      </p:to>
+                                    </p:set>
+                                    <p:animEffect transition="in" filter="fade">
+                                      <p:cBhvr>
+                                        <p:cTn id="17" dur="1000"/>
+                                        <p:tgtEl>
                                           <p:spTgt spid="2"/>
                                         </p:tgtEl>
                                       </p:cBhvr>
                                     </p:animEffect>
                                     <p:anim calcmode="lin" valueType="num">
                                       <p:cBhvr>
-                                        <p:cTn id="8" dur="1000" fill="hold"/>
+                                        <p:cTn id="18" dur="1000" fill="hold"/>
                                         <p:tgtEl>
                                           <p:spTgt spid="2"/>
                                         </p:tgtEl>
@@ -9236,7 +9433,7 @@
                                     </p:anim>
                                     <p:anim calcmode="lin" valueType="num">
                                       <p:cBhvr>
-                                        <p:cTn id="9" dur="1000" fill="hold"/>
+                                        <p:cTn id="19" dur="1000" fill="hold"/>
                                         <p:tgtEl>
                                           <p:spTgt spid="2"/>
                                         </p:tgtEl>
@@ -9261,14 +9458,14 @@
                                 </p:cTn>
                               </p:par>
                               <p:par>
-                                <p:cTn id="10" presetID="42" presetClass="entr" presetSubtype="0" fill="hold" grpId="0" nodeType="withEffect">
+                                <p:cTn id="20" presetID="42" presetClass="entr" presetSubtype="0" fill="hold" grpId="0" nodeType="withEffect">
                                   <p:stCondLst>
                                     <p:cond delay="0"/>
                                   </p:stCondLst>
                                   <p:childTnLst>
                                     <p:set>
                                       <p:cBhvr>
-                                        <p:cTn id="11" dur="1" fill="hold">
+                                        <p:cTn id="21" dur="1" fill="hold">
                                           <p:stCondLst>
                                             <p:cond delay="0"/>
                                           </p:stCondLst>
@@ -9286,7 +9483,7 @@
                                     </p:set>
                                     <p:animEffect transition="in" filter="fade">
                                       <p:cBhvr>
-                                        <p:cTn id="12" dur="1000"/>
+                                        <p:cTn id="22" dur="1000"/>
                                         <p:tgtEl>
                                           <p:spTgt spid="24"/>
                                         </p:tgtEl>
@@ -9294,7 +9491,7 @@
                                     </p:animEffect>
                                     <p:anim calcmode="lin" valueType="num">
                                       <p:cBhvr>
-                                        <p:cTn id="13" dur="1000" fill="hold"/>
+                                        <p:cTn id="23" dur="1000" fill="hold"/>
                                         <p:tgtEl>
                                           <p:spTgt spid="24"/>
                                         </p:tgtEl>
@@ -9317,7 +9514,7 @@
                                     </p:anim>
                                     <p:anim calcmode="lin" valueType="num">
                                       <p:cBhvr>
-                                        <p:cTn id="14" dur="1000" fill="hold"/>
+                                        <p:cTn id="24" dur="1000" fill="hold"/>
                                         <p:tgtEl>
                                           <p:spTgt spid="24"/>
                                         </p:tgtEl>
@@ -9342,14 +9539,14 @@
                                 </p:cTn>
                               </p:par>
                               <p:par>
-                                <p:cTn id="15" presetID="42" presetClass="entr" presetSubtype="0" fill="hold" grpId="0" nodeType="withEffect">
+                                <p:cTn id="25" presetID="42" presetClass="entr" presetSubtype="0" fill="hold" grpId="0" nodeType="withEffect">
                                   <p:stCondLst>
                                     <p:cond delay="0"/>
                                   </p:stCondLst>
                                   <p:childTnLst>
                                     <p:set>
                                       <p:cBhvr>
-                                        <p:cTn id="16" dur="1" fill="hold">
+                                        <p:cTn id="26" dur="1" fill="hold">
                                           <p:stCondLst>
                                             <p:cond delay="0"/>
                                           </p:stCondLst>
@@ -9367,7 +9564,7 @@
                                     </p:set>
                                     <p:animEffect transition="in" filter="fade">
                                       <p:cBhvr>
-                                        <p:cTn id="17" dur="1000"/>
+                                        <p:cTn id="27" dur="1000"/>
                                         <p:tgtEl>
                                           <p:spTgt spid="55"/>
                                         </p:tgtEl>
@@ -9375,7 +9572,7 @@
                                     </p:animEffect>
                                     <p:anim calcmode="lin" valueType="num">
                                       <p:cBhvr>
-                                        <p:cTn id="18" dur="1000" fill="hold"/>
+                                        <p:cTn id="28" dur="1000" fill="hold"/>
                                         <p:tgtEl>
                                           <p:spTgt spid="55"/>
                                         </p:tgtEl>
@@ -9398,7 +9595,7 @@
                                     </p:anim>
                                     <p:anim calcmode="lin" valueType="num">
                                       <p:cBhvr>
-                                        <p:cTn id="19" dur="1000" fill="hold"/>
+                                        <p:cTn id="29" dur="1000" fill="hold"/>
                                         <p:tgtEl>
                                           <p:spTgt spid="55"/>
                                         </p:tgtEl>
@@ -9423,14 +9620,14 @@
                                 </p:cTn>
                               </p:par>
                               <p:par>
-                                <p:cTn id="20" presetID="42" presetClass="entr" presetSubtype="0" fill="hold" nodeType="withEffect">
+                                <p:cTn id="30" presetID="42" presetClass="entr" presetSubtype="0" fill="hold" nodeType="withEffect">
                                   <p:stCondLst>
                                     <p:cond delay="0"/>
                                   </p:stCondLst>
                                   <p:childTnLst>
                                     <p:set>
                                       <p:cBhvr>
-                                        <p:cTn id="21" dur="1" fill="hold">
+                                        <p:cTn id="31" dur="1" fill="hold">
                                           <p:stCondLst>
                                             <p:cond delay="0"/>
                                           </p:stCondLst>
@@ -9448,7 +9645,7 @@
                                     </p:set>
                                     <p:animEffect transition="in" filter="fade">
                                       <p:cBhvr>
-                                        <p:cTn id="22" dur="2000"/>
+                                        <p:cTn id="32" dur="2000"/>
                                         <p:tgtEl>
                                           <p:spTgt spid="56"/>
                                         </p:tgtEl>
@@ -9456,7 +9653,7 @@
                                     </p:animEffect>
                                     <p:anim calcmode="lin" valueType="num">
                                       <p:cBhvr>
-                                        <p:cTn id="23" dur="2000" fill="hold"/>
+                                        <p:cTn id="33" dur="2000" fill="hold"/>
                                         <p:tgtEl>
                                           <p:spTgt spid="56"/>
                                         </p:tgtEl>
@@ -9479,90 +9676,9 @@
                                     </p:anim>
                                     <p:anim calcmode="lin" valueType="num">
                                       <p:cBhvr>
-                                        <p:cTn id="24" dur="2000" fill="hold"/>
+                                        <p:cTn id="34" dur="2000" fill="hold"/>
                                         <p:tgtEl>
                                           <p:spTgt spid="56"/>
-                                        </p:tgtEl>
-                                        <p:attrNameLst>
-                                          <p:attrName>ppt_y</p:attrName>
-                                        </p:attrNameLst>
-                                      </p:cBhvr>
-                                      <p:tavLst>
-                                        <p:tav tm="0">
-                                          <p:val>
-                                            <p:strVal val="#ppt_y+.1"/>
-                                          </p:val>
-                                        </p:tav>
-                                        <p:tav tm="100000">
-                                          <p:val>
-                                            <p:strVal val="#ppt_y"/>
-                                          </p:val>
-                                        </p:tav>
-                                      </p:tavLst>
-                                    </p:anim>
-                                  </p:childTnLst>
-                                </p:cTn>
-                              </p:par>
-                              <p:par>
-                                <p:cTn id="25" presetID="42" presetClass="entr" presetSubtype="0" fill="hold" nodeType="withEffect">
-                                  <p:stCondLst>
-                                    <p:cond delay="0"/>
-                                  </p:stCondLst>
-                                  <p:childTnLst>
-                                    <p:set>
-                                      <p:cBhvr>
-                                        <p:cTn id="26" dur="1" fill="hold">
-                                          <p:stCondLst>
-                                            <p:cond delay="0"/>
-                                          </p:stCondLst>
-                                        </p:cTn>
-                                        <p:tgtEl>
-                                          <p:spTgt spid="5"/>
-                                        </p:tgtEl>
-                                        <p:attrNameLst>
-                                          <p:attrName>style.visibility</p:attrName>
-                                        </p:attrNameLst>
-                                      </p:cBhvr>
-                                      <p:to>
-                                        <p:strVal val="visible"/>
-                                      </p:to>
-                                    </p:set>
-                                    <p:animEffect transition="in" filter="fade">
-                                      <p:cBhvr>
-                                        <p:cTn id="27" dur="2000"/>
-                                        <p:tgtEl>
-                                          <p:spTgt spid="5"/>
-                                        </p:tgtEl>
-                                      </p:cBhvr>
-                                    </p:animEffect>
-                                    <p:anim calcmode="lin" valueType="num">
-                                      <p:cBhvr>
-                                        <p:cTn id="28" dur="2000" fill="hold"/>
-                                        <p:tgtEl>
-                                          <p:spTgt spid="5"/>
-                                        </p:tgtEl>
-                                        <p:attrNameLst>
-                                          <p:attrName>ppt_x</p:attrName>
-                                        </p:attrNameLst>
-                                      </p:cBhvr>
-                                      <p:tavLst>
-                                        <p:tav tm="0">
-                                          <p:val>
-                                            <p:strVal val="#ppt_x"/>
-                                          </p:val>
-                                        </p:tav>
-                                        <p:tav tm="100000">
-                                          <p:val>
-                                            <p:strVal val="#ppt_x"/>
-                                          </p:val>
-                                        </p:tav>
-                                      </p:tavLst>
-                                    </p:anim>
-                                    <p:anim calcmode="lin" valueType="num">
-                                      <p:cBhvr>
-                                        <p:cTn id="29" dur="2000" fill="hold"/>
-                                        <p:tgtEl>
-                                          <p:spTgt spid="5"/>
                                         </p:tgtEl>
                                         <p:attrNameLst>
                                           <p:attrName>ppt_y</p:attrName>
@@ -9787,7 +9903,7 @@
                 <a16:creationId xmlns:a16="http://schemas.microsoft.com/office/drawing/2014/main" id="{C8431200-8E45-4A0C-B12B-CFA1B2C53C47}"/>
               </a:ext>
               <a:ext uri="{C183D7F6-B498-43B3-948B-1728B52AA6E4}">
-                <adec:decorative xmlns:adec="http://schemas.microsoft.com/office/drawing/2017/decorative" xmlns="" val="1"/>
+                <adec:decorative xmlns="" xmlns:adec="http://schemas.microsoft.com/office/drawing/2017/decorative" val="1"/>
               </a:ext>
             </a:extLst>
           </p:cNvPr>
@@ -9847,7 +9963,7 @@
                 <a16:creationId xmlns:a16="http://schemas.microsoft.com/office/drawing/2014/main" id="{241C7FC4-FEFA-4A96-9749-9068C68611EF}"/>
               </a:ext>
               <a:ext uri="{C183D7F6-B498-43B3-948B-1728B52AA6E4}">
-                <adec:decorative xmlns:adec="http://schemas.microsoft.com/office/drawing/2017/decorative" xmlns="" val="1"/>
+                <adec:decorative xmlns="" xmlns:adec="http://schemas.microsoft.com/office/drawing/2017/decorative" val="1"/>
               </a:ext>
             </a:extLst>
           </p:cNvPr>
@@ -9963,7 +10079,7 @@
                 <a16:creationId xmlns:a16="http://schemas.microsoft.com/office/drawing/2014/main" id="{294AEDC0-6B1D-4A3D-860D-83756CC387D3}"/>
               </a:ext>
               <a:ext uri="{C183D7F6-B498-43B3-948B-1728B52AA6E4}">
-                <adec:decorative xmlns:adec="http://schemas.microsoft.com/office/drawing/2017/decorative" xmlns="" val="1"/>
+                <adec:decorative xmlns="" xmlns:adec="http://schemas.microsoft.com/office/drawing/2017/decorative" val="1"/>
               </a:ext>
             </a:extLst>
           </p:cNvPr>
@@ -10527,6 +10643,9 @@
   <p:clrMapOvr>
     <a:masterClrMapping/>
   </p:clrMapOvr>
+  <p:transition spd="slow">
+    <p:push dir="u"/>
+  </p:transition>
   <p:timing>
     <p:tnLst>
       <p:par>
@@ -10562,7 +10681,7 @@
                 <a16:creationId xmlns:a16="http://schemas.microsoft.com/office/drawing/2014/main" id="{D14F9816-D761-44CD-80AC-A13A6A2BF4F4}"/>
               </a:ext>
               <a:ext uri="{C183D7F6-B498-43B3-948B-1728B52AA6E4}">
-                <adec:decorative xmlns:adec="http://schemas.microsoft.com/office/drawing/2017/decorative" xmlns="" val="1"/>
+                <adec:decorative xmlns="" xmlns:adec="http://schemas.microsoft.com/office/drawing/2017/decorative" val="1"/>
               </a:ext>
             </a:extLst>
           </p:cNvPr>
@@ -11446,7 +11565,7 @@
                 <a16:creationId xmlns:a16="http://schemas.microsoft.com/office/drawing/2014/main" id="{E6D6E19C-DE46-4402-8CBF-17BB95458532}"/>
               </a:ext>
               <a:ext uri="{C183D7F6-B498-43B3-948B-1728B52AA6E4}">
-                <adec:decorative xmlns:adec="http://schemas.microsoft.com/office/drawing/2017/decorative" xmlns="" val="1"/>
+                <adec:decorative xmlns="" xmlns:adec="http://schemas.microsoft.com/office/drawing/2017/decorative" val="1"/>
               </a:ext>
             </a:extLst>
           </p:cNvPr>
@@ -12090,6 +12209,18 @@
   <p:clrMapOvr>
     <a:masterClrMapping/>
   </p:clrMapOvr>
+  <mc:AlternateContent xmlns:mc="http://schemas.openxmlformats.org/markup-compatibility/2006">
+    <mc:Choice xmlns:p14="http://schemas.microsoft.com/office/powerpoint/2010/main" Requires="p14">
+      <p:transition spd="slow" p14:dur="1500">
+        <p:split orient="vert"/>
+      </p:transition>
+    </mc:Choice>
+    <mc:Fallback>
+      <p:transition spd="slow">
+        <p:split orient="vert"/>
+      </p:transition>
+    </mc:Fallback>
+  </mc:AlternateContent>
   <p:timing>
     <p:tnLst>
       <p:par>
@@ -12125,7 +12256,7 @@
                 <a16:creationId xmlns:a16="http://schemas.microsoft.com/office/drawing/2014/main" id="{3638C06D-F644-4B33-8858-D880F038FAC3}"/>
               </a:ext>
               <a:ext uri="{C183D7F6-B498-43B3-948B-1728B52AA6E4}">
-                <adec:decorative xmlns:adec="http://schemas.microsoft.com/office/drawing/2017/decorative" xmlns="" val="1"/>
+                <adec:decorative xmlns="" xmlns:adec="http://schemas.microsoft.com/office/drawing/2017/decorative" val="1"/>
               </a:ext>
             </a:extLst>
           </p:cNvPr>
@@ -17360,7 +17491,7 @@
                 <a16:creationId xmlns:a16="http://schemas.microsoft.com/office/drawing/2014/main" id="{6D08E99A-0644-4757-9F3A-BBA1A4F39081}"/>
               </a:ext>
               <a:ext uri="{C183D7F6-B498-43B3-948B-1728B52AA6E4}">
-                <adec:decorative xmlns:adec="http://schemas.microsoft.com/office/drawing/2017/decorative" xmlns="" val="1"/>
+                <adec:decorative xmlns="" xmlns:adec="http://schemas.microsoft.com/office/drawing/2017/decorative" val="1"/>
               </a:ext>
             </a:extLst>
           </p:cNvPr>
@@ -17406,7 +17537,7 @@
                 <a16:creationId xmlns:a16="http://schemas.microsoft.com/office/drawing/2014/main" id="{A21B85DB-181D-46E7-A9DF-F92B1DF032FD}"/>
               </a:ext>
               <a:ext uri="{C183D7F6-B498-43B3-948B-1728B52AA6E4}">
-                <adec:decorative xmlns:adec="http://schemas.microsoft.com/office/drawing/2017/decorative" xmlns="" val="1"/>
+                <adec:decorative xmlns="" xmlns:adec="http://schemas.microsoft.com/office/drawing/2017/decorative" val="1"/>
               </a:ext>
             </a:extLst>
           </p:cNvPr>
@@ -17517,7 +17648,7 @@
                 <a16:creationId xmlns:a16="http://schemas.microsoft.com/office/drawing/2014/main" id="{0B8C9A86-3574-4A2E-BC62-481A2BE7FBED}"/>
               </a:ext>
               <a:ext uri="{C183D7F6-B498-43B3-948B-1728B52AA6E4}">
-                <adec:decorative xmlns:adec="http://schemas.microsoft.com/office/drawing/2017/decorative" xmlns="" val="1"/>
+                <adec:decorative xmlns="" xmlns:adec="http://schemas.microsoft.com/office/drawing/2017/decorative" val="1"/>
               </a:ext>
             </a:extLst>
           </p:cNvPr>
@@ -21020,6 +21151,18 @@
   <p:clrMapOvr>
     <a:masterClrMapping/>
   </p:clrMapOvr>
+  <mc:AlternateContent xmlns:mc="http://schemas.openxmlformats.org/markup-compatibility/2006">
+    <mc:Choice xmlns:p14="http://schemas.microsoft.com/office/powerpoint/2010/main" Requires="p14">
+      <p:transition spd="slow" p14:dur="4000">
+        <p14:vortex dir="r"/>
+      </p:transition>
+    </mc:Choice>
+    <mc:Fallback>
+      <p:transition spd="slow">
+        <p:fade/>
+      </p:transition>
+    </mc:Fallback>
+  </mc:AlternateContent>
   <p:timing>
     <p:tnLst>
       <p:par>
@@ -22303,6 +22446,18 @@
   <p:clrMapOvr>
     <a:masterClrMapping/>
   </p:clrMapOvr>
+  <mc:AlternateContent xmlns:mc="http://schemas.openxmlformats.org/markup-compatibility/2006">
+    <mc:Choice xmlns:p14="http://schemas.microsoft.com/office/powerpoint/2010/main" Requires="p14">
+      <p:transition spd="slow">
+        <p14:flash/>
+      </p:transition>
+    </mc:Choice>
+    <mc:Fallback>
+      <p:transition spd="slow">
+        <p:fade/>
+      </p:transition>
+    </mc:Fallback>
+  </mc:AlternateContent>
   <p:timing>
     <p:tnLst>
       <p:par>
@@ -22519,10 +22674,10 @@
       </p:sp>
       <p:pic>
         <p:nvPicPr>
-          <p:cNvPr id="5122" name="Picture 2">
+          <p:cNvPr id="5126" name="Picture 6">
             <a:extLst>
               <a:ext uri="{FF2B5EF4-FFF2-40B4-BE49-F238E27FC236}">
-                <a16:creationId xmlns:a16="http://schemas.microsoft.com/office/drawing/2014/main" id="{FC6386AC-8C55-4C76-8882-A6F7B6945AD0}"/>
+                <a16:creationId xmlns:a16="http://schemas.microsoft.com/office/drawing/2014/main" id="{9B3EC4CB-798F-453D-AF8C-01994893E91E}"/>
               </a:ext>
             </a:extLst>
           </p:cNvPr>
@@ -22546,102 +22701,8 @@
         </p:blipFill>
         <p:spPr bwMode="auto">
           <a:xfrm>
-            <a:off x="1020410" y="1104939"/>
-            <a:ext cx="1080000" cy="1080000"/>
-          </a:xfrm>
-          <a:prstGeom prst="rect">
-            <a:avLst/>
-          </a:prstGeom>
-          <a:noFill/>
-        </p:spPr>
-      </p:pic>
-      <p:pic>
-        <p:nvPicPr>
-          <p:cNvPr id="5124" name="Picture 4">
-            <a:extLst>
-              <a:ext uri="{FF2B5EF4-FFF2-40B4-BE49-F238E27FC236}">
-                <a16:creationId xmlns:a16="http://schemas.microsoft.com/office/drawing/2014/main" id="{4A505C20-9129-48C4-A6BC-0021979621A6}"/>
-              </a:ext>
-            </a:extLst>
-          </p:cNvPr>
-          <p:cNvPicPr>
-            <a:picLocks noChangeAspect="1" noChangeArrowheads="1"/>
-          </p:cNvPicPr>
-          <p:nvPr/>
-        </p:nvPicPr>
-        <p:blipFill>
-          <a:blip r:embed="rId5" cstate="hqprint">
-            <a:extLst>
-              <a:ext uri="{BEBA8EAE-BF5A-486C-A8C5-ECC9F3942E4B}">
-                <a14:imgProps xmlns:a14="http://schemas.microsoft.com/office/drawing/2010/main">
-                  <a14:imgLayer r:embed="rId6">
-                    <a14:imgEffect>
-                      <a14:backgroundRemoval t="10000" b="90000" l="10000" r="90000"/>
-                    </a14:imgEffect>
-                  </a14:imgLayer>
-                </a14:imgProps>
-              </a:ext>
-              <a:ext uri="{28A0092B-C50C-407E-A947-70E740481C1C}">
-                <a14:useLocalDpi xmlns:a14="http://schemas.microsoft.com/office/drawing/2010/main" val="0"/>
-              </a:ext>
-            </a:extLst>
-          </a:blip>
-          <a:srcRect/>
-          <a:stretch>
-            <a:fillRect/>
-          </a:stretch>
-        </p:blipFill>
-        <p:spPr bwMode="auto">
-          <a:xfrm>
-            <a:off x="4851600" y="1284939"/>
-            <a:ext cx="720000" cy="720000"/>
-          </a:xfrm>
-          <a:prstGeom prst="rect">
-            <a:avLst/>
-          </a:prstGeom>
-          <a:noFill/>
-          <a:extLst>
-            <a:ext uri="{909E8E84-426E-40DD-AFC4-6F175D3DCCD1}">
-              <a14:hiddenFill xmlns:a14="http://schemas.microsoft.com/office/drawing/2010/main">
-                <a:solidFill>
-                  <a:srgbClr val="FFFFFF"/>
-                </a:solidFill>
-              </a14:hiddenFill>
-            </a:ext>
-          </a:extLst>
-        </p:spPr>
-      </p:pic>
-      <p:pic>
-        <p:nvPicPr>
-          <p:cNvPr id="5126" name="Picture 6">
-            <a:extLst>
-              <a:ext uri="{FF2B5EF4-FFF2-40B4-BE49-F238E27FC236}">
-                <a16:creationId xmlns:a16="http://schemas.microsoft.com/office/drawing/2014/main" id="{9B3EC4CB-798F-453D-AF8C-01994893E91E}"/>
-              </a:ext>
-            </a:extLst>
-          </p:cNvPr>
-          <p:cNvPicPr>
-            <a:picLocks noChangeAspect="1" noChangeArrowheads="1"/>
-          </p:cNvPicPr>
-          <p:nvPr/>
-        </p:nvPicPr>
-        <p:blipFill>
-          <a:blip r:embed="rId7" cstate="hqprint">
-            <a:extLst>
-              <a:ext uri="{28A0092B-C50C-407E-A947-70E740481C1C}">
-                <a14:useLocalDpi xmlns:a14="http://schemas.microsoft.com/office/drawing/2010/main" val="0"/>
-              </a:ext>
-            </a:extLst>
-          </a:blip>
-          <a:srcRect/>
-          <a:stretch>
-            <a:fillRect/>
-          </a:stretch>
-        </p:blipFill>
-        <p:spPr bwMode="auto">
-          <a:xfrm>
-            <a:off x="2916121" y="2576698"/>
-            <a:ext cx="932871" cy="720000"/>
+            <a:off x="2824065" y="2436144"/>
+            <a:ext cx="1093453" cy="843939"/>
           </a:xfrm>
           <a:prstGeom prst="rect">
             <a:avLst/>
@@ -22666,7 +22727,7 @@
                 <a16:creationId xmlns:a16="http://schemas.microsoft.com/office/drawing/2014/main" id="{7F192ACD-9C75-481C-8934-C15F525ED96C}"/>
               </a:ext>
               <a:ext uri="{C183D7F6-B498-43B3-948B-1728B52AA6E4}">
-                <adec:decorative xmlns:adec="http://schemas.microsoft.com/office/drawing/2017/decorative" xmlns="" val="1"/>
+                <adec:decorative xmlns="" xmlns:adec="http://schemas.microsoft.com/office/drawing/2017/decorative" val="1"/>
               </a:ext>
             </a:extLst>
           </p:cNvPr>
@@ -22816,7 +22877,7 @@
                 <a16:creationId xmlns:a16="http://schemas.microsoft.com/office/drawing/2014/main" id="{5B7ACCD3-FC43-4E32-B7AA-E6D86BED1A32}"/>
               </a:ext>
               <a:ext uri="{C183D7F6-B498-43B3-948B-1728B52AA6E4}">
-                <adec:decorative xmlns:adec="http://schemas.microsoft.com/office/drawing/2017/decorative" xmlns="" val="1"/>
+                <adec:decorative xmlns="" xmlns:adec="http://schemas.microsoft.com/office/drawing/2017/decorative" val="1"/>
               </a:ext>
             </a:extLst>
           </p:cNvPr>
@@ -22871,7 +22932,7 @@
           <p:nvPr/>
         </p:nvPicPr>
         <p:blipFill>
-          <a:blip r:embed="rId8" cstate="hqprint">
+          <a:blip r:embed="rId5" cstate="hqprint">
             <a:extLst>
               <a:ext uri="{28A0092B-C50C-407E-A947-70E740481C1C}">
                 <a14:useLocalDpi xmlns:a14="http://schemas.microsoft.com/office/drawing/2010/main" val="0"/>
@@ -23011,7 +23072,7 @@
                 <a16:creationId xmlns:a16="http://schemas.microsoft.com/office/drawing/2014/main" id="{7F192ACD-9C75-481C-8934-C15F525ED96C}"/>
               </a:ext>
               <a:ext uri="{C183D7F6-B498-43B3-948B-1728B52AA6E4}">
-                <adec:decorative xmlns:adec="http://schemas.microsoft.com/office/drawing/2017/decorative" xmlns="" val="1"/>
+                <adec:decorative xmlns="" xmlns:adec="http://schemas.microsoft.com/office/drawing/2017/decorative" val="1"/>
               </a:ext>
             </a:extLst>
           </p:cNvPr>
@@ -23161,13 +23222,11 @@
                 <a16:creationId xmlns:a16="http://schemas.microsoft.com/office/drawing/2014/main" id="{5B7ACCD3-FC43-4E32-B7AA-E6D86BED1A32}"/>
               </a:ext>
               <a:ext uri="{C183D7F6-B498-43B3-948B-1728B52AA6E4}">
-                <adec:decorative xmlns:adec="http://schemas.microsoft.com/office/drawing/2017/decorative" xmlns="" val="1"/>
+                <adec:decorative xmlns="" xmlns:adec="http://schemas.microsoft.com/office/drawing/2017/decorative" val="1"/>
               </a:ext>
             </a:extLst>
           </p:cNvPr>
-          <p:cNvCxnSpPr>
-            <a:endCxn id="5124" idx="2"/>
-          </p:cNvCxnSpPr>
+          <p:cNvCxnSpPr/>
           <p:nvPr/>
         </p:nvCxnSpPr>
         <p:spPr>
@@ -23218,7 +23277,7 @@
           <p:nvPr/>
         </p:nvPicPr>
         <p:blipFill>
-          <a:blip r:embed="rId9">
+          <a:blip r:embed="rId6">
             <a:extLst>
               <a:ext uri="{28A0092B-C50C-407E-A947-70E740481C1C}">
                 <a14:useLocalDpi xmlns:a14="http://schemas.microsoft.com/office/drawing/2010/main" val="0"/>
@@ -23358,7 +23417,7 @@
                 <a16:creationId xmlns:a16="http://schemas.microsoft.com/office/drawing/2014/main" id="{7F192ACD-9C75-481C-8934-C15F525ED96C}"/>
               </a:ext>
               <a:ext uri="{C183D7F6-B498-43B3-948B-1728B52AA6E4}">
-                <adec:decorative xmlns:adec="http://schemas.microsoft.com/office/drawing/2017/decorative" xmlns="" val="1"/>
+                <adec:decorative xmlns="" xmlns:adec="http://schemas.microsoft.com/office/drawing/2017/decorative" val="1"/>
               </a:ext>
             </a:extLst>
           </p:cNvPr>
@@ -23508,7 +23567,7 @@
                 <a16:creationId xmlns:a16="http://schemas.microsoft.com/office/drawing/2014/main" id="{7F192ACD-9C75-481C-8934-C15F525ED96C}"/>
               </a:ext>
               <a:ext uri="{C183D7F6-B498-43B3-948B-1728B52AA6E4}">
-                <adec:decorative xmlns:adec="http://schemas.microsoft.com/office/drawing/2017/decorative" xmlns="" val="1"/>
+                <adec:decorative xmlns="" xmlns:adec="http://schemas.microsoft.com/office/drawing/2017/decorative" val="1"/>
               </a:ext>
             </a:extLst>
           </p:cNvPr>
@@ -23658,7 +23717,7 @@
                 <a16:creationId xmlns:a16="http://schemas.microsoft.com/office/drawing/2014/main" id="{5B7ACCD3-FC43-4E32-B7AA-E6D86BED1A32}"/>
               </a:ext>
               <a:ext uri="{C183D7F6-B498-43B3-948B-1728B52AA6E4}">
-                <adec:decorative xmlns:adec="http://schemas.microsoft.com/office/drawing/2017/decorative" xmlns="" val="1"/>
+                <adec:decorative xmlns="" xmlns:adec="http://schemas.microsoft.com/office/drawing/2017/decorative" val="1"/>
               </a:ext>
             </a:extLst>
           </p:cNvPr>
@@ -23713,7 +23772,7 @@
           <p:nvPr/>
         </p:nvPicPr>
         <p:blipFill rotWithShape="1">
-          <a:blip r:embed="rId10" cstate="hqprint">
+          <a:blip r:embed="rId7" cstate="hqprint">
             <a:extLst>
               <a:ext uri="{28A0092B-C50C-407E-A947-70E740481C1C}">
                 <a14:useLocalDpi xmlns:a14="http://schemas.microsoft.com/office/drawing/2010/main" val="0"/>
@@ -23844,6 +23903,77 @@
           </a:p>
         </p:txBody>
       </p:sp>
+      <p:pic>
+        <p:nvPicPr>
+          <p:cNvPr id="1026" name="Picture 2" descr="https://myitschool.ru/is/Temp/6de8160f1fd025b6fa336272db8d42b4/SAMSUNG_IT_Academy_Logo_RU.png"/>
+          <p:cNvPicPr>
+            <a:picLocks noChangeAspect="1" noChangeArrowheads="1"/>
+          </p:cNvPicPr>
+          <p:nvPr/>
+        </p:nvPicPr>
+        <p:blipFill>
+          <a:blip r:embed="rId8" cstate="hqprint">
+            <a:extLst>
+              <a:ext uri="{28A0092B-C50C-407E-A947-70E740481C1C}">
+                <a14:useLocalDpi xmlns:a14="http://schemas.microsoft.com/office/drawing/2010/main" val="0"/>
+              </a:ext>
+            </a:extLst>
+          </a:blip>
+          <a:srcRect/>
+          <a:stretch>
+            <a:fillRect/>
+          </a:stretch>
+        </p:blipFill>
+        <p:spPr bwMode="auto">
+          <a:xfrm>
+            <a:off x="437061" y="1226740"/>
+            <a:ext cx="2101990" cy="738537"/>
+          </a:xfrm>
+          <a:prstGeom prst="rect">
+            <a:avLst/>
+          </a:prstGeom>
+          <a:noFill/>
+          <a:extLst>
+            <a:ext uri="{909E8E84-426E-40DD-AFC4-6F175D3DCCD1}">
+              <a14:hiddenFill xmlns:a14="http://schemas.microsoft.com/office/drawing/2010/main">
+                <a:solidFill>
+                  <a:srgbClr val="FFFFFF"/>
+                </a:solidFill>
+              </a14:hiddenFill>
+            </a:ext>
+          </a:extLst>
+        </p:spPr>
+      </p:pic>
+      <p:pic>
+        <p:nvPicPr>
+          <p:cNvPr id="7" name="Рисунок 6"/>
+          <p:cNvPicPr>
+            <a:picLocks noChangeAspect="1"/>
+          </p:cNvPicPr>
+          <p:nvPr/>
+        </p:nvPicPr>
+        <p:blipFill>
+          <a:blip r:embed="rId9" cstate="hqprint">
+            <a:extLst>
+              <a:ext uri="{28A0092B-C50C-407E-A947-70E740481C1C}">
+                <a14:useLocalDpi xmlns:a14="http://schemas.microsoft.com/office/drawing/2010/main" val="0"/>
+              </a:ext>
+            </a:extLst>
+          </a:blip>
+          <a:stretch>
+            <a:fillRect/>
+          </a:stretch>
+        </p:blipFill>
+        <p:spPr>
+          <a:xfrm>
+            <a:off x="4178665" y="1467894"/>
+            <a:ext cx="2031514" cy="396659"/>
+          </a:xfrm>
+          <a:prstGeom prst="rect">
+            <a:avLst/>
+          </a:prstGeom>
+        </p:spPr>
+      </p:pic>
     </p:spTree>
     <p:extLst>
       <p:ext uri="{BB962C8B-B14F-4D97-AF65-F5344CB8AC3E}">
@@ -23854,6 +23984,18 @@
   <p:clrMapOvr>
     <a:masterClrMapping/>
   </p:clrMapOvr>
+  <mc:AlternateContent xmlns:mc="http://schemas.openxmlformats.org/markup-compatibility/2006">
+    <mc:Choice xmlns:p14="http://schemas.microsoft.com/office/powerpoint/2010/main" Requires="p14">
+      <p:transition spd="slow" p14:dur="2500">
+        <p:checker/>
+      </p:transition>
+    </mc:Choice>
+    <mc:Fallback>
+      <p:transition spd="slow">
+        <p:checker/>
+      </p:transition>
+    </mc:Fallback>
+  </mc:AlternateContent>
   <p:timing>
     <p:tnLst>
       <p:par>
@@ -26633,6 +26775,18 @@
   <p:clrMapOvr>
     <a:masterClrMapping/>
   </p:clrMapOvr>
+  <mc:AlternateContent xmlns:mc="http://schemas.openxmlformats.org/markup-compatibility/2006">
+    <mc:Choice xmlns:p14="http://schemas.microsoft.com/office/powerpoint/2010/main" Requires="p14">
+      <p:transition spd="slow" p14:dur="1500">
+        <p:split orient="vert"/>
+      </p:transition>
+    </mc:Choice>
+    <mc:Fallback>
+      <p:transition spd="slow">
+        <p:split orient="vert"/>
+      </p:transition>
+    </mc:Fallback>
+  </mc:AlternateContent>
   <p:timing>
     <p:tnLst>
       <p:par>
@@ -30400,7 +30554,7 @@
                 <a16:creationId xmlns:a16="http://schemas.microsoft.com/office/drawing/2014/main" id="{D14F9816-D761-44CD-80AC-A13A6A2BF4F4}"/>
               </a:ext>
               <a:ext uri="{C183D7F6-B498-43B3-948B-1728B52AA6E4}">
-                <adec:decorative xmlns:adec="http://schemas.microsoft.com/office/drawing/2017/decorative" xmlns="" val="1"/>
+                <adec:decorative xmlns="" xmlns:adec="http://schemas.microsoft.com/office/drawing/2017/decorative" val="1"/>
               </a:ext>
             </a:extLst>
           </p:cNvPr>
@@ -31388,12 +31542,233 @@
   <p:clrMapOvr>
     <a:masterClrMapping/>
   </p:clrMapOvr>
+  <mc:AlternateContent xmlns:mc="http://schemas.openxmlformats.org/markup-compatibility/2006">
+    <mc:Choice xmlns:p14="http://schemas.microsoft.com/office/powerpoint/2010/main" Requires="p14">
+      <p:transition spd="slow" p14:dur="1500">
+        <p:split orient="vert"/>
+      </p:transition>
+    </mc:Choice>
+    <mc:Fallback>
+      <p:transition spd="slow">
+        <p:split orient="vert"/>
+      </p:transition>
+    </mc:Fallback>
+  </mc:AlternateContent>
   <p:timing>
     <p:tnLst>
       <p:par>
-        <p:cTn id="1" dur="indefinite" restart="never" nodeType="tmRoot"/>
+        <p:cTn id="1" dur="indefinite" restart="never" nodeType="tmRoot">
+          <p:childTnLst>
+            <p:seq concurrent="1" nextAc="seek">
+              <p:cTn id="2" dur="indefinite" nodeType="mainSeq">
+                <p:childTnLst>
+                  <p:par>
+                    <p:cTn id="3" fill="hold">
+                      <p:stCondLst>
+                        <p:cond delay="indefinite"/>
+                      </p:stCondLst>
+                      <p:childTnLst>
+                        <p:par>
+                          <p:cTn id="4" fill="hold">
+                            <p:stCondLst>
+                              <p:cond delay="0"/>
+                            </p:stCondLst>
+                            <p:childTnLst>
+                              <p:par>
+                                <p:cTn id="5" presetID="42" presetClass="entr" presetSubtype="0" fill="hold" grpId="0" nodeType="clickEffect">
+                                  <p:stCondLst>
+                                    <p:cond delay="0"/>
+                                  </p:stCondLst>
+                                  <p:childTnLst>
+                                    <p:set>
+                                      <p:cBhvr>
+                                        <p:cTn id="6" dur="1" fill="hold">
+                                          <p:stCondLst>
+                                            <p:cond delay="0"/>
+                                          </p:stCondLst>
+                                        </p:cTn>
+                                        <p:tgtEl>
+                                          <p:spTgt spid="118"/>
+                                        </p:tgtEl>
+                                        <p:attrNameLst>
+                                          <p:attrName>style.visibility</p:attrName>
+                                        </p:attrNameLst>
+                                      </p:cBhvr>
+                                      <p:to>
+                                        <p:strVal val="visible"/>
+                                      </p:to>
+                                    </p:set>
+                                    <p:animEffect transition="in" filter="fade">
+                                      <p:cBhvr>
+                                        <p:cTn id="7" dur="1000"/>
+                                        <p:tgtEl>
+                                          <p:spTgt spid="118"/>
+                                        </p:tgtEl>
+                                      </p:cBhvr>
+                                    </p:animEffect>
+                                    <p:anim calcmode="lin" valueType="num">
+                                      <p:cBhvr>
+                                        <p:cTn id="8" dur="1000" fill="hold"/>
+                                        <p:tgtEl>
+                                          <p:spTgt spid="118"/>
+                                        </p:tgtEl>
+                                        <p:attrNameLst>
+                                          <p:attrName>ppt_x</p:attrName>
+                                        </p:attrNameLst>
+                                      </p:cBhvr>
+                                      <p:tavLst>
+                                        <p:tav tm="0">
+                                          <p:val>
+                                            <p:strVal val="#ppt_x"/>
+                                          </p:val>
+                                        </p:tav>
+                                        <p:tav tm="100000">
+                                          <p:val>
+                                            <p:strVal val="#ppt_x"/>
+                                          </p:val>
+                                        </p:tav>
+                                      </p:tavLst>
+                                    </p:anim>
+                                    <p:anim calcmode="lin" valueType="num">
+                                      <p:cBhvr>
+                                        <p:cTn id="9" dur="1000" fill="hold"/>
+                                        <p:tgtEl>
+                                          <p:spTgt spid="118"/>
+                                        </p:tgtEl>
+                                        <p:attrNameLst>
+                                          <p:attrName>ppt_y</p:attrName>
+                                        </p:attrNameLst>
+                                      </p:cBhvr>
+                                      <p:tavLst>
+                                        <p:tav tm="0">
+                                          <p:val>
+                                            <p:strVal val="#ppt_y+.1"/>
+                                          </p:val>
+                                        </p:tav>
+                                        <p:tav tm="100000">
+                                          <p:val>
+                                            <p:strVal val="#ppt_y"/>
+                                          </p:val>
+                                        </p:tav>
+                                      </p:tavLst>
+                                    </p:anim>
+                                  </p:childTnLst>
+                                </p:cTn>
+                              </p:par>
+                            </p:childTnLst>
+                          </p:cTn>
+                        </p:par>
+                      </p:childTnLst>
+                    </p:cTn>
+                  </p:par>
+                  <p:par>
+                    <p:cTn id="10" fill="hold">
+                      <p:stCondLst>
+                        <p:cond delay="indefinite"/>
+                      </p:stCondLst>
+                      <p:childTnLst>
+                        <p:par>
+                          <p:cTn id="11" fill="hold">
+                            <p:stCondLst>
+                              <p:cond delay="0"/>
+                            </p:stCondLst>
+                            <p:childTnLst>
+                              <p:par>
+                                <p:cTn id="12" presetID="52" presetClass="entr" presetSubtype="0" fill="hold" grpId="0" nodeType="clickEffect">
+                                  <p:stCondLst>
+                                    <p:cond delay="0"/>
+                                  </p:stCondLst>
+                                  <p:childTnLst>
+                                    <p:set>
+                                      <p:cBhvr>
+                                        <p:cTn id="13" dur="1" fill="hold">
+                                          <p:stCondLst>
+                                            <p:cond delay="0"/>
+                                          </p:stCondLst>
+                                        </p:cTn>
+                                        <p:tgtEl>
+                                          <p:spTgt spid="119"/>
+                                        </p:tgtEl>
+                                        <p:attrNameLst>
+                                          <p:attrName>style.visibility</p:attrName>
+                                        </p:attrNameLst>
+                                      </p:cBhvr>
+                                      <p:to>
+                                        <p:strVal val="visible"/>
+                                      </p:to>
+                                    </p:set>
+                                    <p:animScale>
+                                      <p:cBhvr>
+                                        <p:cTn id="14" dur="1000" decel="50000" fill="hold">
+                                          <p:stCondLst>
+                                            <p:cond delay="0"/>
+                                          </p:stCondLst>
+                                        </p:cTn>
+                                        <p:tgtEl>
+                                          <p:spTgt spid="119"/>
+                                        </p:tgtEl>
+                                      </p:cBhvr>
+                                      <p:from x="250000" y="250000"/>
+                                      <p:to x="100000" y="100000"/>
+                                    </p:animScale>
+                                    <p:animMotion origin="layout" path="M -0.46736 0.92887  C -0.37517 0.88508  -0.02552 0.75279  0.0908 0.66613  C  0.20747 0.57948  0.21649 0.50394  0.23177 0.40825  C 0.24705 0.31256  0.22118 0.15964   0.18264 0.09152  C 0.1441 0.02341  0.03802 0.0  0.0 0.0  " pathEditMode="relative" ptsTypes="">
+                                      <p:cBhvr>
+                                        <p:cTn id="15" dur="1000" decel="50000" fill="hold">
+                                          <p:stCondLst>
+                                            <p:cond delay="0"/>
+                                          </p:stCondLst>
+                                        </p:cTn>
+                                        <p:tgtEl>
+                                          <p:spTgt spid="119"/>
+                                        </p:tgtEl>
+                                        <p:attrNameLst>
+                                          <p:attrName>ppt_x</p:attrName>
+                                          <p:attrName>ppt_y</p:attrName>
+                                        </p:attrNameLst>
+                                      </p:cBhvr>
+                                    </p:animMotion>
+                                    <p:animEffect transition="in" filter="fade">
+                                      <p:cBhvr>
+                                        <p:cTn id="16" dur="1000"/>
+                                        <p:tgtEl>
+                                          <p:spTgt spid="119"/>
+                                        </p:tgtEl>
+                                      </p:cBhvr>
+                                    </p:animEffect>
+                                  </p:childTnLst>
+                                </p:cTn>
+                              </p:par>
+                            </p:childTnLst>
+                          </p:cTn>
+                        </p:par>
+                      </p:childTnLst>
+                    </p:cTn>
+                  </p:par>
+                </p:childTnLst>
+              </p:cTn>
+              <p:prevCondLst>
+                <p:cond evt="onPrev" delay="0">
+                  <p:tgtEl>
+                    <p:sldTgt/>
+                  </p:tgtEl>
+                </p:cond>
+              </p:prevCondLst>
+              <p:nextCondLst>
+                <p:cond evt="onNext" delay="0">
+                  <p:tgtEl>
+                    <p:sldTgt/>
+                  </p:tgtEl>
+                </p:cond>
+              </p:nextCondLst>
+            </p:seq>
+          </p:childTnLst>
+        </p:cTn>
       </p:par>
     </p:tnLst>
+    <p:bldLst>
+      <p:bldP spid="118" grpId="0"/>
+      <p:bldP spid="119" grpId="0"/>
+    </p:bldLst>
   </p:timing>
 </p:sld>
 </file>
@@ -31423,7 +31798,7 @@
                 <a16:creationId xmlns:a16="http://schemas.microsoft.com/office/drawing/2014/main" id="{B38D4B56-7D6C-4345-912F-B3BA9A014E8B}"/>
               </a:ext>
               <a:ext uri="{C183D7F6-B498-43B3-948B-1728B52AA6E4}">
-                <adec:decorative xmlns:adec="http://schemas.microsoft.com/office/drawing/2017/decorative" xmlns="" val="1"/>
+                <adec:decorative xmlns="" xmlns:adec="http://schemas.microsoft.com/office/drawing/2017/decorative" val="1"/>
               </a:ext>
             </a:extLst>
           </p:cNvPr>
@@ -31463,13 +31838,10 @@
       </p:cxnSp>
       <p:grpSp>
         <p:nvGrpSpPr>
-          <p:cNvPr id="69" name="Группа 68">
+          <p:cNvPr id="21" name="Группа 20">
             <a:extLst>
               <a:ext uri="{FF2B5EF4-FFF2-40B4-BE49-F238E27FC236}">
-                <a16:creationId xmlns:a16="http://schemas.microsoft.com/office/drawing/2014/main" id="{B457331C-2A24-4352-9B4C-1C1B326F404F}"/>
-              </a:ext>
-              <a:ext uri="{C183D7F6-B498-43B3-948B-1728B52AA6E4}">
-                <adec:decorative xmlns:adec="http://schemas.microsoft.com/office/drawing/2017/decorative" xmlns="" val="1"/>
+                <a16:creationId xmlns:a16="http://schemas.microsoft.com/office/drawing/2014/main" id="{B111D787-E830-4638-97B3-205F0A0ABC3F}"/>
               </a:ext>
             </a:extLst>
           </p:cNvPr>
@@ -31479,506 +31851,485 @@
         <p:grpSpPr>
           <a:xfrm>
             <a:off x="802096" y="1653543"/>
-            <a:ext cx="4251078" cy="3550915"/>
-            <a:chOff x="518433" y="1757501"/>
-            <a:chExt cx="4251078" cy="3550915"/>
+            <a:ext cx="4251075" cy="307777"/>
+            <a:chOff x="518433" y="1916578"/>
+            <a:chExt cx="4251075" cy="307777"/>
           </a:xfrm>
         </p:grpSpPr>
-        <p:grpSp>
-          <p:nvGrpSpPr>
-            <p:cNvPr id="21" name="Группа 20">
+        <p:sp>
+          <p:nvSpPr>
+            <p:cNvPr id="6" name="Прямоугольник: Скругленные углы 5">
               <a:extLst>
                 <a:ext uri="{FF2B5EF4-FFF2-40B4-BE49-F238E27FC236}">
-                  <a16:creationId xmlns:a16="http://schemas.microsoft.com/office/drawing/2014/main" id="{B111D787-E830-4638-97B3-205F0A0ABC3F}"/>
+                  <a16:creationId xmlns:a16="http://schemas.microsoft.com/office/drawing/2014/main" id="{6BFCD1AA-E1CA-41D6-8605-56AFEBE4EEE3}"/>
                 </a:ext>
               </a:extLst>
             </p:cNvPr>
-            <p:cNvGrpSpPr/>
+            <p:cNvSpPr/>
             <p:nvPr/>
-          </p:nvGrpSpPr>
-          <p:grpSpPr>
+          </p:nvSpPr>
+          <p:spPr>
             <a:xfrm>
-              <a:off x="518433" y="1757501"/>
-              <a:ext cx="4251075" cy="307777"/>
-              <a:chOff x="518433" y="1916578"/>
-              <a:chExt cx="4251075" cy="307777"/>
+              <a:off x="518433" y="1981199"/>
+              <a:ext cx="443592" cy="232296"/>
             </a:xfrm>
-          </p:grpSpPr>
-          <p:sp>
-            <p:nvSpPr>
-              <p:cNvPr id="6" name="Прямоугольник: Скругленные углы 5">
-                <a:extLst>
-                  <a:ext uri="{FF2B5EF4-FFF2-40B4-BE49-F238E27FC236}">
-                    <a16:creationId xmlns:a16="http://schemas.microsoft.com/office/drawing/2014/main" id="{6BFCD1AA-E1CA-41D6-8605-56AFEBE4EEE3}"/>
-                  </a:ext>
-                </a:extLst>
-              </p:cNvPr>
-              <p:cNvSpPr/>
-              <p:nvPr/>
-            </p:nvSpPr>
-            <p:spPr>
-              <a:xfrm>
-                <a:off x="518433" y="1981199"/>
-                <a:ext cx="443592" cy="232296"/>
-              </a:xfrm>
-              <a:prstGeom prst="roundRect">
-                <a:avLst>
-                  <a:gd name="adj" fmla="val 50000"/>
-                </a:avLst>
-              </a:prstGeom>
-              <a:noFill/>
-              <a:ln>
-                <a:solidFill>
-                  <a:schemeClr val="tx1">
-                    <a:lumMod val="75000"/>
-                    <a:lumOff val="25000"/>
-                  </a:schemeClr>
-                </a:solidFill>
-              </a:ln>
-            </p:spPr>
-            <p:style>
-              <a:lnRef idx="2">
-                <a:schemeClr val="accent1">
-                  <a:shade val="50000"/>
+            <a:prstGeom prst="roundRect">
+              <a:avLst>
+                <a:gd name="adj" fmla="val 50000"/>
+              </a:avLst>
+            </a:prstGeom>
+            <a:noFill/>
+            <a:ln>
+              <a:solidFill>
+                <a:schemeClr val="tx1">
+                  <a:lumMod val="75000"/>
+                  <a:lumOff val="25000"/>
                 </a:schemeClr>
-              </a:lnRef>
-              <a:fillRef idx="1">
-                <a:schemeClr val="accent1"/>
-              </a:fillRef>
-              <a:effectRef idx="0">
-                <a:schemeClr val="accent1"/>
-              </a:effectRef>
-              <a:fontRef idx="minor">
-                <a:schemeClr val="lt1"/>
-              </a:fontRef>
-            </p:style>
-            <p:txBody>
-              <a:bodyPr rtlCol="0" anchor="ctr"/>
-              <a:lstStyle/>
-              <a:p>
-                <a:pPr algn="ctr" rtl="0"/>
-                <a:endParaRPr lang="ru-RU" dirty="0"/>
-              </a:p>
-            </p:txBody>
-          </p:sp>
-          <p:sp>
-            <p:nvSpPr>
-              <p:cNvPr id="8" name="Прямоугольник 7">
-                <a:extLst>
-                  <a:ext uri="{FF2B5EF4-FFF2-40B4-BE49-F238E27FC236}">
-                    <a16:creationId xmlns:a16="http://schemas.microsoft.com/office/drawing/2014/main" id="{E9101D99-B002-4698-9C7E-C942B9AA2D39}"/>
-                  </a:ext>
-                </a:extLst>
-              </p:cNvPr>
-              <p:cNvSpPr/>
-              <p:nvPr/>
-            </p:nvSpPr>
-            <p:spPr>
-              <a:xfrm>
-                <a:off x="1233313" y="1916578"/>
-                <a:ext cx="3536195" cy="307777"/>
-              </a:xfrm>
-              <a:prstGeom prst="rect">
-                <a:avLst/>
-              </a:prstGeom>
-            </p:spPr>
-            <p:txBody>
-              <a:bodyPr wrap="square" lIns="0" tIns="0" rIns="0" bIns="0" rtlCol="0">
-                <a:spAutoFit/>
-              </a:bodyPr>
-              <a:lstStyle/>
-              <a:p>
-                <a:pPr rtl="0"/>
-                <a:r>
-                  <a:rPr lang="ru-RU" sz="2000" i="1" dirty="0" smtClean="0">
-                    <a:solidFill>
-                      <a:srgbClr val="002060"/>
-                    </a:solidFill>
-                    <a:latin typeface="+mj-lt"/>
-                    <a:cs typeface="Segoe UI" panose="020B0502040204020203" pitchFamily="34" charset="0"/>
-                  </a:rPr>
-                  <a:t>Наша команда</a:t>
-                </a:r>
-                <a:endParaRPr lang="ru-RU" sz="2000" i="1" dirty="0">
+              </a:solidFill>
+            </a:ln>
+          </p:spPr>
+          <p:style>
+            <a:lnRef idx="2">
+              <a:schemeClr val="accent1">
+                <a:shade val="50000"/>
+              </a:schemeClr>
+            </a:lnRef>
+            <a:fillRef idx="1">
+              <a:schemeClr val="accent1"/>
+            </a:fillRef>
+            <a:effectRef idx="0">
+              <a:schemeClr val="accent1"/>
+            </a:effectRef>
+            <a:fontRef idx="minor">
+              <a:schemeClr val="lt1"/>
+            </a:fontRef>
+          </p:style>
+          <p:txBody>
+            <a:bodyPr rtlCol="0" anchor="ctr"/>
+            <a:lstStyle/>
+            <a:p>
+              <a:pPr algn="ctr" rtl="0"/>
+              <a:endParaRPr lang="ru-RU" dirty="0"/>
+            </a:p>
+          </p:txBody>
+        </p:sp>
+        <p:sp>
+          <p:nvSpPr>
+            <p:cNvPr id="8" name="Прямоугольник 7">
+              <a:extLst>
+                <a:ext uri="{FF2B5EF4-FFF2-40B4-BE49-F238E27FC236}">
+                  <a16:creationId xmlns:a16="http://schemas.microsoft.com/office/drawing/2014/main" id="{E9101D99-B002-4698-9C7E-C942B9AA2D39}"/>
+                </a:ext>
+              </a:extLst>
+            </p:cNvPr>
+            <p:cNvSpPr/>
+            <p:nvPr/>
+          </p:nvSpPr>
+          <p:spPr>
+            <a:xfrm>
+              <a:off x="1233313" y="1916578"/>
+              <a:ext cx="3536195" cy="307777"/>
+            </a:xfrm>
+            <a:prstGeom prst="rect">
+              <a:avLst/>
+            </a:prstGeom>
+          </p:spPr>
+          <p:txBody>
+            <a:bodyPr wrap="square" lIns="0" tIns="0" rIns="0" bIns="0" rtlCol="0">
+              <a:spAutoFit/>
+            </a:bodyPr>
+            <a:lstStyle/>
+            <a:p>
+              <a:pPr rtl="0"/>
+              <a:r>
+                <a:rPr lang="ru-RU" sz="2000" i="1" dirty="0" smtClean="0">
                   <a:solidFill>
                     <a:srgbClr val="002060"/>
                   </a:solidFill>
                   <a:latin typeface="+mj-lt"/>
                   <a:cs typeface="Segoe UI" panose="020B0502040204020203" pitchFamily="34" charset="0"/>
-                </a:endParaRPr>
-              </a:p>
-            </p:txBody>
-          </p:sp>
-        </p:grpSp>
-        <p:grpSp>
-          <p:nvGrpSpPr>
-            <p:cNvPr id="20" name="Группа 19">
+                </a:rPr>
+                <a:t>Наша команда</a:t>
+              </a:r>
+              <a:endParaRPr lang="ru-RU" sz="2000" i="1" dirty="0">
+                <a:solidFill>
+                  <a:srgbClr val="002060"/>
+                </a:solidFill>
+                <a:latin typeface="+mj-lt"/>
+                <a:cs typeface="Segoe UI" panose="020B0502040204020203" pitchFamily="34" charset="0"/>
+              </a:endParaRPr>
+            </a:p>
+          </p:txBody>
+        </p:sp>
+      </p:grpSp>
+      <p:grpSp>
+        <p:nvGrpSpPr>
+          <p:cNvPr id="20" name="Группа 19">
+            <a:extLst>
+              <a:ext uri="{FF2B5EF4-FFF2-40B4-BE49-F238E27FC236}">
+                <a16:creationId xmlns:a16="http://schemas.microsoft.com/office/drawing/2014/main" id="{2D19246F-8F2D-4FAD-8927-AA34DDAA5DFA}"/>
+              </a:ext>
+            </a:extLst>
+          </p:cNvPr>
+          <p:cNvGrpSpPr/>
+          <p:nvPr/>
+        </p:nvGrpSpPr>
+        <p:grpSpPr>
+          <a:xfrm>
+            <a:off x="802096" y="2736910"/>
+            <a:ext cx="4251076" cy="307777"/>
+            <a:chOff x="518433" y="2783006"/>
+            <a:chExt cx="4251076" cy="307777"/>
+          </a:xfrm>
+        </p:grpSpPr>
+        <p:sp>
+          <p:nvSpPr>
+            <p:cNvPr id="9" name="Прямоугольник: Скругленные углы 8">
               <a:extLst>
                 <a:ext uri="{FF2B5EF4-FFF2-40B4-BE49-F238E27FC236}">
-                  <a16:creationId xmlns:a16="http://schemas.microsoft.com/office/drawing/2014/main" id="{2D19246F-8F2D-4FAD-8927-AA34DDAA5DFA}"/>
+                  <a16:creationId xmlns:a16="http://schemas.microsoft.com/office/drawing/2014/main" id="{14FF47BA-9557-4442-8E2A-74A4F4AAD237}"/>
                 </a:ext>
               </a:extLst>
             </p:cNvPr>
-            <p:cNvGrpSpPr/>
+            <p:cNvSpPr/>
             <p:nvPr/>
-          </p:nvGrpSpPr>
-          <p:grpSpPr>
+          </p:nvSpPr>
+          <p:spPr>
             <a:xfrm>
-              <a:off x="518433" y="2840868"/>
-              <a:ext cx="4251076" cy="307777"/>
-              <a:chOff x="518433" y="2783006"/>
-              <a:chExt cx="4251076" cy="307777"/>
+              <a:off x="518433" y="2847627"/>
+              <a:ext cx="443592" cy="232296"/>
             </a:xfrm>
-          </p:grpSpPr>
-          <p:sp>
-            <p:nvSpPr>
-              <p:cNvPr id="9" name="Прямоугольник: Скругленные углы 8">
-                <a:extLst>
-                  <a:ext uri="{FF2B5EF4-FFF2-40B4-BE49-F238E27FC236}">
-                    <a16:creationId xmlns:a16="http://schemas.microsoft.com/office/drawing/2014/main" id="{14FF47BA-9557-4442-8E2A-74A4F4AAD237}"/>
-                  </a:ext>
-                </a:extLst>
-              </p:cNvPr>
-              <p:cNvSpPr/>
-              <p:nvPr/>
-            </p:nvSpPr>
-            <p:spPr>
-              <a:xfrm>
-                <a:off x="518433" y="2847627"/>
-                <a:ext cx="443592" cy="232296"/>
-              </a:xfrm>
-              <a:prstGeom prst="roundRect">
-                <a:avLst>
-                  <a:gd name="adj" fmla="val 50000"/>
-                </a:avLst>
-              </a:prstGeom>
-              <a:noFill/>
-              <a:ln>
-                <a:solidFill>
-                  <a:schemeClr val="tx1">
-                    <a:lumMod val="75000"/>
-                    <a:lumOff val="25000"/>
-                  </a:schemeClr>
-                </a:solidFill>
-              </a:ln>
-            </p:spPr>
-            <p:style>
-              <a:lnRef idx="2">
-                <a:schemeClr val="accent1">
-                  <a:shade val="50000"/>
+            <a:prstGeom prst="roundRect">
+              <a:avLst>
+                <a:gd name="adj" fmla="val 50000"/>
+              </a:avLst>
+            </a:prstGeom>
+            <a:noFill/>
+            <a:ln>
+              <a:solidFill>
+                <a:schemeClr val="tx1">
+                  <a:lumMod val="75000"/>
+                  <a:lumOff val="25000"/>
                 </a:schemeClr>
-              </a:lnRef>
-              <a:fillRef idx="1">
-                <a:schemeClr val="accent1"/>
-              </a:fillRef>
-              <a:effectRef idx="0">
-                <a:schemeClr val="accent1"/>
-              </a:effectRef>
-              <a:fontRef idx="minor">
-                <a:schemeClr val="lt1"/>
-              </a:fontRef>
-            </p:style>
-            <p:txBody>
-              <a:bodyPr rtlCol="0" anchor="ctr"/>
-              <a:lstStyle/>
-              <a:p>
-                <a:pPr algn="ctr" rtl="0"/>
-                <a:endParaRPr lang="ru-RU" dirty="0"/>
-              </a:p>
-            </p:txBody>
-          </p:sp>
-          <p:sp>
-            <p:nvSpPr>
-              <p:cNvPr id="10" name="Прямоугольник 9">
-                <a:extLst>
-                  <a:ext uri="{FF2B5EF4-FFF2-40B4-BE49-F238E27FC236}">
-                    <a16:creationId xmlns:a16="http://schemas.microsoft.com/office/drawing/2014/main" id="{B00C2221-E8A7-47E0-B2B2-5A6A32F96791}"/>
-                  </a:ext>
-                </a:extLst>
-              </p:cNvPr>
-              <p:cNvSpPr/>
-              <p:nvPr/>
-            </p:nvSpPr>
-            <p:spPr>
-              <a:xfrm>
-                <a:off x="1233314" y="2783006"/>
-                <a:ext cx="3536195" cy="307777"/>
-              </a:xfrm>
-              <a:prstGeom prst="rect">
-                <a:avLst/>
-              </a:prstGeom>
-            </p:spPr>
-            <p:txBody>
-              <a:bodyPr wrap="square" lIns="0" tIns="0" rIns="0" bIns="0" rtlCol="0">
-                <a:spAutoFit/>
-              </a:bodyPr>
-              <a:lstStyle/>
-              <a:p>
-                <a:pPr rtl="0"/>
-                <a:r>
-                  <a:rPr lang="ru-RU" sz="2000" i="1" dirty="0" smtClean="0">
-                    <a:solidFill>
-                      <a:srgbClr val="002060"/>
-                    </a:solidFill>
-                    <a:latin typeface="+mj-lt"/>
-                    <a:cs typeface="Segoe UI" panose="020B0502040204020203" pitchFamily="34" charset="0"/>
-                  </a:rPr>
-                  <a:t>Проблематика</a:t>
-                </a:r>
-                <a:endParaRPr lang="ru-RU" sz="2000" i="1" dirty="0">
+              </a:solidFill>
+            </a:ln>
+          </p:spPr>
+          <p:style>
+            <a:lnRef idx="2">
+              <a:schemeClr val="accent1">
+                <a:shade val="50000"/>
+              </a:schemeClr>
+            </a:lnRef>
+            <a:fillRef idx="1">
+              <a:schemeClr val="accent1"/>
+            </a:fillRef>
+            <a:effectRef idx="0">
+              <a:schemeClr val="accent1"/>
+            </a:effectRef>
+            <a:fontRef idx="minor">
+              <a:schemeClr val="lt1"/>
+            </a:fontRef>
+          </p:style>
+          <p:txBody>
+            <a:bodyPr rtlCol="0" anchor="ctr"/>
+            <a:lstStyle/>
+            <a:p>
+              <a:pPr algn="ctr" rtl="0"/>
+              <a:endParaRPr lang="ru-RU" dirty="0"/>
+            </a:p>
+          </p:txBody>
+        </p:sp>
+        <p:sp>
+          <p:nvSpPr>
+            <p:cNvPr id="10" name="Прямоугольник 9">
+              <a:extLst>
+                <a:ext uri="{FF2B5EF4-FFF2-40B4-BE49-F238E27FC236}">
+                  <a16:creationId xmlns:a16="http://schemas.microsoft.com/office/drawing/2014/main" id="{B00C2221-E8A7-47E0-B2B2-5A6A32F96791}"/>
+                </a:ext>
+              </a:extLst>
+            </p:cNvPr>
+            <p:cNvSpPr/>
+            <p:nvPr/>
+          </p:nvSpPr>
+          <p:spPr>
+            <a:xfrm>
+              <a:off x="1233314" y="2783006"/>
+              <a:ext cx="3536195" cy="307777"/>
+            </a:xfrm>
+            <a:prstGeom prst="rect">
+              <a:avLst/>
+            </a:prstGeom>
+          </p:spPr>
+          <p:txBody>
+            <a:bodyPr wrap="square" lIns="0" tIns="0" rIns="0" bIns="0" rtlCol="0">
+              <a:spAutoFit/>
+            </a:bodyPr>
+            <a:lstStyle/>
+            <a:p>
+              <a:pPr rtl="0"/>
+              <a:r>
+                <a:rPr lang="ru-RU" sz="2000" i="1" dirty="0" smtClean="0">
                   <a:solidFill>
                     <a:srgbClr val="002060"/>
                   </a:solidFill>
                   <a:latin typeface="+mj-lt"/>
                   <a:cs typeface="Segoe UI" panose="020B0502040204020203" pitchFamily="34" charset="0"/>
-                </a:endParaRPr>
-              </a:p>
-            </p:txBody>
-          </p:sp>
-        </p:grpSp>
-        <p:grpSp>
-          <p:nvGrpSpPr>
-            <p:cNvPr id="19" name="Группа 18">
+                </a:rPr>
+                <a:t>Проблематика</a:t>
+              </a:r>
+              <a:endParaRPr lang="ru-RU" sz="2000" i="1" dirty="0">
+                <a:solidFill>
+                  <a:srgbClr val="002060"/>
+                </a:solidFill>
+                <a:latin typeface="+mj-lt"/>
+                <a:cs typeface="Segoe UI" panose="020B0502040204020203" pitchFamily="34" charset="0"/>
+              </a:endParaRPr>
+            </a:p>
+          </p:txBody>
+        </p:sp>
+      </p:grpSp>
+      <p:grpSp>
+        <p:nvGrpSpPr>
+          <p:cNvPr id="19" name="Группа 18">
+            <a:extLst>
+              <a:ext uri="{FF2B5EF4-FFF2-40B4-BE49-F238E27FC236}">
+                <a16:creationId xmlns:a16="http://schemas.microsoft.com/office/drawing/2014/main" id="{9D065A01-39E4-4CC9-9075-3910C66205F5}"/>
+              </a:ext>
+            </a:extLst>
+          </p:cNvPr>
+          <p:cNvGrpSpPr/>
+          <p:nvPr/>
+        </p:nvGrpSpPr>
+        <p:grpSpPr>
+          <a:xfrm>
+            <a:off x="802096" y="3820277"/>
+            <a:ext cx="4251077" cy="307777"/>
+            <a:chOff x="518433" y="3663359"/>
+            <a:chExt cx="4251077" cy="307777"/>
+          </a:xfrm>
+        </p:grpSpPr>
+        <p:sp>
+          <p:nvSpPr>
+            <p:cNvPr id="11" name="Прямоугольник: Скругленные углы 10">
               <a:extLst>
                 <a:ext uri="{FF2B5EF4-FFF2-40B4-BE49-F238E27FC236}">
-                  <a16:creationId xmlns:a16="http://schemas.microsoft.com/office/drawing/2014/main" id="{9D065A01-39E4-4CC9-9075-3910C66205F5}"/>
+                  <a16:creationId xmlns:a16="http://schemas.microsoft.com/office/drawing/2014/main" id="{6B458D5C-BDF7-4A75-A4E8-B99128DCD84A}"/>
                 </a:ext>
               </a:extLst>
             </p:cNvPr>
-            <p:cNvGrpSpPr/>
+            <p:cNvSpPr/>
             <p:nvPr/>
-          </p:nvGrpSpPr>
-          <p:grpSpPr>
+          </p:nvSpPr>
+          <p:spPr>
             <a:xfrm>
-              <a:off x="518433" y="3924235"/>
-              <a:ext cx="4251077" cy="307777"/>
-              <a:chOff x="518433" y="3663359"/>
-              <a:chExt cx="4251077" cy="307777"/>
+              <a:off x="518433" y="3727980"/>
+              <a:ext cx="443592" cy="232296"/>
             </a:xfrm>
-          </p:grpSpPr>
-          <p:sp>
-            <p:nvSpPr>
-              <p:cNvPr id="11" name="Прямоугольник: Скругленные углы 10">
-                <a:extLst>
-                  <a:ext uri="{FF2B5EF4-FFF2-40B4-BE49-F238E27FC236}">
-                    <a16:creationId xmlns:a16="http://schemas.microsoft.com/office/drawing/2014/main" id="{6B458D5C-BDF7-4A75-A4E8-B99128DCD84A}"/>
-                  </a:ext>
-                </a:extLst>
-              </p:cNvPr>
-              <p:cNvSpPr/>
-              <p:nvPr/>
-            </p:nvSpPr>
-            <p:spPr>
-              <a:xfrm>
-                <a:off x="518433" y="3727980"/>
-                <a:ext cx="443592" cy="232296"/>
-              </a:xfrm>
-              <a:prstGeom prst="roundRect">
-                <a:avLst>
-                  <a:gd name="adj" fmla="val 50000"/>
-                </a:avLst>
-              </a:prstGeom>
-              <a:noFill/>
-              <a:ln>
-                <a:solidFill>
-                  <a:schemeClr val="tx1">
-                    <a:lumMod val="75000"/>
-                    <a:lumOff val="25000"/>
-                  </a:schemeClr>
-                </a:solidFill>
-              </a:ln>
-            </p:spPr>
-            <p:style>
-              <a:lnRef idx="2">
-                <a:schemeClr val="accent1">
-                  <a:shade val="50000"/>
+            <a:prstGeom prst="roundRect">
+              <a:avLst>
+                <a:gd name="adj" fmla="val 50000"/>
+              </a:avLst>
+            </a:prstGeom>
+            <a:noFill/>
+            <a:ln>
+              <a:solidFill>
+                <a:schemeClr val="tx1">
+                  <a:lumMod val="75000"/>
+                  <a:lumOff val="25000"/>
                 </a:schemeClr>
-              </a:lnRef>
-              <a:fillRef idx="1">
-                <a:schemeClr val="accent1"/>
-              </a:fillRef>
-              <a:effectRef idx="0">
-                <a:schemeClr val="accent1"/>
-              </a:effectRef>
-              <a:fontRef idx="minor">
-                <a:schemeClr val="lt1"/>
-              </a:fontRef>
-            </p:style>
-            <p:txBody>
-              <a:bodyPr rtlCol="0" anchor="ctr"/>
-              <a:lstStyle/>
-              <a:p>
-                <a:pPr algn="ctr" rtl="0"/>
-                <a:endParaRPr lang="ru-RU" dirty="0"/>
-              </a:p>
-            </p:txBody>
-          </p:sp>
-          <p:sp>
-            <p:nvSpPr>
-              <p:cNvPr id="12" name="Прямоугольник 11">
-                <a:extLst>
-                  <a:ext uri="{FF2B5EF4-FFF2-40B4-BE49-F238E27FC236}">
-                    <a16:creationId xmlns:a16="http://schemas.microsoft.com/office/drawing/2014/main" id="{CA17B45E-57F0-4725-89C0-3CD74A5097A3}"/>
-                  </a:ext>
-                </a:extLst>
-              </p:cNvPr>
-              <p:cNvSpPr/>
-              <p:nvPr/>
-            </p:nvSpPr>
-            <p:spPr>
-              <a:xfrm>
-                <a:off x="1233315" y="3663359"/>
-                <a:ext cx="3536195" cy="307777"/>
-              </a:xfrm>
-              <a:prstGeom prst="rect">
-                <a:avLst/>
-              </a:prstGeom>
-            </p:spPr>
-            <p:txBody>
-              <a:bodyPr wrap="square" lIns="0" tIns="0" rIns="0" bIns="0" rtlCol="0">
-                <a:spAutoFit/>
-              </a:bodyPr>
-              <a:lstStyle/>
-              <a:p>
-                <a:pPr rtl="0"/>
-                <a:r>
-                  <a:rPr lang="ru-RU" sz="2000" i="1" dirty="0" smtClean="0">
-                    <a:solidFill>
-                      <a:srgbClr val="002060"/>
-                    </a:solidFill>
-                    <a:latin typeface="+mj-lt"/>
-                    <a:cs typeface="Segoe UI" panose="020B0502040204020203" pitchFamily="34" charset="0"/>
-                  </a:rPr>
-                  <a:t>Наше решение</a:t>
-                </a:r>
-                <a:endParaRPr lang="ru-RU" sz="2000" i="1" dirty="0">
+              </a:solidFill>
+            </a:ln>
+          </p:spPr>
+          <p:style>
+            <a:lnRef idx="2">
+              <a:schemeClr val="accent1">
+                <a:shade val="50000"/>
+              </a:schemeClr>
+            </a:lnRef>
+            <a:fillRef idx="1">
+              <a:schemeClr val="accent1"/>
+            </a:fillRef>
+            <a:effectRef idx="0">
+              <a:schemeClr val="accent1"/>
+            </a:effectRef>
+            <a:fontRef idx="minor">
+              <a:schemeClr val="lt1"/>
+            </a:fontRef>
+          </p:style>
+          <p:txBody>
+            <a:bodyPr rtlCol="0" anchor="ctr"/>
+            <a:lstStyle/>
+            <a:p>
+              <a:pPr algn="ctr" rtl="0"/>
+              <a:endParaRPr lang="ru-RU" dirty="0"/>
+            </a:p>
+          </p:txBody>
+        </p:sp>
+        <p:sp>
+          <p:nvSpPr>
+            <p:cNvPr id="12" name="Прямоугольник 11">
+              <a:extLst>
+                <a:ext uri="{FF2B5EF4-FFF2-40B4-BE49-F238E27FC236}">
+                  <a16:creationId xmlns:a16="http://schemas.microsoft.com/office/drawing/2014/main" id="{CA17B45E-57F0-4725-89C0-3CD74A5097A3}"/>
+                </a:ext>
+              </a:extLst>
+            </p:cNvPr>
+            <p:cNvSpPr/>
+            <p:nvPr/>
+          </p:nvSpPr>
+          <p:spPr>
+            <a:xfrm>
+              <a:off x="1233315" y="3663359"/>
+              <a:ext cx="3536195" cy="307777"/>
+            </a:xfrm>
+            <a:prstGeom prst="rect">
+              <a:avLst/>
+            </a:prstGeom>
+          </p:spPr>
+          <p:txBody>
+            <a:bodyPr wrap="square" lIns="0" tIns="0" rIns="0" bIns="0" rtlCol="0">
+              <a:spAutoFit/>
+            </a:bodyPr>
+            <a:lstStyle/>
+            <a:p>
+              <a:pPr rtl="0"/>
+              <a:r>
+                <a:rPr lang="ru-RU" sz="2000" i="1" dirty="0" smtClean="0">
                   <a:solidFill>
                     <a:srgbClr val="002060"/>
                   </a:solidFill>
                   <a:latin typeface="+mj-lt"/>
                   <a:cs typeface="Segoe UI" panose="020B0502040204020203" pitchFamily="34" charset="0"/>
-                </a:endParaRPr>
-              </a:p>
-            </p:txBody>
-          </p:sp>
-        </p:grpSp>
-        <p:grpSp>
-          <p:nvGrpSpPr>
-            <p:cNvPr id="18" name="Группа 17">
+                </a:rPr>
+                <a:t>Наше решение</a:t>
+              </a:r>
+              <a:endParaRPr lang="ru-RU" sz="2000" i="1" dirty="0">
+                <a:solidFill>
+                  <a:srgbClr val="002060"/>
+                </a:solidFill>
+                <a:latin typeface="+mj-lt"/>
+                <a:cs typeface="Segoe UI" panose="020B0502040204020203" pitchFamily="34" charset="0"/>
+              </a:endParaRPr>
+            </a:p>
+          </p:txBody>
+        </p:sp>
+      </p:grpSp>
+      <p:grpSp>
+        <p:nvGrpSpPr>
+          <p:cNvPr id="18" name="Группа 17">
+            <a:extLst>
+              <a:ext uri="{FF2B5EF4-FFF2-40B4-BE49-F238E27FC236}">
+                <a16:creationId xmlns:a16="http://schemas.microsoft.com/office/drawing/2014/main" id="{609D452F-25F9-4A2F-84BD-9A44714884C6}"/>
+              </a:ext>
+            </a:extLst>
+          </p:cNvPr>
+          <p:cNvGrpSpPr/>
+          <p:nvPr/>
+        </p:nvGrpSpPr>
+        <p:grpSpPr>
+          <a:xfrm>
+            <a:off x="802096" y="4896681"/>
+            <a:ext cx="4251078" cy="307777"/>
+            <a:chOff x="518433" y="4536750"/>
+            <a:chExt cx="4251078" cy="307777"/>
+          </a:xfrm>
+        </p:grpSpPr>
+        <p:sp>
+          <p:nvSpPr>
+            <p:cNvPr id="13" name="Прямоугольник: Скругленные углы 12">
               <a:extLst>
                 <a:ext uri="{FF2B5EF4-FFF2-40B4-BE49-F238E27FC236}">
-                  <a16:creationId xmlns:a16="http://schemas.microsoft.com/office/drawing/2014/main" id="{609D452F-25F9-4A2F-84BD-9A44714884C6}"/>
+                  <a16:creationId xmlns:a16="http://schemas.microsoft.com/office/drawing/2014/main" id="{64E3D015-D1E6-40C0-B820-5D2B0144652D}"/>
                 </a:ext>
               </a:extLst>
             </p:cNvPr>
-            <p:cNvGrpSpPr/>
+            <p:cNvSpPr/>
             <p:nvPr/>
-          </p:nvGrpSpPr>
-          <p:grpSpPr>
+          </p:nvSpPr>
+          <p:spPr>
             <a:xfrm>
-              <a:off x="518433" y="5000639"/>
-              <a:ext cx="4251078" cy="307777"/>
-              <a:chOff x="518433" y="4536750"/>
-              <a:chExt cx="4251078" cy="307777"/>
+              <a:off x="518433" y="4608333"/>
+              <a:ext cx="443592" cy="232296"/>
             </a:xfrm>
-          </p:grpSpPr>
-          <p:sp>
-            <p:nvSpPr>
-              <p:cNvPr id="13" name="Прямоугольник: Скругленные углы 12">
-                <a:extLst>
-                  <a:ext uri="{FF2B5EF4-FFF2-40B4-BE49-F238E27FC236}">
-                    <a16:creationId xmlns:a16="http://schemas.microsoft.com/office/drawing/2014/main" id="{64E3D015-D1E6-40C0-B820-5D2B0144652D}"/>
-                  </a:ext>
-                </a:extLst>
-              </p:cNvPr>
-              <p:cNvSpPr/>
-              <p:nvPr/>
-            </p:nvSpPr>
-            <p:spPr>
-              <a:xfrm>
-                <a:off x="518433" y="4608333"/>
-                <a:ext cx="443592" cy="232296"/>
-              </a:xfrm>
-              <a:prstGeom prst="roundRect">
-                <a:avLst>
-                  <a:gd name="adj" fmla="val 50000"/>
-                </a:avLst>
-              </a:prstGeom>
-              <a:noFill/>
-              <a:ln>
-                <a:solidFill>
-                  <a:schemeClr val="tx1">
-                    <a:lumMod val="75000"/>
-                    <a:lumOff val="25000"/>
-                  </a:schemeClr>
-                </a:solidFill>
-              </a:ln>
-            </p:spPr>
-            <p:style>
-              <a:lnRef idx="2">
-                <a:schemeClr val="accent1">
-                  <a:shade val="50000"/>
+            <a:prstGeom prst="roundRect">
+              <a:avLst>
+                <a:gd name="adj" fmla="val 50000"/>
+              </a:avLst>
+            </a:prstGeom>
+            <a:noFill/>
+            <a:ln>
+              <a:solidFill>
+                <a:schemeClr val="tx1">
+                  <a:lumMod val="75000"/>
+                  <a:lumOff val="25000"/>
                 </a:schemeClr>
-              </a:lnRef>
-              <a:fillRef idx="1">
-                <a:schemeClr val="accent1"/>
-              </a:fillRef>
-              <a:effectRef idx="0">
-                <a:schemeClr val="accent1"/>
-              </a:effectRef>
-              <a:fontRef idx="minor">
-                <a:schemeClr val="lt1"/>
-              </a:fontRef>
-            </p:style>
-            <p:txBody>
-              <a:bodyPr rtlCol="0" anchor="ctr"/>
-              <a:lstStyle/>
-              <a:p>
-                <a:pPr algn="ctr" rtl="0"/>
-                <a:endParaRPr lang="ru-RU" dirty="0"/>
-              </a:p>
-            </p:txBody>
-          </p:sp>
-          <p:sp>
-            <p:nvSpPr>
-              <p:cNvPr id="14" name="Прямоугольник 13">
-                <a:extLst>
-                  <a:ext uri="{FF2B5EF4-FFF2-40B4-BE49-F238E27FC236}">
-                    <a16:creationId xmlns:a16="http://schemas.microsoft.com/office/drawing/2014/main" id="{9187696D-0387-46E9-A420-AD2392161D95}"/>
-                  </a:ext>
-                </a:extLst>
-              </p:cNvPr>
-              <p:cNvSpPr/>
-              <p:nvPr/>
-            </p:nvSpPr>
-            <p:spPr>
-              <a:xfrm>
-                <a:off x="1233316" y="4536750"/>
-                <a:ext cx="3536195" cy="307777"/>
-              </a:xfrm>
-              <a:prstGeom prst="rect">
-                <a:avLst/>
-              </a:prstGeom>
-            </p:spPr>
-            <p:txBody>
-              <a:bodyPr wrap="square" lIns="0" tIns="0" rIns="0" bIns="0" rtlCol="0">
-                <a:spAutoFit/>
-              </a:bodyPr>
-              <a:lstStyle/>
-              <a:p>
-                <a:r>
-                  <a:rPr lang="ru-RU" sz="2000" i="1" dirty="0">
-                    <a:solidFill>
-                      <a:srgbClr val="002060"/>
-                    </a:solidFill>
-                    <a:cs typeface="Segoe UI" panose="020B0502040204020203" pitchFamily="34" charset="0"/>
-                  </a:rPr>
-                  <a:t>В перспективное будущее</a:t>
-                </a:r>
-              </a:p>
-            </p:txBody>
-          </p:sp>
-        </p:grpSp>
+              </a:solidFill>
+            </a:ln>
+          </p:spPr>
+          <p:style>
+            <a:lnRef idx="2">
+              <a:schemeClr val="accent1">
+                <a:shade val="50000"/>
+              </a:schemeClr>
+            </a:lnRef>
+            <a:fillRef idx="1">
+              <a:schemeClr val="accent1"/>
+            </a:fillRef>
+            <a:effectRef idx="0">
+              <a:schemeClr val="accent1"/>
+            </a:effectRef>
+            <a:fontRef idx="minor">
+              <a:schemeClr val="lt1"/>
+            </a:fontRef>
+          </p:style>
+          <p:txBody>
+            <a:bodyPr rtlCol="0" anchor="ctr"/>
+            <a:lstStyle/>
+            <a:p>
+              <a:pPr algn="ctr" rtl="0"/>
+              <a:endParaRPr lang="ru-RU" dirty="0"/>
+            </a:p>
+          </p:txBody>
+        </p:sp>
+        <p:sp>
+          <p:nvSpPr>
+            <p:cNvPr id="14" name="Прямоугольник 13">
+              <a:extLst>
+                <a:ext uri="{FF2B5EF4-FFF2-40B4-BE49-F238E27FC236}">
+                  <a16:creationId xmlns:a16="http://schemas.microsoft.com/office/drawing/2014/main" id="{9187696D-0387-46E9-A420-AD2392161D95}"/>
+                </a:ext>
+              </a:extLst>
+            </p:cNvPr>
+            <p:cNvSpPr/>
+            <p:nvPr/>
+          </p:nvSpPr>
+          <p:spPr>
+            <a:xfrm>
+              <a:off x="1233316" y="4536750"/>
+              <a:ext cx="3536195" cy="307777"/>
+            </a:xfrm>
+            <a:prstGeom prst="rect">
+              <a:avLst/>
+            </a:prstGeom>
+          </p:spPr>
+          <p:txBody>
+            <a:bodyPr wrap="square" lIns="0" tIns="0" rIns="0" bIns="0" rtlCol="0">
+              <a:spAutoFit/>
+            </a:bodyPr>
+            <a:lstStyle/>
+            <a:p>
+              <a:r>
+                <a:rPr lang="ru-RU" sz="2000" i="1" dirty="0">
+                  <a:solidFill>
+                    <a:srgbClr val="002060"/>
+                  </a:solidFill>
+                  <a:cs typeface="Segoe UI" panose="020B0502040204020203" pitchFamily="34" charset="0"/>
+                </a:rPr>
+                <a:t>В перспективное будущее</a:t>
+              </a:r>
+            </a:p>
+          </p:txBody>
+        </p:sp>
       </p:grpSp>
       <p:sp>
         <p:nvSpPr>
@@ -31988,7 +32339,7 @@
                 <a16:creationId xmlns:a16="http://schemas.microsoft.com/office/drawing/2014/main" id="{E7D1D117-BC5C-430A-9FEB-B231E691511F}"/>
               </a:ext>
               <a:ext uri="{C183D7F6-B498-43B3-948B-1728B52AA6E4}">
-                <adec:decorative xmlns:adec="http://schemas.microsoft.com/office/drawing/2017/decorative" xmlns="" val="1"/>
+                <adec:decorative xmlns="" xmlns:adec="http://schemas.microsoft.com/office/drawing/2017/decorative" val="1"/>
               </a:ext>
             </a:extLst>
           </p:cNvPr>
@@ -32046,7 +32397,7 @@
                 <a16:creationId xmlns:a16="http://schemas.microsoft.com/office/drawing/2014/main" id="{2577E8EA-5E95-41C5-8BE8-EE647DE2613A}"/>
               </a:ext>
               <a:ext uri="{C183D7F6-B498-43B3-948B-1728B52AA6E4}">
-                <adec:decorative xmlns:adec="http://schemas.microsoft.com/office/drawing/2017/decorative" xmlns="" val="1"/>
+                <adec:decorative xmlns="" xmlns:adec="http://schemas.microsoft.com/office/drawing/2017/decorative" val="1"/>
               </a:ext>
             </a:extLst>
           </p:cNvPr>
@@ -35939,10 +36290,221 @@
   <p:clrMapOvr>
     <a:masterClrMapping/>
   </p:clrMapOvr>
+  <mc:AlternateContent xmlns:mc="http://schemas.openxmlformats.org/markup-compatibility/2006">
+    <mc:Choice xmlns:p14="http://schemas.microsoft.com/office/powerpoint/2010/main" Requires="p14">
+      <p:transition spd="slow" p14:dur="1400">
+        <p14:ripple/>
+      </p:transition>
+    </mc:Choice>
+    <mc:Fallback>
+      <p:transition spd="slow">
+        <p:fade/>
+      </p:transition>
+    </mc:Fallback>
+  </mc:AlternateContent>
   <p:timing>
     <p:tnLst>
       <p:par>
-        <p:cTn id="1" dur="indefinite" restart="never" nodeType="tmRoot"/>
+        <p:cTn id="1" dur="indefinite" restart="never" nodeType="tmRoot">
+          <p:childTnLst>
+            <p:seq concurrent="1" nextAc="seek">
+              <p:cTn id="2" dur="indefinite" nodeType="mainSeq">
+                <p:childTnLst>
+                  <p:par>
+                    <p:cTn id="3" fill="hold">
+                      <p:stCondLst>
+                        <p:cond delay="indefinite"/>
+                      </p:stCondLst>
+                      <p:childTnLst>
+                        <p:par>
+                          <p:cTn id="4" fill="hold">
+                            <p:stCondLst>
+                              <p:cond delay="0"/>
+                            </p:stCondLst>
+                            <p:childTnLst>
+                              <p:par>
+                                <p:cTn id="5" presetID="26" presetClass="emph" presetSubtype="0" fill="hold" nodeType="clickEffect">
+                                  <p:stCondLst>
+                                    <p:cond delay="0"/>
+                                  </p:stCondLst>
+                                  <p:childTnLst>
+                                    <p:animEffect transition="out" filter="fade">
+                                      <p:cBhvr>
+                                        <p:cTn id="6" dur="500" tmFilter="0, 0; .2, .5; .8, .5; 1, 0"/>
+                                        <p:tgtEl>
+                                          <p:spTgt spid="21"/>
+                                        </p:tgtEl>
+                                      </p:cBhvr>
+                                    </p:animEffect>
+                                    <p:animScale>
+                                      <p:cBhvr>
+                                        <p:cTn id="7" dur="250" autoRev="1" fill="hold"/>
+                                        <p:tgtEl>
+                                          <p:spTgt spid="21"/>
+                                        </p:tgtEl>
+                                      </p:cBhvr>
+                                      <p:by x="105000" y="105000"/>
+                                    </p:animScale>
+                                  </p:childTnLst>
+                                </p:cTn>
+                              </p:par>
+                            </p:childTnLst>
+                          </p:cTn>
+                        </p:par>
+                      </p:childTnLst>
+                    </p:cTn>
+                  </p:par>
+                  <p:par>
+                    <p:cTn id="8" fill="hold">
+                      <p:stCondLst>
+                        <p:cond delay="indefinite"/>
+                      </p:stCondLst>
+                      <p:childTnLst>
+                        <p:par>
+                          <p:cTn id="9" fill="hold">
+                            <p:stCondLst>
+                              <p:cond delay="0"/>
+                            </p:stCondLst>
+                            <p:childTnLst>
+                              <p:par>
+                                <p:cTn id="10" presetID="26" presetClass="emph" presetSubtype="0" fill="hold" nodeType="clickEffect">
+                                  <p:stCondLst>
+                                    <p:cond delay="0"/>
+                                  </p:stCondLst>
+                                  <p:childTnLst>
+                                    <p:animEffect transition="out" filter="fade">
+                                      <p:cBhvr>
+                                        <p:cTn id="11" dur="500" tmFilter="0, 0; .2, .5; .8, .5; 1, 0"/>
+                                        <p:tgtEl>
+                                          <p:spTgt spid="20"/>
+                                        </p:tgtEl>
+                                      </p:cBhvr>
+                                    </p:animEffect>
+                                    <p:animScale>
+                                      <p:cBhvr>
+                                        <p:cTn id="12" dur="250" autoRev="1" fill="hold"/>
+                                        <p:tgtEl>
+                                          <p:spTgt spid="20"/>
+                                        </p:tgtEl>
+                                      </p:cBhvr>
+                                      <p:by x="105000" y="105000"/>
+                                    </p:animScale>
+                                  </p:childTnLst>
+                                </p:cTn>
+                              </p:par>
+                            </p:childTnLst>
+                          </p:cTn>
+                        </p:par>
+                      </p:childTnLst>
+                    </p:cTn>
+                  </p:par>
+                  <p:par>
+                    <p:cTn id="13" fill="hold">
+                      <p:stCondLst>
+                        <p:cond delay="indefinite"/>
+                      </p:stCondLst>
+                      <p:childTnLst>
+                        <p:par>
+                          <p:cTn id="14" fill="hold">
+                            <p:stCondLst>
+                              <p:cond delay="0"/>
+                            </p:stCondLst>
+                            <p:childTnLst>
+                              <p:par>
+                                <p:cTn id="15" presetID="26" presetClass="emph" presetSubtype="0" fill="hold" nodeType="clickEffect">
+                                  <p:stCondLst>
+                                    <p:cond delay="0"/>
+                                  </p:stCondLst>
+                                  <p:childTnLst>
+                                    <p:animEffect transition="out" filter="fade">
+                                      <p:cBhvr>
+                                        <p:cTn id="16" dur="500" tmFilter="0, 0; .2, .5; .8, .5; 1, 0"/>
+                                        <p:tgtEl>
+                                          <p:spTgt spid="19"/>
+                                        </p:tgtEl>
+                                      </p:cBhvr>
+                                    </p:animEffect>
+                                    <p:animScale>
+                                      <p:cBhvr>
+                                        <p:cTn id="17" dur="250" autoRev="1" fill="hold"/>
+                                        <p:tgtEl>
+                                          <p:spTgt spid="19"/>
+                                        </p:tgtEl>
+                                      </p:cBhvr>
+                                      <p:by x="105000" y="105000"/>
+                                    </p:animScale>
+                                  </p:childTnLst>
+                                </p:cTn>
+                              </p:par>
+                            </p:childTnLst>
+                          </p:cTn>
+                        </p:par>
+                      </p:childTnLst>
+                    </p:cTn>
+                  </p:par>
+                  <p:par>
+                    <p:cTn id="18" fill="hold">
+                      <p:stCondLst>
+                        <p:cond delay="indefinite"/>
+                      </p:stCondLst>
+                      <p:childTnLst>
+                        <p:par>
+                          <p:cTn id="19" fill="hold">
+                            <p:stCondLst>
+                              <p:cond delay="0"/>
+                            </p:stCondLst>
+                            <p:childTnLst>
+                              <p:par>
+                                <p:cTn id="20" presetID="26" presetClass="emph" presetSubtype="0" fill="hold" nodeType="clickEffect">
+                                  <p:stCondLst>
+                                    <p:cond delay="0"/>
+                                  </p:stCondLst>
+                                  <p:childTnLst>
+                                    <p:animEffect transition="out" filter="fade">
+                                      <p:cBhvr>
+                                        <p:cTn id="21" dur="500" tmFilter="0, 0; .2, .5; .8, .5; 1, 0"/>
+                                        <p:tgtEl>
+                                          <p:spTgt spid="18"/>
+                                        </p:tgtEl>
+                                      </p:cBhvr>
+                                    </p:animEffect>
+                                    <p:animScale>
+                                      <p:cBhvr>
+                                        <p:cTn id="22" dur="250" autoRev="1" fill="hold"/>
+                                        <p:tgtEl>
+                                          <p:spTgt spid="18"/>
+                                        </p:tgtEl>
+                                      </p:cBhvr>
+                                      <p:by x="105000" y="105000"/>
+                                    </p:animScale>
+                                  </p:childTnLst>
+                                </p:cTn>
+                              </p:par>
+                            </p:childTnLst>
+                          </p:cTn>
+                        </p:par>
+                      </p:childTnLst>
+                    </p:cTn>
+                  </p:par>
+                </p:childTnLst>
+              </p:cTn>
+              <p:prevCondLst>
+                <p:cond evt="onPrev" delay="0">
+                  <p:tgtEl>
+                    <p:sldTgt/>
+                  </p:tgtEl>
+                </p:cond>
+              </p:prevCondLst>
+              <p:nextCondLst>
+                <p:cond evt="onNext" delay="0">
+                  <p:tgtEl>
+                    <p:sldTgt/>
+                  </p:tgtEl>
+                </p:cond>
+              </p:nextCondLst>
+            </p:seq>
+          </p:childTnLst>
+        </p:cTn>
       </p:par>
     </p:tnLst>
   </p:timing>
@@ -35974,7 +36536,7 @@
                 <a16:creationId xmlns:a16="http://schemas.microsoft.com/office/drawing/2014/main" id="{7F192ACD-9C75-481C-8934-C15F525ED96C}"/>
               </a:ext>
               <a:ext uri="{C183D7F6-B498-43B3-948B-1728B52AA6E4}">
-                <adec:decorative xmlns:adec="http://schemas.microsoft.com/office/drawing/2017/decorative" xmlns="" val="1"/>
+                <adec:decorative xmlns="" xmlns:adec="http://schemas.microsoft.com/office/drawing/2017/decorative" val="1"/>
               </a:ext>
             </a:extLst>
           </p:cNvPr>
@@ -35985,8 +36547,8 @@
         </p:nvSpPr>
         <p:spPr bwMode="auto">
           <a:xfrm flipH="1">
-            <a:off x="935760" y="3327325"/>
-            <a:ext cx="1583456" cy="1740563"/>
+            <a:off x="701917" y="2844566"/>
+            <a:ext cx="2022640" cy="2223322"/>
           </a:xfrm>
           <a:custGeom>
             <a:avLst/>
@@ -36124,7 +36686,7 @@
                 <a16:creationId xmlns:a16="http://schemas.microsoft.com/office/drawing/2014/main" id="{D83BBA1A-1810-4171-BD9C-B27B7C26AF70}"/>
               </a:ext>
               <a:ext uri="{C183D7F6-B498-43B3-948B-1728B52AA6E4}">
-                <adec:decorative xmlns:adec="http://schemas.microsoft.com/office/drawing/2017/decorative" xmlns="" val="1"/>
+                <adec:decorative xmlns="" xmlns:adec="http://schemas.microsoft.com/office/drawing/2017/decorative" val="1"/>
               </a:ext>
             </a:extLst>
           </p:cNvPr>
@@ -36135,8 +36697,8 @@
         </p:nvSpPr>
         <p:spPr bwMode="auto">
           <a:xfrm rot="5400000">
-            <a:off x="7081393" y="3443407"/>
-            <a:ext cx="1371600" cy="1508400"/>
+            <a:off x="6475325" y="2837339"/>
+            <a:ext cx="1948880" cy="2143256"/>
           </a:xfrm>
           <a:custGeom>
             <a:avLst/>
@@ -36274,7 +36836,7 @@
                 <a16:creationId xmlns:a16="http://schemas.microsoft.com/office/drawing/2014/main" id="{2D409DD0-6B30-47E3-9886-F8F16D42AB79}"/>
               </a:ext>
               <a:ext uri="{C183D7F6-B498-43B3-948B-1728B52AA6E4}">
-                <adec:decorative xmlns:adec="http://schemas.microsoft.com/office/drawing/2017/decorative" xmlns="" val="1"/>
+                <adec:decorative xmlns="" xmlns:adec="http://schemas.microsoft.com/office/drawing/2017/decorative" val="1"/>
               </a:ext>
             </a:extLst>
           </p:cNvPr>
@@ -36285,8 +36847,8 @@
         </p:nvSpPr>
         <p:spPr bwMode="auto">
           <a:xfrm rot="16200000">
-            <a:off x="8937925" y="3447842"/>
-            <a:ext cx="1371600" cy="1508400"/>
+            <a:off x="8963148" y="2916835"/>
+            <a:ext cx="1877384" cy="2064630"/>
           </a:xfrm>
           <a:custGeom>
             <a:avLst/>
@@ -36424,7 +36986,7 @@
                 <a16:creationId xmlns:a16="http://schemas.microsoft.com/office/drawing/2014/main" id="{8B1A45F7-385D-4B67-98E4-489AB4E31714}"/>
               </a:ext>
               <a:ext uri="{C183D7F6-B498-43B3-948B-1728B52AA6E4}">
-                <adec:decorative xmlns:adec="http://schemas.microsoft.com/office/drawing/2017/decorative" xmlns="" val="1"/>
+                <adec:decorative xmlns="" xmlns:adec="http://schemas.microsoft.com/office/drawing/2017/decorative" val="1"/>
               </a:ext>
             </a:extLst>
           </p:cNvPr>
@@ -36435,8 +36997,8 @@
         </p:nvSpPr>
         <p:spPr bwMode="auto">
           <a:xfrm>
-            <a:off x="5382371" y="3446020"/>
-            <a:ext cx="1371600" cy="1508400"/>
+            <a:off x="4358345" y="3010458"/>
+            <a:ext cx="1775401" cy="1952475"/>
           </a:xfrm>
           <a:custGeom>
             <a:avLst/>
@@ -36574,7 +37136,7 @@
                 <a16:creationId xmlns:a16="http://schemas.microsoft.com/office/drawing/2014/main" id="{7F192ACD-9C75-481C-8934-C15F525ED96C}"/>
               </a:ext>
               <a:ext uri="{C183D7F6-B498-43B3-948B-1728B52AA6E4}">
-                <adec:decorative xmlns:adec="http://schemas.microsoft.com/office/drawing/2017/decorative" xmlns="" val="1"/>
+                <adec:decorative xmlns="" xmlns:adec="http://schemas.microsoft.com/office/drawing/2017/decorative" val="1"/>
               </a:ext>
             </a:extLst>
           </p:cNvPr>
@@ -36585,8 +37147,8 @@
         </p:nvSpPr>
         <p:spPr bwMode="auto">
           <a:xfrm>
-            <a:off x="928206" y="3329940"/>
-            <a:ext cx="1583456" cy="1740563"/>
+            <a:off x="694363" y="2847181"/>
+            <a:ext cx="2022640" cy="2223322"/>
           </a:xfrm>
           <a:custGeom>
             <a:avLst/>
@@ -36724,7 +37286,7 @@
                 <a16:creationId xmlns:a16="http://schemas.microsoft.com/office/drawing/2014/main" id="{5B7ACCD3-FC43-4E32-B7AA-E6D86BED1A32}"/>
               </a:ext>
               <a:ext uri="{C183D7F6-B498-43B3-948B-1728B52AA6E4}">
-                <adec:decorative xmlns:adec="http://schemas.microsoft.com/office/drawing/2017/decorative" xmlns="" val="1"/>
+                <adec:decorative xmlns="" xmlns:adec="http://schemas.microsoft.com/office/drawing/2017/decorative" val="1"/>
               </a:ext>
             </a:extLst>
           </p:cNvPr>
@@ -36844,8 +37406,8 @@
         </p:blipFill>
         <p:spPr>
           <a:xfrm>
-            <a:off x="1210219" y="3721550"/>
-            <a:ext cx="1018089" cy="1018089"/>
+            <a:off x="1037434" y="3278960"/>
+            <a:ext cx="1382488" cy="1382488"/>
           </a:xfrm>
           <a:prstGeom prst="roundRect">
             <a:avLst>
@@ -36927,7 +37489,7 @@
         </p:nvSpPr>
         <p:spPr>
           <a:xfrm>
-            <a:off x="5661910" y="4951807"/>
+            <a:off x="4637885" y="4960320"/>
             <a:ext cx="812521" cy="276999"/>
           </a:xfrm>
           <a:prstGeom prst="rect">
@@ -36976,7 +37538,7 @@
         </p:nvSpPr>
         <p:spPr>
           <a:xfrm>
-            <a:off x="7330449" y="4957294"/>
+            <a:off x="6958163" y="4954732"/>
             <a:ext cx="884342" cy="276999"/>
           </a:xfrm>
           <a:prstGeom prst="rect">
@@ -37024,7 +37586,7 @@
         </p:nvSpPr>
         <p:spPr>
           <a:xfrm>
-            <a:off x="9190274" y="4896475"/>
+            <a:off x="9405155" y="4892692"/>
             <a:ext cx="1021113" cy="276999"/>
           </a:xfrm>
           <a:prstGeom prst="rect">
@@ -37066,7 +37628,7 @@
                 <a16:creationId xmlns:a16="http://schemas.microsoft.com/office/drawing/2014/main" id="{E4AFE17F-D5F3-4088-A119-1B09AC60EA16}"/>
               </a:ext>
               <a:ext uri="{C183D7F6-B498-43B3-948B-1728B52AA6E4}">
-                <adec:decorative xmlns:adec="http://schemas.microsoft.com/office/drawing/2017/decorative" xmlns="" val="1"/>
+                <adec:decorative xmlns="" xmlns:adec="http://schemas.microsoft.com/office/drawing/2017/decorative" val="1"/>
               </a:ext>
             </a:extLst>
           </p:cNvPr>
@@ -37075,7 +37637,7 @@
         </p:nvCxnSpPr>
         <p:spPr>
           <a:xfrm flipV="1">
-            <a:off x="6096000" y="1995386"/>
+            <a:off x="5071975" y="2003899"/>
             <a:ext cx="0" cy="2488819"/>
           </a:xfrm>
           <a:prstGeom prst="line">
@@ -37114,7 +37676,7 @@
                 <a16:creationId xmlns:a16="http://schemas.microsoft.com/office/drawing/2014/main" id="{B73380DA-31E8-4A4F-8316-F527A262BAB7}"/>
               </a:ext>
               <a:ext uri="{C183D7F6-B498-43B3-948B-1728B52AA6E4}">
-                <adec:decorative xmlns:adec="http://schemas.microsoft.com/office/drawing/2017/decorative" xmlns="" val="1"/>
+                <adec:decorative xmlns="" xmlns:adec="http://schemas.microsoft.com/office/drawing/2017/decorative" val="1"/>
               </a:ext>
             </a:extLst>
           </p:cNvPr>
@@ -37123,7 +37685,7 @@
         </p:nvCxnSpPr>
         <p:spPr>
           <a:xfrm flipV="1">
-            <a:off x="7751645" y="2938644"/>
+            <a:off x="7449765" y="2051772"/>
             <a:ext cx="0" cy="1504909"/>
           </a:xfrm>
           <a:prstGeom prst="line">
@@ -37168,7 +37730,7 @@
           </p:cNvPicPr>
           <p:nvPr/>
         </p:nvPicPr>
-        <p:blipFill>
+        <p:blipFill rotWithShape="1">
           <a:blip r:embed="rId4" cstate="hqprint">
             <a:extLst>
               <a:ext uri="{28A0092B-C50C-407E-A947-70E740481C1C}">
@@ -37176,13 +37738,13 @@
               </a:ext>
             </a:extLst>
           </a:blip>
-          <a:srcRect/>
+          <a:srcRect l="21136" t="30970" r="13925" b="5935"/>
           <a:stretch/>
         </p:blipFill>
         <p:spPr>
           <a:xfrm>
-            <a:off x="5569090" y="3691099"/>
-            <a:ext cx="1076666" cy="1080000"/>
+            <a:off x="4518326" y="3301721"/>
+            <a:ext cx="1146181" cy="1486665"/>
           </a:xfrm>
           <a:prstGeom prst="ellipse">
             <a:avLst/>
@@ -37216,8 +37778,8 @@
         </p:blipFill>
         <p:spPr>
           <a:xfrm>
-            <a:off x="7344364" y="3593934"/>
-            <a:ext cx="842510" cy="1262013"/>
+            <a:off x="6845392" y="3107237"/>
+            <a:ext cx="1152220" cy="1725934"/>
           </a:xfrm>
           <a:custGeom>
             <a:avLst/>
@@ -37291,7 +37853,7 @@
                 <a16:creationId xmlns:a16="http://schemas.microsoft.com/office/drawing/2014/main" id="{BB4E19F0-9268-49F1-864A-6AF530251A78}"/>
               </a:ext>
               <a:ext uri="{C183D7F6-B498-43B3-948B-1728B52AA6E4}">
-                <adec:decorative xmlns:adec="http://schemas.microsoft.com/office/drawing/2017/decorative" xmlns="" val="1"/>
+                <adec:decorative xmlns="" xmlns:adec="http://schemas.microsoft.com/office/drawing/2017/decorative" val="1"/>
               </a:ext>
             </a:extLst>
           </p:cNvPr>
@@ -37300,7 +37862,7 @@
         </p:nvCxnSpPr>
         <p:spPr>
           <a:xfrm flipV="1">
-            <a:off x="9623724" y="2460463"/>
+            <a:off x="9894901" y="2448181"/>
             <a:ext cx="0" cy="2087011"/>
           </a:xfrm>
           <a:prstGeom prst="line">
@@ -37358,8 +37920,8 @@
         </p:blipFill>
         <p:spPr>
           <a:xfrm>
-            <a:off x="9161833" y="3588771"/>
-            <a:ext cx="923782" cy="1212628"/>
+            <a:off x="9303302" y="3187744"/>
+            <a:ext cx="1183198" cy="1553158"/>
           </a:xfrm>
           <a:custGeom>
             <a:avLst/>
@@ -37439,7 +38001,7 @@
         </p:nvSpPr>
         <p:spPr>
           <a:xfrm>
-            <a:off x="5471140" y="5231267"/>
+            <a:off x="4447115" y="5239780"/>
             <a:ext cx="1223396" cy="276999"/>
           </a:xfrm>
           <a:prstGeom prst="rect">
@@ -37536,7 +38098,7 @@
         </p:nvSpPr>
         <p:spPr>
           <a:xfrm>
-            <a:off x="7160922" y="5239780"/>
+            <a:off x="6788636" y="5237218"/>
             <a:ext cx="1223396" cy="276999"/>
           </a:xfrm>
           <a:prstGeom prst="rect">
@@ -37584,7 +38146,7 @@
         </p:nvSpPr>
         <p:spPr>
           <a:xfrm>
-            <a:off x="9094037" y="5175243"/>
+            <a:off x="9308918" y="5171460"/>
             <a:ext cx="1223396" cy="276999"/>
           </a:xfrm>
           <a:prstGeom prst="rect">
@@ -38240,7 +38802,7 @@
         </p:nvSpPr>
         <p:spPr>
           <a:xfrm>
-            <a:off x="5499987" y="1504229"/>
+            <a:off x="4475962" y="1512742"/>
             <a:ext cx="1154778" cy="369332"/>
           </a:xfrm>
           <a:prstGeom prst="rect">
@@ -38296,7 +38858,7 @@
         </p:nvSpPr>
         <p:spPr>
           <a:xfrm>
-            <a:off x="9046335" y="1713037"/>
+            <a:off x="9331722" y="1774773"/>
             <a:ext cx="1154778" cy="553998"/>
           </a:xfrm>
           <a:prstGeom prst="rect">
@@ -38346,7 +38908,7 @@
         </p:nvSpPr>
         <p:spPr>
           <a:xfrm>
-            <a:off x="7185551" y="2628689"/>
+            <a:off x="6872376" y="1751031"/>
             <a:ext cx="1154778" cy="184666"/>
           </a:xfrm>
           <a:prstGeom prst="rect">
@@ -38388,394 +38950,6 @@
           </a:p>
         </p:txBody>
       </p:sp>
-      <p:sp>
-        <p:nvSpPr>
-          <p:cNvPr id="37" name="Полилиния 6">
-            <a:extLst>
-              <a:ext uri="{FF2B5EF4-FFF2-40B4-BE49-F238E27FC236}">
-                <a16:creationId xmlns:a16="http://schemas.microsoft.com/office/drawing/2014/main" id="{8B1A45F7-385D-4B67-98E4-489AB4E31714}"/>
-              </a:ext>
-              <a:ext uri="{C183D7F6-B498-43B3-948B-1728B52AA6E4}">
-                <adec:decorative xmlns:adec="http://schemas.microsoft.com/office/drawing/2017/decorative" xmlns="" val="1"/>
-              </a:ext>
-            </a:extLst>
-          </p:cNvPr>
-          <p:cNvSpPr>
-            <a:spLocks/>
-          </p:cNvSpPr>
-          <p:nvPr/>
-        </p:nvSpPr>
-        <p:spPr bwMode="auto">
-          <a:xfrm flipH="1">
-            <a:off x="3615167" y="3446172"/>
-            <a:ext cx="1370997" cy="1508097"/>
-          </a:xfrm>
-          <a:custGeom>
-            <a:avLst/>
-            <a:gdLst>
-              <a:gd name="T0" fmla="*/ 223 w 322"/>
-              <a:gd name="T1" fmla="*/ 21 h 353"/>
-              <a:gd name="T2" fmla="*/ 113 w 322"/>
-              <a:gd name="T3" fmla="*/ 52 h 353"/>
-              <a:gd name="T4" fmla="*/ 14 w 322"/>
-              <a:gd name="T5" fmla="*/ 172 h 353"/>
-              <a:gd name="T6" fmla="*/ 119 w 322"/>
-              <a:gd name="T7" fmla="*/ 327 h 353"/>
-              <a:gd name="T8" fmla="*/ 320 w 322"/>
-              <a:gd name="T9" fmla="*/ 183 h 353"/>
-              <a:gd name="T10" fmla="*/ 287 w 322"/>
-              <a:gd name="T11" fmla="*/ 56 h 353"/>
-              <a:gd name="T12" fmla="*/ 223 w 322"/>
-              <a:gd name="T13" fmla="*/ 21 h 353"/>
-            </a:gdLst>
-            <a:ahLst/>
-            <a:cxnLst>
-              <a:cxn ang="0">
-                <a:pos x="T0" y="T1"/>
-              </a:cxn>
-              <a:cxn ang="0">
-                <a:pos x="T2" y="T3"/>
-              </a:cxn>
-              <a:cxn ang="0">
-                <a:pos x="T4" y="T5"/>
-              </a:cxn>
-              <a:cxn ang="0">
-                <a:pos x="T6" y="T7"/>
-              </a:cxn>
-              <a:cxn ang="0">
-                <a:pos x="T8" y="T9"/>
-              </a:cxn>
-              <a:cxn ang="0">
-                <a:pos x="T10" y="T11"/>
-              </a:cxn>
-              <a:cxn ang="0">
-                <a:pos x="T12" y="T13"/>
-              </a:cxn>
-            </a:cxnLst>
-            <a:rect l="0" t="0" r="r" b="b"/>
-            <a:pathLst>
-              <a:path w="322" h="353">
-                <a:moveTo>
-                  <a:pt x="223" y="21"/>
-                </a:moveTo>
-                <a:cubicBezTo>
-                  <a:pt x="198" y="35"/>
-                  <a:pt x="187" y="48"/>
-                  <a:pt x="113" y="52"/>
-                </a:cubicBezTo>
-                <a:cubicBezTo>
-                  <a:pt x="39" y="57"/>
-                  <a:pt x="0" y="118"/>
-                  <a:pt x="14" y="172"/>
-                </a:cubicBezTo>
-                <a:cubicBezTo>
-                  <a:pt x="28" y="226"/>
-                  <a:pt x="32" y="301"/>
-                  <a:pt x="119" y="327"/>
-                </a:cubicBezTo>
-                <a:cubicBezTo>
-                  <a:pt x="206" y="353"/>
-                  <a:pt x="316" y="282"/>
-                  <a:pt x="320" y="183"/>
-                </a:cubicBezTo>
-                <a:cubicBezTo>
-                  <a:pt x="322" y="124"/>
-                  <a:pt x="306" y="88"/>
-                  <a:pt x="287" y="56"/>
-                </a:cubicBezTo>
-                <a:cubicBezTo>
-                  <a:pt x="274" y="35"/>
-                  <a:pt x="259" y="0"/>
-                  <a:pt x="223" y="21"/>
-                </a:cubicBezTo>
-                <a:close/>
-              </a:path>
-            </a:pathLst>
-          </a:custGeom>
-          <a:gradFill>
-            <a:gsLst>
-              <a:gs pos="1000">
-                <a:srgbClr val="7CEFD8">
-                  <a:alpha val="79000"/>
-                </a:srgbClr>
-              </a:gs>
-              <a:gs pos="61000">
-                <a:srgbClr val="6672E4">
-                  <a:alpha val="84000"/>
-                </a:srgbClr>
-              </a:gs>
-              <a:gs pos="98000">
-                <a:srgbClr val="882BE5">
-                  <a:alpha val="66000"/>
-                </a:srgbClr>
-              </a:gs>
-            </a:gsLst>
-            <a:lin ang="5400000" scaled="1"/>
-          </a:gradFill>
-          <a:ln w="12700" cap="flat">
-            <a:noFill/>
-            <a:prstDash val="solid"/>
-            <a:miter lim="800000"/>
-            <a:headEnd/>
-            <a:tailEnd/>
-          </a:ln>
-        </p:spPr>
-        <p:txBody>
-          <a:bodyPr rot="0" spcFirstLastPara="0" vertOverflow="overflow" horzOverflow="overflow" vert="horz" wrap="square" lIns="91440" tIns="45720" rIns="91440" bIns="45720" numCol="1" spcCol="0" rtlCol="0" fromWordArt="0" anchor="t" anchorCtr="0" forceAA="0" compatLnSpc="1">
-            <a:prstTxWarp prst="textNoShape">
-              <a:avLst/>
-            </a:prstTxWarp>
-            <a:noAutofit/>
-          </a:bodyPr>
-          <a:lstStyle/>
-          <a:p>
-            <a:pPr rtl="0"/>
-            <a:endParaRPr lang="ru-RU" dirty="0">
-              <a:solidFill>
-                <a:schemeClr val="tx1"/>
-              </a:solidFill>
-            </a:endParaRPr>
-          </a:p>
-        </p:txBody>
-      </p:sp>
-      <p:sp>
-        <p:nvSpPr>
-          <p:cNvPr id="38" name="Надпись 72">
-            <a:extLst>
-              <a:ext uri="{FF2B5EF4-FFF2-40B4-BE49-F238E27FC236}">
-                <a16:creationId xmlns:a16="http://schemas.microsoft.com/office/drawing/2014/main" id="{8539F668-991D-4BEA-B3AA-3A269274108D}"/>
-              </a:ext>
-            </a:extLst>
-          </p:cNvPr>
-          <p:cNvSpPr txBox="1"/>
-          <p:nvPr/>
-        </p:nvSpPr>
-        <p:spPr>
-          <a:xfrm>
-            <a:off x="3898322" y="4954268"/>
-            <a:ext cx="812521" cy="276999"/>
-          </a:xfrm>
-          <a:prstGeom prst="rect">
-            <a:avLst/>
-          </a:prstGeom>
-        </p:spPr>
-        <p:txBody>
-          <a:bodyPr wrap="square" lIns="0" tIns="0" rIns="0" bIns="0" rtlCol="0">
-            <a:spAutoFit/>
-          </a:bodyPr>
-          <a:lstStyle>
-            <a:defPPr>
-              <a:defRPr lang="en-US"/>
-            </a:defPPr>
-            <a:lvl1pPr>
-              <a:defRPr sz="1600" i="1">
-                <a:solidFill>
-                  <a:srgbClr val="002060"/>
-                </a:solidFill>
-                <a:latin typeface="+mj-lt"/>
-                <a:cs typeface="Segoe UI" panose="020B0502040204020203" pitchFamily="34" charset="0"/>
-              </a:defRPr>
-            </a:lvl1pPr>
-          </a:lstStyle>
-          <a:p>
-            <a:pPr algn="ctr" rtl="0"/>
-            <a:r>
-              <a:rPr lang="ru-RU" sz="1800" dirty="0" smtClean="0"/>
-              <a:t>Иван</a:t>
-            </a:r>
-            <a:endParaRPr lang="ru-RU" sz="1800" dirty="0"/>
-          </a:p>
-        </p:txBody>
-      </p:sp>
-      <p:cxnSp>
-        <p:nvCxnSpPr>
-          <p:cNvPr id="39" name="Прямая соединительная линия 38">
-            <a:extLst>
-              <a:ext uri="{FF2B5EF4-FFF2-40B4-BE49-F238E27FC236}">
-                <a16:creationId xmlns:a16="http://schemas.microsoft.com/office/drawing/2014/main" id="{E4AFE17F-D5F3-4088-A119-1B09AC60EA16}"/>
-              </a:ext>
-              <a:ext uri="{C183D7F6-B498-43B3-948B-1728B52AA6E4}">
-                <adec:decorative xmlns:adec="http://schemas.microsoft.com/office/drawing/2017/decorative" xmlns="" val="1"/>
-              </a:ext>
-            </a:extLst>
-          </p:cNvPr>
-          <p:cNvCxnSpPr/>
-          <p:nvPr/>
-        </p:nvCxnSpPr>
-        <p:spPr>
-          <a:xfrm flipV="1">
-            <a:off x="4327428" y="2201762"/>
-            <a:ext cx="0" cy="2488819"/>
-          </a:xfrm>
-          <a:prstGeom prst="line">
-            <a:avLst/>
-          </a:prstGeom>
-          <a:ln w="9525">
-            <a:solidFill>
-              <a:schemeClr val="bg1">
-                <a:lumMod val="50000"/>
-              </a:schemeClr>
-            </a:solidFill>
-            <a:headEnd w="sm" len="sm"/>
-            <a:tailEnd type="oval" w="sm" len="sm"/>
-          </a:ln>
-        </p:spPr>
-        <p:style>
-          <a:lnRef idx="1">
-            <a:schemeClr val="accent1"/>
-          </a:lnRef>
-          <a:fillRef idx="0">
-            <a:schemeClr val="accent1"/>
-          </a:fillRef>
-          <a:effectRef idx="0">
-            <a:schemeClr val="accent1"/>
-          </a:effectRef>
-          <a:fontRef idx="minor">
-            <a:schemeClr val="tx1"/>
-          </a:fontRef>
-        </p:style>
-      </p:cxnSp>
-      <p:pic>
-        <p:nvPicPr>
-          <p:cNvPr id="40" name="Рисунок 39">
-            <a:extLst>
-              <a:ext uri="{FF2B5EF4-FFF2-40B4-BE49-F238E27FC236}">
-                <a16:creationId xmlns:a16="http://schemas.microsoft.com/office/drawing/2014/main" id="{2577F7D1-192D-40B4-99E0-89844CC3E130}"/>
-              </a:ext>
-            </a:extLst>
-          </p:cNvPr>
-          <p:cNvPicPr>
-            <a:picLocks noChangeAspect="1"/>
-          </p:cNvPicPr>
-          <p:nvPr/>
-        </p:nvPicPr>
-        <p:blipFill>
-          <a:blip r:embed="rId7" cstate="hqprint">
-            <a:extLst>
-              <a:ext uri="{28A0092B-C50C-407E-A947-70E740481C1C}">
-                <a14:useLocalDpi xmlns:a14="http://schemas.microsoft.com/office/drawing/2010/main" val="0"/>
-              </a:ext>
-            </a:extLst>
-          </a:blip>
-          <a:stretch>
-            <a:fillRect/>
-          </a:stretch>
-        </p:blipFill>
-        <p:spPr>
-          <a:xfrm>
-            <a:off x="3787428" y="3691099"/>
-            <a:ext cx="1080000" cy="1080000"/>
-          </a:xfrm>
-          <a:prstGeom prst="ellipse">
-            <a:avLst/>
-          </a:prstGeom>
-        </p:spPr>
-      </p:pic>
-      <p:sp>
-        <p:nvSpPr>
-          <p:cNvPr id="41" name="Надпись 81">
-            <a:extLst>
-              <a:ext uri="{FF2B5EF4-FFF2-40B4-BE49-F238E27FC236}">
-                <a16:creationId xmlns:a16="http://schemas.microsoft.com/office/drawing/2014/main" id="{98E46396-D16F-446B-A9AD-53DEF0657574}"/>
-              </a:ext>
-            </a:extLst>
-          </p:cNvPr>
-          <p:cNvSpPr txBox="1"/>
-          <p:nvPr/>
-        </p:nvSpPr>
-        <p:spPr>
-          <a:xfrm>
-            <a:off x="3688967" y="5231267"/>
-            <a:ext cx="1223396" cy="276999"/>
-          </a:xfrm>
-          <a:prstGeom prst="rect">
-            <a:avLst/>
-          </a:prstGeom>
-        </p:spPr>
-        <p:txBody>
-          <a:bodyPr wrap="square" lIns="0" tIns="0" rIns="0" bIns="0" rtlCol="0">
-            <a:spAutoFit/>
-          </a:bodyPr>
-          <a:lstStyle>
-            <a:defPPr>
-              <a:defRPr lang="en-US"/>
-            </a:defPPr>
-            <a:lvl1pPr>
-              <a:defRPr sz="1600" i="1">
-                <a:solidFill>
-                  <a:srgbClr val="002060"/>
-                </a:solidFill>
-                <a:latin typeface="+mj-lt"/>
-                <a:cs typeface="Segoe UI" panose="020B0502040204020203" pitchFamily="34" charset="0"/>
-              </a:defRPr>
-            </a:lvl1pPr>
-          </a:lstStyle>
-          <a:p>
-            <a:pPr algn="ctr" rtl="0"/>
-            <a:r>
-              <a:rPr lang="ru-RU" sz="1800" dirty="0" err="1" smtClean="0"/>
-              <a:t>Кочкарёв</a:t>
-            </a:r>
-            <a:endParaRPr lang="ru-RU" sz="1800" dirty="0"/>
-          </a:p>
-        </p:txBody>
-      </p:sp>
-      <p:sp>
-        <p:nvSpPr>
-          <p:cNvPr id="42" name="Надпись 67">
-            <a:extLst>
-              <a:ext uri="{FF2B5EF4-FFF2-40B4-BE49-F238E27FC236}">
-                <a16:creationId xmlns:a16="http://schemas.microsoft.com/office/drawing/2014/main" id="{0724D529-AD4B-49E7-97D2-8E8657BF03D1}"/>
-              </a:ext>
-            </a:extLst>
-          </p:cNvPr>
-          <p:cNvSpPr txBox="1"/>
-          <p:nvPr/>
-        </p:nvSpPr>
-        <p:spPr>
-          <a:xfrm>
-            <a:off x="3766658" y="1782791"/>
-            <a:ext cx="1154778" cy="369332"/>
-          </a:xfrm>
-          <a:prstGeom prst="rect">
-            <a:avLst/>
-          </a:prstGeom>
-        </p:spPr>
-        <p:txBody>
-          <a:bodyPr wrap="square" lIns="0" tIns="0" rIns="0" bIns="0" rtlCol="0">
-            <a:spAutoFit/>
-          </a:bodyPr>
-          <a:lstStyle>
-            <a:defPPr>
-              <a:defRPr lang="en-US"/>
-            </a:defPPr>
-            <a:lvl1pPr>
-              <a:defRPr sz="1600" i="1">
-                <a:solidFill>
-                  <a:srgbClr val="002060"/>
-                </a:solidFill>
-                <a:latin typeface="+mj-lt"/>
-                <a:cs typeface="Segoe UI" panose="020B0502040204020203" pitchFamily="34" charset="0"/>
-              </a:defRPr>
-            </a:lvl1pPr>
-          </a:lstStyle>
-          <a:p>
-            <a:pPr algn="ctr" rtl="0"/>
-            <a:r>
-              <a:rPr lang="en-US" sz="1200" b="1" dirty="0">
-                <a:latin typeface="Segoe UI" panose="020B0502040204020203" pitchFamily="34" charset="0"/>
-              </a:rPr>
-              <a:t>Android</a:t>
-            </a:r>
-            <a:r>
-              <a:rPr lang="ru-RU" sz="1200" b="1" dirty="0">
-                <a:latin typeface="Segoe UI" panose="020B0502040204020203" pitchFamily="34" charset="0"/>
-              </a:rPr>
-              <a:t> разработчик</a:t>
-            </a:r>
-          </a:p>
-        </p:txBody>
-      </p:sp>
     </p:spTree>
     <p:extLst>
       <p:ext uri="{BB962C8B-B14F-4D97-AF65-F5344CB8AC3E}">
@@ -38786,6 +38960,9 @@
   <p:clrMapOvr>
     <a:masterClrMapping/>
   </p:clrMapOvr>
+  <p:transition spd="slow">
+    <p:push dir="u"/>
+  </p:transition>
   <p:timing>
     <p:tnLst>
       <p:par>
@@ -41663,6 +41840,9 @@
   <p:clrMapOvr>
     <a:masterClrMapping/>
   </p:clrMapOvr>
+  <p:transition spd="slow">
+    <p:push dir="u"/>
+  </p:transition>
   <p:timing>
     <p:tnLst>
       <p:par>
@@ -41858,7 +42038,7 @@
                 <a16:creationId xmlns:a16="http://schemas.microsoft.com/office/drawing/2014/main" id="{C8431200-8E45-4A0C-B12B-CFA1B2C53C47}"/>
               </a:ext>
               <a:ext uri="{C183D7F6-B498-43B3-948B-1728B52AA6E4}">
-                <adec:decorative xmlns:adec="http://schemas.microsoft.com/office/drawing/2017/decorative" xmlns="" val="1"/>
+                <adec:decorative xmlns="" xmlns:adec="http://schemas.microsoft.com/office/drawing/2017/decorative" val="1"/>
               </a:ext>
             </a:extLst>
           </p:cNvPr>
@@ -41918,7 +42098,7 @@
                 <a16:creationId xmlns:a16="http://schemas.microsoft.com/office/drawing/2014/main" id="{241C7FC4-FEFA-4A96-9749-9068C68611EF}"/>
               </a:ext>
               <a:ext uri="{C183D7F6-B498-43B3-948B-1728B52AA6E4}">
-                <adec:decorative xmlns:adec="http://schemas.microsoft.com/office/drawing/2017/decorative" xmlns="" val="1"/>
+                <adec:decorative xmlns="" xmlns:adec="http://schemas.microsoft.com/office/drawing/2017/decorative" val="1"/>
               </a:ext>
             </a:extLst>
           </p:cNvPr>
@@ -42024,7 +42204,7 @@
                 <a16:creationId xmlns:a16="http://schemas.microsoft.com/office/drawing/2014/main" id="{294AEDC0-6B1D-4A3D-860D-83756CC387D3}"/>
               </a:ext>
               <a:ext uri="{C183D7F6-B498-43B3-948B-1728B52AA6E4}">
-                <adec:decorative xmlns:adec="http://schemas.microsoft.com/office/drawing/2017/decorative" xmlns="" val="1"/>
+                <adec:decorative xmlns="" xmlns:adec="http://schemas.microsoft.com/office/drawing/2017/decorative" val="1"/>
               </a:ext>
             </a:extLst>
           </p:cNvPr>
@@ -42588,6 +42768,18 @@
   <p:clrMapOvr>
     <a:masterClrMapping/>
   </p:clrMapOvr>
+  <mc:AlternateContent xmlns:mc="http://schemas.openxmlformats.org/markup-compatibility/2006">
+    <mc:Choice xmlns:p14="http://schemas.microsoft.com/office/powerpoint/2010/main" Requires="p14">
+      <p:transition spd="slow" p14:dur="1600">
+        <p14:prism isContent="1" isInverted="1"/>
+      </p:transition>
+    </mc:Choice>
+    <mc:Fallback>
+      <p:transition spd="slow">
+        <p:fade/>
+      </p:transition>
+    </mc:Fallback>
+  </mc:AlternateContent>
   <p:timing>
     <p:tnLst>
       <p:par>
@@ -42783,7 +42975,7 @@
                 <a16:creationId xmlns:a16="http://schemas.microsoft.com/office/drawing/2014/main" id="{C8431200-8E45-4A0C-B12B-CFA1B2C53C47}"/>
               </a:ext>
               <a:ext uri="{C183D7F6-B498-43B3-948B-1728B52AA6E4}">
-                <adec:decorative xmlns:adec="http://schemas.microsoft.com/office/drawing/2017/decorative" xmlns="" val="1"/>
+                <adec:decorative xmlns="" xmlns:adec="http://schemas.microsoft.com/office/drawing/2017/decorative" val="1"/>
               </a:ext>
             </a:extLst>
           </p:cNvPr>
@@ -42843,7 +43035,7 @@
                 <a16:creationId xmlns:a16="http://schemas.microsoft.com/office/drawing/2014/main" id="{241C7FC4-FEFA-4A96-9749-9068C68611EF}"/>
               </a:ext>
               <a:ext uri="{C183D7F6-B498-43B3-948B-1728B52AA6E4}">
-                <adec:decorative xmlns:adec="http://schemas.microsoft.com/office/drawing/2017/decorative" xmlns="" val="1"/>
+                <adec:decorative xmlns="" xmlns:adec="http://schemas.microsoft.com/office/drawing/2017/decorative" val="1"/>
               </a:ext>
             </a:extLst>
           </p:cNvPr>
@@ -42959,7 +43151,7 @@
                 <a16:creationId xmlns:a16="http://schemas.microsoft.com/office/drawing/2014/main" id="{294AEDC0-6B1D-4A3D-860D-83756CC387D3}"/>
               </a:ext>
               <a:ext uri="{C183D7F6-B498-43B3-948B-1728B52AA6E4}">
-                <adec:decorative xmlns:adec="http://schemas.microsoft.com/office/drawing/2017/decorative" xmlns="" val="1"/>
+                <adec:decorative xmlns="" xmlns:adec="http://schemas.microsoft.com/office/drawing/2017/decorative" val="1"/>
               </a:ext>
             </a:extLst>
           </p:cNvPr>
@@ -43523,6 +43715,9 @@
   <p:clrMapOvr>
     <a:masterClrMapping/>
   </p:clrMapOvr>
+  <p:transition spd="slow">
+    <p:push dir="u"/>
+  </p:transition>
   <p:timing>
     <p:tnLst>
       <p:par>
@@ -43558,7 +43753,7 @@
                 <a16:creationId xmlns:a16="http://schemas.microsoft.com/office/drawing/2014/main" id="{D14F9816-D761-44CD-80AC-A13A6A2BF4F4}"/>
               </a:ext>
               <a:ext uri="{C183D7F6-B498-43B3-948B-1728B52AA6E4}">
-                <adec:decorative xmlns:adec="http://schemas.microsoft.com/office/drawing/2017/decorative" xmlns="" val="1"/>
+                <adec:decorative xmlns="" xmlns:adec="http://schemas.microsoft.com/office/drawing/2017/decorative" val="1"/>
               </a:ext>
             </a:extLst>
           </p:cNvPr>
@@ -44442,7 +44637,7 @@
                 <a16:creationId xmlns:a16="http://schemas.microsoft.com/office/drawing/2014/main" id="{E6D6E19C-DE46-4402-8CBF-17BB95458532}"/>
               </a:ext>
               <a:ext uri="{C183D7F6-B498-43B3-948B-1728B52AA6E4}">
-                <adec:decorative xmlns:adec="http://schemas.microsoft.com/office/drawing/2017/decorative" xmlns="" val="1"/>
+                <adec:decorative xmlns="" xmlns:adec="http://schemas.microsoft.com/office/drawing/2017/decorative" val="1"/>
               </a:ext>
             </a:extLst>
           </p:cNvPr>
@@ -44795,14 +44990,14 @@
           <a:p>
             <a:pPr rtl="0"/>
             <a:r>
-              <a:rPr lang="en-US" sz="1600" b="1" dirty="0" smtClean="0">
+              <a:rPr lang="en-US" sz="1600" b="1" dirty="0" err="1" smtClean="0">
                 <a:solidFill>
                   <a:srgbClr val="002060"/>
                 </a:solidFill>
                 <a:latin typeface="Segoe UI" panose="020B0502040204020203" pitchFamily="34" charset="0"/>
                 <a:cs typeface="Segoe UI" panose="020B0502040204020203" pitchFamily="34" charset="0"/>
               </a:rPr>
-              <a:t>Material design</a:t>
+              <a:t>RxJava</a:t>
             </a:r>
             <a:endParaRPr lang="ru-RU" sz="1600" b="1" dirty="0">
               <a:solidFill>
@@ -44980,6 +45175,36 @@
           </a:prstGeom>
         </p:spPr>
       </p:pic>
+      <p:pic>
+        <p:nvPicPr>
+          <p:cNvPr id="4" name="Рисунок 3"/>
+          <p:cNvPicPr>
+            <a:picLocks noChangeAspect="1"/>
+          </p:cNvPicPr>
+          <p:nvPr/>
+        </p:nvPicPr>
+        <p:blipFill>
+          <a:blip r:embed="rId5" cstate="hqprint">
+            <a:extLst>
+              <a:ext uri="{28A0092B-C50C-407E-A947-70E740481C1C}">
+                <a14:useLocalDpi xmlns:a14="http://schemas.microsoft.com/office/drawing/2010/main" val="0"/>
+              </a:ext>
+            </a:extLst>
+          </a:blip>
+          <a:stretch>
+            <a:fillRect/>
+          </a:stretch>
+        </p:blipFill>
+        <p:spPr>
+          <a:xfrm>
+            <a:off x="6175005" y="2456693"/>
+            <a:ext cx="2039719" cy="2039719"/>
+          </a:xfrm>
+          <a:prstGeom prst="rect">
+            <a:avLst/>
+          </a:prstGeom>
+        </p:spPr>
+      </p:pic>
     </p:spTree>
     <p:extLst>
       <p:ext uri="{BB962C8B-B14F-4D97-AF65-F5344CB8AC3E}">
@@ -44990,6 +45215,18 @@
   <p:clrMapOvr>
     <a:masterClrMapping/>
   </p:clrMapOvr>
+  <mc:AlternateContent xmlns:mc="http://schemas.openxmlformats.org/markup-compatibility/2006">
+    <mc:Choice xmlns:p14="http://schemas.microsoft.com/office/powerpoint/2010/main" Requires="p14">
+      <p:transition spd="slow" p14:dur="1500">
+        <p:split orient="vert"/>
+      </p:transition>
+    </mc:Choice>
+    <mc:Fallback>
+      <p:transition spd="slow">
+        <p:split orient="vert"/>
+      </p:transition>
+    </mc:Fallback>
+  </mc:AlternateContent>
   <p:timing>
     <p:tnLst>
       <p:par>
@@ -45185,7 +45422,7 @@
                 <a16:creationId xmlns:a16="http://schemas.microsoft.com/office/drawing/2014/main" id="{C8431200-8E45-4A0C-B12B-CFA1B2C53C47}"/>
               </a:ext>
               <a:ext uri="{C183D7F6-B498-43B3-948B-1728B52AA6E4}">
-                <adec:decorative xmlns:adec="http://schemas.microsoft.com/office/drawing/2017/decorative" xmlns="" val="1"/>
+                <adec:decorative xmlns="" xmlns:adec="http://schemas.microsoft.com/office/drawing/2017/decorative" val="1"/>
               </a:ext>
             </a:extLst>
           </p:cNvPr>
@@ -45245,7 +45482,7 @@
                 <a16:creationId xmlns:a16="http://schemas.microsoft.com/office/drawing/2014/main" id="{241C7FC4-FEFA-4A96-9749-9068C68611EF}"/>
               </a:ext>
               <a:ext uri="{C183D7F6-B498-43B3-948B-1728B52AA6E4}">
-                <adec:decorative xmlns:adec="http://schemas.microsoft.com/office/drawing/2017/decorative" xmlns="" val="1"/>
+                <adec:decorative xmlns="" xmlns:adec="http://schemas.microsoft.com/office/drawing/2017/decorative" val="1"/>
               </a:ext>
             </a:extLst>
           </p:cNvPr>
@@ -45361,7 +45598,7 @@
                 <a16:creationId xmlns:a16="http://schemas.microsoft.com/office/drawing/2014/main" id="{294AEDC0-6B1D-4A3D-860D-83756CC387D3}"/>
               </a:ext>
               <a:ext uri="{C183D7F6-B498-43B3-948B-1728B52AA6E4}">
-                <adec:decorative xmlns:adec="http://schemas.microsoft.com/office/drawing/2017/decorative" xmlns="" val="1"/>
+                <adec:decorative xmlns="" xmlns:adec="http://schemas.microsoft.com/office/drawing/2017/decorative" val="1"/>
               </a:ext>
             </a:extLst>
           </p:cNvPr>
@@ -45934,6 +46171,18 @@
   <p:clrMapOvr>
     <a:masterClrMapping/>
   </p:clrMapOvr>
+  <mc:AlternateContent xmlns:mc="http://schemas.openxmlformats.org/markup-compatibility/2006">
+    <mc:Choice xmlns:p14="http://schemas.microsoft.com/office/powerpoint/2010/main" Requires="p14">
+      <p:transition spd="slow" p14:dur="1200">
+        <p:dissolve/>
+      </p:transition>
+    </mc:Choice>
+    <mc:Fallback>
+      <p:transition spd="slow">
+        <p:dissolve/>
+      </p:transition>
+    </mc:Fallback>
+  </mc:AlternateContent>
   <p:timing>
     <p:tnLst>
       <p:par>

--- a/NeoBrain.pptx
+++ b/NeoBrain.pptx
@@ -1361,7 +1361,7 @@
             <a:pPr rtl="0"/>
             <a:fld id="{84D28F2D-D4F3-4E2B-A0F3-7AAFDE0BC58B}" type="datetime1">
               <a:rPr lang="ru-RU" smtClean="0"/>
-              <a:t>14.05.2020</a:t>
+              <a:t>07.06.2020</a:t>
             </a:fld>
             <a:endParaRPr lang="ru-RU" dirty="0"/>
           </a:p>
@@ -1542,7 +1542,7 @@
             <a:fld id="{CA49951C-CA37-4221-943D-71E64EEEA549}" type="datetime1">
               <a:rPr lang="ru-RU" smtClean="0"/>
               <a:pPr/>
-              <a:t>14.05.2020</a:t>
+              <a:t>07.06.2020</a:t>
             </a:fld>
             <a:endParaRPr lang="ru-RU" dirty="0"/>
           </a:p>
@@ -3257,7 +3257,7 @@
             <a:pPr rtl="0"/>
             <a:fld id="{1BCB67F5-0266-4F57-BCC8-CAA9673E5902}" type="datetime1">
               <a:rPr lang="ru-RU" noProof="0" smtClean="0"/>
-              <a:t>14.05.2020</a:t>
+              <a:t>07.06.2020</a:t>
             </a:fld>
             <a:endParaRPr lang="ru-RU" noProof="0" dirty="0"/>
           </a:p>
@@ -3461,7 +3461,7 @@
             <a:pPr rtl="0"/>
             <a:fld id="{1B5ADB00-8AAA-4C20-B03B-A012746A2014}" type="datetime1">
               <a:rPr lang="ru-RU" noProof="0" smtClean="0"/>
-              <a:t>14.05.2020</a:t>
+              <a:t>07.06.2020</a:t>
             </a:fld>
             <a:endParaRPr lang="ru-RU" noProof="0" dirty="0"/>
           </a:p>
@@ -3675,7 +3675,7 @@
             <a:pPr rtl="0"/>
             <a:fld id="{7C0EA85A-0755-4D64-85AE-4D684CB44117}" type="datetime1">
               <a:rPr lang="ru-RU" noProof="0" smtClean="0"/>
-              <a:t>14.05.2020</a:t>
+              <a:t>07.06.2020</a:t>
             </a:fld>
             <a:endParaRPr lang="ru-RU" noProof="0" dirty="0"/>
           </a:p>
@@ -3879,7 +3879,7 @@
             <a:pPr rtl="0"/>
             <a:fld id="{82200F68-8153-43BD-9048-5E0203738055}" type="datetime1">
               <a:rPr lang="ru-RU" noProof="0" smtClean="0"/>
-              <a:t>14.05.2020</a:t>
+              <a:t>07.06.2020</a:t>
             </a:fld>
             <a:endParaRPr lang="ru-RU" noProof="0" dirty="0"/>
           </a:p>
@@ -4159,7 +4159,7 @@
             <a:pPr rtl="0"/>
             <a:fld id="{DEE6A3E5-DF0B-4BB4-83EC-7350AED6B333}" type="datetime1">
               <a:rPr lang="ru-RU" noProof="0" smtClean="0"/>
-              <a:t>14.05.2020</a:t>
+              <a:t>07.06.2020</a:t>
             </a:fld>
             <a:endParaRPr lang="ru-RU" noProof="0" dirty="0"/>
           </a:p>
@@ -4431,7 +4431,7 @@
             <a:pPr rtl="0"/>
             <a:fld id="{658B5BE7-11FF-4B74-A258-0B0852B1C612}" type="datetime1">
               <a:rPr lang="ru-RU" noProof="0" smtClean="0"/>
-              <a:t>14.05.2020</a:t>
+              <a:t>07.06.2020</a:t>
             </a:fld>
             <a:endParaRPr lang="ru-RU" noProof="0" dirty="0"/>
           </a:p>
@@ -4850,7 +4850,7 @@
             <a:pPr rtl="0"/>
             <a:fld id="{5153AEB0-DEE4-469A-ACA7-FCE298962CB8}" type="datetime1">
               <a:rPr lang="ru-RU" noProof="0" smtClean="0"/>
-              <a:t>14.05.2020</a:t>
+              <a:t>07.06.2020</a:t>
             </a:fld>
             <a:endParaRPr lang="ru-RU" noProof="0" dirty="0"/>
           </a:p>
@@ -4996,7 +4996,7 @@
             <a:pPr rtl="0"/>
             <a:fld id="{A7D850CA-FEA9-4ECA-92F5-9F1778664B8F}" type="datetime1">
               <a:rPr lang="ru-RU" noProof="0" smtClean="0"/>
-              <a:t>14.05.2020</a:t>
+              <a:t>07.06.2020</a:t>
             </a:fld>
             <a:endParaRPr lang="ru-RU" noProof="0" dirty="0"/>
           </a:p>
@@ -5112,7 +5112,7 @@
             <a:pPr rtl="0"/>
             <a:fld id="{BDD77D1A-AB3F-4195-91BD-ED29ADAC1B44}" type="datetime1">
               <a:rPr lang="ru-RU" noProof="0" smtClean="0"/>
-              <a:t>14.05.2020</a:t>
+              <a:t>07.06.2020</a:t>
             </a:fld>
             <a:endParaRPr lang="ru-RU" noProof="0" dirty="0"/>
           </a:p>
@@ -5429,7 +5429,7 @@
             <a:pPr rtl="0"/>
             <a:fld id="{376F1AFD-3CC9-4493-BC63-1C141B05CE5B}" type="datetime1">
               <a:rPr lang="ru-RU" noProof="0" smtClean="0"/>
-              <a:t>14.05.2020</a:t>
+              <a:t>07.06.2020</a:t>
             </a:fld>
             <a:endParaRPr lang="ru-RU" noProof="0" dirty="0"/>
           </a:p>
@@ -5727,7 +5727,7 @@
             <a:pPr rtl="0"/>
             <a:fld id="{6F578092-39FE-416A-9517-019E99EC9D0E}" type="datetime1">
               <a:rPr lang="ru-RU" noProof="0" smtClean="0"/>
-              <a:t>14.05.2020</a:t>
+              <a:t>07.06.2020</a:t>
             </a:fld>
             <a:endParaRPr lang="ru-RU" noProof="0" dirty="0"/>
           </a:p>
@@ -5972,7 +5972,7 @@
             <a:pPr rtl="0"/>
             <a:fld id="{368E1444-B5BA-4767-8208-964378902D11}" type="datetime1">
               <a:rPr lang="ru-RU" noProof="0" smtClean="0"/>
-              <a:t>14.05.2020</a:t>
+              <a:t>07.06.2020</a:t>
             </a:fld>
             <a:endParaRPr lang="ru-RU" noProof="0" dirty="0"/>
           </a:p>
@@ -9169,6 +9169,275 @@
           </a:prstGeom>
         </p:spPr>
       </p:pic>
+      <p:grpSp>
+        <p:nvGrpSpPr>
+          <p:cNvPr id="5" name="Группа 4"/>
+          <p:cNvGrpSpPr/>
+          <p:nvPr/>
+        </p:nvGrpSpPr>
+        <p:grpSpPr>
+          <a:xfrm>
+            <a:off x="6829192" y="1632870"/>
+            <a:ext cx="5362808" cy="3592260"/>
+            <a:chOff x="6906083" y="2685695"/>
+            <a:chExt cx="5362808" cy="3592260"/>
+          </a:xfrm>
+        </p:grpSpPr>
+        <p:sp>
+          <p:nvSpPr>
+            <p:cNvPr id="22" name="Прямоугольник 21">
+              <a:extLst>
+                <a:ext uri="{FF2B5EF4-FFF2-40B4-BE49-F238E27FC236}">
+                  <a16:creationId xmlns:a16="http://schemas.microsoft.com/office/drawing/2014/main" id="{6BBBCB2E-F413-4381-8378-02FDC20EA4F6}"/>
+                </a:ext>
+              </a:extLst>
+            </p:cNvPr>
+            <p:cNvSpPr/>
+            <p:nvPr/>
+          </p:nvSpPr>
+          <p:spPr>
+            <a:xfrm>
+              <a:off x="6906083" y="5169959"/>
+              <a:ext cx="5362808" cy="1107996"/>
+            </a:xfrm>
+            <a:prstGeom prst="rect">
+              <a:avLst/>
+            </a:prstGeom>
+          </p:spPr>
+          <p:txBody>
+            <a:bodyPr wrap="square" lIns="0" tIns="0" rIns="0" bIns="0" rtlCol="0">
+              <a:spAutoFit/>
+            </a:bodyPr>
+            <a:lstStyle/>
+            <a:p>
+              <a:pPr rtl="0"/>
+              <a:r>
+                <a:rPr lang="ru-RU" sz="2400" b="1" i="1" dirty="0" smtClean="0">
+                  <a:solidFill>
+                    <a:schemeClr val="bg1"/>
+                  </a:solidFill>
+                  <a:latin typeface="+mj-lt"/>
+                  <a:cs typeface="Segoe UI" panose="020B0502040204020203" pitchFamily="34" charset="0"/>
+                </a:rPr>
+                <a:t>Авторы: </a:t>
+              </a:r>
+              <a:r>
+                <a:rPr lang="ru-RU" sz="2400" i="1" dirty="0" smtClean="0">
+                  <a:solidFill>
+                    <a:srgbClr val="002060"/>
+                  </a:solidFill>
+                  <a:latin typeface="+mj-lt"/>
+                  <a:cs typeface="Segoe UI" panose="020B0502040204020203" pitchFamily="34" charset="0"/>
+                </a:rPr>
+                <a:t/>
+              </a:r>
+              <a:br>
+                <a:rPr lang="ru-RU" sz="2400" i="1" dirty="0" smtClean="0">
+                  <a:solidFill>
+                    <a:srgbClr val="002060"/>
+                  </a:solidFill>
+                  <a:latin typeface="+mj-lt"/>
+                  <a:cs typeface="Segoe UI" panose="020B0502040204020203" pitchFamily="34" charset="0"/>
+                </a:rPr>
+              </a:br>
+              <a:r>
+                <a:rPr lang="ru-RU" sz="2400" i="1" dirty="0" smtClean="0">
+                  <a:solidFill>
+                    <a:schemeClr val="bg1"/>
+                  </a:solidFill>
+                  <a:latin typeface="+mj-lt"/>
+                  <a:cs typeface="Segoe UI" panose="020B0502040204020203" pitchFamily="34" charset="0"/>
+                </a:rPr>
+                <a:t>Данилов Роман Владимирович,</a:t>
+              </a:r>
+            </a:p>
+            <a:p>
+              <a:pPr rtl="0"/>
+              <a:r>
+                <a:rPr lang="ru-RU" sz="2400" i="1" dirty="0" smtClean="0">
+                  <a:solidFill>
+                    <a:schemeClr val="bg1"/>
+                  </a:solidFill>
+                  <a:latin typeface="+mj-lt"/>
+                  <a:cs typeface="Segoe UI" panose="020B0502040204020203" pitchFamily="34" charset="0"/>
+                </a:rPr>
+                <a:t>Купцов Гавриил Романович</a:t>
+              </a:r>
+              <a:endParaRPr lang="ru-RU" sz="2400" i="1" dirty="0">
+                <a:solidFill>
+                  <a:schemeClr val="bg1"/>
+                </a:solidFill>
+                <a:latin typeface="+mj-lt"/>
+                <a:cs typeface="Segoe UI" panose="020B0502040204020203" pitchFamily="34" charset="0"/>
+              </a:endParaRPr>
+            </a:p>
+          </p:txBody>
+        </p:sp>
+        <p:sp>
+          <p:nvSpPr>
+            <p:cNvPr id="23" name="Прямоугольник 22">
+              <a:extLst>
+                <a:ext uri="{FF2B5EF4-FFF2-40B4-BE49-F238E27FC236}">
+                  <a16:creationId xmlns:a16="http://schemas.microsoft.com/office/drawing/2014/main" id="{6BBBCB2E-F413-4381-8378-02FDC20EA4F6}"/>
+                </a:ext>
+              </a:extLst>
+            </p:cNvPr>
+            <p:cNvSpPr/>
+            <p:nvPr/>
+          </p:nvSpPr>
+          <p:spPr>
+            <a:xfrm>
+              <a:off x="6906083" y="3927827"/>
+              <a:ext cx="5362808" cy="738664"/>
+            </a:xfrm>
+            <a:prstGeom prst="rect">
+              <a:avLst/>
+            </a:prstGeom>
+          </p:spPr>
+          <p:txBody>
+            <a:bodyPr wrap="square" lIns="0" tIns="0" rIns="0" bIns="0" rtlCol="0">
+              <a:spAutoFit/>
+            </a:bodyPr>
+            <a:lstStyle/>
+            <a:p>
+              <a:pPr rtl="0"/>
+              <a:r>
+                <a:rPr lang="ru-RU" sz="2400" b="1" i="1" dirty="0" smtClean="0">
+                  <a:solidFill>
+                    <a:schemeClr val="bg1"/>
+                  </a:solidFill>
+                  <a:latin typeface="+mj-lt"/>
+                  <a:cs typeface="Segoe UI" panose="020B0502040204020203" pitchFamily="34" charset="0"/>
+                </a:rPr>
+                <a:t>Учитель:</a:t>
+              </a:r>
+              <a:r>
+                <a:rPr lang="ru-RU" sz="2400" i="1" dirty="0" smtClean="0">
+                  <a:solidFill>
+                    <a:srgbClr val="002060"/>
+                  </a:solidFill>
+                  <a:latin typeface="+mj-lt"/>
+                  <a:cs typeface="Segoe UI" panose="020B0502040204020203" pitchFamily="34" charset="0"/>
+                </a:rPr>
+                <a:t/>
+              </a:r>
+              <a:br>
+                <a:rPr lang="ru-RU" sz="2400" i="1" dirty="0" smtClean="0">
+                  <a:solidFill>
+                    <a:srgbClr val="002060"/>
+                  </a:solidFill>
+                  <a:latin typeface="+mj-lt"/>
+                  <a:cs typeface="Segoe UI" panose="020B0502040204020203" pitchFamily="34" charset="0"/>
+                </a:rPr>
+              </a:br>
+              <a:r>
+                <a:rPr lang="ru-RU" sz="2400" i="1" dirty="0" smtClean="0">
+                  <a:solidFill>
+                    <a:schemeClr val="bg1"/>
+                  </a:solidFill>
+                  <a:latin typeface="+mj-lt"/>
+                  <a:cs typeface="Segoe UI" panose="020B0502040204020203" pitchFamily="34" charset="0"/>
+                </a:rPr>
+                <a:t>Степанов Павел Валерьевич</a:t>
+              </a:r>
+              <a:endParaRPr lang="ru-RU" sz="2400" i="1" dirty="0">
+                <a:solidFill>
+                  <a:schemeClr val="bg1"/>
+                </a:solidFill>
+                <a:latin typeface="+mj-lt"/>
+                <a:cs typeface="Segoe UI" panose="020B0502040204020203" pitchFamily="34" charset="0"/>
+              </a:endParaRPr>
+            </a:p>
+          </p:txBody>
+        </p:sp>
+        <p:sp>
+          <p:nvSpPr>
+            <p:cNvPr id="25" name="Прямоугольник 24">
+              <a:extLst>
+                <a:ext uri="{FF2B5EF4-FFF2-40B4-BE49-F238E27FC236}">
+                  <a16:creationId xmlns:a16="http://schemas.microsoft.com/office/drawing/2014/main" id="{6BBBCB2E-F413-4381-8378-02FDC20EA4F6}"/>
+                </a:ext>
+              </a:extLst>
+            </p:cNvPr>
+            <p:cNvSpPr/>
+            <p:nvPr/>
+          </p:nvSpPr>
+          <p:spPr>
+            <a:xfrm>
+              <a:off x="6906083" y="2685695"/>
+              <a:ext cx="5362808" cy="738664"/>
+            </a:xfrm>
+            <a:prstGeom prst="rect">
+              <a:avLst/>
+            </a:prstGeom>
+          </p:spPr>
+          <p:txBody>
+            <a:bodyPr wrap="square" lIns="0" tIns="0" rIns="0" bIns="0" rtlCol="0">
+              <a:spAutoFit/>
+            </a:bodyPr>
+            <a:lstStyle/>
+            <a:p>
+              <a:pPr rtl="0"/>
+              <a:r>
+                <a:rPr lang="ru-RU" sz="2400" b="1" i="1" dirty="0" smtClean="0">
+                  <a:solidFill>
+                    <a:schemeClr val="bg1"/>
+                  </a:solidFill>
+                  <a:latin typeface="+mj-lt"/>
+                  <a:cs typeface="Segoe UI" panose="020B0502040204020203" pitchFamily="34" charset="0"/>
+                </a:rPr>
+                <a:t>Площадка:</a:t>
+              </a:r>
+              <a:r>
+                <a:rPr lang="ru-RU" sz="2400" i="1" dirty="0" smtClean="0">
+                  <a:solidFill>
+                    <a:schemeClr val="bg1"/>
+                  </a:solidFill>
+                  <a:latin typeface="+mj-lt"/>
+                  <a:cs typeface="Segoe UI" panose="020B0502040204020203" pitchFamily="34" charset="0"/>
+                </a:rPr>
+                <a:t/>
+              </a:r>
+              <a:br>
+                <a:rPr lang="ru-RU" sz="2400" i="1" dirty="0" smtClean="0">
+                  <a:solidFill>
+                    <a:schemeClr val="bg1"/>
+                  </a:solidFill>
+                  <a:latin typeface="+mj-lt"/>
+                  <a:cs typeface="Segoe UI" panose="020B0502040204020203" pitchFamily="34" charset="0"/>
+                </a:rPr>
+              </a:br>
+              <a:r>
+                <a:rPr lang="ru-RU" sz="2400" i="1" dirty="0" smtClean="0">
+                  <a:solidFill>
+                    <a:schemeClr val="bg1"/>
+                  </a:solidFill>
+                  <a:latin typeface="+mj-lt"/>
+                  <a:cs typeface="Segoe UI" panose="020B0502040204020203" pitchFamily="34" charset="0"/>
+                </a:rPr>
+                <a:t>ТОЦ </a:t>
+              </a:r>
+              <a:r>
+                <a:rPr lang="en-US" sz="2400" i="1" dirty="0" smtClean="0">
+                  <a:solidFill>
+                    <a:schemeClr val="bg1"/>
+                  </a:solidFill>
+                  <a:latin typeface="+mj-lt"/>
+                  <a:cs typeface="Segoe UI" panose="020B0502040204020203" pitchFamily="34" charset="0"/>
+                </a:rPr>
+                <a:t>Samsung</a:t>
+              </a:r>
+              <a:endParaRPr lang="ru-RU" sz="2400" i="1" dirty="0">
+                <a:solidFill>
+                  <a:schemeClr val="bg1"/>
+                </a:solidFill>
+                <a:latin typeface="+mj-lt"/>
+                <a:cs typeface="Segoe UI" panose="020B0502040204020203" pitchFamily="34" charset="0"/>
+              </a:endParaRPr>
+            </a:p>
+          </p:txBody>
+        </p:sp>
+      </p:grpSp>
     </p:spTree>
     <p:extLst>
       <p:ext uri="{BB962C8B-B14F-4D97-AF65-F5344CB8AC3E}">
@@ -9700,6 +9969,87 @@
                                   </p:childTnLst>
                                 </p:cTn>
                               </p:par>
+                              <p:par>
+                                <p:cTn id="35" presetID="42" presetClass="entr" presetSubtype="0" fill="hold" nodeType="withEffect">
+                                  <p:stCondLst>
+                                    <p:cond delay="0"/>
+                                  </p:stCondLst>
+                                  <p:childTnLst>
+                                    <p:set>
+                                      <p:cBhvr>
+                                        <p:cTn id="36" dur="1" fill="hold">
+                                          <p:stCondLst>
+                                            <p:cond delay="0"/>
+                                          </p:stCondLst>
+                                        </p:cTn>
+                                        <p:tgtEl>
+                                          <p:spTgt spid="5"/>
+                                        </p:tgtEl>
+                                        <p:attrNameLst>
+                                          <p:attrName>style.visibility</p:attrName>
+                                        </p:attrNameLst>
+                                      </p:cBhvr>
+                                      <p:to>
+                                        <p:strVal val="visible"/>
+                                      </p:to>
+                                    </p:set>
+                                    <p:animEffect transition="in" filter="fade">
+                                      <p:cBhvr>
+                                        <p:cTn id="37" dur="1000"/>
+                                        <p:tgtEl>
+                                          <p:spTgt spid="5"/>
+                                        </p:tgtEl>
+                                      </p:cBhvr>
+                                    </p:animEffect>
+                                    <p:anim calcmode="lin" valueType="num">
+                                      <p:cBhvr>
+                                        <p:cTn id="38" dur="1000" fill="hold"/>
+                                        <p:tgtEl>
+                                          <p:spTgt spid="5"/>
+                                        </p:tgtEl>
+                                        <p:attrNameLst>
+                                          <p:attrName>ppt_x</p:attrName>
+                                        </p:attrNameLst>
+                                      </p:cBhvr>
+                                      <p:tavLst>
+                                        <p:tav tm="0">
+                                          <p:val>
+                                            <p:strVal val="#ppt_x"/>
+                                          </p:val>
+                                        </p:tav>
+                                        <p:tav tm="100000">
+                                          <p:val>
+                                            <p:strVal val="#ppt_x"/>
+                                          </p:val>
+                                        </p:tav>
+                                      </p:tavLst>
+                                    </p:anim>
+                                    <p:anim calcmode="lin" valueType="num">
+                                      <p:cBhvr>
+                                        <p:cTn id="39" dur="1000" fill="hold"/>
+                                        <p:tgtEl>
+                                          <p:spTgt spid="5"/>
+                                        </p:tgtEl>
+                                        <p:attrNameLst>
+                                          <p:attrName>ppt_y</p:attrName>
+                                        </p:attrNameLst>
+                                      </p:cBhvr>
+                                      <p:tavLst>
+                                        <p:tav tm="0">
+                                          <p:val>
+                                            <p:strVal val="#ppt_y+.1"/>
+                                          </p:val>
+                                        </p:tav>
+                                        <p:tav tm="100000">
+                                          <p:val>
+                                            <p:strVal val="#ppt_y"/>
+                                          </p:val>
+                                        </p:tav>
+                                      </p:tavLst>
+                                    </p:anim>
+                                  </p:childTnLst>
+                                </p:cTn>
+                              </p:par>
                             </p:childTnLst>
                           </p:cTn>
                         </p:par>
@@ -9903,7 +10253,7 @@
                 <a16:creationId xmlns:a16="http://schemas.microsoft.com/office/drawing/2014/main" id="{C8431200-8E45-4A0C-B12B-CFA1B2C53C47}"/>
               </a:ext>
               <a:ext uri="{C183D7F6-B498-43B3-948B-1728B52AA6E4}">
-                <adec:decorative xmlns="" xmlns:adec="http://schemas.microsoft.com/office/drawing/2017/decorative" val="1"/>
+                <adec:decorative xmlns:adec="http://schemas.microsoft.com/office/drawing/2017/decorative" xmlns="" val="1"/>
               </a:ext>
             </a:extLst>
           </p:cNvPr>
@@ -9963,7 +10313,7 @@
                 <a16:creationId xmlns:a16="http://schemas.microsoft.com/office/drawing/2014/main" id="{241C7FC4-FEFA-4A96-9749-9068C68611EF}"/>
               </a:ext>
               <a:ext uri="{C183D7F6-B498-43B3-948B-1728B52AA6E4}">
-                <adec:decorative xmlns="" xmlns:adec="http://schemas.microsoft.com/office/drawing/2017/decorative" val="1"/>
+                <adec:decorative xmlns:adec="http://schemas.microsoft.com/office/drawing/2017/decorative" xmlns="" val="1"/>
               </a:ext>
             </a:extLst>
           </p:cNvPr>
@@ -10079,7 +10429,7 @@
                 <a16:creationId xmlns:a16="http://schemas.microsoft.com/office/drawing/2014/main" id="{294AEDC0-6B1D-4A3D-860D-83756CC387D3}"/>
               </a:ext>
               <a:ext uri="{C183D7F6-B498-43B3-948B-1728B52AA6E4}">
-                <adec:decorative xmlns="" xmlns:adec="http://schemas.microsoft.com/office/drawing/2017/decorative" val="1"/>
+                <adec:decorative xmlns:adec="http://schemas.microsoft.com/office/drawing/2017/decorative" xmlns="" val="1"/>
               </a:ext>
             </a:extLst>
           </p:cNvPr>
@@ -10681,7 +11031,7 @@
                 <a16:creationId xmlns:a16="http://schemas.microsoft.com/office/drawing/2014/main" id="{D14F9816-D761-44CD-80AC-A13A6A2BF4F4}"/>
               </a:ext>
               <a:ext uri="{C183D7F6-B498-43B3-948B-1728B52AA6E4}">
-                <adec:decorative xmlns="" xmlns:adec="http://schemas.microsoft.com/office/drawing/2017/decorative" val="1"/>
+                <adec:decorative xmlns:adec="http://schemas.microsoft.com/office/drawing/2017/decorative" xmlns="" val="1"/>
               </a:ext>
             </a:extLst>
           </p:cNvPr>
@@ -11565,7 +11915,7 @@
                 <a16:creationId xmlns:a16="http://schemas.microsoft.com/office/drawing/2014/main" id="{E6D6E19C-DE46-4402-8CBF-17BB95458532}"/>
               </a:ext>
               <a:ext uri="{C183D7F6-B498-43B3-948B-1728B52AA6E4}">
-                <adec:decorative xmlns="" xmlns:adec="http://schemas.microsoft.com/office/drawing/2017/decorative" val="1"/>
+                <adec:decorative xmlns:adec="http://schemas.microsoft.com/office/drawing/2017/decorative" xmlns="" val="1"/>
               </a:ext>
             </a:extLst>
           </p:cNvPr>
@@ -12209,13 +12559,13 @@
   <p:clrMapOvr>
     <a:masterClrMapping/>
   </p:clrMapOvr>
-  <mc:AlternateContent xmlns:mc="http://schemas.openxmlformats.org/markup-compatibility/2006">
-    <mc:Choice xmlns:p14="http://schemas.microsoft.com/office/powerpoint/2010/main" Requires="p14">
+  <mc:AlternateContent xmlns:mc="http://schemas.openxmlformats.org/markup-compatibility/2006" xmlns:p14="http://schemas.microsoft.com/office/powerpoint/2010/main">
+    <mc:Choice Requires="p14">
       <p:transition spd="slow" p14:dur="1500">
         <p:split orient="vert"/>
       </p:transition>
     </mc:Choice>
-    <mc:Fallback>
+    <mc:Fallback xmlns="">
       <p:transition spd="slow">
         <p:split orient="vert"/>
       </p:transition>
@@ -12256,7 +12606,7 @@
                 <a16:creationId xmlns:a16="http://schemas.microsoft.com/office/drawing/2014/main" id="{3638C06D-F644-4B33-8858-D880F038FAC3}"/>
               </a:ext>
               <a:ext uri="{C183D7F6-B498-43B3-948B-1728B52AA6E4}">
-                <adec:decorative xmlns="" xmlns:adec="http://schemas.microsoft.com/office/drawing/2017/decorative" val="1"/>
+                <adec:decorative xmlns:adec="http://schemas.microsoft.com/office/drawing/2017/decorative" xmlns="" val="1"/>
               </a:ext>
             </a:extLst>
           </p:cNvPr>
@@ -17491,7 +17841,7 @@
                 <a16:creationId xmlns:a16="http://schemas.microsoft.com/office/drawing/2014/main" id="{6D08E99A-0644-4757-9F3A-BBA1A4F39081}"/>
               </a:ext>
               <a:ext uri="{C183D7F6-B498-43B3-948B-1728B52AA6E4}">
-                <adec:decorative xmlns="" xmlns:adec="http://schemas.microsoft.com/office/drawing/2017/decorative" val="1"/>
+                <adec:decorative xmlns:adec="http://schemas.microsoft.com/office/drawing/2017/decorative" xmlns="" val="1"/>
               </a:ext>
             </a:extLst>
           </p:cNvPr>
@@ -17537,7 +17887,7 @@
                 <a16:creationId xmlns:a16="http://schemas.microsoft.com/office/drawing/2014/main" id="{A21B85DB-181D-46E7-A9DF-F92B1DF032FD}"/>
               </a:ext>
               <a:ext uri="{C183D7F6-B498-43B3-948B-1728B52AA6E4}">
-                <adec:decorative xmlns="" xmlns:adec="http://schemas.microsoft.com/office/drawing/2017/decorative" val="1"/>
+                <adec:decorative xmlns:adec="http://schemas.microsoft.com/office/drawing/2017/decorative" xmlns="" val="1"/>
               </a:ext>
             </a:extLst>
           </p:cNvPr>
@@ -17648,7 +17998,7 @@
                 <a16:creationId xmlns:a16="http://schemas.microsoft.com/office/drawing/2014/main" id="{0B8C9A86-3574-4A2E-BC62-481A2BE7FBED}"/>
               </a:ext>
               <a:ext uri="{C183D7F6-B498-43B3-948B-1728B52AA6E4}">
-                <adec:decorative xmlns="" xmlns:adec="http://schemas.microsoft.com/office/drawing/2017/decorative" val="1"/>
+                <adec:decorative xmlns:adec="http://schemas.microsoft.com/office/drawing/2017/decorative" xmlns="" val="1"/>
               </a:ext>
             </a:extLst>
           </p:cNvPr>
@@ -21151,13 +21501,13 @@
   <p:clrMapOvr>
     <a:masterClrMapping/>
   </p:clrMapOvr>
-  <mc:AlternateContent xmlns:mc="http://schemas.openxmlformats.org/markup-compatibility/2006">
-    <mc:Choice xmlns:p14="http://schemas.microsoft.com/office/powerpoint/2010/main" Requires="p14">
+  <mc:AlternateContent xmlns:mc="http://schemas.openxmlformats.org/markup-compatibility/2006" xmlns:p14="http://schemas.microsoft.com/office/powerpoint/2010/main">
+    <mc:Choice Requires="p14">
       <p:transition spd="slow" p14:dur="4000">
         <p14:vortex dir="r"/>
       </p:transition>
     </mc:Choice>
-    <mc:Fallback>
+    <mc:Fallback xmlns="">
       <p:transition spd="slow">
         <p:fade/>
       </p:transition>
@@ -22446,13 +22796,13 @@
   <p:clrMapOvr>
     <a:masterClrMapping/>
   </p:clrMapOvr>
-  <mc:AlternateContent xmlns:mc="http://schemas.openxmlformats.org/markup-compatibility/2006">
-    <mc:Choice xmlns:p14="http://schemas.microsoft.com/office/powerpoint/2010/main" Requires="p14">
+  <mc:AlternateContent xmlns:mc="http://schemas.openxmlformats.org/markup-compatibility/2006" xmlns:p14="http://schemas.microsoft.com/office/powerpoint/2010/main">
+    <mc:Choice Requires="p14">
       <p:transition spd="slow">
         <p14:flash/>
       </p:transition>
     </mc:Choice>
-    <mc:Fallback>
+    <mc:Fallback xmlns="">
       <p:transition spd="slow">
         <p:fade/>
       </p:transition>
@@ -22727,7 +23077,7 @@
                 <a16:creationId xmlns:a16="http://schemas.microsoft.com/office/drawing/2014/main" id="{7F192ACD-9C75-481C-8934-C15F525ED96C}"/>
               </a:ext>
               <a:ext uri="{C183D7F6-B498-43B3-948B-1728B52AA6E4}">
-                <adec:decorative xmlns="" xmlns:adec="http://schemas.microsoft.com/office/drawing/2017/decorative" val="1"/>
+                <adec:decorative xmlns:adec="http://schemas.microsoft.com/office/drawing/2017/decorative" xmlns="" val="1"/>
               </a:ext>
             </a:extLst>
           </p:cNvPr>
@@ -22877,7 +23227,7 @@
                 <a16:creationId xmlns:a16="http://schemas.microsoft.com/office/drawing/2014/main" id="{5B7ACCD3-FC43-4E32-B7AA-E6D86BED1A32}"/>
               </a:ext>
               <a:ext uri="{C183D7F6-B498-43B3-948B-1728B52AA6E4}">
-                <adec:decorative xmlns="" xmlns:adec="http://schemas.microsoft.com/office/drawing/2017/decorative" val="1"/>
+                <adec:decorative xmlns:adec="http://schemas.microsoft.com/office/drawing/2017/decorative" xmlns="" val="1"/>
               </a:ext>
             </a:extLst>
           </p:cNvPr>
@@ -23072,7 +23422,7 @@
                 <a16:creationId xmlns:a16="http://schemas.microsoft.com/office/drawing/2014/main" id="{7F192ACD-9C75-481C-8934-C15F525ED96C}"/>
               </a:ext>
               <a:ext uri="{C183D7F6-B498-43B3-948B-1728B52AA6E4}">
-                <adec:decorative xmlns="" xmlns:adec="http://schemas.microsoft.com/office/drawing/2017/decorative" val="1"/>
+                <adec:decorative xmlns:adec="http://schemas.microsoft.com/office/drawing/2017/decorative" xmlns="" val="1"/>
               </a:ext>
             </a:extLst>
           </p:cNvPr>
@@ -23222,7 +23572,7 @@
                 <a16:creationId xmlns:a16="http://schemas.microsoft.com/office/drawing/2014/main" id="{5B7ACCD3-FC43-4E32-B7AA-E6D86BED1A32}"/>
               </a:ext>
               <a:ext uri="{C183D7F6-B498-43B3-948B-1728B52AA6E4}">
-                <adec:decorative xmlns="" xmlns:adec="http://schemas.microsoft.com/office/drawing/2017/decorative" val="1"/>
+                <adec:decorative xmlns:adec="http://schemas.microsoft.com/office/drawing/2017/decorative" xmlns="" val="1"/>
               </a:ext>
             </a:extLst>
           </p:cNvPr>
@@ -23417,7 +23767,7 @@
                 <a16:creationId xmlns:a16="http://schemas.microsoft.com/office/drawing/2014/main" id="{7F192ACD-9C75-481C-8934-C15F525ED96C}"/>
               </a:ext>
               <a:ext uri="{C183D7F6-B498-43B3-948B-1728B52AA6E4}">
-                <adec:decorative xmlns="" xmlns:adec="http://schemas.microsoft.com/office/drawing/2017/decorative" val="1"/>
+                <adec:decorative xmlns:adec="http://schemas.microsoft.com/office/drawing/2017/decorative" xmlns="" val="1"/>
               </a:ext>
             </a:extLst>
           </p:cNvPr>
@@ -23567,7 +23917,7 @@
                 <a16:creationId xmlns:a16="http://schemas.microsoft.com/office/drawing/2014/main" id="{7F192ACD-9C75-481C-8934-C15F525ED96C}"/>
               </a:ext>
               <a:ext uri="{C183D7F6-B498-43B3-948B-1728B52AA6E4}">
-                <adec:decorative xmlns="" xmlns:adec="http://schemas.microsoft.com/office/drawing/2017/decorative" val="1"/>
+                <adec:decorative xmlns:adec="http://schemas.microsoft.com/office/drawing/2017/decorative" xmlns="" val="1"/>
               </a:ext>
             </a:extLst>
           </p:cNvPr>
@@ -23717,7 +24067,7 @@
                 <a16:creationId xmlns:a16="http://schemas.microsoft.com/office/drawing/2014/main" id="{5B7ACCD3-FC43-4E32-B7AA-E6D86BED1A32}"/>
               </a:ext>
               <a:ext uri="{C183D7F6-B498-43B3-948B-1728B52AA6E4}">
-                <adec:decorative xmlns="" xmlns:adec="http://schemas.microsoft.com/office/drawing/2017/decorative" val="1"/>
+                <adec:decorative xmlns:adec="http://schemas.microsoft.com/office/drawing/2017/decorative" xmlns="" val="1"/>
               </a:ext>
             </a:extLst>
           </p:cNvPr>
@@ -23984,13 +24334,13 @@
   <p:clrMapOvr>
     <a:masterClrMapping/>
   </p:clrMapOvr>
-  <mc:AlternateContent xmlns:mc="http://schemas.openxmlformats.org/markup-compatibility/2006">
-    <mc:Choice xmlns:p14="http://schemas.microsoft.com/office/powerpoint/2010/main" Requires="p14">
+  <mc:AlternateContent xmlns:mc="http://schemas.openxmlformats.org/markup-compatibility/2006" xmlns:p14="http://schemas.microsoft.com/office/powerpoint/2010/main">
+    <mc:Choice Requires="p14">
       <p:transition spd="slow" p14:dur="2500">
         <p:checker/>
       </p:transition>
     </mc:Choice>
-    <mc:Fallback>
+    <mc:Fallback xmlns="">
       <p:transition spd="slow">
         <p:checker/>
       </p:transition>
@@ -26775,13 +27125,13 @@
   <p:clrMapOvr>
     <a:masterClrMapping/>
   </p:clrMapOvr>
-  <mc:AlternateContent xmlns:mc="http://schemas.openxmlformats.org/markup-compatibility/2006">
-    <mc:Choice xmlns:p14="http://schemas.microsoft.com/office/powerpoint/2010/main" Requires="p14">
+  <mc:AlternateContent xmlns:mc="http://schemas.openxmlformats.org/markup-compatibility/2006" xmlns:p14="http://schemas.microsoft.com/office/powerpoint/2010/main">
+    <mc:Choice Requires="p14">
       <p:transition spd="slow" p14:dur="1500">
         <p:split orient="vert"/>
       </p:transition>
     </mc:Choice>
-    <mc:Fallback>
+    <mc:Fallback xmlns="">
       <p:transition spd="slow">
         <p:split orient="vert"/>
       </p:transition>
@@ -30554,7 +30904,7 @@
                 <a16:creationId xmlns:a16="http://schemas.microsoft.com/office/drawing/2014/main" id="{D14F9816-D761-44CD-80AC-A13A6A2BF4F4}"/>
               </a:ext>
               <a:ext uri="{C183D7F6-B498-43B3-948B-1728B52AA6E4}">
-                <adec:decorative xmlns="" xmlns:adec="http://schemas.microsoft.com/office/drawing/2017/decorative" val="1"/>
+                <adec:decorative xmlns:adec="http://schemas.microsoft.com/office/drawing/2017/decorative" xmlns="" val="1"/>
               </a:ext>
             </a:extLst>
           </p:cNvPr>
@@ -31542,13 +31892,13 @@
   <p:clrMapOvr>
     <a:masterClrMapping/>
   </p:clrMapOvr>
-  <mc:AlternateContent xmlns:mc="http://schemas.openxmlformats.org/markup-compatibility/2006">
-    <mc:Choice xmlns:p14="http://schemas.microsoft.com/office/powerpoint/2010/main" Requires="p14">
+  <mc:AlternateContent xmlns:mc="http://schemas.openxmlformats.org/markup-compatibility/2006" xmlns:p14="http://schemas.microsoft.com/office/powerpoint/2010/main">
+    <mc:Choice Requires="p14">
       <p:transition spd="slow" p14:dur="1500">
         <p:split orient="vert"/>
       </p:transition>
     </mc:Choice>
-    <mc:Fallback>
+    <mc:Fallback xmlns="">
       <p:transition spd="slow">
         <p:split orient="vert"/>
       </p:transition>
@@ -31798,7 +32148,7 @@
                 <a16:creationId xmlns:a16="http://schemas.microsoft.com/office/drawing/2014/main" id="{B38D4B56-7D6C-4345-912F-B3BA9A014E8B}"/>
               </a:ext>
               <a:ext uri="{C183D7F6-B498-43B3-948B-1728B52AA6E4}">
-                <adec:decorative xmlns="" xmlns:adec="http://schemas.microsoft.com/office/drawing/2017/decorative" val="1"/>
+                <adec:decorative xmlns:adec="http://schemas.microsoft.com/office/drawing/2017/decorative" xmlns="" val="1"/>
               </a:ext>
             </a:extLst>
           </p:cNvPr>
@@ -32339,7 +32689,7 @@
                 <a16:creationId xmlns:a16="http://schemas.microsoft.com/office/drawing/2014/main" id="{E7D1D117-BC5C-430A-9FEB-B231E691511F}"/>
               </a:ext>
               <a:ext uri="{C183D7F6-B498-43B3-948B-1728B52AA6E4}">
-                <adec:decorative xmlns="" xmlns:adec="http://schemas.microsoft.com/office/drawing/2017/decorative" val="1"/>
+                <adec:decorative xmlns:adec="http://schemas.microsoft.com/office/drawing/2017/decorative" xmlns="" val="1"/>
               </a:ext>
             </a:extLst>
           </p:cNvPr>
@@ -32397,7 +32747,7 @@
                 <a16:creationId xmlns:a16="http://schemas.microsoft.com/office/drawing/2014/main" id="{2577E8EA-5E95-41C5-8BE8-EE647DE2613A}"/>
               </a:ext>
               <a:ext uri="{C183D7F6-B498-43B3-948B-1728B52AA6E4}">
-                <adec:decorative xmlns="" xmlns:adec="http://schemas.microsoft.com/office/drawing/2017/decorative" val="1"/>
+                <adec:decorative xmlns:adec="http://schemas.microsoft.com/office/drawing/2017/decorative" xmlns="" val="1"/>
               </a:ext>
             </a:extLst>
           </p:cNvPr>
@@ -36290,13 +36640,13 @@
   <p:clrMapOvr>
     <a:masterClrMapping/>
   </p:clrMapOvr>
-  <mc:AlternateContent xmlns:mc="http://schemas.openxmlformats.org/markup-compatibility/2006">
-    <mc:Choice xmlns:p14="http://schemas.microsoft.com/office/powerpoint/2010/main" Requires="p14">
+  <mc:AlternateContent xmlns:mc="http://schemas.openxmlformats.org/markup-compatibility/2006" xmlns:p14="http://schemas.microsoft.com/office/powerpoint/2010/main">
+    <mc:Choice Requires="p14">
       <p:transition spd="slow" p14:dur="1400">
         <p14:ripple/>
       </p:transition>
     </mc:Choice>
-    <mc:Fallback>
+    <mc:Fallback xmlns="">
       <p:transition spd="slow">
         <p:fade/>
       </p:transition>
@@ -36536,7 +36886,7 @@
                 <a16:creationId xmlns:a16="http://schemas.microsoft.com/office/drawing/2014/main" id="{7F192ACD-9C75-481C-8934-C15F525ED96C}"/>
               </a:ext>
               <a:ext uri="{C183D7F6-B498-43B3-948B-1728B52AA6E4}">
-                <adec:decorative xmlns="" xmlns:adec="http://schemas.microsoft.com/office/drawing/2017/decorative" val="1"/>
+                <adec:decorative xmlns:adec="http://schemas.microsoft.com/office/drawing/2017/decorative" xmlns="" val="1"/>
               </a:ext>
             </a:extLst>
           </p:cNvPr>
@@ -36686,7 +37036,7 @@
                 <a16:creationId xmlns:a16="http://schemas.microsoft.com/office/drawing/2014/main" id="{D83BBA1A-1810-4171-BD9C-B27B7C26AF70}"/>
               </a:ext>
               <a:ext uri="{C183D7F6-B498-43B3-948B-1728B52AA6E4}">
-                <adec:decorative xmlns="" xmlns:adec="http://schemas.microsoft.com/office/drawing/2017/decorative" val="1"/>
+                <adec:decorative xmlns:adec="http://schemas.microsoft.com/office/drawing/2017/decorative" xmlns="" val="1"/>
               </a:ext>
             </a:extLst>
           </p:cNvPr>
@@ -36836,7 +37186,7 @@
                 <a16:creationId xmlns:a16="http://schemas.microsoft.com/office/drawing/2014/main" id="{2D409DD0-6B30-47E3-9886-F8F16D42AB79}"/>
               </a:ext>
               <a:ext uri="{C183D7F6-B498-43B3-948B-1728B52AA6E4}">
-                <adec:decorative xmlns="" xmlns:adec="http://schemas.microsoft.com/office/drawing/2017/decorative" val="1"/>
+                <adec:decorative xmlns:adec="http://schemas.microsoft.com/office/drawing/2017/decorative" xmlns="" val="1"/>
               </a:ext>
             </a:extLst>
           </p:cNvPr>
@@ -36986,7 +37336,7 @@
                 <a16:creationId xmlns:a16="http://schemas.microsoft.com/office/drawing/2014/main" id="{8B1A45F7-385D-4B67-98E4-489AB4E31714}"/>
               </a:ext>
               <a:ext uri="{C183D7F6-B498-43B3-948B-1728B52AA6E4}">
-                <adec:decorative xmlns="" xmlns:adec="http://schemas.microsoft.com/office/drawing/2017/decorative" val="1"/>
+                <adec:decorative xmlns:adec="http://schemas.microsoft.com/office/drawing/2017/decorative" xmlns="" val="1"/>
               </a:ext>
             </a:extLst>
           </p:cNvPr>
@@ -37136,7 +37486,7 @@
                 <a16:creationId xmlns:a16="http://schemas.microsoft.com/office/drawing/2014/main" id="{7F192ACD-9C75-481C-8934-C15F525ED96C}"/>
               </a:ext>
               <a:ext uri="{C183D7F6-B498-43B3-948B-1728B52AA6E4}">
-                <adec:decorative xmlns="" xmlns:adec="http://schemas.microsoft.com/office/drawing/2017/decorative" val="1"/>
+                <adec:decorative xmlns:adec="http://schemas.microsoft.com/office/drawing/2017/decorative" xmlns="" val="1"/>
               </a:ext>
             </a:extLst>
           </p:cNvPr>
@@ -37286,7 +37636,7 @@
                 <a16:creationId xmlns:a16="http://schemas.microsoft.com/office/drawing/2014/main" id="{5B7ACCD3-FC43-4E32-B7AA-E6D86BED1A32}"/>
               </a:ext>
               <a:ext uri="{C183D7F6-B498-43B3-948B-1728B52AA6E4}">
-                <adec:decorative xmlns="" xmlns:adec="http://schemas.microsoft.com/office/drawing/2017/decorative" val="1"/>
+                <adec:decorative xmlns:adec="http://schemas.microsoft.com/office/drawing/2017/decorative" xmlns="" val="1"/>
               </a:ext>
             </a:extLst>
           </p:cNvPr>
@@ -37628,7 +37978,7 @@
                 <a16:creationId xmlns:a16="http://schemas.microsoft.com/office/drawing/2014/main" id="{E4AFE17F-D5F3-4088-A119-1B09AC60EA16}"/>
               </a:ext>
               <a:ext uri="{C183D7F6-B498-43B3-948B-1728B52AA6E4}">
-                <adec:decorative xmlns="" xmlns:adec="http://schemas.microsoft.com/office/drawing/2017/decorative" val="1"/>
+                <adec:decorative xmlns:adec="http://schemas.microsoft.com/office/drawing/2017/decorative" xmlns="" val="1"/>
               </a:ext>
             </a:extLst>
           </p:cNvPr>
@@ -37676,7 +38026,7 @@
                 <a16:creationId xmlns:a16="http://schemas.microsoft.com/office/drawing/2014/main" id="{B73380DA-31E8-4A4F-8316-F527A262BAB7}"/>
               </a:ext>
               <a:ext uri="{C183D7F6-B498-43B3-948B-1728B52AA6E4}">
-                <adec:decorative xmlns="" xmlns:adec="http://schemas.microsoft.com/office/drawing/2017/decorative" val="1"/>
+                <adec:decorative xmlns:adec="http://schemas.microsoft.com/office/drawing/2017/decorative" xmlns="" val="1"/>
               </a:ext>
             </a:extLst>
           </p:cNvPr>
@@ -37853,7 +38203,7 @@
                 <a16:creationId xmlns:a16="http://schemas.microsoft.com/office/drawing/2014/main" id="{BB4E19F0-9268-49F1-864A-6AF530251A78}"/>
               </a:ext>
               <a:ext uri="{C183D7F6-B498-43B3-948B-1728B52AA6E4}">
-                <adec:decorative xmlns="" xmlns:adec="http://schemas.microsoft.com/office/drawing/2017/decorative" val="1"/>
+                <adec:decorative xmlns:adec="http://schemas.microsoft.com/office/drawing/2017/decorative" xmlns="" val="1"/>
               </a:ext>
             </a:extLst>
           </p:cNvPr>
@@ -42038,7 +42388,7 @@
                 <a16:creationId xmlns:a16="http://schemas.microsoft.com/office/drawing/2014/main" id="{C8431200-8E45-4A0C-B12B-CFA1B2C53C47}"/>
               </a:ext>
               <a:ext uri="{C183D7F6-B498-43B3-948B-1728B52AA6E4}">
-                <adec:decorative xmlns="" xmlns:adec="http://schemas.microsoft.com/office/drawing/2017/decorative" val="1"/>
+                <adec:decorative xmlns:adec="http://schemas.microsoft.com/office/drawing/2017/decorative" xmlns="" val="1"/>
               </a:ext>
             </a:extLst>
           </p:cNvPr>
@@ -42098,7 +42448,7 @@
                 <a16:creationId xmlns:a16="http://schemas.microsoft.com/office/drawing/2014/main" id="{241C7FC4-FEFA-4A96-9749-9068C68611EF}"/>
               </a:ext>
               <a:ext uri="{C183D7F6-B498-43B3-948B-1728B52AA6E4}">
-                <adec:decorative xmlns="" xmlns:adec="http://schemas.microsoft.com/office/drawing/2017/decorative" val="1"/>
+                <adec:decorative xmlns:adec="http://schemas.microsoft.com/office/drawing/2017/decorative" xmlns="" val="1"/>
               </a:ext>
             </a:extLst>
           </p:cNvPr>
@@ -42204,7 +42554,7 @@
                 <a16:creationId xmlns:a16="http://schemas.microsoft.com/office/drawing/2014/main" id="{294AEDC0-6B1D-4A3D-860D-83756CC387D3}"/>
               </a:ext>
               <a:ext uri="{C183D7F6-B498-43B3-948B-1728B52AA6E4}">
-                <adec:decorative xmlns="" xmlns:adec="http://schemas.microsoft.com/office/drawing/2017/decorative" val="1"/>
+                <adec:decorative xmlns:adec="http://schemas.microsoft.com/office/drawing/2017/decorative" xmlns="" val="1"/>
               </a:ext>
             </a:extLst>
           </p:cNvPr>
@@ -42768,13 +43118,13 @@
   <p:clrMapOvr>
     <a:masterClrMapping/>
   </p:clrMapOvr>
-  <mc:AlternateContent xmlns:mc="http://schemas.openxmlformats.org/markup-compatibility/2006">
-    <mc:Choice xmlns:p14="http://schemas.microsoft.com/office/powerpoint/2010/main" Requires="p14">
+  <mc:AlternateContent xmlns:mc="http://schemas.openxmlformats.org/markup-compatibility/2006" xmlns:p14="http://schemas.microsoft.com/office/powerpoint/2010/main">
+    <mc:Choice Requires="p14">
       <p:transition spd="slow" p14:dur="1600">
         <p14:prism isContent="1" isInverted="1"/>
       </p:transition>
     </mc:Choice>
-    <mc:Fallback>
+    <mc:Fallback xmlns="">
       <p:transition spd="slow">
         <p:fade/>
       </p:transition>
@@ -42975,7 +43325,7 @@
                 <a16:creationId xmlns:a16="http://schemas.microsoft.com/office/drawing/2014/main" id="{C8431200-8E45-4A0C-B12B-CFA1B2C53C47}"/>
               </a:ext>
               <a:ext uri="{C183D7F6-B498-43B3-948B-1728B52AA6E4}">
-                <adec:decorative xmlns="" xmlns:adec="http://schemas.microsoft.com/office/drawing/2017/decorative" val="1"/>
+                <adec:decorative xmlns:adec="http://schemas.microsoft.com/office/drawing/2017/decorative" xmlns="" val="1"/>
               </a:ext>
             </a:extLst>
           </p:cNvPr>
@@ -43035,7 +43385,7 @@
                 <a16:creationId xmlns:a16="http://schemas.microsoft.com/office/drawing/2014/main" id="{241C7FC4-FEFA-4A96-9749-9068C68611EF}"/>
               </a:ext>
               <a:ext uri="{C183D7F6-B498-43B3-948B-1728B52AA6E4}">
-                <adec:decorative xmlns="" xmlns:adec="http://schemas.microsoft.com/office/drawing/2017/decorative" val="1"/>
+                <adec:decorative xmlns:adec="http://schemas.microsoft.com/office/drawing/2017/decorative" xmlns="" val="1"/>
               </a:ext>
             </a:extLst>
           </p:cNvPr>
@@ -43151,7 +43501,7 @@
                 <a16:creationId xmlns:a16="http://schemas.microsoft.com/office/drawing/2014/main" id="{294AEDC0-6B1D-4A3D-860D-83756CC387D3}"/>
               </a:ext>
               <a:ext uri="{C183D7F6-B498-43B3-948B-1728B52AA6E4}">
-                <adec:decorative xmlns="" xmlns:adec="http://schemas.microsoft.com/office/drawing/2017/decorative" val="1"/>
+                <adec:decorative xmlns:adec="http://schemas.microsoft.com/office/drawing/2017/decorative" xmlns="" val="1"/>
               </a:ext>
             </a:extLst>
           </p:cNvPr>
@@ -43753,7 +44103,7 @@
                 <a16:creationId xmlns:a16="http://schemas.microsoft.com/office/drawing/2014/main" id="{D14F9816-D761-44CD-80AC-A13A6A2BF4F4}"/>
               </a:ext>
               <a:ext uri="{C183D7F6-B498-43B3-948B-1728B52AA6E4}">
-                <adec:decorative xmlns="" xmlns:adec="http://schemas.microsoft.com/office/drawing/2017/decorative" val="1"/>
+                <adec:decorative xmlns:adec="http://schemas.microsoft.com/office/drawing/2017/decorative" xmlns="" val="1"/>
               </a:ext>
             </a:extLst>
           </p:cNvPr>
@@ -44637,7 +44987,7 @@
                 <a16:creationId xmlns:a16="http://schemas.microsoft.com/office/drawing/2014/main" id="{E6D6E19C-DE46-4402-8CBF-17BB95458532}"/>
               </a:ext>
               <a:ext uri="{C183D7F6-B498-43B3-948B-1728B52AA6E4}">
-                <adec:decorative xmlns="" xmlns:adec="http://schemas.microsoft.com/office/drawing/2017/decorative" val="1"/>
+                <adec:decorative xmlns:adec="http://schemas.microsoft.com/office/drawing/2017/decorative" xmlns="" val="1"/>
               </a:ext>
             </a:extLst>
           </p:cNvPr>
@@ -45215,13 +45565,13 @@
   <p:clrMapOvr>
     <a:masterClrMapping/>
   </p:clrMapOvr>
-  <mc:AlternateContent xmlns:mc="http://schemas.openxmlformats.org/markup-compatibility/2006">
-    <mc:Choice xmlns:p14="http://schemas.microsoft.com/office/powerpoint/2010/main" Requires="p14">
+  <mc:AlternateContent xmlns:mc="http://schemas.openxmlformats.org/markup-compatibility/2006" xmlns:p14="http://schemas.microsoft.com/office/powerpoint/2010/main">
+    <mc:Choice Requires="p14">
       <p:transition spd="slow" p14:dur="1500">
         <p:split orient="vert"/>
       </p:transition>
     </mc:Choice>
-    <mc:Fallback>
+    <mc:Fallback xmlns="">
       <p:transition spd="slow">
         <p:split orient="vert"/>
       </p:transition>
@@ -45422,7 +45772,7 @@
                 <a16:creationId xmlns:a16="http://schemas.microsoft.com/office/drawing/2014/main" id="{C8431200-8E45-4A0C-B12B-CFA1B2C53C47}"/>
               </a:ext>
               <a:ext uri="{C183D7F6-B498-43B3-948B-1728B52AA6E4}">
-                <adec:decorative xmlns="" xmlns:adec="http://schemas.microsoft.com/office/drawing/2017/decorative" val="1"/>
+                <adec:decorative xmlns:adec="http://schemas.microsoft.com/office/drawing/2017/decorative" xmlns="" val="1"/>
               </a:ext>
             </a:extLst>
           </p:cNvPr>
@@ -45482,7 +45832,7 @@
                 <a16:creationId xmlns:a16="http://schemas.microsoft.com/office/drawing/2014/main" id="{241C7FC4-FEFA-4A96-9749-9068C68611EF}"/>
               </a:ext>
               <a:ext uri="{C183D7F6-B498-43B3-948B-1728B52AA6E4}">
-                <adec:decorative xmlns="" xmlns:adec="http://schemas.microsoft.com/office/drawing/2017/decorative" val="1"/>
+                <adec:decorative xmlns:adec="http://schemas.microsoft.com/office/drawing/2017/decorative" xmlns="" val="1"/>
               </a:ext>
             </a:extLst>
           </p:cNvPr>
@@ -45598,7 +45948,7 @@
                 <a16:creationId xmlns:a16="http://schemas.microsoft.com/office/drawing/2014/main" id="{294AEDC0-6B1D-4A3D-860D-83756CC387D3}"/>
               </a:ext>
               <a:ext uri="{C183D7F6-B498-43B3-948B-1728B52AA6E4}">
-                <adec:decorative xmlns="" xmlns:adec="http://schemas.microsoft.com/office/drawing/2017/decorative" val="1"/>
+                <adec:decorative xmlns:adec="http://schemas.microsoft.com/office/drawing/2017/decorative" xmlns="" val="1"/>
               </a:ext>
             </a:extLst>
           </p:cNvPr>
@@ -46171,13 +46521,13 @@
   <p:clrMapOvr>
     <a:masterClrMapping/>
   </p:clrMapOvr>
-  <mc:AlternateContent xmlns:mc="http://schemas.openxmlformats.org/markup-compatibility/2006">
-    <mc:Choice xmlns:p14="http://schemas.microsoft.com/office/powerpoint/2010/main" Requires="p14">
+  <mc:AlternateContent xmlns:mc="http://schemas.openxmlformats.org/markup-compatibility/2006" xmlns:p14="http://schemas.microsoft.com/office/powerpoint/2010/main">
+    <mc:Choice Requires="p14">
       <p:transition spd="slow" p14:dur="1200">
         <p:dissolve/>
       </p:transition>
     </mc:Choice>
-    <mc:Fallback>
+    <mc:Fallback xmlns="">
       <p:transition spd="slow">
         <p:dissolve/>
       </p:transition>
